--- a/Final Project - Conjugate Gradient method.pptx
+++ b/Final Project - Conjugate Gradient method.pptx
@@ -14,6 +14,8 @@
     <p:sldId id="262" r:id="rId8"/>
     <p:sldId id="263" r:id="rId9"/>
     <p:sldId id="264" r:id="rId10"/>
+    <p:sldId id="265" r:id="rId11"/>
+    <p:sldId id="267" r:id="rId12"/>
   </p:sldIdLst>
   <p:sldSz cx="12192000" cy="6858000"/>
   <p:notesSz cx="6858000" cy="9144000"/>
@@ -162,10 +164,9 @@
           </a:lstStyle>
           <a:p>
             <a:r>
-              <a:rPr lang="zh-TW" altLang="en-US" smtClean="0"/>
+              <a:rPr lang="zh-TW" altLang="en-US"/>
               <a:t>按一下以編輯母片標題樣式</a:t>
             </a:r>
-            <a:endParaRPr lang="zh-TW" altLang="en-US"/>
           </a:p>
         </p:txBody>
       </p:sp>
@@ -227,10 +228,9 @@
           </a:lstStyle>
           <a:p>
             <a:r>
-              <a:rPr lang="zh-TW" altLang="en-US" smtClean="0"/>
+              <a:rPr lang="zh-TW" altLang="en-US"/>
               <a:t>按一下以編輯母片副標題樣式</a:t>
             </a:r>
-            <a:endParaRPr lang="zh-TW" altLang="en-US"/>
           </a:p>
         </p:txBody>
       </p:sp>
@@ -251,7 +251,7 @@
           <a:p>
             <a:fld id="{E52FBAA3-F589-4A89-8837-2ACCD95660B2}" type="datetimeFigureOut">
               <a:rPr lang="zh-TW" altLang="en-US" smtClean="0"/>
-              <a:t>2021/5/31</a:t>
+              <a:t>2021/6/15</a:t>
             </a:fld>
             <a:endParaRPr lang="zh-TW" altLang="en-US"/>
           </a:p>
@@ -345,10 +345,9 @@
           <a:lstStyle/>
           <a:p>
             <a:r>
-              <a:rPr lang="zh-TW" altLang="en-US" smtClean="0"/>
+              <a:rPr lang="zh-TW" altLang="en-US"/>
               <a:t>按一下以編輯母片標題樣式</a:t>
             </a:r>
-            <a:endParaRPr lang="zh-TW" altLang="en-US"/>
           </a:p>
         </p:txBody>
       </p:sp>
@@ -369,38 +368,37 @@
           <a:p>
             <a:pPr lvl="0"/>
             <a:r>
-              <a:rPr lang="zh-TW" altLang="en-US" smtClean="0"/>
+              <a:rPr lang="zh-TW" altLang="en-US"/>
               <a:t>編輯母片文字樣式</a:t>
             </a:r>
           </a:p>
           <a:p>
             <a:pPr lvl="1"/>
             <a:r>
-              <a:rPr lang="zh-TW" altLang="en-US" smtClean="0"/>
+              <a:rPr lang="zh-TW" altLang="en-US"/>
               <a:t>第二層</a:t>
             </a:r>
           </a:p>
           <a:p>
             <a:pPr lvl="2"/>
             <a:r>
-              <a:rPr lang="zh-TW" altLang="en-US" smtClean="0"/>
+              <a:rPr lang="zh-TW" altLang="en-US"/>
               <a:t>第三層</a:t>
             </a:r>
           </a:p>
           <a:p>
             <a:pPr lvl="3"/>
             <a:r>
-              <a:rPr lang="zh-TW" altLang="en-US" smtClean="0"/>
+              <a:rPr lang="zh-TW" altLang="en-US"/>
               <a:t>第四層</a:t>
             </a:r>
           </a:p>
           <a:p>
             <a:pPr lvl="4"/>
             <a:r>
-              <a:rPr lang="zh-TW" altLang="en-US" smtClean="0"/>
+              <a:rPr lang="zh-TW" altLang="en-US"/>
               <a:t>第五層</a:t>
             </a:r>
-            <a:endParaRPr lang="zh-TW" altLang="en-US"/>
           </a:p>
         </p:txBody>
       </p:sp>
@@ -421,7 +419,7 @@
           <a:p>
             <a:fld id="{E52FBAA3-F589-4A89-8837-2ACCD95660B2}" type="datetimeFigureOut">
               <a:rPr lang="zh-TW" altLang="en-US" smtClean="0"/>
-              <a:t>2021/5/31</a:t>
+              <a:t>2021/6/15</a:t>
             </a:fld>
             <a:endParaRPr lang="zh-TW" altLang="en-US"/>
           </a:p>
@@ -520,10 +518,9 @@
           <a:lstStyle/>
           <a:p>
             <a:r>
-              <a:rPr lang="zh-TW" altLang="en-US" smtClean="0"/>
+              <a:rPr lang="zh-TW" altLang="en-US"/>
               <a:t>按一下以編輯母片標題樣式</a:t>
             </a:r>
-            <a:endParaRPr lang="zh-TW" altLang="en-US"/>
           </a:p>
         </p:txBody>
       </p:sp>
@@ -549,38 +546,37 @@
           <a:p>
             <a:pPr lvl="0"/>
             <a:r>
-              <a:rPr lang="zh-TW" altLang="en-US" smtClean="0"/>
+              <a:rPr lang="zh-TW" altLang="en-US"/>
               <a:t>編輯母片文字樣式</a:t>
             </a:r>
           </a:p>
           <a:p>
             <a:pPr lvl="1"/>
             <a:r>
-              <a:rPr lang="zh-TW" altLang="en-US" smtClean="0"/>
+              <a:rPr lang="zh-TW" altLang="en-US"/>
               <a:t>第二層</a:t>
             </a:r>
           </a:p>
           <a:p>
             <a:pPr lvl="2"/>
             <a:r>
-              <a:rPr lang="zh-TW" altLang="en-US" smtClean="0"/>
+              <a:rPr lang="zh-TW" altLang="en-US"/>
               <a:t>第三層</a:t>
             </a:r>
           </a:p>
           <a:p>
             <a:pPr lvl="3"/>
             <a:r>
-              <a:rPr lang="zh-TW" altLang="en-US" smtClean="0"/>
+              <a:rPr lang="zh-TW" altLang="en-US"/>
               <a:t>第四層</a:t>
             </a:r>
           </a:p>
           <a:p>
             <a:pPr lvl="4"/>
             <a:r>
-              <a:rPr lang="zh-TW" altLang="en-US" smtClean="0"/>
+              <a:rPr lang="zh-TW" altLang="en-US"/>
               <a:t>第五層</a:t>
             </a:r>
-            <a:endParaRPr lang="zh-TW" altLang="en-US"/>
           </a:p>
         </p:txBody>
       </p:sp>
@@ -601,7 +597,7 @@
           <a:p>
             <a:fld id="{E52FBAA3-F589-4A89-8837-2ACCD95660B2}" type="datetimeFigureOut">
               <a:rPr lang="zh-TW" altLang="en-US" smtClean="0"/>
-              <a:t>2021/5/31</a:t>
+              <a:t>2021/6/15</a:t>
             </a:fld>
             <a:endParaRPr lang="zh-TW" altLang="en-US"/>
           </a:p>
@@ -695,10 +691,9 @@
           <a:lstStyle/>
           <a:p>
             <a:r>
-              <a:rPr lang="zh-TW" altLang="en-US" smtClean="0"/>
+              <a:rPr lang="zh-TW" altLang="en-US"/>
               <a:t>按一下以編輯母片標題樣式</a:t>
             </a:r>
-            <a:endParaRPr lang="zh-TW" altLang="en-US"/>
           </a:p>
         </p:txBody>
       </p:sp>
@@ -719,38 +714,37 @@
           <a:p>
             <a:pPr lvl="0"/>
             <a:r>
-              <a:rPr lang="zh-TW" altLang="en-US" smtClean="0"/>
+              <a:rPr lang="zh-TW" altLang="en-US"/>
               <a:t>編輯母片文字樣式</a:t>
             </a:r>
           </a:p>
           <a:p>
             <a:pPr lvl="1"/>
             <a:r>
-              <a:rPr lang="zh-TW" altLang="en-US" smtClean="0"/>
+              <a:rPr lang="zh-TW" altLang="en-US"/>
               <a:t>第二層</a:t>
             </a:r>
           </a:p>
           <a:p>
             <a:pPr lvl="2"/>
             <a:r>
-              <a:rPr lang="zh-TW" altLang="en-US" smtClean="0"/>
+              <a:rPr lang="zh-TW" altLang="en-US"/>
               <a:t>第三層</a:t>
             </a:r>
           </a:p>
           <a:p>
             <a:pPr lvl="3"/>
             <a:r>
-              <a:rPr lang="zh-TW" altLang="en-US" smtClean="0"/>
+              <a:rPr lang="zh-TW" altLang="en-US"/>
               <a:t>第四層</a:t>
             </a:r>
           </a:p>
           <a:p>
             <a:pPr lvl="4"/>
             <a:r>
-              <a:rPr lang="zh-TW" altLang="en-US" smtClean="0"/>
+              <a:rPr lang="zh-TW" altLang="en-US"/>
               <a:t>第五層</a:t>
             </a:r>
-            <a:endParaRPr lang="zh-TW" altLang="en-US"/>
           </a:p>
         </p:txBody>
       </p:sp>
@@ -771,7 +765,7 @@
           <a:p>
             <a:fld id="{E52FBAA3-F589-4A89-8837-2ACCD95660B2}" type="datetimeFigureOut">
               <a:rPr lang="zh-TW" altLang="en-US" smtClean="0"/>
-              <a:t>2021/5/31</a:t>
+              <a:t>2021/6/15</a:t>
             </a:fld>
             <a:endParaRPr lang="zh-TW" altLang="en-US"/>
           </a:p>
@@ -874,10 +868,9 @@
           </a:lstStyle>
           <a:p>
             <a:r>
-              <a:rPr lang="zh-TW" altLang="en-US" smtClean="0"/>
+              <a:rPr lang="zh-TW" altLang="en-US"/>
               <a:t>按一下以編輯母片標題樣式</a:t>
             </a:r>
-            <a:endParaRPr lang="zh-TW" altLang="en-US"/>
           </a:p>
         </p:txBody>
       </p:sp>
@@ -994,7 +987,7 @@
           <a:p>
             <a:pPr lvl="0"/>
             <a:r>
-              <a:rPr lang="zh-TW" altLang="en-US" smtClean="0"/>
+              <a:rPr lang="zh-TW" altLang="en-US"/>
               <a:t>編輯母片文字樣式</a:t>
             </a:r>
           </a:p>
@@ -1017,7 +1010,7 @@
           <a:p>
             <a:fld id="{E52FBAA3-F589-4A89-8837-2ACCD95660B2}" type="datetimeFigureOut">
               <a:rPr lang="zh-TW" altLang="en-US" smtClean="0"/>
-              <a:t>2021/5/31</a:t>
+              <a:t>2021/6/15</a:t>
             </a:fld>
             <a:endParaRPr lang="zh-TW" altLang="en-US"/>
           </a:p>
@@ -1111,10 +1104,9 @@
           <a:lstStyle/>
           <a:p>
             <a:r>
-              <a:rPr lang="zh-TW" altLang="en-US" smtClean="0"/>
+              <a:rPr lang="zh-TW" altLang="en-US"/>
               <a:t>按一下以編輯母片標題樣式</a:t>
             </a:r>
-            <a:endParaRPr lang="zh-TW" altLang="en-US"/>
           </a:p>
         </p:txBody>
       </p:sp>
@@ -1140,38 +1132,37 @@
           <a:p>
             <a:pPr lvl="0"/>
             <a:r>
-              <a:rPr lang="zh-TW" altLang="en-US" smtClean="0"/>
+              <a:rPr lang="zh-TW" altLang="en-US"/>
               <a:t>編輯母片文字樣式</a:t>
             </a:r>
           </a:p>
           <a:p>
             <a:pPr lvl="1"/>
             <a:r>
-              <a:rPr lang="zh-TW" altLang="en-US" smtClean="0"/>
+              <a:rPr lang="zh-TW" altLang="en-US"/>
               <a:t>第二層</a:t>
             </a:r>
           </a:p>
           <a:p>
             <a:pPr lvl="2"/>
             <a:r>
-              <a:rPr lang="zh-TW" altLang="en-US" smtClean="0"/>
+              <a:rPr lang="zh-TW" altLang="en-US"/>
               <a:t>第三層</a:t>
             </a:r>
           </a:p>
           <a:p>
             <a:pPr lvl="3"/>
             <a:r>
-              <a:rPr lang="zh-TW" altLang="en-US" smtClean="0"/>
+              <a:rPr lang="zh-TW" altLang="en-US"/>
               <a:t>第四層</a:t>
             </a:r>
           </a:p>
           <a:p>
             <a:pPr lvl="4"/>
             <a:r>
-              <a:rPr lang="zh-TW" altLang="en-US" smtClean="0"/>
+              <a:rPr lang="zh-TW" altLang="en-US"/>
               <a:t>第五層</a:t>
             </a:r>
-            <a:endParaRPr lang="zh-TW" altLang="en-US"/>
           </a:p>
         </p:txBody>
       </p:sp>
@@ -1197,38 +1188,37 @@
           <a:p>
             <a:pPr lvl="0"/>
             <a:r>
-              <a:rPr lang="zh-TW" altLang="en-US" smtClean="0"/>
+              <a:rPr lang="zh-TW" altLang="en-US"/>
               <a:t>編輯母片文字樣式</a:t>
             </a:r>
           </a:p>
           <a:p>
             <a:pPr lvl="1"/>
             <a:r>
-              <a:rPr lang="zh-TW" altLang="en-US" smtClean="0"/>
+              <a:rPr lang="zh-TW" altLang="en-US"/>
               <a:t>第二層</a:t>
             </a:r>
           </a:p>
           <a:p>
             <a:pPr lvl="2"/>
             <a:r>
-              <a:rPr lang="zh-TW" altLang="en-US" smtClean="0"/>
+              <a:rPr lang="zh-TW" altLang="en-US"/>
               <a:t>第三層</a:t>
             </a:r>
           </a:p>
           <a:p>
             <a:pPr lvl="3"/>
             <a:r>
-              <a:rPr lang="zh-TW" altLang="en-US" smtClean="0"/>
+              <a:rPr lang="zh-TW" altLang="en-US"/>
               <a:t>第四層</a:t>
             </a:r>
           </a:p>
           <a:p>
             <a:pPr lvl="4"/>
             <a:r>
-              <a:rPr lang="zh-TW" altLang="en-US" smtClean="0"/>
+              <a:rPr lang="zh-TW" altLang="en-US"/>
               <a:t>第五層</a:t>
             </a:r>
-            <a:endParaRPr lang="zh-TW" altLang="en-US"/>
           </a:p>
         </p:txBody>
       </p:sp>
@@ -1249,7 +1239,7 @@
           <a:p>
             <a:fld id="{E52FBAA3-F589-4A89-8837-2ACCD95660B2}" type="datetimeFigureOut">
               <a:rPr lang="zh-TW" altLang="en-US" smtClean="0"/>
-              <a:t>2021/5/31</a:t>
+              <a:t>2021/6/15</a:t>
             </a:fld>
             <a:endParaRPr lang="zh-TW" altLang="en-US"/>
           </a:p>
@@ -1348,10 +1338,9 @@
           <a:lstStyle/>
           <a:p>
             <a:r>
-              <a:rPr lang="zh-TW" altLang="en-US" smtClean="0"/>
+              <a:rPr lang="zh-TW" altLang="en-US"/>
               <a:t>按一下以編輯母片標題樣式</a:t>
             </a:r>
-            <a:endParaRPr lang="zh-TW" altLang="en-US"/>
           </a:p>
         </p:txBody>
       </p:sp>
@@ -1414,7 +1403,7 @@
           <a:p>
             <a:pPr lvl="0"/>
             <a:r>
-              <a:rPr lang="zh-TW" altLang="en-US" smtClean="0"/>
+              <a:rPr lang="zh-TW" altLang="en-US"/>
               <a:t>編輯母片文字樣式</a:t>
             </a:r>
           </a:p>
@@ -1442,38 +1431,37 @@
           <a:p>
             <a:pPr lvl="0"/>
             <a:r>
-              <a:rPr lang="zh-TW" altLang="en-US" smtClean="0"/>
+              <a:rPr lang="zh-TW" altLang="en-US"/>
               <a:t>編輯母片文字樣式</a:t>
             </a:r>
           </a:p>
           <a:p>
             <a:pPr lvl="1"/>
             <a:r>
-              <a:rPr lang="zh-TW" altLang="en-US" smtClean="0"/>
+              <a:rPr lang="zh-TW" altLang="en-US"/>
               <a:t>第二層</a:t>
             </a:r>
           </a:p>
           <a:p>
             <a:pPr lvl="2"/>
             <a:r>
-              <a:rPr lang="zh-TW" altLang="en-US" smtClean="0"/>
+              <a:rPr lang="zh-TW" altLang="en-US"/>
               <a:t>第三層</a:t>
             </a:r>
           </a:p>
           <a:p>
             <a:pPr lvl="3"/>
             <a:r>
-              <a:rPr lang="zh-TW" altLang="en-US" smtClean="0"/>
+              <a:rPr lang="zh-TW" altLang="en-US"/>
               <a:t>第四層</a:t>
             </a:r>
           </a:p>
           <a:p>
             <a:pPr lvl="4"/>
             <a:r>
-              <a:rPr lang="zh-TW" altLang="en-US" smtClean="0"/>
+              <a:rPr lang="zh-TW" altLang="en-US"/>
               <a:t>第五層</a:t>
             </a:r>
-            <a:endParaRPr lang="zh-TW" altLang="en-US"/>
           </a:p>
         </p:txBody>
       </p:sp>
@@ -1536,7 +1524,7 @@
           <a:p>
             <a:pPr lvl="0"/>
             <a:r>
-              <a:rPr lang="zh-TW" altLang="en-US" smtClean="0"/>
+              <a:rPr lang="zh-TW" altLang="en-US"/>
               <a:t>編輯母片文字樣式</a:t>
             </a:r>
           </a:p>
@@ -1564,38 +1552,37 @@
           <a:p>
             <a:pPr lvl="0"/>
             <a:r>
-              <a:rPr lang="zh-TW" altLang="en-US" smtClean="0"/>
+              <a:rPr lang="zh-TW" altLang="en-US"/>
               <a:t>編輯母片文字樣式</a:t>
             </a:r>
           </a:p>
           <a:p>
             <a:pPr lvl="1"/>
             <a:r>
-              <a:rPr lang="zh-TW" altLang="en-US" smtClean="0"/>
+              <a:rPr lang="zh-TW" altLang="en-US"/>
               <a:t>第二層</a:t>
             </a:r>
           </a:p>
           <a:p>
             <a:pPr lvl="2"/>
             <a:r>
-              <a:rPr lang="zh-TW" altLang="en-US" smtClean="0"/>
+              <a:rPr lang="zh-TW" altLang="en-US"/>
               <a:t>第三層</a:t>
             </a:r>
           </a:p>
           <a:p>
             <a:pPr lvl="3"/>
             <a:r>
-              <a:rPr lang="zh-TW" altLang="en-US" smtClean="0"/>
+              <a:rPr lang="zh-TW" altLang="en-US"/>
               <a:t>第四層</a:t>
             </a:r>
           </a:p>
           <a:p>
             <a:pPr lvl="4"/>
             <a:r>
-              <a:rPr lang="zh-TW" altLang="en-US" smtClean="0"/>
+              <a:rPr lang="zh-TW" altLang="en-US"/>
               <a:t>第五層</a:t>
             </a:r>
-            <a:endParaRPr lang="zh-TW" altLang="en-US"/>
           </a:p>
         </p:txBody>
       </p:sp>
@@ -1616,7 +1603,7 @@
           <a:p>
             <a:fld id="{E52FBAA3-F589-4A89-8837-2ACCD95660B2}" type="datetimeFigureOut">
               <a:rPr lang="zh-TW" altLang="en-US" smtClean="0"/>
-              <a:t>2021/5/31</a:t>
+              <a:t>2021/6/15</a:t>
             </a:fld>
             <a:endParaRPr lang="zh-TW" altLang="en-US"/>
           </a:p>
@@ -1710,10 +1697,9 @@
           <a:lstStyle/>
           <a:p>
             <a:r>
-              <a:rPr lang="zh-TW" altLang="en-US" smtClean="0"/>
+              <a:rPr lang="zh-TW" altLang="en-US"/>
               <a:t>按一下以編輯母片標題樣式</a:t>
             </a:r>
-            <a:endParaRPr lang="zh-TW" altLang="en-US"/>
           </a:p>
         </p:txBody>
       </p:sp>
@@ -1734,7 +1720,7 @@
           <a:p>
             <a:fld id="{E52FBAA3-F589-4A89-8837-2ACCD95660B2}" type="datetimeFigureOut">
               <a:rPr lang="zh-TW" altLang="en-US" smtClean="0"/>
-              <a:t>2021/5/31</a:t>
+              <a:t>2021/6/15</a:t>
             </a:fld>
             <a:endParaRPr lang="zh-TW" altLang="en-US"/>
           </a:p>
@@ -1829,7 +1815,7 @@
           <a:p>
             <a:fld id="{E52FBAA3-F589-4A89-8837-2ACCD95660B2}" type="datetimeFigureOut">
               <a:rPr lang="zh-TW" altLang="en-US" smtClean="0"/>
-              <a:t>2021/5/31</a:t>
+              <a:t>2021/6/15</a:t>
             </a:fld>
             <a:endParaRPr lang="zh-TW" altLang="en-US"/>
           </a:p>
@@ -1932,10 +1918,9 @@
           </a:lstStyle>
           <a:p>
             <a:r>
-              <a:rPr lang="zh-TW" altLang="en-US" smtClean="0"/>
+              <a:rPr lang="zh-TW" altLang="en-US"/>
               <a:t>按一下以編輯母片標題樣式</a:t>
             </a:r>
-            <a:endParaRPr lang="zh-TW" altLang="en-US"/>
           </a:p>
         </p:txBody>
       </p:sp>
@@ -1989,38 +1974,37 @@
           <a:p>
             <a:pPr lvl="0"/>
             <a:r>
-              <a:rPr lang="zh-TW" altLang="en-US" smtClean="0"/>
+              <a:rPr lang="zh-TW" altLang="en-US"/>
               <a:t>編輯母片文字樣式</a:t>
             </a:r>
           </a:p>
           <a:p>
             <a:pPr lvl="1"/>
             <a:r>
-              <a:rPr lang="zh-TW" altLang="en-US" smtClean="0"/>
+              <a:rPr lang="zh-TW" altLang="en-US"/>
               <a:t>第二層</a:t>
             </a:r>
           </a:p>
           <a:p>
             <a:pPr lvl="2"/>
             <a:r>
-              <a:rPr lang="zh-TW" altLang="en-US" smtClean="0"/>
+              <a:rPr lang="zh-TW" altLang="en-US"/>
               <a:t>第三層</a:t>
             </a:r>
           </a:p>
           <a:p>
             <a:pPr lvl="3"/>
             <a:r>
-              <a:rPr lang="zh-TW" altLang="en-US" smtClean="0"/>
+              <a:rPr lang="zh-TW" altLang="en-US"/>
               <a:t>第四層</a:t>
             </a:r>
           </a:p>
           <a:p>
             <a:pPr lvl="4"/>
             <a:r>
-              <a:rPr lang="zh-TW" altLang="en-US" smtClean="0"/>
+              <a:rPr lang="zh-TW" altLang="en-US"/>
               <a:t>第五層</a:t>
             </a:r>
-            <a:endParaRPr lang="zh-TW" altLang="en-US"/>
           </a:p>
         </p:txBody>
       </p:sp>
@@ -2083,7 +2067,7 @@
           <a:p>
             <a:pPr lvl="0"/>
             <a:r>
-              <a:rPr lang="zh-TW" altLang="en-US" smtClean="0"/>
+              <a:rPr lang="zh-TW" altLang="en-US"/>
               <a:t>編輯母片文字樣式</a:t>
             </a:r>
           </a:p>
@@ -2106,7 +2090,7 @@
           <a:p>
             <a:fld id="{E52FBAA3-F589-4A89-8837-2ACCD95660B2}" type="datetimeFigureOut">
               <a:rPr lang="zh-TW" altLang="en-US" smtClean="0"/>
-              <a:t>2021/5/31</a:t>
+              <a:t>2021/6/15</a:t>
             </a:fld>
             <a:endParaRPr lang="zh-TW" altLang="en-US"/>
           </a:p>
@@ -2209,10 +2193,9 @@
           </a:lstStyle>
           <a:p>
             <a:r>
-              <a:rPr lang="zh-TW" altLang="en-US" smtClean="0"/>
+              <a:rPr lang="zh-TW" altLang="en-US"/>
               <a:t>按一下以編輯母片標題樣式</a:t>
             </a:r>
-            <a:endParaRPr lang="zh-TW" altLang="en-US"/>
           </a:p>
         </p:txBody>
       </p:sp>
@@ -2336,7 +2319,7 @@
           <a:p>
             <a:pPr lvl="0"/>
             <a:r>
-              <a:rPr lang="zh-TW" altLang="en-US" smtClean="0"/>
+              <a:rPr lang="zh-TW" altLang="en-US"/>
               <a:t>編輯母片文字樣式</a:t>
             </a:r>
           </a:p>
@@ -2359,7 +2342,7 @@
           <a:p>
             <a:fld id="{E52FBAA3-F589-4A89-8837-2ACCD95660B2}" type="datetimeFigureOut">
               <a:rPr lang="zh-TW" altLang="en-US" smtClean="0"/>
-              <a:t>2021/5/31</a:t>
+              <a:t>2021/6/15</a:t>
             </a:fld>
             <a:endParaRPr lang="zh-TW" altLang="en-US"/>
           </a:p>
@@ -2468,10 +2451,9 @@
           <a:lstStyle/>
           <a:p>
             <a:r>
-              <a:rPr lang="zh-TW" altLang="en-US" smtClean="0"/>
+              <a:rPr lang="zh-TW" altLang="en-US"/>
               <a:t>按一下以編輯母片標題樣式</a:t>
             </a:r>
-            <a:endParaRPr lang="zh-TW" altLang="en-US"/>
           </a:p>
         </p:txBody>
       </p:sp>
@@ -2502,38 +2484,37 @@
           <a:p>
             <a:pPr lvl="0"/>
             <a:r>
-              <a:rPr lang="zh-TW" altLang="en-US" smtClean="0"/>
+              <a:rPr lang="zh-TW" altLang="en-US"/>
               <a:t>編輯母片文字樣式</a:t>
             </a:r>
           </a:p>
           <a:p>
             <a:pPr lvl="1"/>
             <a:r>
-              <a:rPr lang="zh-TW" altLang="en-US" smtClean="0"/>
+              <a:rPr lang="zh-TW" altLang="en-US"/>
               <a:t>第二層</a:t>
             </a:r>
           </a:p>
           <a:p>
             <a:pPr lvl="2"/>
             <a:r>
-              <a:rPr lang="zh-TW" altLang="en-US" smtClean="0"/>
+              <a:rPr lang="zh-TW" altLang="en-US"/>
               <a:t>第三層</a:t>
             </a:r>
           </a:p>
           <a:p>
             <a:pPr lvl="3"/>
             <a:r>
-              <a:rPr lang="zh-TW" altLang="en-US" smtClean="0"/>
+              <a:rPr lang="zh-TW" altLang="en-US"/>
               <a:t>第四層</a:t>
             </a:r>
           </a:p>
           <a:p>
             <a:pPr lvl="4"/>
             <a:r>
-              <a:rPr lang="zh-TW" altLang="en-US" smtClean="0"/>
+              <a:rPr lang="zh-TW" altLang="en-US"/>
               <a:t>第五層</a:t>
             </a:r>
-            <a:endParaRPr lang="zh-TW" altLang="en-US"/>
           </a:p>
         </p:txBody>
       </p:sp>
@@ -2572,7 +2553,7 @@
           <a:p>
             <a:fld id="{E52FBAA3-F589-4A89-8837-2ACCD95660B2}" type="datetimeFigureOut">
               <a:rPr lang="zh-TW" altLang="en-US" smtClean="0"/>
-              <a:t>2021/5/31</a:t>
+              <a:t>2021/6/15</a:t>
             </a:fld>
             <a:endParaRPr lang="zh-TW" altLang="en-US"/>
           </a:p>
@@ -3000,25 +2981,16 @@
           <a:lstStyle/>
           <a:p>
             <a:r>
-              <a:rPr lang="en-US" altLang="zh-TW" dirty="0" smtClean="0"/>
+              <a:rPr lang="en-US" altLang="zh-TW" dirty="0"/>
               <a:t>Final Project</a:t>
             </a:r>
             <a:br>
-              <a:rPr lang="en-US" altLang="zh-TW" dirty="0" smtClean="0"/>
+              <a:rPr lang="en-US" altLang="zh-TW" dirty="0"/>
             </a:br>
             <a:r>
-              <a:rPr lang="en-US" altLang="zh-TW" sz="4400" dirty="0" smtClean="0"/>
-              <a:t>Conjugate </a:t>
-            </a:r>
-            <a:r>
               <a:rPr lang="en-US" altLang="zh-TW" sz="4400" dirty="0"/>
-              <a:t>Gradient </a:t>
-            </a:r>
-            <a:r>
-              <a:rPr lang="en-US" altLang="zh-TW" sz="4400" dirty="0" smtClean="0"/>
-              <a:t>Poisson Solver</a:t>
-            </a:r>
-            <a:endParaRPr lang="en-US" altLang="zh-TW" sz="4400" dirty="0"/>
+              <a:t>Conjugate Gradient Poisson Solver</a:t>
+            </a:r>
           </a:p>
         </p:txBody>
       </p:sp>
@@ -3044,14 +3016,14 @@
           <a:p>
             <a:pPr algn="r"/>
             <a:r>
-              <a:rPr lang="en-US" altLang="zh-TW" dirty="0" smtClean="0"/>
+              <a:rPr lang="en-US" altLang="zh-TW" dirty="0"/>
               <a:t>R08222060 </a:t>
             </a:r>
             <a:r>
-              <a:rPr lang="zh-TW" altLang="en-US" dirty="0" smtClean="0"/>
+              <a:rPr lang="zh-TW" altLang="en-US" dirty="0"/>
               <a:t>物理碩二 陳琦畯</a:t>
             </a:r>
-            <a:endParaRPr lang="en-US" altLang="zh-TW" dirty="0" smtClean="0"/>
+            <a:endParaRPr lang="en-US" altLang="zh-TW" dirty="0"/>
           </a:p>
         </p:txBody>
       </p:sp>
@@ -3059,6 +3031,1150 @@
     <p:extLst>
       <p:ext uri="{BB962C8B-B14F-4D97-AF65-F5344CB8AC3E}">
         <p14:creationId xmlns:p14="http://schemas.microsoft.com/office/powerpoint/2010/main" val="1599759663"/>
+      </p:ext>
+    </p:extLst>
+  </p:cSld>
+  <p:clrMapOvr>
+    <a:masterClrMapping/>
+  </p:clrMapOvr>
+</p:sld>
+</file>
+
+<file path=ppt/slides/slide10.xml><?xml version="1.0" encoding="utf-8"?>
+<p:sld xmlns:a="http://schemas.openxmlformats.org/drawingml/2006/main" xmlns:r="http://schemas.openxmlformats.org/officeDocument/2006/relationships" xmlns:p="http://schemas.openxmlformats.org/presentationml/2006/main">
+  <p:cSld>
+    <p:spTree>
+      <p:nvGrpSpPr>
+        <p:cNvPr id="1" name=""/>
+        <p:cNvGrpSpPr/>
+        <p:nvPr/>
+      </p:nvGrpSpPr>
+      <p:grpSpPr>
+        <a:xfrm>
+          <a:off x="0" y="0"/>
+          <a:ext cx="0" cy="0"/>
+          <a:chOff x="0" y="0"/>
+          <a:chExt cx="0" cy="0"/>
+        </a:xfrm>
+      </p:grpSpPr>
+      <p:graphicFrame>
+        <p:nvGraphicFramePr>
+          <p:cNvPr id="2" name="Table 2">
+            <a:extLst>
+              <a:ext uri="{FF2B5EF4-FFF2-40B4-BE49-F238E27FC236}">
+                <a16:creationId xmlns:a16="http://schemas.microsoft.com/office/drawing/2014/main" id="{361A48B3-70BF-AD43-8635-974A530E8A62}"/>
+              </a:ext>
+            </a:extLst>
+          </p:cNvPr>
+          <p:cNvGraphicFramePr>
+            <a:graphicFrameLocks noGrp="1"/>
+          </p:cNvGraphicFramePr>
+          <p:nvPr>
+            <p:extLst>
+              <p:ext uri="{D42A27DB-BD31-4B8C-83A1-F6EECF244321}">
+                <p14:modId xmlns:p14="http://schemas.microsoft.com/office/powerpoint/2010/main" val="3382164396"/>
+              </p:ext>
+            </p:extLst>
+          </p:nvPr>
+        </p:nvGraphicFramePr>
+        <p:xfrm>
+          <a:off x="1699740" y="1690688"/>
+          <a:ext cx="8792520" cy="1464822"/>
+        </p:xfrm>
+        <a:graphic>
+          <a:graphicData uri="http://schemas.openxmlformats.org/drawingml/2006/table">
+            <a:tbl>
+              <a:tblPr firstRow="1" bandRow="1">
+                <a:tableStyleId>{5C22544A-7EE6-4342-B048-85BDC9FD1C3A}</a:tableStyleId>
+              </a:tblPr>
+              <a:tblGrid>
+                <a:gridCol w="1758504">
+                  <a:extLst>
+                    <a:ext uri="{9D8B030D-6E8A-4147-A177-3AD203B41FA5}">
+                      <a16:colId xmlns:a16="http://schemas.microsoft.com/office/drawing/2014/main" val="10454311"/>
+                    </a:ext>
+                  </a:extLst>
+                </a:gridCol>
+                <a:gridCol w="1758504">
+                  <a:extLst>
+                    <a:ext uri="{9D8B030D-6E8A-4147-A177-3AD203B41FA5}">
+                      <a16:colId xmlns:a16="http://schemas.microsoft.com/office/drawing/2014/main" val="1630364256"/>
+                    </a:ext>
+                  </a:extLst>
+                </a:gridCol>
+                <a:gridCol w="1758504">
+                  <a:extLst>
+                    <a:ext uri="{9D8B030D-6E8A-4147-A177-3AD203B41FA5}">
+                      <a16:colId xmlns:a16="http://schemas.microsoft.com/office/drawing/2014/main" val="4051651895"/>
+                    </a:ext>
+                  </a:extLst>
+                </a:gridCol>
+                <a:gridCol w="1758504">
+                  <a:extLst>
+                    <a:ext uri="{9D8B030D-6E8A-4147-A177-3AD203B41FA5}">
+                      <a16:colId xmlns:a16="http://schemas.microsoft.com/office/drawing/2014/main" val="3155073764"/>
+                    </a:ext>
+                  </a:extLst>
+                </a:gridCol>
+                <a:gridCol w="1758504">
+                  <a:extLst>
+                    <a:ext uri="{9D8B030D-6E8A-4147-A177-3AD203B41FA5}">
+                      <a16:colId xmlns:a16="http://schemas.microsoft.com/office/drawing/2014/main" val="3258694887"/>
+                    </a:ext>
+                  </a:extLst>
+                </a:gridCol>
+              </a:tblGrid>
+              <a:tr h="488274">
+                <a:tc>
+                  <a:txBody>
+                    <a:bodyPr/>
+                    <a:lstStyle/>
+                    <a:p>
+                      <a:pPr algn="ctr"/>
+                      <a:r>
+                        <a:rPr lang="en-TW" dirty="0"/>
+                        <a:t>N = 1024</a:t>
+                      </a:r>
+                    </a:p>
+                  </a:txBody>
+                  <a:tcPr anchor="ctr"/>
+                </a:tc>
+                <a:tc>
+                  <a:txBody>
+                    <a:bodyPr/>
+                    <a:lstStyle/>
+                    <a:p>
+                      <a:pPr algn="ctr"/>
+                      <a:r>
+                        <a:rPr lang="en-TW" dirty="0"/>
+                        <a:t>1</a:t>
+                      </a:r>
+                    </a:p>
+                  </a:txBody>
+                  <a:tcPr anchor="ctr"/>
+                </a:tc>
+                <a:tc>
+                  <a:txBody>
+                    <a:bodyPr/>
+                    <a:lstStyle/>
+                    <a:p>
+                      <a:pPr algn="ctr"/>
+                      <a:r>
+                        <a:rPr lang="en-TW" dirty="0"/>
+                        <a:t>2</a:t>
+                      </a:r>
+                    </a:p>
+                  </a:txBody>
+                  <a:tcPr anchor="ctr"/>
+                </a:tc>
+                <a:tc>
+                  <a:txBody>
+                    <a:bodyPr/>
+                    <a:lstStyle/>
+                    <a:p>
+                      <a:pPr algn="ctr"/>
+                      <a:r>
+                        <a:rPr lang="en-TW" dirty="0"/>
+                        <a:t>4</a:t>
+                      </a:r>
+                    </a:p>
+                  </a:txBody>
+                  <a:tcPr anchor="ctr"/>
+                </a:tc>
+                <a:tc>
+                  <a:txBody>
+                    <a:bodyPr/>
+                    <a:lstStyle/>
+                    <a:p>
+                      <a:pPr algn="ctr"/>
+                      <a:r>
+                        <a:rPr lang="en-TW" dirty="0"/>
+                        <a:t>8</a:t>
+                      </a:r>
+                    </a:p>
+                  </a:txBody>
+                  <a:tcPr anchor="ctr"/>
+                </a:tc>
+                <a:extLst>
+                  <a:ext uri="{0D108BD9-81ED-4DB2-BD59-A6C34878D82A}">
+                    <a16:rowId xmlns:a16="http://schemas.microsoft.com/office/drawing/2014/main" val="1357623893"/>
+                  </a:ext>
+                </a:extLst>
+              </a:tr>
+              <a:tr h="488274">
+                <a:tc>
+                  <a:txBody>
+                    <a:bodyPr/>
+                    <a:lstStyle/>
+                    <a:p>
+                      <a:pPr algn="ctr"/>
+                      <a:r>
+                        <a:rPr lang="en-TW" dirty="0"/>
+                        <a:t>SOR</a:t>
+                      </a:r>
+                    </a:p>
+                  </a:txBody>
+                  <a:tcPr anchor="ctr"/>
+                </a:tc>
+                <a:tc>
+                  <a:txBody>
+                    <a:bodyPr/>
+                    <a:lstStyle/>
+                    <a:p>
+                      <a:pPr algn="ctr"/>
+                      <a:r>
+                        <a:rPr lang="en-TW" dirty="0"/>
+                        <a:t>15.553</a:t>
+                      </a:r>
+                    </a:p>
+                  </a:txBody>
+                  <a:tcPr anchor="ctr"/>
+                </a:tc>
+                <a:tc>
+                  <a:txBody>
+                    <a:bodyPr/>
+                    <a:lstStyle/>
+                    <a:p>
+                      <a:pPr algn="ctr"/>
+                      <a:r>
+                        <a:rPr lang="en-TW" dirty="0"/>
+                        <a:t>8.403</a:t>
+                      </a:r>
+                    </a:p>
+                  </a:txBody>
+                  <a:tcPr anchor="ctr"/>
+                </a:tc>
+                <a:tc>
+                  <a:txBody>
+                    <a:bodyPr/>
+                    <a:lstStyle/>
+                    <a:p>
+                      <a:pPr algn="ctr"/>
+                      <a:r>
+                        <a:rPr lang="en-TW" dirty="0"/>
+                        <a:t>4.666</a:t>
+                      </a:r>
+                    </a:p>
+                  </a:txBody>
+                  <a:tcPr anchor="ctr"/>
+                </a:tc>
+                <a:tc>
+                  <a:txBody>
+                    <a:bodyPr/>
+                    <a:lstStyle/>
+                    <a:p>
+                      <a:pPr algn="ctr"/>
+                      <a:r>
+                        <a:rPr lang="en-TW" dirty="0"/>
+                        <a:t>4.990</a:t>
+                      </a:r>
+                    </a:p>
+                  </a:txBody>
+                  <a:tcPr anchor="ctr"/>
+                </a:tc>
+                <a:extLst>
+                  <a:ext uri="{0D108BD9-81ED-4DB2-BD59-A6C34878D82A}">
+                    <a16:rowId xmlns:a16="http://schemas.microsoft.com/office/drawing/2014/main" val="2380938986"/>
+                  </a:ext>
+                </a:extLst>
+              </a:tr>
+              <a:tr h="488274">
+                <a:tc>
+                  <a:txBody>
+                    <a:bodyPr/>
+                    <a:lstStyle/>
+                    <a:p>
+                      <a:pPr algn="ctr"/>
+                      <a:r>
+                        <a:rPr lang="en-TW" dirty="0"/>
+                        <a:t>CG</a:t>
+                      </a:r>
+                    </a:p>
+                  </a:txBody>
+                  <a:tcPr anchor="ctr"/>
+                </a:tc>
+                <a:tc>
+                  <a:txBody>
+                    <a:bodyPr/>
+                    <a:lstStyle/>
+                    <a:p>
+                      <a:pPr algn="ctr"/>
+                      <a:r>
+                        <a:rPr lang="en-TW" dirty="0"/>
+                        <a:t>14.689</a:t>
+                      </a:r>
+                    </a:p>
+                  </a:txBody>
+                  <a:tcPr anchor="ctr"/>
+                </a:tc>
+                <a:tc>
+                  <a:txBody>
+                    <a:bodyPr/>
+                    <a:lstStyle/>
+                    <a:p>
+                      <a:pPr algn="ctr"/>
+                      <a:r>
+                        <a:rPr lang="en-TW" dirty="0"/>
+                        <a:t>14.776</a:t>
+                      </a:r>
+                    </a:p>
+                  </a:txBody>
+                  <a:tcPr anchor="ctr"/>
+                </a:tc>
+                <a:tc>
+                  <a:txBody>
+                    <a:bodyPr/>
+                    <a:lstStyle/>
+                    <a:p>
+                      <a:pPr algn="ctr"/>
+                      <a:r>
+                        <a:rPr lang="en-TW" dirty="0"/>
+                        <a:t>14.741</a:t>
+                      </a:r>
+                    </a:p>
+                  </a:txBody>
+                  <a:tcPr anchor="ctr"/>
+                </a:tc>
+                <a:tc>
+                  <a:txBody>
+                    <a:bodyPr/>
+                    <a:lstStyle/>
+                    <a:p>
+                      <a:pPr algn="ctr"/>
+                      <a:r>
+                        <a:rPr lang="en-TW" dirty="0"/>
+                        <a:t>14.422</a:t>
+                      </a:r>
+                    </a:p>
+                  </a:txBody>
+                  <a:tcPr anchor="ctr"/>
+                </a:tc>
+                <a:extLst>
+                  <a:ext uri="{0D108BD9-81ED-4DB2-BD59-A6C34878D82A}">
+                    <a16:rowId xmlns:a16="http://schemas.microsoft.com/office/drawing/2014/main" val="767737053"/>
+                  </a:ext>
+                </a:extLst>
+              </a:tr>
+            </a:tbl>
+          </a:graphicData>
+        </a:graphic>
+      </p:graphicFrame>
+      <p:sp>
+        <p:nvSpPr>
+          <p:cNvPr id="3" name="Title 2">
+            <a:extLst>
+              <a:ext uri="{FF2B5EF4-FFF2-40B4-BE49-F238E27FC236}">
+                <a16:creationId xmlns:a16="http://schemas.microsoft.com/office/drawing/2014/main" id="{499DAB2E-59A6-084B-955A-041BFCEC4597}"/>
+              </a:ext>
+            </a:extLst>
+          </p:cNvPr>
+          <p:cNvSpPr>
+            <a:spLocks noGrp="1"/>
+          </p:cNvSpPr>
+          <p:nvPr>
+            <p:ph type="title"/>
+          </p:nvPr>
+        </p:nvSpPr>
+        <p:spPr/>
+        <p:txBody>
+          <a:bodyPr/>
+          <a:lstStyle/>
+          <a:p>
+            <a:r>
+              <a:rPr lang="en-TW" dirty="0"/>
+              <a:t>Multi-Threads Performance Comparison</a:t>
+            </a:r>
+          </a:p>
+        </p:txBody>
+      </p:sp>
+      <p:pic>
+        <p:nvPicPr>
+          <p:cNvPr id="7" name="Picture 6">
+            <a:extLst>
+              <a:ext uri="{FF2B5EF4-FFF2-40B4-BE49-F238E27FC236}">
+                <a16:creationId xmlns:a16="http://schemas.microsoft.com/office/drawing/2014/main" id="{F4328BA1-6FC6-EE46-9204-36789143FAA0}"/>
+              </a:ext>
+            </a:extLst>
+          </p:cNvPr>
+          <p:cNvPicPr>
+            <a:picLocks noChangeAspect="1"/>
+          </p:cNvPicPr>
+          <p:nvPr/>
+        </p:nvPicPr>
+        <p:blipFill>
+          <a:blip r:embed="rId2">
+            <a:extLst>
+              <a:ext uri="{28A0092B-C50C-407E-A947-70E740481C1C}">
+                <a14:useLocalDpi xmlns:a14="http://schemas.microsoft.com/office/drawing/2010/main" val="0"/>
+              </a:ext>
+            </a:extLst>
+          </a:blip>
+          <a:stretch>
+            <a:fillRect/>
+          </a:stretch>
+        </p:blipFill>
+        <p:spPr>
+          <a:xfrm>
+            <a:off x="7629782" y="3282368"/>
+            <a:ext cx="4562218" cy="3649774"/>
+          </a:xfrm>
+          <a:prstGeom prst="rect">
+            <a:avLst/>
+          </a:prstGeom>
+        </p:spPr>
+      </p:pic>
+      <p:sp>
+        <p:nvSpPr>
+          <p:cNvPr id="8" name="TextBox 7">
+            <a:extLst>
+              <a:ext uri="{FF2B5EF4-FFF2-40B4-BE49-F238E27FC236}">
+                <a16:creationId xmlns:a16="http://schemas.microsoft.com/office/drawing/2014/main" id="{745BA77F-A750-894E-8CD8-9D55EEA095EC}"/>
+              </a:ext>
+            </a:extLst>
+          </p:cNvPr>
+          <p:cNvSpPr txBox="1"/>
+          <p:nvPr/>
+        </p:nvSpPr>
+        <p:spPr>
+          <a:xfrm>
+            <a:off x="1699740" y="3220583"/>
+            <a:ext cx="5362832" cy="646331"/>
+          </a:xfrm>
+          <a:prstGeom prst="rect">
+            <a:avLst/>
+          </a:prstGeom>
+          <a:noFill/>
+        </p:spPr>
+        <p:txBody>
+          <a:bodyPr wrap="square" rtlCol="0">
+            <a:spAutoFit/>
+          </a:bodyPr>
+          <a:lstStyle/>
+          <a:p>
+            <a:r>
+              <a:rPr lang="en-TW" dirty="0"/>
+              <a:t>Machine : Macbook Pro M1 with 4+4 Cores CPU</a:t>
+            </a:r>
+          </a:p>
+          <a:p>
+            <a:r>
+              <a:rPr lang="en-TW" dirty="0"/>
+              <a:t>Domain : 1024 * 1024</a:t>
+            </a:r>
+          </a:p>
+        </p:txBody>
+      </p:sp>
+      <p:sp>
+        <p:nvSpPr>
+          <p:cNvPr id="9" name="TextBox 8">
+            <a:extLst>
+              <a:ext uri="{FF2B5EF4-FFF2-40B4-BE49-F238E27FC236}">
+                <a16:creationId xmlns:a16="http://schemas.microsoft.com/office/drawing/2014/main" id="{B5AA283F-22C5-704D-972B-B3A6965A3FDD}"/>
+              </a:ext>
+            </a:extLst>
+          </p:cNvPr>
+          <p:cNvSpPr txBox="1"/>
+          <p:nvPr/>
+        </p:nvSpPr>
+        <p:spPr>
+          <a:xfrm>
+            <a:off x="9160948" y="3318476"/>
+            <a:ext cx="1499887" cy="369332"/>
+          </a:xfrm>
+          <a:prstGeom prst="rect">
+            <a:avLst/>
+          </a:prstGeom>
+          <a:noFill/>
+        </p:spPr>
+        <p:txBody>
+          <a:bodyPr wrap="square" rtlCol="0">
+            <a:spAutoFit/>
+          </a:bodyPr>
+          <a:lstStyle/>
+          <a:p>
+            <a:pPr algn="ctr"/>
+            <a:r>
+              <a:rPr lang="en-TW" dirty="0"/>
+              <a:t>Point Source</a:t>
+            </a:r>
+          </a:p>
+        </p:txBody>
+      </p:sp>
+      <p:sp>
+        <p:nvSpPr>
+          <p:cNvPr id="10" name="TextBox 9">
+            <a:extLst>
+              <a:ext uri="{FF2B5EF4-FFF2-40B4-BE49-F238E27FC236}">
+                <a16:creationId xmlns:a16="http://schemas.microsoft.com/office/drawing/2014/main" id="{6657C9B4-6423-9040-A4A3-5B1A4A04F0B0}"/>
+              </a:ext>
+            </a:extLst>
+          </p:cNvPr>
+          <p:cNvSpPr txBox="1"/>
+          <p:nvPr/>
+        </p:nvSpPr>
+        <p:spPr>
+          <a:xfrm>
+            <a:off x="5954287" y="6185328"/>
+            <a:ext cx="2314833" cy="369332"/>
+          </a:xfrm>
+          <a:prstGeom prst="rect">
+            <a:avLst/>
+          </a:prstGeom>
+          <a:noFill/>
+        </p:spPr>
+        <p:txBody>
+          <a:bodyPr wrap="square" rtlCol="0">
+            <a:spAutoFit/>
+          </a:bodyPr>
+          <a:lstStyle/>
+          <a:p>
+            <a:r>
+              <a:rPr lang="en-TW" dirty="0"/>
+              <a:t>Boundary Condition</a:t>
+            </a:r>
+          </a:p>
+        </p:txBody>
+      </p:sp>
+    </p:spTree>
+    <p:extLst>
+      <p:ext uri="{BB962C8B-B14F-4D97-AF65-F5344CB8AC3E}">
+        <p14:creationId xmlns:p14="http://schemas.microsoft.com/office/powerpoint/2010/main" val="2642638562"/>
+      </p:ext>
+    </p:extLst>
+  </p:cSld>
+  <p:clrMapOvr>
+    <a:masterClrMapping/>
+  </p:clrMapOvr>
+</p:sld>
+</file>
+
+<file path=ppt/slides/slide11.xml><?xml version="1.0" encoding="utf-8"?>
+<p:sld xmlns:a="http://schemas.openxmlformats.org/drawingml/2006/main" xmlns:r="http://schemas.openxmlformats.org/officeDocument/2006/relationships" xmlns:p="http://schemas.openxmlformats.org/presentationml/2006/main">
+  <p:cSld>
+    <p:spTree>
+      <p:nvGrpSpPr>
+        <p:cNvPr id="1" name=""/>
+        <p:cNvGrpSpPr/>
+        <p:nvPr/>
+      </p:nvGrpSpPr>
+      <p:grpSpPr>
+        <a:xfrm>
+          <a:off x="0" y="0"/>
+          <a:ext cx="0" cy="0"/>
+          <a:chOff x="0" y="0"/>
+          <a:chExt cx="0" cy="0"/>
+        </a:xfrm>
+      </p:grpSpPr>
+      <p:graphicFrame>
+        <p:nvGraphicFramePr>
+          <p:cNvPr id="5" name="Table 2">
+            <a:extLst>
+              <a:ext uri="{FF2B5EF4-FFF2-40B4-BE49-F238E27FC236}">
+                <a16:creationId xmlns:a16="http://schemas.microsoft.com/office/drawing/2014/main" id="{836EB9CB-C1F4-A746-81ED-50810C6800C5}"/>
+              </a:ext>
+            </a:extLst>
+          </p:cNvPr>
+          <p:cNvGraphicFramePr>
+            <a:graphicFrameLocks noGrp="1"/>
+          </p:cNvGraphicFramePr>
+          <p:nvPr>
+            <p:extLst>
+              <p:ext uri="{D42A27DB-BD31-4B8C-83A1-F6EECF244321}">
+                <p14:modId xmlns:p14="http://schemas.microsoft.com/office/powerpoint/2010/main" val="749704263"/>
+              </p:ext>
+            </p:extLst>
+          </p:nvPr>
+        </p:nvGraphicFramePr>
+        <p:xfrm>
+          <a:off x="1230792" y="1690688"/>
+          <a:ext cx="9730416" cy="1461600"/>
+        </p:xfrm>
+        <a:graphic>
+          <a:graphicData uri="http://schemas.openxmlformats.org/drawingml/2006/table">
+            <a:tbl>
+              <a:tblPr firstRow="1" bandRow="1">
+                <a:tableStyleId>{5C22544A-7EE6-4342-B048-85BDC9FD1C3A}</a:tableStyleId>
+              </a:tblPr>
+              <a:tblGrid>
+                <a:gridCol w="1216302">
+                  <a:extLst>
+                    <a:ext uri="{9D8B030D-6E8A-4147-A177-3AD203B41FA5}">
+                      <a16:colId xmlns:a16="http://schemas.microsoft.com/office/drawing/2014/main" val="10454311"/>
+                    </a:ext>
+                  </a:extLst>
+                </a:gridCol>
+                <a:gridCol w="1216302">
+                  <a:extLst>
+                    <a:ext uri="{9D8B030D-6E8A-4147-A177-3AD203B41FA5}">
+                      <a16:colId xmlns:a16="http://schemas.microsoft.com/office/drawing/2014/main" val="1630364256"/>
+                    </a:ext>
+                  </a:extLst>
+                </a:gridCol>
+                <a:gridCol w="1216302">
+                  <a:extLst>
+                    <a:ext uri="{9D8B030D-6E8A-4147-A177-3AD203B41FA5}">
+                      <a16:colId xmlns:a16="http://schemas.microsoft.com/office/drawing/2014/main" val="4051651895"/>
+                    </a:ext>
+                  </a:extLst>
+                </a:gridCol>
+                <a:gridCol w="1216302">
+                  <a:extLst>
+                    <a:ext uri="{9D8B030D-6E8A-4147-A177-3AD203B41FA5}">
+                      <a16:colId xmlns:a16="http://schemas.microsoft.com/office/drawing/2014/main" val="3155073764"/>
+                    </a:ext>
+                  </a:extLst>
+                </a:gridCol>
+                <a:gridCol w="1216302">
+                  <a:extLst>
+                    <a:ext uri="{9D8B030D-6E8A-4147-A177-3AD203B41FA5}">
+                      <a16:colId xmlns:a16="http://schemas.microsoft.com/office/drawing/2014/main" val="3258694887"/>
+                    </a:ext>
+                  </a:extLst>
+                </a:gridCol>
+                <a:gridCol w="1216302">
+                  <a:extLst>
+                    <a:ext uri="{9D8B030D-6E8A-4147-A177-3AD203B41FA5}">
+                      <a16:colId xmlns:a16="http://schemas.microsoft.com/office/drawing/2014/main" val="2817309546"/>
+                    </a:ext>
+                  </a:extLst>
+                </a:gridCol>
+                <a:gridCol w="1216302">
+                  <a:extLst>
+                    <a:ext uri="{9D8B030D-6E8A-4147-A177-3AD203B41FA5}">
+                      <a16:colId xmlns:a16="http://schemas.microsoft.com/office/drawing/2014/main" val="925743817"/>
+                    </a:ext>
+                  </a:extLst>
+                </a:gridCol>
+                <a:gridCol w="1216302">
+                  <a:extLst>
+                    <a:ext uri="{9D8B030D-6E8A-4147-A177-3AD203B41FA5}">
+                      <a16:colId xmlns:a16="http://schemas.microsoft.com/office/drawing/2014/main" val="2140396958"/>
+                    </a:ext>
+                  </a:extLst>
+                </a:gridCol>
+              </a:tblGrid>
+              <a:tr h="487200">
+                <a:tc>
+                  <a:txBody>
+                    <a:bodyPr/>
+                    <a:lstStyle/>
+                    <a:p>
+                      <a:pPr algn="ctr"/>
+                      <a:endParaRPr lang="en-TW" dirty="0"/>
+                    </a:p>
+                  </a:txBody>
+                  <a:tcPr anchor="ctr"/>
+                </a:tc>
+                <a:tc>
+                  <a:txBody>
+                    <a:bodyPr/>
+                    <a:lstStyle/>
+                    <a:p>
+                      <a:pPr algn="ctr"/>
+                      <a:r>
+                        <a:rPr lang="en-TW" dirty="0"/>
+                        <a:t>N = 16</a:t>
+                      </a:r>
+                    </a:p>
+                  </a:txBody>
+                  <a:tcPr anchor="ctr"/>
+                </a:tc>
+                <a:tc>
+                  <a:txBody>
+                    <a:bodyPr/>
+                    <a:lstStyle/>
+                    <a:p>
+                      <a:pPr algn="ctr"/>
+                      <a:r>
+                        <a:rPr lang="en-TW" dirty="0"/>
+                        <a:t>N = 32</a:t>
+                      </a:r>
+                    </a:p>
+                  </a:txBody>
+                  <a:tcPr anchor="ctr"/>
+                </a:tc>
+                <a:tc>
+                  <a:txBody>
+                    <a:bodyPr/>
+                    <a:lstStyle/>
+                    <a:p>
+                      <a:pPr algn="ctr"/>
+                      <a:r>
+                        <a:rPr lang="en-TW" dirty="0"/>
+                        <a:t>N = 64</a:t>
+                      </a:r>
+                    </a:p>
+                  </a:txBody>
+                  <a:tcPr anchor="ctr"/>
+                </a:tc>
+                <a:tc>
+                  <a:txBody>
+                    <a:bodyPr/>
+                    <a:lstStyle/>
+                    <a:p>
+                      <a:pPr algn="ctr"/>
+                      <a:r>
+                        <a:rPr lang="en-US" dirty="0"/>
+                        <a:t>N</a:t>
+                      </a:r>
+                      <a:r>
+                        <a:rPr lang="en-TW" dirty="0"/>
+                        <a:t> = 128</a:t>
+                      </a:r>
+                    </a:p>
+                  </a:txBody>
+                  <a:tcPr anchor="ctr"/>
+                </a:tc>
+                <a:tc>
+                  <a:txBody>
+                    <a:bodyPr/>
+                    <a:lstStyle/>
+                    <a:p>
+                      <a:pPr algn="ctr"/>
+                      <a:r>
+                        <a:rPr lang="en-TW" dirty="0"/>
+                        <a:t>N = 256</a:t>
+                      </a:r>
+                    </a:p>
+                  </a:txBody>
+                  <a:tcPr anchor="ctr"/>
+                </a:tc>
+                <a:tc>
+                  <a:txBody>
+                    <a:bodyPr/>
+                    <a:lstStyle/>
+                    <a:p>
+                      <a:pPr algn="ctr"/>
+                      <a:r>
+                        <a:rPr lang="en-TW" dirty="0"/>
+                        <a:t>N = 512</a:t>
+                      </a:r>
+                    </a:p>
+                  </a:txBody>
+                  <a:tcPr anchor="ctr"/>
+                </a:tc>
+                <a:tc>
+                  <a:txBody>
+                    <a:bodyPr/>
+                    <a:lstStyle/>
+                    <a:p>
+                      <a:pPr marL="0" marR="0" lvl="0" indent="0" algn="ctr" defTabSz="914400" rtl="0" eaLnBrk="1" fontAlgn="auto" latinLnBrk="0" hangingPunct="1">
+                        <a:lnSpc>
+                          <a:spcPct val="100000"/>
+                        </a:lnSpc>
+                        <a:spcBef>
+                          <a:spcPts val="0"/>
+                        </a:spcBef>
+                        <a:spcAft>
+                          <a:spcPts val="0"/>
+                        </a:spcAft>
+                        <a:buClrTx/>
+                        <a:buSzTx/>
+                        <a:buFontTx/>
+                        <a:buNone/>
+                        <a:tabLst/>
+                        <a:defRPr/>
+                      </a:pPr>
+                      <a:r>
+                        <a:rPr lang="en-TW" dirty="0"/>
+                        <a:t>N = 1024</a:t>
+                      </a:r>
+                    </a:p>
+                  </a:txBody>
+                  <a:tcPr anchor="ctr"/>
+                </a:tc>
+                <a:extLst>
+                  <a:ext uri="{0D108BD9-81ED-4DB2-BD59-A6C34878D82A}">
+                    <a16:rowId xmlns:a16="http://schemas.microsoft.com/office/drawing/2014/main" val="1357623893"/>
+                  </a:ext>
+                </a:extLst>
+              </a:tr>
+              <a:tr h="487200">
+                <a:tc>
+                  <a:txBody>
+                    <a:bodyPr/>
+                    <a:lstStyle/>
+                    <a:p>
+                      <a:pPr algn="ctr"/>
+                      <a:r>
+                        <a:rPr lang="en-TW" dirty="0"/>
+                        <a:t>SOR</a:t>
+                      </a:r>
+                    </a:p>
+                  </a:txBody>
+                  <a:tcPr anchor="ctr"/>
+                </a:tc>
+                <a:tc>
+                  <a:txBody>
+                    <a:bodyPr/>
+                    <a:lstStyle/>
+                    <a:p>
+                      <a:pPr algn="ctr"/>
+                      <a:r>
+                        <a:rPr lang="en-TW" dirty="0"/>
+                        <a:t>9.527e-15</a:t>
+                      </a:r>
+                    </a:p>
+                  </a:txBody>
+                  <a:tcPr anchor="ctr"/>
+                </a:tc>
+                <a:tc>
+                  <a:txBody>
+                    <a:bodyPr/>
+                    <a:lstStyle/>
+                    <a:p>
+                      <a:pPr algn="ctr"/>
+                      <a:r>
+                        <a:rPr lang="en-TW" dirty="0"/>
+                        <a:t>9.950e-15</a:t>
+                      </a:r>
+                    </a:p>
+                  </a:txBody>
+                  <a:tcPr anchor="ctr"/>
+                </a:tc>
+                <a:tc>
+                  <a:txBody>
+                    <a:bodyPr/>
+                    <a:lstStyle/>
+                    <a:p>
+                      <a:pPr algn="ctr"/>
+                      <a:r>
+                        <a:rPr lang="en-TW" dirty="0"/>
+                        <a:t>9.214e-15</a:t>
+                      </a:r>
+                    </a:p>
+                  </a:txBody>
+                  <a:tcPr anchor="ctr"/>
+                </a:tc>
+                <a:tc>
+                  <a:txBody>
+                    <a:bodyPr/>
+                    <a:lstStyle/>
+                    <a:p>
+                      <a:pPr algn="ctr"/>
+                      <a:r>
+                        <a:rPr lang="en-TW" dirty="0"/>
+                        <a:t>9.862e-15</a:t>
+                      </a:r>
+                    </a:p>
+                  </a:txBody>
+                  <a:tcPr anchor="ctr"/>
+                </a:tc>
+                <a:tc>
+                  <a:txBody>
+                    <a:bodyPr/>
+                    <a:lstStyle/>
+                    <a:p>
+                      <a:pPr algn="ctr"/>
+                      <a:r>
+                        <a:rPr lang="en-TW" dirty="0"/>
+                        <a:t>9.968e-15</a:t>
+                      </a:r>
+                    </a:p>
+                  </a:txBody>
+                  <a:tcPr anchor="ctr"/>
+                </a:tc>
+                <a:tc>
+                  <a:txBody>
+                    <a:bodyPr/>
+                    <a:lstStyle/>
+                    <a:p>
+                      <a:pPr algn="ctr"/>
+                      <a:r>
+                        <a:rPr lang="en-TW" dirty="0"/>
+                        <a:t>9.953e-15</a:t>
+                      </a:r>
+                    </a:p>
+                  </a:txBody>
+                  <a:tcPr anchor="ctr"/>
+                </a:tc>
+                <a:tc>
+                  <a:txBody>
+                    <a:bodyPr/>
+                    <a:lstStyle/>
+                    <a:p>
+                      <a:pPr algn="ctr"/>
+                      <a:r>
+                        <a:rPr lang="en-TW" dirty="0"/>
+                        <a:t>9.971e-15</a:t>
+                      </a:r>
+                    </a:p>
+                  </a:txBody>
+                  <a:tcPr anchor="ctr"/>
+                </a:tc>
+                <a:extLst>
+                  <a:ext uri="{0D108BD9-81ED-4DB2-BD59-A6C34878D82A}">
+                    <a16:rowId xmlns:a16="http://schemas.microsoft.com/office/drawing/2014/main" val="2380938986"/>
+                  </a:ext>
+                </a:extLst>
+              </a:tr>
+              <a:tr h="487200">
+                <a:tc>
+                  <a:txBody>
+                    <a:bodyPr/>
+                    <a:lstStyle/>
+                    <a:p>
+                      <a:pPr algn="ctr"/>
+                      <a:r>
+                        <a:rPr lang="en-TW" dirty="0"/>
+                        <a:t>CG</a:t>
+                      </a:r>
+                    </a:p>
+                  </a:txBody>
+                  <a:tcPr anchor="ctr"/>
+                </a:tc>
+                <a:tc>
+                  <a:txBody>
+                    <a:bodyPr/>
+                    <a:lstStyle/>
+                    <a:p>
+                      <a:pPr algn="ctr"/>
+                      <a:r>
+                        <a:rPr lang="en-TW" dirty="0"/>
+                        <a:t>4.396e-15</a:t>
+                      </a:r>
+                    </a:p>
+                  </a:txBody>
+                  <a:tcPr anchor="ctr"/>
+                </a:tc>
+                <a:tc>
+                  <a:txBody>
+                    <a:bodyPr/>
+                    <a:lstStyle/>
+                    <a:p>
+                      <a:pPr algn="ctr"/>
+                      <a:r>
+                        <a:rPr lang="en-TW" dirty="0"/>
+                        <a:t>5.395e-15</a:t>
+                      </a:r>
+                    </a:p>
+                  </a:txBody>
+                  <a:tcPr anchor="ctr"/>
+                </a:tc>
+                <a:tc>
+                  <a:txBody>
+                    <a:bodyPr/>
+                    <a:lstStyle/>
+                    <a:p>
+                      <a:pPr algn="ctr"/>
+                      <a:r>
+                        <a:rPr lang="en-TW" dirty="0"/>
+                        <a:t>8.929e-15</a:t>
+                      </a:r>
+                    </a:p>
+                  </a:txBody>
+                  <a:tcPr anchor="ctr"/>
+                </a:tc>
+                <a:tc>
+                  <a:txBody>
+                    <a:bodyPr/>
+                    <a:lstStyle/>
+                    <a:p>
+                      <a:pPr algn="ctr"/>
+                      <a:r>
+                        <a:rPr lang="en-TW" dirty="0"/>
+                        <a:t>9.854e-15</a:t>
+                      </a:r>
+                    </a:p>
+                  </a:txBody>
+                  <a:tcPr anchor="ctr"/>
+                </a:tc>
+                <a:tc>
+                  <a:txBody>
+                    <a:bodyPr/>
+                    <a:lstStyle/>
+                    <a:p>
+                      <a:pPr algn="ctr"/>
+                      <a:r>
+                        <a:rPr lang="en-TW" dirty="0"/>
+                        <a:t>9.045e-15</a:t>
+                      </a:r>
+                    </a:p>
+                  </a:txBody>
+                  <a:tcPr anchor="ctr"/>
+                </a:tc>
+                <a:tc>
+                  <a:txBody>
+                    <a:bodyPr/>
+                    <a:lstStyle/>
+                    <a:p>
+                      <a:pPr algn="ctr"/>
+                      <a:r>
+                        <a:rPr lang="en-TW" dirty="0"/>
+                        <a:t>9.422e-15</a:t>
+                      </a:r>
+                    </a:p>
+                  </a:txBody>
+                  <a:tcPr anchor="ctr"/>
+                </a:tc>
+                <a:tc>
+                  <a:txBody>
+                    <a:bodyPr/>
+                    <a:lstStyle/>
+                    <a:p>
+                      <a:pPr algn="ctr"/>
+                      <a:r>
+                        <a:rPr lang="en-TW" dirty="0"/>
+                        <a:t>9.852e-15</a:t>
+                      </a:r>
+                    </a:p>
+                  </a:txBody>
+                  <a:tcPr anchor="ctr"/>
+                </a:tc>
+                <a:extLst>
+                  <a:ext uri="{0D108BD9-81ED-4DB2-BD59-A6C34878D82A}">
+                    <a16:rowId xmlns:a16="http://schemas.microsoft.com/office/drawing/2014/main" val="767737053"/>
+                  </a:ext>
+                </a:extLst>
+              </a:tr>
+            </a:tbl>
+          </a:graphicData>
+        </a:graphic>
+      </p:graphicFrame>
+      <p:pic>
+        <p:nvPicPr>
+          <p:cNvPr id="6" name="Picture 5">
+            <a:extLst>
+              <a:ext uri="{FF2B5EF4-FFF2-40B4-BE49-F238E27FC236}">
+                <a16:creationId xmlns:a16="http://schemas.microsoft.com/office/drawing/2014/main" id="{074FDBFB-7E35-554E-B345-660571AEB34C}"/>
+              </a:ext>
+            </a:extLst>
+          </p:cNvPr>
+          <p:cNvPicPr>
+            <a:picLocks noChangeAspect="1"/>
+          </p:cNvPicPr>
+          <p:nvPr/>
+        </p:nvPicPr>
+        <p:blipFill>
+          <a:blip r:embed="rId2">
+            <a:extLst>
+              <a:ext uri="{28A0092B-C50C-407E-A947-70E740481C1C}">
+                <a14:useLocalDpi xmlns:a14="http://schemas.microsoft.com/office/drawing/2010/main" val="0"/>
+              </a:ext>
+            </a:extLst>
+          </a:blip>
+          <a:stretch>
+            <a:fillRect/>
+          </a:stretch>
+        </p:blipFill>
+        <p:spPr>
+          <a:xfrm>
+            <a:off x="7629782" y="3208226"/>
+            <a:ext cx="4562218" cy="3649774"/>
+          </a:xfrm>
+          <a:prstGeom prst="rect">
+            <a:avLst/>
+          </a:prstGeom>
+        </p:spPr>
+      </p:pic>
+      <p:sp>
+        <p:nvSpPr>
+          <p:cNvPr id="8" name="TextBox 7">
+            <a:extLst>
+              <a:ext uri="{FF2B5EF4-FFF2-40B4-BE49-F238E27FC236}">
+                <a16:creationId xmlns:a16="http://schemas.microsoft.com/office/drawing/2014/main" id="{EBD9DE84-C4BB-D64C-8A37-9129ECA26646}"/>
+              </a:ext>
+            </a:extLst>
+          </p:cNvPr>
+          <p:cNvSpPr txBox="1"/>
+          <p:nvPr/>
+        </p:nvSpPr>
+        <p:spPr>
+          <a:xfrm>
+            <a:off x="5954287" y="6123543"/>
+            <a:ext cx="2314833" cy="369332"/>
+          </a:xfrm>
+          <a:prstGeom prst="rect">
+            <a:avLst/>
+          </a:prstGeom>
+          <a:noFill/>
+        </p:spPr>
+        <p:txBody>
+          <a:bodyPr wrap="square" rtlCol="0">
+            <a:spAutoFit/>
+          </a:bodyPr>
+          <a:lstStyle/>
+          <a:p>
+            <a:r>
+              <a:rPr lang="en-TW" dirty="0"/>
+              <a:t>Boundary Condition</a:t>
+            </a:r>
+          </a:p>
+        </p:txBody>
+      </p:sp>
+      <p:sp>
+        <p:nvSpPr>
+          <p:cNvPr id="10" name="Title 9">
+            <a:extLst>
+              <a:ext uri="{FF2B5EF4-FFF2-40B4-BE49-F238E27FC236}">
+                <a16:creationId xmlns:a16="http://schemas.microsoft.com/office/drawing/2014/main" id="{61805EEC-E1E8-B54B-B676-7396AD3BB456}"/>
+              </a:ext>
+            </a:extLst>
+          </p:cNvPr>
+          <p:cNvSpPr>
+            <a:spLocks noGrp="1"/>
+          </p:cNvSpPr>
+          <p:nvPr>
+            <p:ph type="title"/>
+          </p:nvPr>
+        </p:nvSpPr>
+        <p:spPr/>
+        <p:txBody>
+          <a:bodyPr/>
+          <a:lstStyle/>
+          <a:p>
+            <a:r>
+              <a:rPr lang="en-TW" dirty="0"/>
+              <a:t>Convergence Comparison</a:t>
+            </a:r>
+          </a:p>
+        </p:txBody>
+      </p:sp>
+      <p:sp>
+        <p:nvSpPr>
+          <p:cNvPr id="11" name="TextBox 10">
+            <a:extLst>
+              <a:ext uri="{FF2B5EF4-FFF2-40B4-BE49-F238E27FC236}">
+                <a16:creationId xmlns:a16="http://schemas.microsoft.com/office/drawing/2014/main" id="{72070B8A-1BBF-B24C-B9A0-A647D07B0449}"/>
+              </a:ext>
+            </a:extLst>
+          </p:cNvPr>
+          <p:cNvSpPr txBox="1"/>
+          <p:nvPr/>
+        </p:nvSpPr>
+        <p:spPr>
+          <a:xfrm>
+            <a:off x="1230792" y="3208226"/>
+            <a:ext cx="5362832" cy="646331"/>
+          </a:xfrm>
+          <a:prstGeom prst="rect">
+            <a:avLst/>
+          </a:prstGeom>
+          <a:noFill/>
+        </p:spPr>
+        <p:txBody>
+          <a:bodyPr wrap="square" rtlCol="0">
+            <a:spAutoFit/>
+          </a:bodyPr>
+          <a:lstStyle/>
+          <a:p>
+            <a:r>
+              <a:rPr lang="en-TW" dirty="0"/>
+              <a:t>Machine : Macbook Pro M1 with 4+4 Cores CPU</a:t>
+            </a:r>
+          </a:p>
+          <a:p>
+            <a:r>
+              <a:rPr lang="en-TW" dirty="0"/>
+              <a:t>Domain : 1024 * 1024</a:t>
+            </a:r>
+          </a:p>
+        </p:txBody>
+      </p:sp>
+    </p:spTree>
+    <p:extLst>
+      <p:ext uri="{BB962C8B-B14F-4D97-AF65-F5344CB8AC3E}">
+        <p14:creationId xmlns:p14="http://schemas.microsoft.com/office/powerpoint/2010/main" val="2170499417"/>
       </p:ext>
     </p:extLst>
   </p:cSld>
@@ -3102,7 +4218,7 @@
           <a:p>
             <a:pPr algn="ctr"/>
             <a:r>
-              <a:rPr lang="en-US" altLang="zh-TW" dirty="0" smtClean="0"/>
+              <a:rPr lang="en-US" altLang="zh-TW" dirty="0"/>
               <a:t>Introduction</a:t>
             </a:r>
             <a:endParaRPr lang="zh-TW" altLang="en-US" dirty="0"/>
@@ -3133,13 +4249,12 @@
               </a:p>
               <a:p>
                 <a:r>
-                  <a:rPr lang="en-US" altLang="zh-TW" dirty="0" smtClean="0"/>
+                  <a:rPr lang="en-US" altLang="zh-TW" dirty="0"/>
                   <a:t>CG is the most popular iterative method for solving large systems of linear equations.</a:t>
                 </a:r>
-                <a:endParaRPr lang="en-US" altLang="zh-TW" dirty="0"/>
               </a:p>
               <a:p>
-                <a:endParaRPr lang="en-US" altLang="zh-TW" dirty="0" smtClean="0"/>
+                <a:endParaRPr lang="en-US" altLang="zh-TW" dirty="0"/>
               </a:p>
               <a:p>
                 <a:pPr marL="0" indent="0">
@@ -3180,11 +4295,7 @@
                 </a:pPr>
                 <a:r>
                   <a:rPr lang="en-US" altLang="zh-TW" dirty="0"/>
-                  <a:t>x</a:t>
-                </a:r>
-                <a:r>
-                  <a:rPr lang="en-US" altLang="zh-TW" dirty="0" smtClean="0"/>
-                  <a:t> : unknown vector (what we want to solve)</a:t>
+                  <a:t>x : unknown vector (what we want to solve)</a:t>
                 </a:r>
               </a:p>
               <a:p>
@@ -3192,15 +4303,15 @@
                   <a:buNone/>
                 </a:pPr>
                 <a:r>
-                  <a:rPr lang="en-US" altLang="zh-TW" dirty="0" smtClean="0"/>
+                  <a:rPr lang="en-US" altLang="zh-TW" dirty="0"/>
                   <a:t>b :</a:t>
                 </a:r>
                 <a:r>
-                  <a:rPr lang="zh-TW" altLang="en-US" dirty="0" smtClean="0"/>
+                  <a:rPr lang="zh-TW" altLang="en-US" dirty="0"/>
                   <a:t> </a:t>
                 </a:r>
                 <a:r>
-                  <a:rPr lang="en-US" altLang="zh-TW" dirty="0" smtClean="0"/>
+                  <a:rPr lang="en-US" altLang="zh-TW" dirty="0"/>
                   <a:t>known vector </a:t>
                 </a:r>
               </a:p>
@@ -3209,32 +4320,24 @@
                   <a:buNone/>
                 </a:pPr>
                 <a:r>
-                  <a:rPr lang="en-US" altLang="zh-TW" dirty="0" smtClean="0"/>
+                  <a:rPr lang="en-US" altLang="zh-TW" dirty="0"/>
                   <a:t>A</a:t>
                 </a:r>
                 <a:r>
-                  <a:rPr lang="zh-TW" altLang="en-US" dirty="0" smtClean="0"/>
+                  <a:rPr lang="zh-TW" altLang="en-US" dirty="0"/>
                   <a:t> </a:t>
                 </a:r>
                 <a:r>
-                  <a:rPr lang="en-US" altLang="zh-TW" dirty="0" smtClean="0"/>
+                  <a:rPr lang="en-US" altLang="zh-TW" dirty="0"/>
                   <a:t>:</a:t>
                 </a:r>
                 <a:r>
-                  <a:rPr lang="zh-TW" altLang="en-US" dirty="0" smtClean="0"/>
+                  <a:rPr lang="zh-TW" altLang="en-US" dirty="0"/>
                   <a:t> </a:t>
                 </a:r>
                 <a:r>
-                  <a:rPr lang="en-US" altLang="zh-TW" dirty="0" smtClean="0"/>
-                  <a:t>square</a:t>
-                </a:r>
-                <a:r>
                   <a:rPr lang="en-US" altLang="zh-TW" dirty="0"/>
-                  <a:t>, symmetric, positive-definite </a:t>
-                </a:r>
-                <a:r>
-                  <a:rPr lang="en-US" altLang="zh-TW" dirty="0" smtClean="0"/>
-                  <a:t>matrix .</a:t>
+                  <a:t>square, symmetric, positive-definite matrix .</a:t>
                 </a:r>
                 <a:endParaRPr lang="zh-TW" altLang="en-US" dirty="0"/>
               </a:p>
@@ -3285,13 +4388,6 @@
   <p:clrMapOvr>
     <a:masterClrMapping/>
   </p:clrMapOvr>
-  <p:timing>
-    <p:tnLst>
-      <p:par>
-        <p:cTn id="1" dur="indefinite" restart="never" nodeType="tmRoot"/>
-      </p:par>
-    </p:tnLst>
-  </p:timing>
 </p:sld>
 </file>
 
@@ -3329,7 +4425,7 @@
           <a:p>
             <a:pPr algn="ctr"/>
             <a:r>
-              <a:rPr lang="en-US" altLang="zh-TW" dirty="0" smtClean="0"/>
+              <a:rPr lang="en-US" altLang="zh-TW" dirty="0"/>
               <a:t>Quadratic form</a:t>
             </a:r>
             <a:endParaRPr lang="zh-TW" altLang="en-US" dirty="0"/>
@@ -3362,13 +4458,13 @@
                   <a:buNone/>
                 </a:pPr>
                 <a:r>
-                  <a:rPr lang="en-US" altLang="zh-TW" b="0" dirty="0" smtClean="0">
+                  <a:rPr lang="en-US" altLang="zh-TW" b="0" dirty="0">
                     <a:latin typeface="Cambria Math" panose="02040503050406030204" pitchFamily="18" charset="0"/>
                   </a:rPr>
                   <a:t>Minimizing</a:t>
                 </a:r>
                 <a:r>
-                  <a:rPr lang="en-US" altLang="zh-TW" b="0" i="1" dirty="0" smtClean="0">
+                  <a:rPr lang="en-US" altLang="zh-TW" b="0" i="1" dirty="0">
                     <a:latin typeface="Cambria Math" panose="02040503050406030204" pitchFamily="18" charset="0"/>
                   </a:rPr>
                   <a:t> </a:t>
@@ -3521,7 +4617,7 @@
                     </m:oMath>
                   </m:oMathPara>
                 </a14:m>
-                <a:endParaRPr lang="en-US" altLang="zh-TW" b="0" i="1" dirty="0" smtClean="0">
+                <a:endParaRPr lang="en-US" altLang="zh-TW" b="0" i="1" dirty="0">
                   <a:latin typeface="Cambria Math" panose="02040503050406030204" pitchFamily="18" charset="0"/>
                 </a:endParaRPr>
               </a:p>
@@ -3530,7 +4626,7 @@
                   <a:buNone/>
                 </a:pPr>
                 <a:r>
-                  <a:rPr lang="en-US" altLang="zh-TW" b="0" i="0" dirty="0" smtClean="0">
+                  <a:rPr lang="en-US" altLang="zh-TW" b="0" i="0" dirty="0">
                     <a:latin typeface="Cambria Math" panose="02040503050406030204" pitchFamily="18" charset="0"/>
                   </a:rPr>
                   <a:t>Is equivalent to solving </a:t>
@@ -3574,7 +4670,7 @@
                   <a:buNone/>
                 </a:pPr>
                 <a:r>
-                  <a:rPr lang="en-US" altLang="zh-TW" dirty="0" smtClean="0"/>
+                  <a:rPr lang="en-US" altLang="zh-TW" dirty="0"/>
                   <a:t>Since </a:t>
                 </a:r>
               </a:p>
@@ -3657,7 +4753,7 @@
                     </m:oMath>
                   </m:oMathPara>
                 </a14:m>
-                <a:endParaRPr lang="en-US" altLang="zh-TW" dirty="0" smtClean="0"/>
+                <a:endParaRPr lang="en-US" altLang="zh-TW" dirty="0"/>
               </a:p>
             </p:txBody>
           </p:sp>
@@ -3754,15 +4850,15 @@
           <a:p>
             <a:pPr algn="r"/>
             <a:r>
-              <a:rPr lang="en-US" altLang="zh-TW" sz="1000" dirty="0" smtClean="0"/>
+              <a:rPr lang="en-US" altLang="zh-TW" sz="1000" dirty="0"/>
               <a:t>Source : Jonathan Richard </a:t>
             </a:r>
             <a:r>
-              <a:rPr lang="en-US" altLang="zh-TW" sz="1000" dirty="0" err="1" smtClean="0"/>
+              <a:rPr lang="en-US" altLang="zh-TW" sz="1000" dirty="0" err="1"/>
               <a:t>Shewchuk</a:t>
             </a:r>
             <a:r>
-              <a:rPr lang="en-US" altLang="zh-TW" sz="1000" dirty="0" smtClean="0"/>
+              <a:rPr lang="en-US" altLang="zh-TW" sz="1000" dirty="0"/>
               <a:t> 1994 - An Introduction to the Conjugate Gradient Method Without the Agonizing Pain</a:t>
             </a:r>
             <a:endParaRPr lang="zh-TW" altLang="en-US" sz="1000" dirty="0"/>
@@ -3779,13 +4875,6 @@
   <p:clrMapOvr>
     <a:masterClrMapping/>
   </p:clrMapOvr>
-  <p:timing>
-    <p:tnLst>
-      <p:par>
-        <p:cTn id="1" dur="indefinite" restart="never" nodeType="tmRoot"/>
-      </p:par>
-    </p:tnLst>
-  </p:timing>
 </p:sld>
 </file>
 
@@ -3889,15 +4978,15 @@
           <a:lstStyle/>
           <a:p>
             <a:r>
-              <a:rPr lang="en-US" altLang="zh-TW" sz="1000" dirty="0" smtClean="0"/>
+              <a:rPr lang="en-US" altLang="zh-TW" sz="1000" dirty="0"/>
               <a:t>Source : Jonathan Richard </a:t>
             </a:r>
             <a:r>
-              <a:rPr lang="en-US" altLang="zh-TW" sz="1000" dirty="0" err="1" smtClean="0"/>
+              <a:rPr lang="en-US" altLang="zh-TW" sz="1000" dirty="0" err="1"/>
               <a:t>Shewchuk</a:t>
             </a:r>
             <a:r>
-              <a:rPr lang="en-US" altLang="zh-TW" sz="1000" dirty="0" smtClean="0"/>
+              <a:rPr lang="en-US" altLang="zh-TW" sz="1000" dirty="0"/>
               <a:t> 1994 - An Introduction to the Conjugate Gradient Method Without the Agonizing Pain</a:t>
             </a:r>
             <a:endParaRPr lang="zh-TW" altLang="en-US" sz="1000" dirty="0"/>
@@ -4035,7 +5124,7 @@
           <a:lstStyle/>
           <a:p>
             <a:r>
-              <a:rPr lang="en-US" altLang="zh-TW" sz="3200" dirty="0" smtClean="0"/>
+              <a:rPr lang="en-US" altLang="zh-TW" sz="3200" dirty="0"/>
               <a:t>Method of Steepest Descent</a:t>
             </a:r>
             <a:endParaRPr lang="zh-TW" altLang="en-US" sz="3200" dirty="0"/>
@@ -4067,7 +5156,7 @@
               <a:lstStyle/>
               <a:p>
                 <a:r>
-                  <a:rPr lang="en-US" altLang="zh-TW" sz="2000" dirty="0" smtClean="0"/>
+                  <a:rPr lang="en-US" altLang="zh-TW" sz="2000" dirty="0"/>
                   <a:t>Residual  </a:t>
                 </a:r>
                 <a14:m>
@@ -4187,14 +5276,14 @@
                 <a:endParaRPr lang="zh-TW" altLang="en-US" sz="2000" dirty="0"/>
               </a:p>
               <a:p>
-                <a:endParaRPr lang="en-US" altLang="zh-TW" sz="2000" dirty="0" smtClean="0"/>
+                <a:endParaRPr lang="en-US" altLang="zh-TW" sz="2000" dirty="0"/>
               </a:p>
               <a:p>
                 <a:endParaRPr lang="en-US" altLang="zh-TW" sz="2000" dirty="0"/>
               </a:p>
               <a:p>
                 <a:r>
-                  <a:rPr lang="en-US" altLang="zh-TW" sz="2000" dirty="0" smtClean="0">
+                  <a:rPr lang="en-US" altLang="zh-TW" sz="2000" dirty="0">
                     <a:latin typeface="Cambria Math" panose="02040503050406030204" pitchFamily="18" charset="0"/>
                   </a:rPr>
                   <a:t>Take step along  </a:t>
@@ -4239,14 +5328,14 @@
                   </m:oMath>
                 </a14:m>
                 <a:r>
-                  <a:rPr lang="en-US" altLang="zh-TW" sz="2000" i="1" dirty="0" smtClean="0">
+                  <a:rPr lang="en-US" altLang="zh-TW" sz="2000" i="1" dirty="0">
                     <a:latin typeface="Cambria Math" panose="02040503050406030204" pitchFamily="18" charset="0"/>
                   </a:rPr>
                   <a:t>  </a:t>
                 </a:r>
               </a:p>
               <a:p>
-                <a:endParaRPr lang="en-US" altLang="zh-TW" sz="2000" i="1" dirty="0" smtClean="0">
+                <a:endParaRPr lang="en-US" altLang="zh-TW" sz="2000" i="1" dirty="0">
                   <a:latin typeface="Cambria Math" panose="02040503050406030204" pitchFamily="18" charset="0"/>
                 </a:endParaRPr>
               </a:p>
@@ -4362,7 +5451,7 @@
                     </m:oMath>
                   </m:oMathPara>
                 </a14:m>
-                <a:endParaRPr lang="en-US" altLang="zh-TW" sz="2000" i="1" dirty="0" smtClean="0">
+                <a:endParaRPr lang="en-US" altLang="zh-TW" sz="2000" i="1" dirty="0">
                   <a:latin typeface="Cambria Math" panose="02040503050406030204" pitchFamily="18" charset="0"/>
                 </a:endParaRPr>
               </a:p>
@@ -4376,7 +5465,7 @@
               </a:p>
               <a:p>
                 <a:r>
-                  <a:rPr lang="en-US" altLang="zh-TW" sz="2000" dirty="0" smtClean="0">
+                  <a:rPr lang="en-US" altLang="zh-TW" sz="2000" dirty="0">
                     <a:latin typeface="Cambria Math" panose="02040503050406030204" pitchFamily="18" charset="0"/>
                   </a:rPr>
                   <a:t>Minimize </a:t>
@@ -4409,20 +5498,20 @@
                   </m:oMath>
                 </a14:m>
                 <a:r>
-                  <a:rPr lang="en-US" altLang="zh-TW" sz="2000" i="1" dirty="0" smtClean="0">
+                  <a:rPr lang="en-US" altLang="zh-TW" sz="2000" i="1" dirty="0">
                     <a:latin typeface="Cambria Math" panose="02040503050406030204" pitchFamily="18" charset="0"/>
                   </a:rPr>
                   <a:t> </a:t>
                 </a:r>
                 <a:r>
-                  <a:rPr lang="en-US" altLang="zh-TW" sz="2000" dirty="0" smtClean="0">
+                  <a:rPr lang="en-US" altLang="zh-TW" sz="2000" dirty="0">
                     <a:latin typeface="Cambria Math" panose="02040503050406030204" pitchFamily="18" charset="0"/>
                   </a:rPr>
                   <a:t>with a line search</a:t>
                 </a:r>
               </a:p>
               <a:p>
-                <a:endParaRPr lang="en-US" altLang="zh-TW" sz="2000" dirty="0" smtClean="0">
+                <a:endParaRPr lang="en-US" altLang="zh-TW" sz="2000" dirty="0">
                   <a:latin typeface="Cambria Math" panose="02040503050406030204" pitchFamily="18" charset="0"/>
                 </a:endParaRPr>
               </a:p>
@@ -4605,13 +5694,13 @@
                     </m:oMath>
                   </m:oMathPara>
                 </a14:m>
-                <a:endParaRPr lang="en-US" altLang="zh-TW" sz="2000" dirty="0" smtClean="0"/>
+                <a:endParaRPr lang="en-US" altLang="zh-TW" sz="2000" dirty="0"/>
               </a:p>
               <a:p>
                 <a:pPr marL="0" indent="0">
                   <a:buNone/>
                 </a:pPr>
-                <a:endParaRPr lang="en-US" altLang="zh-TW" sz="2000" dirty="0" smtClean="0"/>
+                <a:endParaRPr lang="en-US" altLang="zh-TW" sz="2000" dirty="0"/>
               </a:p>
               <a:p>
                 <a:endParaRPr lang="en-US" altLang="zh-TW" sz="2000" dirty="0"/>
@@ -4711,13 +5800,6 @@
   <p:clrMapOvr>
     <a:masterClrMapping/>
   </p:clrMapOvr>
-  <p:timing>
-    <p:tnLst>
-      <p:par>
-        <p:cTn id="1" dur="indefinite" restart="never" nodeType="tmRoot"/>
-      </p:par>
-    </p:tnLst>
-  </p:timing>
 </p:sld>
 </file>
 
@@ -4755,7 +5837,7 @@
           <a:p>
             <a:pPr algn="ctr"/>
             <a:r>
-              <a:rPr lang="en-US" altLang="zh-TW" dirty="0" smtClean="0"/>
+              <a:rPr lang="en-US" altLang="zh-TW" dirty="0"/>
               <a:t>Can we do better?</a:t>
             </a:r>
             <a:endParaRPr lang="zh-TW" altLang="en-US" dirty="0"/>
@@ -4815,15 +5897,15 @@
           <a:lstStyle/>
           <a:p>
             <a:r>
-              <a:rPr lang="en-US" altLang="zh-TW" sz="1000" dirty="0" smtClean="0"/>
+              <a:rPr lang="en-US" altLang="zh-TW" sz="1000" dirty="0"/>
               <a:t>Source : Jonathan Richard </a:t>
             </a:r>
             <a:r>
-              <a:rPr lang="en-US" altLang="zh-TW" sz="1000" dirty="0" err="1" smtClean="0"/>
+              <a:rPr lang="en-US" altLang="zh-TW" sz="1000" dirty="0" err="1"/>
               <a:t>Shewchuk</a:t>
             </a:r>
             <a:r>
-              <a:rPr lang="en-US" altLang="zh-TW" sz="1000" dirty="0" smtClean="0"/>
+              <a:rPr lang="en-US" altLang="zh-TW" sz="1000" dirty="0"/>
               <a:t> 1994 - An Introduction to the Conjugate Gradient Method Without the Agonizing Pain</a:t>
             </a:r>
             <a:endParaRPr lang="zh-TW" altLang="en-US" sz="1000" dirty="0"/>
@@ -4878,11 +5960,7 @@
             <a:pPr algn="ctr"/>
             <a:r>
               <a:rPr lang="en-US" altLang="zh-TW" dirty="0"/>
-              <a:t>The Method of Conjugate </a:t>
-            </a:r>
-            <a:r>
-              <a:rPr lang="en-US" altLang="zh-TW" dirty="0" smtClean="0"/>
-              <a:t>Directions</a:t>
+              <a:t>The Method of Conjugate Directions</a:t>
             </a:r>
             <a:endParaRPr lang="zh-TW" altLang="en-US" dirty="0"/>
           </a:p>
@@ -4911,31 +5989,14 @@
               <a:lstStyle/>
               <a:p>
                 <a:r>
-                  <a:rPr lang="en-US" altLang="zh-TW" dirty="0" smtClean="0"/>
+                  <a:rPr lang="en-US" altLang="zh-TW" dirty="0"/>
                   <a:t>We want to take only one perfect step along every orthogonal search direction .</a:t>
                 </a:r>
-                <a:endParaRPr lang="en-US" altLang="zh-TW" dirty="0"/>
               </a:p>
               <a:p>
                 <a:r>
-                  <a:rPr lang="en-US" altLang="zh-TW" dirty="0" smtClean="0"/>
-                  <a:t>The </a:t>
-                </a:r>
-                <a:r>
                   <a:rPr lang="en-US" altLang="zh-TW" dirty="0"/>
-                  <a:t>solution is to make the search </a:t>
-                </a:r>
-                <a:r>
-                  <a:rPr lang="en-US" altLang="zh-TW" dirty="0" smtClean="0"/>
-                  <a:t>directions A-orthogonal (</a:t>
-                </a:r>
-                <a:r>
-                  <a:rPr lang="en-US" altLang="zh-TW" dirty="0"/>
-                  <a:t>conjugate</a:t>
-                </a:r>
-                <a:r>
-                  <a:rPr lang="en-US" altLang="zh-TW" dirty="0" smtClean="0"/>
-                  <a:t>)</a:t>
+                  <a:t>The solution is to make the search directions A-orthogonal (conjugate)</a:t>
                 </a:r>
               </a:p>
               <a:p>
@@ -4943,16 +6004,8 @@
                   <a:buNone/>
                 </a:pPr>
                 <a:r>
-                  <a:rPr lang="en-US" altLang="zh-TW" dirty="0" smtClean="0"/>
-                  <a:t>   </a:t>
-                </a:r>
-                <a:r>
                   <a:rPr lang="en-US" altLang="zh-TW" dirty="0"/>
-                  <a:t>instead of orthogonal</a:t>
-                </a:r>
-                <a:r>
-                  <a:rPr lang="en-US" altLang="zh-TW" dirty="0" smtClean="0"/>
-                  <a:t>.</a:t>
+                  <a:t>   instead of orthogonal.</a:t>
                 </a:r>
               </a:p>
               <a:p>
@@ -5034,7 +6087,7 @@
                   </m:oMath>
                 </a14:m>
                 <a:r>
-                  <a:rPr lang="en-US" altLang="zh-TW" dirty="0" smtClean="0"/>
+                  <a:rPr lang="en-US" altLang="zh-TW" dirty="0"/>
                   <a:t>   for </a:t>
                 </a:r>
                 <a14:m>
@@ -5065,7 +6118,7 @@
                     </m:r>
                   </m:oMath>
                 </a14:m>
-                <a:endParaRPr lang="en-US" altLang="zh-TW" dirty="0" smtClean="0"/>
+                <a:endParaRPr lang="en-US" altLang="zh-TW" dirty="0"/>
               </a:p>
             </p:txBody>
           </p:sp>
@@ -5191,7 +6244,7 @@
           <a:lstStyle/>
           <a:p>
             <a:r>
-              <a:rPr lang="en-US" altLang="zh-TW" dirty="0" smtClean="0"/>
+              <a:rPr lang="en-US" altLang="zh-TW" dirty="0"/>
               <a:t>A-orthogonal directions</a:t>
             </a:r>
           </a:p>
@@ -5464,15 +6517,15 @@
           <a:lstStyle/>
           <a:p>
             <a:r>
-              <a:rPr lang="en-US" altLang="zh-TW" sz="1000" dirty="0" smtClean="0"/>
+              <a:rPr lang="en-US" altLang="zh-TW" sz="1000" dirty="0"/>
               <a:t>Source : Jonathan Richard </a:t>
             </a:r>
             <a:r>
-              <a:rPr lang="en-US" altLang="zh-TW" sz="1000" dirty="0" err="1" smtClean="0"/>
+              <a:rPr lang="en-US" altLang="zh-TW" sz="1000" dirty="0" err="1"/>
               <a:t>Shewchuk</a:t>
             </a:r>
             <a:r>
-              <a:rPr lang="en-US" altLang="zh-TW" sz="1000" dirty="0" smtClean="0"/>
+              <a:rPr lang="en-US" altLang="zh-TW" sz="1000" dirty="0"/>
               <a:t> 1994 - An Introduction to the Conjugate Gradient Method Without the Agonizing Pain</a:t>
             </a:r>
             <a:endParaRPr lang="zh-TW" altLang="en-US" sz="1000" dirty="0"/>
@@ -5489,13 +6542,6 @@
   <p:clrMapOvr>
     <a:masterClrMapping/>
   </p:clrMapOvr>
-  <p:timing>
-    <p:tnLst>
-      <p:par>
-        <p:cTn id="1" dur="indefinite" restart="never" nodeType="tmRoot"/>
-      </p:par>
-    </p:tnLst>
-  </p:timing>
 </p:sld>
 </file>
 
@@ -5533,12 +6579,8 @@
           <a:p>
             <a:pPr algn="ctr"/>
             <a:r>
-              <a:rPr lang="en-US" altLang="zh-TW" dirty="0" smtClean="0"/>
-              <a:t>Find a </a:t>
-            </a:r>
-            <a:r>
               <a:rPr lang="en-US" altLang="zh-TW" dirty="0"/>
-              <a:t>set of -orthogonal search directions</a:t>
+              <a:t>Find a set of -orthogonal search directions</a:t>
             </a:r>
             <a:endParaRPr lang="zh-TW" altLang="en-US" dirty="0"/>
           </a:p>
@@ -5672,15 +6714,15 @@
           <a:lstStyle/>
           <a:p>
             <a:r>
-              <a:rPr lang="en-US" altLang="zh-TW" sz="1000" dirty="0" smtClean="0"/>
+              <a:rPr lang="en-US" altLang="zh-TW" sz="1000" dirty="0"/>
               <a:t>Source : Jonathan Richard </a:t>
             </a:r>
             <a:r>
-              <a:rPr lang="en-US" altLang="zh-TW" sz="1000" dirty="0" err="1" smtClean="0"/>
+              <a:rPr lang="en-US" altLang="zh-TW" sz="1000" dirty="0" err="1"/>
               <a:t>Shewchuk</a:t>
             </a:r>
             <a:r>
-              <a:rPr lang="en-US" altLang="zh-TW" sz="1000" dirty="0" smtClean="0"/>
+              <a:rPr lang="en-US" altLang="zh-TW" sz="1000" dirty="0"/>
               <a:t> 1994 - An Introduction to the Conjugate Gradient Method Without the Agonizing Pain</a:t>
             </a:r>
             <a:endParaRPr lang="zh-TW" altLang="en-US" sz="1000" dirty="0"/>
@@ -5697,13 +6739,6 @@
   <p:clrMapOvr>
     <a:masterClrMapping/>
   </p:clrMapOvr>
-  <p:timing>
-    <p:tnLst>
-      <p:par>
-        <p:cTn id="1" dur="indefinite" restart="never" nodeType="tmRoot"/>
-      </p:par>
-    </p:tnLst>
-  </p:timing>
 </p:sld>
 </file>
 
@@ -5748,8 +6783,8 @@
           </a:p>
         </p:txBody>
       </p:sp>
-      <mc:AlternateContent xmlns:mc="http://schemas.openxmlformats.org/markup-compatibility/2006">
-        <mc:Choice xmlns:a14="http://schemas.microsoft.com/office/drawing/2010/main" Requires="a14">
+      <mc:AlternateContent xmlns:mc="http://schemas.openxmlformats.org/markup-compatibility/2006" xmlns:a14="http://schemas.microsoft.com/office/drawing/2010/main">
+        <mc:Choice Requires="a14">
           <p:sp>
             <p:nvSpPr>
               <p:cNvPr id="8" name="文字方塊 7"/>
@@ -5773,7 +6808,7 @@
               <a:lstStyle/>
               <a:p>
                 <a:r>
-                  <a:rPr lang="en-US" altLang="zh-TW" sz="2000" dirty="0" smtClean="0"/>
+                  <a:rPr lang="en-US" altLang="zh-TW" sz="2000" dirty="0"/>
                   <a:t>1. </a:t>
                 </a:r>
                 <a14:m>
@@ -5885,23 +6920,15 @@
                     </m:sSub>
                   </m:oMath>
                 </a14:m>
-                <a:endParaRPr lang="en-US" altLang="zh-TW" sz="2000" dirty="0" smtClean="0"/>
+                <a:endParaRPr lang="en-US" altLang="zh-TW" sz="2000" dirty="0"/>
               </a:p>
               <a:p>
-                <a:endParaRPr lang="en-US" altLang="zh-TW" sz="2000" dirty="0" smtClean="0"/>
+                <a:endParaRPr lang="en-US" altLang="zh-TW" sz="2000" dirty="0"/>
               </a:p>
               <a:p>
                 <a:r>
-                  <a:rPr lang="en-US" altLang="zh-TW" sz="2000" dirty="0" smtClean="0"/>
-                  <a:t>2.</a:t>
-                </a:r>
-                <a:r>
                   <a:rPr lang="en-US" altLang="zh-TW" sz="2000" dirty="0"/>
-                  <a:t> </a:t>
-                </a:r>
-                <a:r>
-                  <a:rPr lang="en-US" altLang="zh-TW" sz="2000" dirty="0" smtClean="0"/>
-                  <a:t> </a:t>
+                  <a:t>2.  </a:t>
                 </a:r>
                 <a14:m>
                   <m:oMath xmlns:m="http://schemas.openxmlformats.org/officeDocument/2006/math">
@@ -6073,23 +7100,15 @@
                     </m:f>
                   </m:oMath>
                 </a14:m>
-                <a:endParaRPr lang="en-US" altLang="zh-TW" sz="2000" dirty="0" smtClean="0"/>
+                <a:endParaRPr lang="en-US" altLang="zh-TW" sz="2000" dirty="0"/>
               </a:p>
               <a:p>
-                <a:endParaRPr lang="en-US" altLang="zh-TW" sz="2000" dirty="0" smtClean="0"/>
+                <a:endParaRPr lang="en-US" altLang="zh-TW" sz="2000" dirty="0"/>
               </a:p>
               <a:p>
                 <a:r>
-                  <a:rPr lang="en-US" altLang="zh-TW" sz="2000" dirty="0" smtClean="0"/>
-                  <a:t>3.</a:t>
-                </a:r>
-                <a:r>
                   <a:rPr lang="en-US" altLang="zh-TW" sz="2000" dirty="0"/>
-                  <a:t> </a:t>
-                </a:r>
-                <a:r>
-                  <a:rPr lang="en-US" altLang="zh-TW" sz="2000" dirty="0" smtClean="0"/>
-                  <a:t> </a:t>
+                  <a:t>3.  </a:t>
                 </a:r>
                 <a14:m>
                   <m:oMath xmlns:m="http://schemas.openxmlformats.org/officeDocument/2006/math">
@@ -6213,23 +7232,15 @@
                     </m:sSub>
                   </m:oMath>
                 </a14:m>
-                <a:endParaRPr lang="en-US" altLang="zh-TW" sz="2000" dirty="0" smtClean="0"/>
+                <a:endParaRPr lang="en-US" altLang="zh-TW" sz="2000" dirty="0"/>
               </a:p>
               <a:p>
-                <a:endParaRPr lang="en-US" altLang="zh-TW" sz="2000" dirty="0" smtClean="0"/>
+                <a:endParaRPr lang="en-US" altLang="zh-TW" sz="2000" dirty="0"/>
               </a:p>
               <a:p>
                 <a:r>
-                  <a:rPr lang="en-US" altLang="zh-TW" sz="2000" dirty="0" smtClean="0"/>
-                  <a:t>4.</a:t>
-                </a:r>
-                <a:r>
                   <a:rPr lang="en-US" altLang="zh-TW" sz="2000" dirty="0"/>
-                  <a:t> </a:t>
-                </a:r>
-                <a:r>
-                  <a:rPr lang="en-US" altLang="zh-TW" sz="2000" dirty="0" smtClean="0"/>
-                  <a:t> </a:t>
+                  <a:t>4.  </a:t>
                 </a:r>
                 <a14:m>
                   <m:oMath xmlns:m="http://schemas.openxmlformats.org/officeDocument/2006/math">
@@ -6414,23 +7425,15 @@
                     </m:sSub>
                   </m:oMath>
                 </a14:m>
-                <a:endParaRPr lang="en-US" altLang="zh-TW" sz="2000" dirty="0" smtClean="0"/>
+                <a:endParaRPr lang="en-US" altLang="zh-TW" sz="2000" dirty="0"/>
               </a:p>
               <a:p>
-                <a:endParaRPr lang="en-US" altLang="zh-TW" sz="2000" dirty="0" smtClean="0"/>
+                <a:endParaRPr lang="en-US" altLang="zh-TW" sz="2000" dirty="0"/>
               </a:p>
               <a:p>
                 <a:r>
-                  <a:rPr lang="en-US" altLang="zh-TW" sz="2000" dirty="0" smtClean="0"/>
-                  <a:t>5.</a:t>
-                </a:r>
-                <a:r>
                   <a:rPr lang="en-US" altLang="zh-TW" sz="2000" dirty="0"/>
-                  <a:t> </a:t>
-                </a:r>
-                <a:r>
-                  <a:rPr lang="en-US" altLang="zh-TW" sz="2000" dirty="0" smtClean="0"/>
-                  <a:t> </a:t>
+                  <a:t>5.  </a:t>
                 </a:r>
                 <a14:m>
                   <m:oMath xmlns:m="http://schemas.openxmlformats.org/officeDocument/2006/math">
@@ -6614,23 +7617,15 @@
                     </m:f>
                   </m:oMath>
                 </a14:m>
-                <a:endParaRPr lang="en-US" altLang="zh-TW" sz="2000" dirty="0" smtClean="0"/>
+                <a:endParaRPr lang="en-US" altLang="zh-TW" sz="2000" dirty="0"/>
               </a:p>
               <a:p>
-                <a:endParaRPr lang="en-US" altLang="zh-TW" sz="2000" dirty="0" smtClean="0"/>
+                <a:endParaRPr lang="en-US" altLang="zh-TW" sz="2000" dirty="0"/>
               </a:p>
               <a:p>
                 <a:r>
-                  <a:rPr lang="en-US" altLang="zh-TW" sz="2000" dirty="0" smtClean="0"/>
-                  <a:t>6.</a:t>
-                </a:r>
-                <a:r>
                   <a:rPr lang="en-US" altLang="zh-TW" sz="2000" dirty="0"/>
-                  <a:t> </a:t>
-                </a:r>
-                <a:r>
-                  <a:rPr lang="en-US" altLang="zh-TW" sz="2000" dirty="0" smtClean="0"/>
-                  <a:t> </a:t>
+                  <a:t>6.  </a:t>
                 </a:r>
                 <a14:m>
                   <m:oMath xmlns:m="http://schemas.openxmlformats.org/officeDocument/2006/math">
@@ -6766,15 +7761,15 @@
                     </m:sSub>
                   </m:oMath>
                 </a14:m>
-                <a:endParaRPr lang="en-US" altLang="zh-TW" sz="2000" dirty="0" smtClean="0"/>
+                <a:endParaRPr lang="en-US" altLang="zh-TW" sz="2000" dirty="0"/>
               </a:p>
               <a:p>
-                <a:endParaRPr lang="en-US" altLang="zh-TW" sz="2000" dirty="0" smtClean="0"/>
+                <a:endParaRPr lang="en-US" altLang="zh-TW" sz="2000" dirty="0"/>
               </a:p>
             </p:txBody>
           </p:sp>
         </mc:Choice>
-        <mc:Fallback>
+        <mc:Fallback xmlns="">
           <p:sp>
             <p:nvSpPr>
               <p:cNvPr id="8" name="文字方塊 7"/>
@@ -6836,16 +7831,8 @@
           <a:lstStyle/>
           <a:p>
             <a:r>
-              <a:rPr lang="en-US" altLang="zh-TW" sz="2400" dirty="0" smtClean="0"/>
-              <a:t>For N*N </a:t>
-            </a:r>
-            <a:r>
               <a:rPr lang="en-US" altLang="zh-TW" sz="2400" dirty="0"/>
-              <a:t>P</a:t>
-            </a:r>
-            <a:r>
-              <a:rPr lang="en-US" altLang="zh-TW" sz="2400" dirty="0" smtClean="0"/>
-              <a:t>oisson problem </a:t>
+              <a:t>For N*N Poisson problem </a:t>
             </a:r>
             <a:endParaRPr lang="zh-TW" altLang="en-US" sz="2400" dirty="0"/>
           </a:p>
@@ -6865,8 +7852,8 @@
             <a:chExt cx="2857446" cy="400110"/>
           </a:xfrm>
         </p:grpSpPr>
-        <mc:AlternateContent xmlns:mc="http://schemas.openxmlformats.org/markup-compatibility/2006">
-          <mc:Choice xmlns:a14="http://schemas.microsoft.com/office/drawing/2010/main" Requires="a14">
+        <mc:AlternateContent xmlns:mc="http://schemas.openxmlformats.org/markup-compatibility/2006" xmlns:a14="http://schemas.microsoft.com/office/drawing/2010/main">
+          <mc:Choice Requires="a14">
             <p:sp>
               <p:nvSpPr>
                 <p:cNvPr id="12" name="文字方塊 11"/>
@@ -6905,7 +7892,7 @@
                               <a:latin typeface="Cambria Math" panose="02040503050406030204" pitchFamily="18" charset="0"/>
                               <a:ea typeface="Cambria Math" panose="02040503050406030204" pitchFamily="18" charset="0"/>
                             </a:rPr>
-                            <m:t>∇</m:t>
+                            <m:t>𝛻</m:t>
                           </m:r>
                         </m:e>
                         <m:sup>
@@ -6941,11 +7928,11 @@
                     </m:oMath>
                   </a14:m>
                   <a:r>
-                    <a:rPr lang="zh-TW" altLang="en-US" sz="2000" dirty="0" smtClean="0"/>
+                    <a:rPr lang="zh-TW" altLang="en-US" sz="2000" dirty="0"/>
                     <a:t>      </a:t>
                   </a:r>
                   <a:r>
-                    <a:rPr lang="en-US" altLang="zh-TW" sz="2000" dirty="0" smtClean="0">
+                    <a:rPr lang="en-US" altLang="zh-TW" sz="2000" dirty="0">
                       <a:sym typeface="Wingdings" panose="05000000000000000000" pitchFamily="2" charset="2"/>
                     </a:rPr>
                     <a:t></a:t>
@@ -6955,7 +7942,7 @@
               </p:txBody>
             </p:sp>
           </mc:Choice>
-          <mc:Fallback>
+          <mc:Fallback xmlns="">
             <p:sp>
               <p:nvSpPr>
                 <p:cNvPr id="12" name="文字方塊 11"/>
@@ -6994,8 +7981,8 @@
             </p:sp>
           </mc:Fallback>
         </mc:AlternateContent>
-        <mc:AlternateContent xmlns:mc="http://schemas.openxmlformats.org/markup-compatibility/2006">
-          <mc:Choice xmlns:a14="http://schemas.microsoft.com/office/drawing/2010/main" Requires="a14">
+        <mc:AlternateContent xmlns:mc="http://schemas.openxmlformats.org/markup-compatibility/2006" xmlns:a14="http://schemas.microsoft.com/office/drawing/2010/main">
+          <mc:Choice Requires="a14">
             <p:sp>
               <p:nvSpPr>
                 <p:cNvPr id="13" name="矩形 12"/>
@@ -7017,6 +8004,7 @@
                 </a:bodyPr>
                 <a:lstStyle/>
                 <a:p>
+                  <a:pPr/>
                   <a14:m>
                     <m:oMathPara xmlns:m="http://schemas.openxmlformats.org/officeDocument/2006/math">
                       <m:oMathParaPr>
@@ -7049,7 +8037,7 @@
               </p:txBody>
             </p:sp>
           </mc:Choice>
-          <mc:Fallback>
+          <mc:Fallback xmlns="">
             <p:sp>
               <p:nvSpPr>
                 <p:cNvPr id="13" name="矩形 12"/>
@@ -7089,8 +8077,8 @@
           </mc:Fallback>
         </mc:AlternateContent>
       </p:grpSp>
-      <mc:AlternateContent xmlns:mc="http://schemas.openxmlformats.org/markup-compatibility/2006">
-        <mc:Choice xmlns:a14="http://schemas.microsoft.com/office/drawing/2010/main" Requires="a14">
+      <mc:AlternateContent xmlns:mc="http://schemas.openxmlformats.org/markup-compatibility/2006" xmlns:a14="http://schemas.microsoft.com/office/drawing/2010/main">
+        <mc:Choice Requires="a14">
           <p:sp>
             <p:nvSpPr>
               <p:cNvPr id="14" name="文字方塊 13"/>
@@ -7113,6 +8101,7 @@
               </a:bodyPr>
               <a:lstStyle/>
               <a:p>
+                <a:pPr/>
                 <a14:m>
                   <m:oMathPara xmlns:m="http://schemas.openxmlformats.org/officeDocument/2006/math">
                     <m:oMathParaPr>
@@ -7430,7 +8419,7 @@
             </p:txBody>
           </p:sp>
         </mc:Choice>
-        <mc:Fallback>
+        <mc:Fallback xmlns="">
           <p:sp>
             <p:nvSpPr>
               <p:cNvPr id="14" name="文字方塊 13"/>
@@ -7483,8 +8472,8 @@
             <a:chExt cx="3925330" cy="1649554"/>
           </a:xfrm>
         </p:grpSpPr>
-        <mc:AlternateContent xmlns:mc="http://schemas.openxmlformats.org/markup-compatibility/2006">
-          <mc:Choice xmlns:a14="http://schemas.microsoft.com/office/drawing/2010/main" Requires="a14">
+        <mc:AlternateContent xmlns:mc="http://schemas.openxmlformats.org/markup-compatibility/2006" xmlns:a14="http://schemas.microsoft.com/office/drawing/2010/main">
+          <mc:Choice Requires="a14">
             <p:sp>
               <p:nvSpPr>
                 <p:cNvPr id="9" name="文字方塊 8"/>
@@ -7706,7 +8695,7 @@
               </p:txBody>
             </p:sp>
           </mc:Choice>
-          <mc:Fallback>
+          <mc:Fallback xmlns="">
             <p:sp>
               <p:nvSpPr>
                 <p:cNvPr id="9" name="文字方塊 8"/>
@@ -7745,8 +8734,8 @@
             </p:sp>
           </mc:Fallback>
         </mc:AlternateContent>
-        <mc:AlternateContent xmlns:mc="http://schemas.openxmlformats.org/markup-compatibility/2006">
-          <mc:Choice xmlns:a14="http://schemas.microsoft.com/office/drawing/2010/main" Requires="a14">
+        <mc:AlternateContent xmlns:mc="http://schemas.openxmlformats.org/markup-compatibility/2006" xmlns:a14="http://schemas.microsoft.com/office/drawing/2010/main">
+          <mc:Choice Requires="a14">
             <p:sp>
               <p:nvSpPr>
                 <p:cNvPr id="17" name="文字方塊 16"/>
@@ -7769,9 +8758,8 @@
                 </a:bodyPr>
                 <a:lstStyle/>
                 <a:p>
-                  <a:pPr/>
                   <a:r>
-                    <a:rPr lang="en-US" altLang="zh-TW" b="0" dirty="0" smtClean="0"/>
+                    <a:rPr lang="en-US" altLang="zh-TW" b="0" dirty="0"/>
                     <a:t>b</a:t>
                   </a:r>
                   <a14:m>
@@ -7961,7 +8949,7 @@
               </p:txBody>
             </p:sp>
           </mc:Choice>
-          <mc:Fallback>
+          <mc:Fallback xmlns="">
             <p:sp>
               <p:nvSpPr>
                 <p:cNvPr id="17" name="文字方塊 16"/>
@@ -8033,15 +9021,19 @@
       </p:grpSpPr>
       <p:pic>
         <p:nvPicPr>
-          <p:cNvPr id="4" name="內容版面配置區 3"/>
+          <p:cNvPr id="3" name="Picture 2">
+            <a:extLst>
+              <a:ext uri="{FF2B5EF4-FFF2-40B4-BE49-F238E27FC236}">
+                <a16:creationId xmlns:a16="http://schemas.microsoft.com/office/drawing/2014/main" id="{27C5D848-E4A6-4942-B484-DAC0706DAFD5}"/>
+              </a:ext>
+            </a:extLst>
+          </p:cNvPr>
           <p:cNvPicPr>
-            <a:picLocks noGrp="1" noChangeAspect="1"/>
+            <a:picLocks noChangeAspect="1"/>
           </p:cNvPicPr>
-          <p:nvPr>
-            <p:ph idx="1"/>
-          </p:nvPr>
+          <p:nvPr/>
         </p:nvPicPr>
-        <p:blipFill>
+        <p:blipFill rotWithShape="1">
           <a:blip r:embed="rId2">
             <a:extLst>
               <a:ext uri="{28A0092B-C50C-407E-A947-70E740481C1C}">
@@ -8049,15 +9041,17 @@
               </a:ext>
             </a:extLst>
           </a:blip>
-          <a:stretch>
-            <a:fillRect/>
-          </a:stretch>
+          <a:srcRect l="9248" t="14074" r="9248" b="10617"/>
+          <a:stretch/>
         </p:blipFill>
         <p:spPr>
           <a:xfrm>
-            <a:off x="2440646" y="115328"/>
-            <a:ext cx="7120850" cy="6573795"/>
+            <a:off x="2835640" y="0"/>
+            <a:ext cx="6520720" cy="6858000"/>
           </a:xfrm>
+          <a:prstGeom prst="rect">
+            <a:avLst/>
+          </a:prstGeom>
         </p:spPr>
       </p:pic>
     </p:spTree>

--- a/Final Project - Conjugate Gradient method.pptx
+++ b/Final Project - Conjugate Gradient method.pptx
@@ -14,8 +14,11 @@
     <p:sldId id="262" r:id="rId8"/>
     <p:sldId id="263" r:id="rId9"/>
     <p:sldId id="264" r:id="rId10"/>
-    <p:sldId id="265" r:id="rId11"/>
-    <p:sldId id="267" r:id="rId12"/>
+    <p:sldId id="275" r:id="rId11"/>
+    <p:sldId id="268" r:id="rId12"/>
+    <p:sldId id="270" r:id="rId13"/>
+    <p:sldId id="267" r:id="rId14"/>
+    <p:sldId id="272" r:id="rId15"/>
   </p:sldIdLst>
   <p:sldSz cx="12192000" cy="6858000"/>
   <p:notesSz cx="6858000" cy="9144000"/>
@@ -120,6 +123,2176 @@
     </p:ext>
   </p:extLst>
 </p:presentation>
+</file>
+
+<file path=ppt/charts/chart1.xml><?xml version="1.0" encoding="utf-8"?>
+<c:chartSpace xmlns:c="http://schemas.openxmlformats.org/drawingml/2006/chart" xmlns:a="http://schemas.openxmlformats.org/drawingml/2006/main" xmlns:r="http://schemas.openxmlformats.org/officeDocument/2006/relationships" xmlns:c16r2="http://schemas.microsoft.com/office/drawing/2015/06/chart">
+  <c:date1904 val="0"/>
+  <c:lang val="en-US"/>
+  <c:roundedCorners val="0"/>
+  <mc:AlternateContent xmlns:mc="http://schemas.openxmlformats.org/markup-compatibility/2006">
+    <mc:Choice xmlns:c14="http://schemas.microsoft.com/office/drawing/2007/8/2/chart" Requires="c14">
+      <c14:style val="102"/>
+    </mc:Choice>
+    <mc:Fallback>
+      <c:style val="2"/>
+    </mc:Fallback>
+  </mc:AlternateContent>
+  <c:chart>
+    <c:title>
+      <c:tx>
+        <c:rich>
+          <a:bodyPr rot="0" spcFirstLastPara="1" vertOverflow="ellipsis" vert="horz" wrap="square" anchor="ctr" anchorCtr="1"/>
+          <a:lstStyle/>
+          <a:p>
+            <a:pPr>
+              <a:defRPr sz="1862" b="0" i="0" u="none" strike="noStrike" kern="1200" spc="0" baseline="0">
+                <a:solidFill>
+                  <a:schemeClr val="tx1">
+                    <a:lumMod val="65000"/>
+                    <a:lumOff val="35000"/>
+                  </a:schemeClr>
+                </a:solidFill>
+                <a:latin typeface="+mn-lt"/>
+                <a:ea typeface="+mn-ea"/>
+                <a:cs typeface="+mn-cs"/>
+              </a:defRPr>
+            </a:pPr>
+            <a:r>
+              <a:rPr lang="en-US" dirty="0"/>
+              <a:t>N V.S. iteration</a:t>
+            </a:r>
+          </a:p>
+        </c:rich>
+      </c:tx>
+      <c:overlay val="0"/>
+      <c:spPr>
+        <a:noFill/>
+        <a:ln>
+          <a:noFill/>
+        </a:ln>
+        <a:effectLst/>
+      </c:spPr>
+      <c:txPr>
+        <a:bodyPr rot="0" spcFirstLastPara="1" vertOverflow="ellipsis" vert="horz" wrap="square" anchor="ctr" anchorCtr="1"/>
+        <a:lstStyle/>
+        <a:p>
+          <a:pPr>
+            <a:defRPr sz="1862" b="0" i="0" u="none" strike="noStrike" kern="1200" spc="0" baseline="0">
+              <a:solidFill>
+                <a:schemeClr val="tx1">
+                  <a:lumMod val="65000"/>
+                  <a:lumOff val="35000"/>
+                </a:schemeClr>
+              </a:solidFill>
+              <a:latin typeface="+mn-lt"/>
+              <a:ea typeface="+mn-ea"/>
+              <a:cs typeface="+mn-cs"/>
+            </a:defRPr>
+          </a:pPr>
+          <a:endParaRPr lang="en-TW"/>
+        </a:p>
+      </c:txPr>
+    </c:title>
+    <c:autoTitleDeleted val="0"/>
+    <c:plotArea>
+      <c:layout/>
+      <c:lineChart>
+        <c:grouping val="standard"/>
+        <c:varyColors val="0"/>
+        <c:ser>
+          <c:idx val="0"/>
+          <c:order val="0"/>
+          <c:tx>
+            <c:strRef>
+              <c:f>Sheet1!$B$1</c:f>
+              <c:strCache>
+                <c:ptCount val="1"/>
+                <c:pt idx="0">
+                  <c:v>SOR</c:v>
+                </c:pt>
+              </c:strCache>
+            </c:strRef>
+          </c:tx>
+          <c:spPr>
+            <a:ln w="28575" cap="rnd">
+              <a:solidFill>
+                <a:schemeClr val="accent1"/>
+              </a:solidFill>
+              <a:round/>
+            </a:ln>
+            <a:effectLst/>
+          </c:spPr>
+          <c:marker>
+            <c:symbol val="circle"/>
+            <c:size val="5"/>
+            <c:spPr>
+              <a:solidFill>
+                <a:schemeClr val="accent1"/>
+              </a:solidFill>
+              <a:ln w="9525">
+                <a:solidFill>
+                  <a:schemeClr val="accent1"/>
+                </a:solidFill>
+              </a:ln>
+              <a:effectLst/>
+            </c:spPr>
+          </c:marker>
+          <c:cat>
+            <c:numRef>
+              <c:f>Sheet1!$A$2:$A$8</c:f>
+              <c:numCache>
+                <c:formatCode>General</c:formatCode>
+                <c:ptCount val="7"/>
+                <c:pt idx="0">
+                  <c:v>16</c:v>
+                </c:pt>
+                <c:pt idx="1">
+                  <c:v>32</c:v>
+                </c:pt>
+                <c:pt idx="2">
+                  <c:v>64</c:v>
+                </c:pt>
+                <c:pt idx="3">
+                  <c:v>128</c:v>
+                </c:pt>
+                <c:pt idx="4">
+                  <c:v>256</c:v>
+                </c:pt>
+                <c:pt idx="5">
+                  <c:v>512</c:v>
+                </c:pt>
+                <c:pt idx="6">
+                  <c:v>1024</c:v>
+                </c:pt>
+              </c:numCache>
+            </c:numRef>
+          </c:cat>
+          <c:val>
+            <c:numRef>
+              <c:f>Sheet1!$B$2:$B$8</c:f>
+              <c:numCache>
+                <c:formatCode>General</c:formatCode>
+                <c:ptCount val="7"/>
+                <c:pt idx="0">
+                  <c:v>1089</c:v>
+                </c:pt>
+                <c:pt idx="1">
+                  <c:v>1256</c:v>
+                </c:pt>
+                <c:pt idx="2">
+                  <c:v>1427</c:v>
+                </c:pt>
+                <c:pt idx="3">
+                  <c:v>1556</c:v>
+                </c:pt>
+                <c:pt idx="4">
+                  <c:v>1706</c:v>
+                </c:pt>
+                <c:pt idx="5">
+                  <c:v>1806</c:v>
+                </c:pt>
+                <c:pt idx="6">
+                  <c:v>2314</c:v>
+                </c:pt>
+              </c:numCache>
+            </c:numRef>
+          </c:val>
+          <c:smooth val="0"/>
+          <c:extLst>
+            <c:ext xmlns:c16="http://schemas.microsoft.com/office/drawing/2014/chart" uri="{C3380CC4-5D6E-409C-BE32-E72D297353CC}">
+              <c16:uniqueId val="{00000000-AC9F-2D4A-9391-469D7317A904}"/>
+            </c:ext>
+          </c:extLst>
+        </c:ser>
+        <c:ser>
+          <c:idx val="1"/>
+          <c:order val="1"/>
+          <c:tx>
+            <c:strRef>
+              <c:f>Sheet1!$C$1</c:f>
+              <c:strCache>
+                <c:ptCount val="1"/>
+                <c:pt idx="0">
+                  <c:v>CG</c:v>
+                </c:pt>
+              </c:strCache>
+            </c:strRef>
+          </c:tx>
+          <c:spPr>
+            <a:ln w="28575" cap="rnd">
+              <a:solidFill>
+                <a:schemeClr val="accent2"/>
+              </a:solidFill>
+              <a:round/>
+            </a:ln>
+            <a:effectLst/>
+          </c:spPr>
+          <c:marker>
+            <c:symbol val="circle"/>
+            <c:size val="5"/>
+            <c:spPr>
+              <a:solidFill>
+                <a:schemeClr val="accent2"/>
+              </a:solidFill>
+              <a:ln w="9525">
+                <a:solidFill>
+                  <a:schemeClr val="accent2"/>
+                </a:solidFill>
+              </a:ln>
+              <a:effectLst/>
+            </c:spPr>
+          </c:marker>
+          <c:cat>
+            <c:numRef>
+              <c:f>Sheet1!$A$2:$A$8</c:f>
+              <c:numCache>
+                <c:formatCode>General</c:formatCode>
+                <c:ptCount val="7"/>
+                <c:pt idx="0">
+                  <c:v>16</c:v>
+                </c:pt>
+                <c:pt idx="1">
+                  <c:v>32</c:v>
+                </c:pt>
+                <c:pt idx="2">
+                  <c:v>64</c:v>
+                </c:pt>
+                <c:pt idx="3">
+                  <c:v>128</c:v>
+                </c:pt>
+                <c:pt idx="4">
+                  <c:v>256</c:v>
+                </c:pt>
+                <c:pt idx="5">
+                  <c:v>512</c:v>
+                </c:pt>
+                <c:pt idx="6">
+                  <c:v>1024</c:v>
+                </c:pt>
+              </c:numCache>
+            </c:numRef>
+          </c:cat>
+          <c:val>
+            <c:numRef>
+              <c:f>Sheet1!$C$2:$C$8</c:f>
+              <c:numCache>
+                <c:formatCode>General</c:formatCode>
+                <c:ptCount val="7"/>
+                <c:pt idx="0">
+                  <c:v>35</c:v>
+                </c:pt>
+                <c:pt idx="1">
+                  <c:v>79</c:v>
+                </c:pt>
+                <c:pt idx="2">
+                  <c:v>160</c:v>
+                </c:pt>
+                <c:pt idx="3">
+                  <c:v>319</c:v>
+                </c:pt>
+                <c:pt idx="4">
+                  <c:v>627</c:v>
+                </c:pt>
+                <c:pt idx="5">
+                  <c:v>1246</c:v>
+                </c:pt>
+                <c:pt idx="6">
+                  <c:v>2665</c:v>
+                </c:pt>
+              </c:numCache>
+            </c:numRef>
+          </c:val>
+          <c:smooth val="0"/>
+          <c:extLst>
+            <c:ext xmlns:c16="http://schemas.microsoft.com/office/drawing/2014/chart" uri="{C3380CC4-5D6E-409C-BE32-E72D297353CC}">
+              <c16:uniqueId val="{00000001-AC9F-2D4A-9391-469D7317A904}"/>
+            </c:ext>
+          </c:extLst>
+        </c:ser>
+        <c:dLbls>
+          <c:showLegendKey val="0"/>
+          <c:showVal val="0"/>
+          <c:showCatName val="0"/>
+          <c:showSerName val="0"/>
+          <c:showPercent val="0"/>
+          <c:showBubbleSize val="0"/>
+        </c:dLbls>
+        <c:marker val="1"/>
+        <c:smooth val="0"/>
+        <c:axId val="1507967199"/>
+        <c:axId val="1507968847"/>
+      </c:lineChart>
+      <c:catAx>
+        <c:axId val="1507967199"/>
+        <c:scaling>
+          <c:orientation val="minMax"/>
+        </c:scaling>
+        <c:delete val="0"/>
+        <c:axPos val="b"/>
+        <c:numFmt formatCode="General" sourceLinked="1"/>
+        <c:majorTickMark val="none"/>
+        <c:minorTickMark val="none"/>
+        <c:tickLblPos val="nextTo"/>
+        <c:spPr>
+          <a:noFill/>
+          <a:ln w="9525" cap="flat" cmpd="sng" algn="ctr">
+            <a:solidFill>
+              <a:schemeClr val="tx1">
+                <a:lumMod val="15000"/>
+                <a:lumOff val="85000"/>
+              </a:schemeClr>
+            </a:solidFill>
+            <a:round/>
+          </a:ln>
+          <a:effectLst/>
+        </c:spPr>
+        <c:txPr>
+          <a:bodyPr rot="-60000000" spcFirstLastPara="1" vertOverflow="ellipsis" vert="horz" wrap="square" anchor="ctr" anchorCtr="1"/>
+          <a:lstStyle/>
+          <a:p>
+            <a:pPr>
+              <a:defRPr sz="1197" b="0" i="0" u="none" strike="noStrike" kern="1200" baseline="0">
+                <a:solidFill>
+                  <a:schemeClr val="tx1">
+                    <a:lumMod val="65000"/>
+                    <a:lumOff val="35000"/>
+                  </a:schemeClr>
+                </a:solidFill>
+                <a:latin typeface="+mn-lt"/>
+                <a:ea typeface="+mn-ea"/>
+                <a:cs typeface="+mn-cs"/>
+              </a:defRPr>
+            </a:pPr>
+            <a:endParaRPr lang="en-TW"/>
+          </a:p>
+        </c:txPr>
+        <c:crossAx val="1507968847"/>
+        <c:crosses val="autoZero"/>
+        <c:auto val="1"/>
+        <c:lblAlgn val="ctr"/>
+        <c:lblOffset val="100"/>
+        <c:noMultiLvlLbl val="0"/>
+      </c:catAx>
+      <c:valAx>
+        <c:axId val="1507968847"/>
+        <c:scaling>
+          <c:orientation val="minMax"/>
+        </c:scaling>
+        <c:delete val="0"/>
+        <c:axPos val="l"/>
+        <c:majorGridlines>
+          <c:spPr>
+            <a:ln w="9525" cap="flat" cmpd="sng" algn="ctr">
+              <a:solidFill>
+                <a:schemeClr val="tx1">
+                  <a:lumMod val="15000"/>
+                  <a:lumOff val="85000"/>
+                </a:schemeClr>
+              </a:solidFill>
+              <a:round/>
+            </a:ln>
+            <a:effectLst/>
+          </c:spPr>
+        </c:majorGridlines>
+        <c:numFmt formatCode="General" sourceLinked="1"/>
+        <c:majorTickMark val="none"/>
+        <c:minorTickMark val="none"/>
+        <c:tickLblPos val="nextTo"/>
+        <c:spPr>
+          <a:noFill/>
+          <a:ln>
+            <a:noFill/>
+          </a:ln>
+          <a:effectLst/>
+        </c:spPr>
+        <c:txPr>
+          <a:bodyPr rot="-60000000" spcFirstLastPara="1" vertOverflow="ellipsis" vert="horz" wrap="square" anchor="ctr" anchorCtr="1"/>
+          <a:lstStyle/>
+          <a:p>
+            <a:pPr>
+              <a:defRPr sz="1197" b="0" i="0" u="none" strike="noStrike" kern="1200" baseline="0">
+                <a:solidFill>
+                  <a:schemeClr val="tx1">
+                    <a:lumMod val="65000"/>
+                    <a:lumOff val="35000"/>
+                  </a:schemeClr>
+                </a:solidFill>
+                <a:latin typeface="+mn-lt"/>
+                <a:ea typeface="+mn-ea"/>
+                <a:cs typeface="+mn-cs"/>
+              </a:defRPr>
+            </a:pPr>
+            <a:endParaRPr lang="en-TW"/>
+          </a:p>
+        </c:txPr>
+        <c:crossAx val="1507967199"/>
+        <c:crosses val="autoZero"/>
+        <c:crossBetween val="between"/>
+      </c:valAx>
+      <c:spPr>
+        <a:noFill/>
+        <a:ln>
+          <a:noFill/>
+        </a:ln>
+        <a:effectLst/>
+      </c:spPr>
+    </c:plotArea>
+    <c:legend>
+      <c:legendPos val="b"/>
+      <c:overlay val="0"/>
+      <c:spPr>
+        <a:noFill/>
+        <a:ln>
+          <a:noFill/>
+        </a:ln>
+        <a:effectLst/>
+      </c:spPr>
+      <c:txPr>
+        <a:bodyPr rot="0" spcFirstLastPara="1" vertOverflow="ellipsis" vert="horz" wrap="square" anchor="ctr" anchorCtr="1"/>
+        <a:lstStyle/>
+        <a:p>
+          <a:pPr>
+            <a:defRPr sz="1197" b="0" i="0" u="none" strike="noStrike" kern="1200" baseline="0">
+              <a:solidFill>
+                <a:schemeClr val="tx1">
+                  <a:lumMod val="65000"/>
+                  <a:lumOff val="35000"/>
+                </a:schemeClr>
+              </a:solidFill>
+              <a:latin typeface="+mn-lt"/>
+              <a:ea typeface="+mn-ea"/>
+              <a:cs typeface="+mn-cs"/>
+            </a:defRPr>
+          </a:pPr>
+          <a:endParaRPr lang="en-TW"/>
+        </a:p>
+      </c:txPr>
+    </c:legend>
+    <c:plotVisOnly val="1"/>
+    <c:dispBlanksAs val="gap"/>
+    <c:extLst>
+      <c:ext xmlns:c16r3="http://schemas.microsoft.com/office/drawing/2017/03/chart" uri="{56B9EC1D-385E-4148-901F-78D8002777C0}">
+        <c16r3:dataDisplayOptions16>
+          <c16r3:dispNaAsBlank val="1"/>
+        </c16r3:dataDisplayOptions16>
+      </c:ext>
+    </c:extLst>
+    <c:showDLblsOverMax val="0"/>
+  </c:chart>
+  <c:spPr>
+    <a:noFill/>
+    <a:ln>
+      <a:noFill/>
+    </a:ln>
+    <a:effectLst/>
+  </c:spPr>
+  <c:txPr>
+    <a:bodyPr/>
+    <a:lstStyle/>
+    <a:p>
+      <a:pPr>
+        <a:defRPr/>
+      </a:pPr>
+      <a:endParaRPr lang="en-TW"/>
+    </a:p>
+  </c:txPr>
+  <c:externalData r:id="rId3">
+    <c:autoUpdate val="0"/>
+  </c:externalData>
+</c:chartSpace>
+</file>
+
+<file path=ppt/charts/chart2.xml><?xml version="1.0" encoding="utf-8"?>
+<c:chartSpace xmlns:c="http://schemas.openxmlformats.org/drawingml/2006/chart" xmlns:a="http://schemas.openxmlformats.org/drawingml/2006/main" xmlns:r="http://schemas.openxmlformats.org/officeDocument/2006/relationships" xmlns:c16r2="http://schemas.microsoft.com/office/drawing/2015/06/chart">
+  <c:date1904 val="0"/>
+  <c:lang val="en-US"/>
+  <c:roundedCorners val="0"/>
+  <mc:AlternateContent xmlns:mc="http://schemas.openxmlformats.org/markup-compatibility/2006">
+    <mc:Choice xmlns:c14="http://schemas.microsoft.com/office/drawing/2007/8/2/chart" Requires="c14">
+      <c14:style val="102"/>
+    </mc:Choice>
+    <mc:Fallback>
+      <c:style val="2"/>
+    </mc:Fallback>
+  </mc:AlternateContent>
+  <c:chart>
+    <c:title>
+      <c:tx>
+        <c:rich>
+          <a:bodyPr rot="0" spcFirstLastPara="1" vertOverflow="ellipsis" vert="horz" wrap="square" anchor="ctr" anchorCtr="1"/>
+          <a:lstStyle/>
+          <a:p>
+            <a:pPr>
+              <a:defRPr sz="1862" b="0" i="0" u="none" strike="noStrike" kern="1200" spc="0" baseline="0">
+                <a:solidFill>
+                  <a:schemeClr val="tx1">
+                    <a:lumMod val="65000"/>
+                    <a:lumOff val="35000"/>
+                  </a:schemeClr>
+                </a:solidFill>
+                <a:latin typeface="+mn-lt"/>
+                <a:ea typeface="+mn-ea"/>
+                <a:cs typeface="+mn-cs"/>
+              </a:defRPr>
+            </a:pPr>
+            <a:r>
+              <a:rPr lang="en-US" dirty="0"/>
+              <a:t>N = 512</a:t>
+            </a:r>
+          </a:p>
+        </c:rich>
+      </c:tx>
+      <c:overlay val="0"/>
+      <c:spPr>
+        <a:noFill/>
+        <a:ln>
+          <a:noFill/>
+        </a:ln>
+        <a:effectLst/>
+      </c:spPr>
+      <c:txPr>
+        <a:bodyPr rot="0" spcFirstLastPara="1" vertOverflow="ellipsis" vert="horz" wrap="square" anchor="ctr" anchorCtr="1"/>
+        <a:lstStyle/>
+        <a:p>
+          <a:pPr>
+            <a:defRPr sz="1862" b="0" i="0" u="none" strike="noStrike" kern="1200" spc="0" baseline="0">
+              <a:solidFill>
+                <a:schemeClr val="tx1">
+                  <a:lumMod val="65000"/>
+                  <a:lumOff val="35000"/>
+                </a:schemeClr>
+              </a:solidFill>
+              <a:latin typeface="+mn-lt"/>
+              <a:ea typeface="+mn-ea"/>
+              <a:cs typeface="+mn-cs"/>
+            </a:defRPr>
+          </a:pPr>
+          <a:endParaRPr lang="en-TW"/>
+        </a:p>
+      </c:txPr>
+    </c:title>
+    <c:autoTitleDeleted val="0"/>
+    <c:plotArea>
+      <c:layout/>
+      <c:lineChart>
+        <c:grouping val="standard"/>
+        <c:varyColors val="0"/>
+        <c:ser>
+          <c:idx val="0"/>
+          <c:order val="0"/>
+          <c:tx>
+            <c:strRef>
+              <c:f>Sheet1!$B$1</c:f>
+              <c:strCache>
+                <c:ptCount val="1"/>
+                <c:pt idx="0">
+                  <c:v>CG</c:v>
+                </c:pt>
+              </c:strCache>
+            </c:strRef>
+          </c:tx>
+          <c:spPr>
+            <a:ln w="28575" cap="rnd">
+              <a:solidFill>
+                <a:schemeClr val="accent1"/>
+              </a:solidFill>
+              <a:round/>
+            </a:ln>
+            <a:effectLst/>
+          </c:spPr>
+          <c:marker>
+            <c:symbol val="circle"/>
+            <c:size val="5"/>
+            <c:spPr>
+              <a:solidFill>
+                <a:schemeClr val="accent1"/>
+              </a:solidFill>
+              <a:ln w="9525">
+                <a:solidFill>
+                  <a:schemeClr val="accent1"/>
+                </a:solidFill>
+              </a:ln>
+              <a:effectLst/>
+            </c:spPr>
+          </c:marker>
+          <c:cat>
+            <c:numRef>
+              <c:f>Sheet1!$A$2:$A$19</c:f>
+              <c:numCache>
+                <c:formatCode>General</c:formatCode>
+                <c:ptCount val="18"/>
+                <c:pt idx="0">
+                  <c:v>100</c:v>
+                </c:pt>
+                <c:pt idx="1">
+                  <c:v>200</c:v>
+                </c:pt>
+                <c:pt idx="2">
+                  <c:v>300</c:v>
+                </c:pt>
+                <c:pt idx="3">
+                  <c:v>400</c:v>
+                </c:pt>
+                <c:pt idx="4">
+                  <c:v>500</c:v>
+                </c:pt>
+                <c:pt idx="5">
+                  <c:v>600</c:v>
+                </c:pt>
+                <c:pt idx="6">
+                  <c:v>700</c:v>
+                </c:pt>
+                <c:pt idx="7">
+                  <c:v>800</c:v>
+                </c:pt>
+                <c:pt idx="8">
+                  <c:v>900</c:v>
+                </c:pt>
+                <c:pt idx="9">
+                  <c:v>1000</c:v>
+                </c:pt>
+                <c:pt idx="10">
+                  <c:v>1100</c:v>
+                </c:pt>
+                <c:pt idx="11">
+                  <c:v>1200</c:v>
+                </c:pt>
+                <c:pt idx="12">
+                  <c:v>1300</c:v>
+                </c:pt>
+                <c:pt idx="13">
+                  <c:v>1400</c:v>
+                </c:pt>
+                <c:pt idx="14">
+                  <c:v>1500</c:v>
+                </c:pt>
+                <c:pt idx="15">
+                  <c:v>1600</c:v>
+                </c:pt>
+                <c:pt idx="16">
+                  <c:v>1700</c:v>
+                </c:pt>
+                <c:pt idx="17">
+                  <c:v>1800</c:v>
+                </c:pt>
+              </c:numCache>
+            </c:numRef>
+          </c:cat>
+          <c:val>
+            <c:numRef>
+              <c:f>Sheet1!$B$2:$B$19</c:f>
+              <c:numCache>
+                <c:formatCode>0.00E+00</c:formatCode>
+                <c:ptCount val="18"/>
+                <c:pt idx="0">
+                  <c:v>0.112</c:v>
+                </c:pt>
+                <c:pt idx="1">
+                  <c:v>7.9500000000000001E-2</c:v>
+                </c:pt>
+                <c:pt idx="2">
+                  <c:v>6.4990000000000006E-2</c:v>
+                </c:pt>
+                <c:pt idx="3">
+                  <c:v>0.03</c:v>
+                </c:pt>
+                <c:pt idx="4">
+                  <c:v>7.0990000000000003E-3</c:v>
+                </c:pt>
+                <c:pt idx="5">
+                  <c:v>1.3110000000000001E-3</c:v>
+                </c:pt>
+                <c:pt idx="6">
+                  <c:v>8.8999999999999995E-5</c:v>
+                </c:pt>
+                <c:pt idx="7">
+                  <c:v>2.2970000000000002E-6</c:v>
+                </c:pt>
+                <c:pt idx="8">
+                  <c:v>4.5109999999999998E-8</c:v>
+                </c:pt>
+                <c:pt idx="9">
+                  <c:v>8.009E-10</c:v>
+                </c:pt>
+                <c:pt idx="10">
+                  <c:v>3.8640000000000002E-11</c:v>
+                </c:pt>
+                <c:pt idx="11">
+                  <c:v>1.507E-13</c:v>
+                </c:pt>
+              </c:numCache>
+            </c:numRef>
+          </c:val>
+          <c:smooth val="0"/>
+          <c:extLst>
+            <c:ext xmlns:c16="http://schemas.microsoft.com/office/drawing/2014/chart" uri="{C3380CC4-5D6E-409C-BE32-E72D297353CC}">
+              <c16:uniqueId val="{00000000-847E-554A-A9E9-52CB5BC6CB1E}"/>
+            </c:ext>
+          </c:extLst>
+        </c:ser>
+        <c:ser>
+          <c:idx val="1"/>
+          <c:order val="1"/>
+          <c:tx>
+            <c:strRef>
+              <c:f>Sheet1!$C$1</c:f>
+              <c:strCache>
+                <c:ptCount val="1"/>
+                <c:pt idx="0">
+                  <c:v>SOR</c:v>
+                </c:pt>
+              </c:strCache>
+            </c:strRef>
+          </c:tx>
+          <c:spPr>
+            <a:ln w="28575" cap="rnd">
+              <a:solidFill>
+                <a:schemeClr val="accent2"/>
+              </a:solidFill>
+              <a:round/>
+            </a:ln>
+            <a:effectLst/>
+          </c:spPr>
+          <c:marker>
+            <c:symbol val="circle"/>
+            <c:size val="5"/>
+            <c:spPr>
+              <a:solidFill>
+                <a:schemeClr val="accent2"/>
+              </a:solidFill>
+              <a:ln w="9525">
+                <a:solidFill>
+                  <a:schemeClr val="accent2"/>
+                </a:solidFill>
+              </a:ln>
+              <a:effectLst/>
+            </c:spPr>
+          </c:marker>
+          <c:cat>
+            <c:numRef>
+              <c:f>Sheet1!$A$2:$A$19</c:f>
+              <c:numCache>
+                <c:formatCode>General</c:formatCode>
+                <c:ptCount val="18"/>
+                <c:pt idx="0">
+                  <c:v>100</c:v>
+                </c:pt>
+                <c:pt idx="1">
+                  <c:v>200</c:v>
+                </c:pt>
+                <c:pt idx="2">
+                  <c:v>300</c:v>
+                </c:pt>
+                <c:pt idx="3">
+                  <c:v>400</c:v>
+                </c:pt>
+                <c:pt idx="4">
+                  <c:v>500</c:v>
+                </c:pt>
+                <c:pt idx="5">
+                  <c:v>600</c:v>
+                </c:pt>
+                <c:pt idx="6">
+                  <c:v>700</c:v>
+                </c:pt>
+                <c:pt idx="7">
+                  <c:v>800</c:v>
+                </c:pt>
+                <c:pt idx="8">
+                  <c:v>900</c:v>
+                </c:pt>
+                <c:pt idx="9">
+                  <c:v>1000</c:v>
+                </c:pt>
+                <c:pt idx="10">
+                  <c:v>1100</c:v>
+                </c:pt>
+                <c:pt idx="11">
+                  <c:v>1200</c:v>
+                </c:pt>
+                <c:pt idx="12">
+                  <c:v>1300</c:v>
+                </c:pt>
+                <c:pt idx="13">
+                  <c:v>1400</c:v>
+                </c:pt>
+                <c:pt idx="14">
+                  <c:v>1500</c:v>
+                </c:pt>
+                <c:pt idx="15">
+                  <c:v>1600</c:v>
+                </c:pt>
+                <c:pt idx="16">
+                  <c:v>1700</c:v>
+                </c:pt>
+                <c:pt idx="17">
+                  <c:v>1800</c:v>
+                </c:pt>
+              </c:numCache>
+            </c:numRef>
+          </c:cat>
+          <c:val>
+            <c:numRef>
+              <c:f>Sheet1!$C$2:$C$19</c:f>
+              <c:numCache>
+                <c:formatCode>0.00E+00</c:formatCode>
+                <c:ptCount val="18"/>
+                <c:pt idx="0">
+                  <c:v>2.0970000000000001E-10</c:v>
+                </c:pt>
+                <c:pt idx="1">
+                  <c:v>2.3319999999999998E-10</c:v>
+                </c:pt>
+                <c:pt idx="2">
+                  <c:v>8.4769999999999995E-11</c:v>
+                </c:pt>
+                <c:pt idx="3">
+                  <c:v>5.9669999999999999E-11</c:v>
+                </c:pt>
+                <c:pt idx="4">
+                  <c:v>3.3730000000000003E-11</c:v>
+                </c:pt>
+                <c:pt idx="5">
+                  <c:v>1.3940000000000001E-11</c:v>
+                </c:pt>
+                <c:pt idx="6">
+                  <c:v>1.042E-11</c:v>
+                </c:pt>
+                <c:pt idx="7">
+                  <c:v>5.2850000000000002E-12</c:v>
+                </c:pt>
+                <c:pt idx="8">
+                  <c:v>2.7540000000000002E-12</c:v>
+                </c:pt>
+                <c:pt idx="9">
+                  <c:v>1.8680000000000001E-12</c:v>
+                </c:pt>
+                <c:pt idx="10">
+                  <c:v>8.7539999999999999E-13</c:v>
+                </c:pt>
+                <c:pt idx="11">
+                  <c:v>3.6890000000000002E-13</c:v>
+                </c:pt>
+                <c:pt idx="12">
+                  <c:v>2.7599999999999999E-13</c:v>
+                </c:pt>
+                <c:pt idx="13">
+                  <c:v>1.3810000000000001E-13</c:v>
+                </c:pt>
+                <c:pt idx="14">
+                  <c:v>6.382E-14</c:v>
+                </c:pt>
+                <c:pt idx="15">
+                  <c:v>4.6130000000000001E-14</c:v>
+                </c:pt>
+                <c:pt idx="16">
+                  <c:v>2.373E-14</c:v>
+                </c:pt>
+                <c:pt idx="17">
+                  <c:v>1.028E-14</c:v>
+                </c:pt>
+              </c:numCache>
+            </c:numRef>
+          </c:val>
+          <c:smooth val="0"/>
+          <c:extLst>
+            <c:ext xmlns:c16="http://schemas.microsoft.com/office/drawing/2014/chart" uri="{C3380CC4-5D6E-409C-BE32-E72D297353CC}">
+              <c16:uniqueId val="{00000001-847E-554A-A9E9-52CB5BC6CB1E}"/>
+            </c:ext>
+          </c:extLst>
+        </c:ser>
+        <c:dLbls>
+          <c:showLegendKey val="0"/>
+          <c:showVal val="0"/>
+          <c:showCatName val="0"/>
+          <c:showSerName val="0"/>
+          <c:showPercent val="0"/>
+          <c:showBubbleSize val="0"/>
+        </c:dLbls>
+        <c:marker val="1"/>
+        <c:smooth val="0"/>
+        <c:axId val="1628474687"/>
+        <c:axId val="1628828559"/>
+      </c:lineChart>
+      <c:catAx>
+        <c:axId val="1628474687"/>
+        <c:scaling>
+          <c:orientation val="minMax"/>
+        </c:scaling>
+        <c:delete val="0"/>
+        <c:axPos val="b"/>
+        <c:numFmt formatCode="General" sourceLinked="1"/>
+        <c:majorTickMark val="none"/>
+        <c:minorTickMark val="none"/>
+        <c:tickLblPos val="low"/>
+        <c:spPr>
+          <a:noFill/>
+          <a:ln w="9525" cap="flat" cmpd="sng" algn="ctr">
+            <a:solidFill>
+              <a:schemeClr val="tx1">
+                <a:lumMod val="15000"/>
+                <a:lumOff val="85000"/>
+              </a:schemeClr>
+            </a:solidFill>
+            <a:round/>
+          </a:ln>
+          <a:effectLst/>
+        </c:spPr>
+        <c:txPr>
+          <a:bodyPr rot="-60000000" spcFirstLastPara="1" vertOverflow="ellipsis" vert="horz" wrap="square" anchor="ctr" anchorCtr="1"/>
+          <a:lstStyle/>
+          <a:p>
+            <a:pPr>
+              <a:defRPr sz="1197" b="0" i="0" u="none" strike="noStrike" kern="1200" baseline="0">
+                <a:solidFill>
+                  <a:schemeClr val="tx1">
+                    <a:lumMod val="65000"/>
+                    <a:lumOff val="35000"/>
+                  </a:schemeClr>
+                </a:solidFill>
+                <a:latin typeface="+mn-lt"/>
+                <a:ea typeface="+mn-ea"/>
+                <a:cs typeface="+mn-cs"/>
+              </a:defRPr>
+            </a:pPr>
+            <a:endParaRPr lang="en-TW"/>
+          </a:p>
+        </c:txPr>
+        <c:crossAx val="1628828559"/>
+        <c:crosses val="autoZero"/>
+        <c:auto val="1"/>
+        <c:lblAlgn val="ctr"/>
+        <c:lblOffset val="100"/>
+        <c:noMultiLvlLbl val="0"/>
+      </c:catAx>
+      <c:valAx>
+        <c:axId val="1628828559"/>
+        <c:scaling>
+          <c:logBase val="10"/>
+          <c:orientation val="minMax"/>
+        </c:scaling>
+        <c:delete val="0"/>
+        <c:axPos val="l"/>
+        <c:majorGridlines>
+          <c:spPr>
+            <a:ln w="9525" cap="flat" cmpd="sng" algn="ctr">
+              <a:solidFill>
+                <a:schemeClr val="tx1">
+                  <a:lumMod val="15000"/>
+                  <a:lumOff val="85000"/>
+                </a:schemeClr>
+              </a:solidFill>
+              <a:round/>
+            </a:ln>
+            <a:effectLst/>
+          </c:spPr>
+        </c:majorGridlines>
+        <c:numFmt formatCode="0.00E+00" sourceLinked="1"/>
+        <c:majorTickMark val="none"/>
+        <c:minorTickMark val="none"/>
+        <c:tickLblPos val="nextTo"/>
+        <c:spPr>
+          <a:noFill/>
+          <a:ln>
+            <a:noFill/>
+          </a:ln>
+          <a:effectLst/>
+        </c:spPr>
+        <c:txPr>
+          <a:bodyPr rot="-60000000" spcFirstLastPara="1" vertOverflow="ellipsis" vert="horz" wrap="square" anchor="ctr" anchorCtr="1"/>
+          <a:lstStyle/>
+          <a:p>
+            <a:pPr>
+              <a:defRPr sz="1197" b="0" i="0" u="none" strike="noStrike" kern="1200" baseline="0">
+                <a:solidFill>
+                  <a:schemeClr val="tx1">
+                    <a:lumMod val="65000"/>
+                    <a:lumOff val="35000"/>
+                  </a:schemeClr>
+                </a:solidFill>
+                <a:latin typeface="+mn-lt"/>
+                <a:ea typeface="+mn-ea"/>
+                <a:cs typeface="+mn-cs"/>
+              </a:defRPr>
+            </a:pPr>
+            <a:endParaRPr lang="en-TW"/>
+          </a:p>
+        </c:txPr>
+        <c:crossAx val="1628474687"/>
+        <c:crosses val="autoZero"/>
+        <c:crossBetween val="between"/>
+      </c:valAx>
+      <c:spPr>
+        <a:noFill/>
+        <a:ln>
+          <a:noFill/>
+        </a:ln>
+        <a:effectLst/>
+      </c:spPr>
+    </c:plotArea>
+    <c:legend>
+      <c:legendPos val="b"/>
+      <c:overlay val="0"/>
+      <c:spPr>
+        <a:noFill/>
+        <a:ln>
+          <a:noFill/>
+        </a:ln>
+        <a:effectLst/>
+      </c:spPr>
+      <c:txPr>
+        <a:bodyPr rot="0" spcFirstLastPara="1" vertOverflow="ellipsis" vert="horz" wrap="square" anchor="ctr" anchorCtr="1"/>
+        <a:lstStyle/>
+        <a:p>
+          <a:pPr>
+            <a:defRPr sz="1197" b="0" i="0" u="none" strike="noStrike" kern="1200" baseline="0">
+              <a:solidFill>
+                <a:schemeClr val="tx1">
+                  <a:lumMod val="65000"/>
+                  <a:lumOff val="35000"/>
+                </a:schemeClr>
+              </a:solidFill>
+              <a:latin typeface="+mn-lt"/>
+              <a:ea typeface="+mn-ea"/>
+              <a:cs typeface="+mn-cs"/>
+            </a:defRPr>
+          </a:pPr>
+          <a:endParaRPr lang="en-TW"/>
+        </a:p>
+      </c:txPr>
+    </c:legend>
+    <c:plotVisOnly val="1"/>
+    <c:dispBlanksAs val="zero"/>
+    <c:extLst>
+      <c:ext xmlns:c16r3="http://schemas.microsoft.com/office/drawing/2017/03/chart" uri="{56B9EC1D-385E-4148-901F-78D8002777C0}">
+        <c16r3:dataDisplayOptions16>
+          <c16r3:dispNaAsBlank val="1"/>
+        </c16r3:dataDisplayOptions16>
+      </c:ext>
+    </c:extLst>
+    <c:showDLblsOverMax val="0"/>
+  </c:chart>
+  <c:spPr>
+    <a:noFill/>
+    <a:ln>
+      <a:noFill/>
+    </a:ln>
+    <a:effectLst/>
+  </c:spPr>
+  <c:txPr>
+    <a:bodyPr/>
+    <a:lstStyle/>
+    <a:p>
+      <a:pPr>
+        <a:defRPr/>
+      </a:pPr>
+      <a:endParaRPr lang="en-TW"/>
+    </a:p>
+  </c:txPr>
+  <c:externalData r:id="rId3">
+    <c:autoUpdate val="0"/>
+  </c:externalData>
+</c:chartSpace>
+</file>
+
+<file path=ppt/charts/colors1.xml><?xml version="1.0" encoding="utf-8"?>
+<cs:colorStyle xmlns:cs="http://schemas.microsoft.com/office/drawing/2012/chartStyle" xmlns:a="http://schemas.openxmlformats.org/drawingml/2006/main" meth="cycle" id="10">
+  <a:schemeClr val="accent1"/>
+  <a:schemeClr val="accent2"/>
+  <a:schemeClr val="accent3"/>
+  <a:schemeClr val="accent4"/>
+  <a:schemeClr val="accent5"/>
+  <a:schemeClr val="accent6"/>
+  <cs:variation/>
+  <cs:variation>
+    <a:lumMod val="60000"/>
+  </cs:variation>
+  <cs:variation>
+    <a:lumMod val="80000"/>
+    <a:lumOff val="20000"/>
+  </cs:variation>
+  <cs:variation>
+    <a:lumMod val="80000"/>
+  </cs:variation>
+  <cs:variation>
+    <a:lumMod val="60000"/>
+    <a:lumOff val="40000"/>
+  </cs:variation>
+  <cs:variation>
+    <a:lumMod val="50000"/>
+  </cs:variation>
+  <cs:variation>
+    <a:lumMod val="70000"/>
+    <a:lumOff val="30000"/>
+  </cs:variation>
+  <cs:variation>
+    <a:lumMod val="70000"/>
+  </cs:variation>
+  <cs:variation>
+    <a:lumMod val="50000"/>
+    <a:lumOff val="50000"/>
+  </cs:variation>
+</cs:colorStyle>
+</file>
+
+<file path=ppt/charts/colors2.xml><?xml version="1.0" encoding="utf-8"?>
+<cs:colorStyle xmlns:cs="http://schemas.microsoft.com/office/drawing/2012/chartStyle" xmlns:a="http://schemas.openxmlformats.org/drawingml/2006/main" meth="cycle" id="10">
+  <a:schemeClr val="accent1"/>
+  <a:schemeClr val="accent2"/>
+  <a:schemeClr val="accent3"/>
+  <a:schemeClr val="accent4"/>
+  <a:schemeClr val="accent5"/>
+  <a:schemeClr val="accent6"/>
+  <cs:variation/>
+  <cs:variation>
+    <a:lumMod val="60000"/>
+  </cs:variation>
+  <cs:variation>
+    <a:lumMod val="80000"/>
+    <a:lumOff val="20000"/>
+  </cs:variation>
+  <cs:variation>
+    <a:lumMod val="80000"/>
+  </cs:variation>
+  <cs:variation>
+    <a:lumMod val="60000"/>
+    <a:lumOff val="40000"/>
+  </cs:variation>
+  <cs:variation>
+    <a:lumMod val="50000"/>
+  </cs:variation>
+  <cs:variation>
+    <a:lumMod val="70000"/>
+    <a:lumOff val="30000"/>
+  </cs:variation>
+  <cs:variation>
+    <a:lumMod val="70000"/>
+  </cs:variation>
+  <cs:variation>
+    <a:lumMod val="50000"/>
+    <a:lumOff val="50000"/>
+  </cs:variation>
+</cs:colorStyle>
+</file>
+
+<file path=ppt/charts/style1.xml><?xml version="1.0" encoding="utf-8"?>
+<cs:chartStyle xmlns:cs="http://schemas.microsoft.com/office/drawing/2012/chartStyle" xmlns:a="http://schemas.openxmlformats.org/drawingml/2006/main" id="332">
+  <cs:axisTitle>
+    <cs:lnRef idx="0"/>
+    <cs:fillRef idx="0"/>
+    <cs:effectRef idx="0"/>
+    <cs:fontRef idx="minor">
+      <a:schemeClr val="tx1">
+        <a:lumMod val="65000"/>
+        <a:lumOff val="35000"/>
+      </a:schemeClr>
+    </cs:fontRef>
+    <cs:defRPr sz="1330" kern="1200"/>
+  </cs:axisTitle>
+  <cs:categoryAxis>
+    <cs:lnRef idx="0"/>
+    <cs:fillRef idx="0"/>
+    <cs:effectRef idx="0"/>
+    <cs:fontRef idx="minor">
+      <a:schemeClr val="tx1">
+        <a:lumMod val="65000"/>
+        <a:lumOff val="35000"/>
+      </a:schemeClr>
+    </cs:fontRef>
+    <cs:spPr>
+      <a:ln w="9525" cap="flat" cmpd="sng" algn="ctr">
+        <a:solidFill>
+          <a:schemeClr val="tx1">
+            <a:lumMod val="15000"/>
+            <a:lumOff val="85000"/>
+          </a:schemeClr>
+        </a:solidFill>
+        <a:round/>
+      </a:ln>
+    </cs:spPr>
+    <cs:defRPr sz="1197" kern="1200"/>
+  </cs:categoryAxis>
+  <cs:chartArea mods="allowNoFillOverride allowNoLineOverride">
+    <cs:lnRef idx="0"/>
+    <cs:fillRef idx="0"/>
+    <cs:effectRef idx="0"/>
+    <cs:fontRef idx="minor">
+      <a:schemeClr val="tx1"/>
+    </cs:fontRef>
+    <cs:spPr>
+      <a:solidFill>
+        <a:schemeClr val="bg1"/>
+      </a:solidFill>
+      <a:ln w="9525" cap="flat" cmpd="sng" algn="ctr">
+        <a:solidFill>
+          <a:schemeClr val="tx1">
+            <a:lumMod val="15000"/>
+            <a:lumOff val="85000"/>
+          </a:schemeClr>
+        </a:solidFill>
+        <a:round/>
+      </a:ln>
+    </cs:spPr>
+    <cs:defRPr sz="1330" kern="1200"/>
+  </cs:chartArea>
+  <cs:dataLabel>
+    <cs:lnRef idx="0"/>
+    <cs:fillRef idx="0"/>
+    <cs:effectRef idx="0"/>
+    <cs:fontRef idx="minor">
+      <a:schemeClr val="tx1">
+        <a:lumMod val="75000"/>
+        <a:lumOff val="25000"/>
+      </a:schemeClr>
+    </cs:fontRef>
+    <cs:defRPr sz="1197" kern="1200"/>
+  </cs:dataLabel>
+  <cs:dataLabelCallout>
+    <cs:lnRef idx="0"/>
+    <cs:fillRef idx="0"/>
+    <cs:effectRef idx="0"/>
+    <cs:fontRef idx="minor">
+      <a:schemeClr val="dk1">
+        <a:lumMod val="65000"/>
+        <a:lumOff val="35000"/>
+      </a:schemeClr>
+    </cs:fontRef>
+    <cs:spPr>
+      <a:solidFill>
+        <a:schemeClr val="lt1"/>
+      </a:solidFill>
+      <a:ln>
+        <a:solidFill>
+          <a:schemeClr val="dk1">
+            <a:lumMod val="25000"/>
+            <a:lumOff val="75000"/>
+          </a:schemeClr>
+        </a:solidFill>
+      </a:ln>
+    </cs:spPr>
+    <cs:defRPr sz="1197" kern="1200"/>
+    <cs:bodyPr rot="0" spcFirstLastPara="1" vertOverflow="clip" horzOverflow="clip" vert="horz" wrap="square" lIns="36576" tIns="18288" rIns="36576" bIns="18288" anchor="ctr" anchorCtr="1">
+      <a:spAutoFit/>
+    </cs:bodyPr>
+  </cs:dataLabelCallout>
+  <cs:dataPoint>
+    <cs:lnRef idx="0"/>
+    <cs:fillRef idx="1">
+      <cs:styleClr val="auto"/>
+    </cs:fillRef>
+    <cs:effectRef idx="0"/>
+    <cs:fontRef idx="minor">
+      <a:schemeClr val="tx1"/>
+    </cs:fontRef>
+  </cs:dataPoint>
+  <cs:dataPoint3D>
+    <cs:lnRef idx="0"/>
+    <cs:fillRef idx="1">
+      <cs:styleClr val="auto"/>
+    </cs:fillRef>
+    <cs:effectRef idx="0"/>
+    <cs:fontRef idx="minor">
+      <a:schemeClr val="tx1"/>
+    </cs:fontRef>
+  </cs:dataPoint3D>
+  <cs:dataPointLine>
+    <cs:lnRef idx="0">
+      <cs:styleClr val="auto"/>
+    </cs:lnRef>
+    <cs:fillRef idx="1"/>
+    <cs:effectRef idx="0"/>
+    <cs:fontRef idx="minor">
+      <a:schemeClr val="tx1"/>
+    </cs:fontRef>
+    <cs:spPr>
+      <a:ln w="28575" cap="rnd">
+        <a:solidFill>
+          <a:schemeClr val="phClr"/>
+        </a:solidFill>
+        <a:round/>
+      </a:ln>
+    </cs:spPr>
+  </cs:dataPointLine>
+  <cs:dataPointMarker>
+    <cs:lnRef idx="0">
+      <cs:styleClr val="auto"/>
+    </cs:lnRef>
+    <cs:fillRef idx="1">
+      <cs:styleClr val="auto"/>
+    </cs:fillRef>
+    <cs:effectRef idx="0"/>
+    <cs:fontRef idx="minor">
+      <a:schemeClr val="tx1"/>
+    </cs:fontRef>
+    <cs:spPr>
+      <a:ln w="9525">
+        <a:solidFill>
+          <a:schemeClr val="phClr"/>
+        </a:solidFill>
+      </a:ln>
+    </cs:spPr>
+  </cs:dataPointMarker>
+  <cs:dataPointMarkerLayout symbol="circle" size="5"/>
+  <cs:dataPointWireframe>
+    <cs:lnRef idx="0">
+      <cs:styleClr val="auto"/>
+    </cs:lnRef>
+    <cs:fillRef idx="1"/>
+    <cs:effectRef idx="0"/>
+    <cs:fontRef idx="minor">
+      <a:schemeClr val="tx1"/>
+    </cs:fontRef>
+    <cs:spPr>
+      <a:ln w="9525" cap="rnd">
+        <a:solidFill>
+          <a:schemeClr val="phClr"/>
+        </a:solidFill>
+        <a:round/>
+      </a:ln>
+    </cs:spPr>
+  </cs:dataPointWireframe>
+  <cs:dataTable>
+    <cs:lnRef idx="0"/>
+    <cs:fillRef idx="0"/>
+    <cs:effectRef idx="0"/>
+    <cs:fontRef idx="minor">
+      <a:schemeClr val="tx1">
+        <a:lumMod val="65000"/>
+        <a:lumOff val="35000"/>
+      </a:schemeClr>
+    </cs:fontRef>
+    <cs:spPr>
+      <a:noFill/>
+      <a:ln w="9525" cap="flat" cmpd="sng" algn="ctr">
+        <a:solidFill>
+          <a:schemeClr val="tx1">
+            <a:lumMod val="15000"/>
+            <a:lumOff val="85000"/>
+          </a:schemeClr>
+        </a:solidFill>
+        <a:round/>
+      </a:ln>
+    </cs:spPr>
+    <cs:defRPr sz="1197" kern="1200"/>
+  </cs:dataTable>
+  <cs:downBar>
+    <cs:lnRef idx="0"/>
+    <cs:fillRef idx="0"/>
+    <cs:effectRef idx="0"/>
+    <cs:fontRef idx="minor">
+      <a:schemeClr val="dk1"/>
+    </cs:fontRef>
+    <cs:spPr>
+      <a:solidFill>
+        <a:schemeClr val="dk1">
+          <a:lumMod val="65000"/>
+          <a:lumOff val="35000"/>
+        </a:schemeClr>
+      </a:solidFill>
+      <a:ln w="9525">
+        <a:solidFill>
+          <a:schemeClr val="tx1">
+            <a:lumMod val="65000"/>
+            <a:lumOff val="35000"/>
+          </a:schemeClr>
+        </a:solidFill>
+      </a:ln>
+    </cs:spPr>
+  </cs:downBar>
+  <cs:dropLine>
+    <cs:lnRef idx="0"/>
+    <cs:fillRef idx="0"/>
+    <cs:effectRef idx="0"/>
+    <cs:fontRef idx="minor">
+      <a:schemeClr val="tx1"/>
+    </cs:fontRef>
+    <cs:spPr>
+      <a:ln w="9525" cap="flat" cmpd="sng" algn="ctr">
+        <a:solidFill>
+          <a:schemeClr val="tx1">
+            <a:lumMod val="35000"/>
+            <a:lumOff val="65000"/>
+          </a:schemeClr>
+        </a:solidFill>
+        <a:round/>
+      </a:ln>
+    </cs:spPr>
+  </cs:dropLine>
+  <cs:errorBar>
+    <cs:lnRef idx="0"/>
+    <cs:fillRef idx="0"/>
+    <cs:effectRef idx="0"/>
+    <cs:fontRef idx="minor">
+      <a:schemeClr val="tx1"/>
+    </cs:fontRef>
+    <cs:spPr>
+      <a:ln w="9525" cap="flat" cmpd="sng" algn="ctr">
+        <a:solidFill>
+          <a:schemeClr val="tx1">
+            <a:lumMod val="65000"/>
+            <a:lumOff val="35000"/>
+          </a:schemeClr>
+        </a:solidFill>
+        <a:round/>
+      </a:ln>
+    </cs:spPr>
+  </cs:errorBar>
+  <cs:floor>
+    <cs:lnRef idx="0"/>
+    <cs:fillRef idx="0"/>
+    <cs:effectRef idx="0"/>
+    <cs:fontRef idx="minor">
+      <a:schemeClr val="tx1"/>
+    </cs:fontRef>
+    <cs:spPr>
+      <a:noFill/>
+      <a:ln>
+        <a:noFill/>
+      </a:ln>
+    </cs:spPr>
+  </cs:floor>
+  <cs:gridlineMajor>
+    <cs:lnRef idx="0"/>
+    <cs:fillRef idx="0"/>
+    <cs:effectRef idx="0"/>
+    <cs:fontRef idx="minor">
+      <a:schemeClr val="tx1"/>
+    </cs:fontRef>
+    <cs:spPr>
+      <a:ln w="9525" cap="flat" cmpd="sng" algn="ctr">
+        <a:solidFill>
+          <a:schemeClr val="tx1">
+            <a:lumMod val="15000"/>
+            <a:lumOff val="85000"/>
+          </a:schemeClr>
+        </a:solidFill>
+        <a:round/>
+      </a:ln>
+    </cs:spPr>
+  </cs:gridlineMajor>
+  <cs:gridlineMinor>
+    <cs:lnRef idx="0"/>
+    <cs:fillRef idx="0"/>
+    <cs:effectRef idx="0"/>
+    <cs:fontRef idx="minor">
+      <a:schemeClr val="tx1"/>
+    </cs:fontRef>
+    <cs:spPr>
+      <a:ln w="9525" cap="flat" cmpd="sng" algn="ctr">
+        <a:solidFill>
+          <a:schemeClr val="tx1">
+            <a:lumMod val="5000"/>
+            <a:lumOff val="95000"/>
+          </a:schemeClr>
+        </a:solidFill>
+        <a:round/>
+      </a:ln>
+    </cs:spPr>
+  </cs:gridlineMinor>
+  <cs:hiLoLine>
+    <cs:lnRef idx="0"/>
+    <cs:fillRef idx="0"/>
+    <cs:effectRef idx="0"/>
+    <cs:fontRef idx="minor">
+      <a:schemeClr val="tx1"/>
+    </cs:fontRef>
+    <cs:spPr>
+      <a:ln w="9525" cap="flat" cmpd="sng" algn="ctr">
+        <a:solidFill>
+          <a:schemeClr val="tx1">
+            <a:lumMod val="75000"/>
+            <a:lumOff val="25000"/>
+          </a:schemeClr>
+        </a:solidFill>
+        <a:round/>
+      </a:ln>
+    </cs:spPr>
+  </cs:hiLoLine>
+  <cs:leaderLine>
+    <cs:lnRef idx="0"/>
+    <cs:fillRef idx="0"/>
+    <cs:effectRef idx="0"/>
+    <cs:fontRef idx="minor">
+      <a:schemeClr val="tx1"/>
+    </cs:fontRef>
+    <cs:spPr>
+      <a:ln w="9525" cap="flat" cmpd="sng" algn="ctr">
+        <a:solidFill>
+          <a:schemeClr val="tx1">
+            <a:lumMod val="35000"/>
+            <a:lumOff val="65000"/>
+          </a:schemeClr>
+        </a:solidFill>
+        <a:round/>
+      </a:ln>
+    </cs:spPr>
+  </cs:leaderLine>
+  <cs:legend>
+    <cs:lnRef idx="0"/>
+    <cs:fillRef idx="0"/>
+    <cs:effectRef idx="0"/>
+    <cs:fontRef idx="minor">
+      <a:schemeClr val="tx1">
+        <a:lumMod val="65000"/>
+        <a:lumOff val="35000"/>
+      </a:schemeClr>
+    </cs:fontRef>
+    <cs:defRPr sz="1197" kern="1200"/>
+  </cs:legend>
+  <cs:plotArea mods="allowNoFillOverride allowNoLineOverride">
+    <cs:lnRef idx="0"/>
+    <cs:fillRef idx="0"/>
+    <cs:effectRef idx="0"/>
+    <cs:fontRef idx="minor">
+      <a:schemeClr val="tx1"/>
+    </cs:fontRef>
+  </cs:plotArea>
+  <cs:plotArea3D mods="allowNoFillOverride allowNoLineOverride">
+    <cs:lnRef idx="0"/>
+    <cs:fillRef idx="0"/>
+    <cs:effectRef idx="0"/>
+    <cs:fontRef idx="minor">
+      <a:schemeClr val="tx1"/>
+    </cs:fontRef>
+  </cs:plotArea3D>
+  <cs:seriesAxis>
+    <cs:lnRef idx="0"/>
+    <cs:fillRef idx="0"/>
+    <cs:effectRef idx="0"/>
+    <cs:fontRef idx="minor">
+      <a:schemeClr val="tx1">
+        <a:lumMod val="65000"/>
+        <a:lumOff val="35000"/>
+      </a:schemeClr>
+    </cs:fontRef>
+    <cs:defRPr sz="1197" kern="1200"/>
+  </cs:seriesAxis>
+  <cs:seriesLine>
+    <cs:lnRef idx="0"/>
+    <cs:fillRef idx="0"/>
+    <cs:effectRef idx="0"/>
+    <cs:fontRef idx="minor">
+      <a:schemeClr val="tx1"/>
+    </cs:fontRef>
+    <cs:spPr>
+      <a:ln w="9525" cap="flat" cmpd="sng" algn="ctr">
+        <a:solidFill>
+          <a:schemeClr val="tx1">
+            <a:lumMod val="35000"/>
+            <a:lumOff val="65000"/>
+          </a:schemeClr>
+        </a:solidFill>
+        <a:round/>
+      </a:ln>
+    </cs:spPr>
+  </cs:seriesLine>
+  <cs:title>
+    <cs:lnRef idx="0"/>
+    <cs:fillRef idx="0"/>
+    <cs:effectRef idx="0"/>
+    <cs:fontRef idx="minor">
+      <a:schemeClr val="tx1">
+        <a:lumMod val="65000"/>
+        <a:lumOff val="35000"/>
+      </a:schemeClr>
+    </cs:fontRef>
+    <cs:defRPr sz="1862" b="0" kern="1200" spc="0" baseline="0"/>
+  </cs:title>
+  <cs:trendline>
+    <cs:lnRef idx="0">
+      <cs:styleClr val="auto"/>
+    </cs:lnRef>
+    <cs:fillRef idx="0"/>
+    <cs:effectRef idx="0"/>
+    <cs:fontRef idx="minor">
+      <a:schemeClr val="tx1"/>
+    </cs:fontRef>
+    <cs:spPr>
+      <a:ln w="19050" cap="rnd">
+        <a:solidFill>
+          <a:schemeClr val="phClr"/>
+        </a:solidFill>
+        <a:prstDash val="sysDot"/>
+      </a:ln>
+    </cs:spPr>
+  </cs:trendline>
+  <cs:trendlineLabel>
+    <cs:lnRef idx="0"/>
+    <cs:fillRef idx="0"/>
+    <cs:effectRef idx="0"/>
+    <cs:fontRef idx="minor">
+      <a:schemeClr val="tx1">
+        <a:lumMod val="65000"/>
+        <a:lumOff val="35000"/>
+      </a:schemeClr>
+    </cs:fontRef>
+    <cs:defRPr sz="1197" kern="1200"/>
+  </cs:trendlineLabel>
+  <cs:upBar>
+    <cs:lnRef idx="0"/>
+    <cs:fillRef idx="0"/>
+    <cs:effectRef idx="0"/>
+    <cs:fontRef idx="minor">
+      <a:schemeClr val="dk1"/>
+    </cs:fontRef>
+    <cs:spPr>
+      <a:solidFill>
+        <a:schemeClr val="lt1"/>
+      </a:solidFill>
+      <a:ln w="9525">
+        <a:solidFill>
+          <a:schemeClr val="tx1">
+            <a:lumMod val="15000"/>
+            <a:lumOff val="85000"/>
+          </a:schemeClr>
+        </a:solidFill>
+      </a:ln>
+    </cs:spPr>
+  </cs:upBar>
+  <cs:valueAxis>
+    <cs:lnRef idx="0"/>
+    <cs:fillRef idx="0"/>
+    <cs:effectRef idx="0"/>
+    <cs:fontRef idx="minor">
+      <a:schemeClr val="tx1">
+        <a:lumMod val="65000"/>
+        <a:lumOff val="35000"/>
+      </a:schemeClr>
+    </cs:fontRef>
+    <cs:defRPr sz="1197" kern="1200"/>
+  </cs:valueAxis>
+  <cs:wall>
+    <cs:lnRef idx="0"/>
+    <cs:fillRef idx="0"/>
+    <cs:effectRef idx="0"/>
+    <cs:fontRef idx="minor">
+      <a:schemeClr val="tx1"/>
+    </cs:fontRef>
+    <cs:spPr>
+      <a:noFill/>
+      <a:ln>
+        <a:noFill/>
+      </a:ln>
+    </cs:spPr>
+  </cs:wall>
+</cs:chartStyle>
+</file>
+
+<file path=ppt/charts/style2.xml><?xml version="1.0" encoding="utf-8"?>
+<cs:chartStyle xmlns:cs="http://schemas.microsoft.com/office/drawing/2012/chartStyle" xmlns:a="http://schemas.openxmlformats.org/drawingml/2006/main" id="227">
+  <cs:axisTitle>
+    <cs:lnRef idx="0"/>
+    <cs:fillRef idx="0"/>
+    <cs:effectRef idx="0"/>
+    <cs:fontRef idx="minor">
+      <a:schemeClr val="tx1">
+        <a:lumMod val="65000"/>
+        <a:lumOff val="35000"/>
+      </a:schemeClr>
+    </cs:fontRef>
+    <cs:defRPr sz="1330" kern="1200"/>
+  </cs:axisTitle>
+  <cs:categoryAxis>
+    <cs:lnRef idx="0"/>
+    <cs:fillRef idx="0"/>
+    <cs:effectRef idx="0"/>
+    <cs:fontRef idx="minor">
+      <a:schemeClr val="tx1">
+        <a:lumMod val="65000"/>
+        <a:lumOff val="35000"/>
+      </a:schemeClr>
+    </cs:fontRef>
+    <cs:spPr>
+      <a:ln w="9525" cap="flat" cmpd="sng" algn="ctr">
+        <a:solidFill>
+          <a:schemeClr val="tx1">
+            <a:lumMod val="15000"/>
+            <a:lumOff val="85000"/>
+          </a:schemeClr>
+        </a:solidFill>
+        <a:round/>
+      </a:ln>
+    </cs:spPr>
+    <cs:defRPr sz="1197" kern="1200"/>
+  </cs:categoryAxis>
+  <cs:chartArea mods="allowNoFillOverride allowNoLineOverride">
+    <cs:lnRef idx="0"/>
+    <cs:fillRef idx="0"/>
+    <cs:effectRef idx="0"/>
+    <cs:fontRef idx="minor">
+      <a:schemeClr val="tx1"/>
+    </cs:fontRef>
+    <cs:spPr>
+      <a:solidFill>
+        <a:schemeClr val="bg1"/>
+      </a:solidFill>
+      <a:ln w="9525" cap="flat" cmpd="sng" algn="ctr">
+        <a:solidFill>
+          <a:schemeClr val="tx1">
+            <a:lumMod val="15000"/>
+            <a:lumOff val="85000"/>
+          </a:schemeClr>
+        </a:solidFill>
+        <a:round/>
+      </a:ln>
+    </cs:spPr>
+    <cs:defRPr sz="1330" kern="1200"/>
+  </cs:chartArea>
+  <cs:dataLabel>
+    <cs:lnRef idx="0"/>
+    <cs:fillRef idx="0"/>
+    <cs:effectRef idx="0"/>
+    <cs:fontRef idx="minor">
+      <a:schemeClr val="tx1">
+        <a:lumMod val="75000"/>
+        <a:lumOff val="25000"/>
+      </a:schemeClr>
+    </cs:fontRef>
+    <cs:defRPr sz="1197" kern="1200"/>
+  </cs:dataLabel>
+  <cs:dataLabelCallout>
+    <cs:lnRef idx="0"/>
+    <cs:fillRef idx="0"/>
+    <cs:effectRef idx="0"/>
+    <cs:fontRef idx="minor">
+      <a:schemeClr val="dk1">
+        <a:lumMod val="65000"/>
+        <a:lumOff val="35000"/>
+      </a:schemeClr>
+    </cs:fontRef>
+    <cs:spPr>
+      <a:solidFill>
+        <a:schemeClr val="lt1"/>
+      </a:solidFill>
+      <a:ln>
+        <a:solidFill>
+          <a:schemeClr val="dk1">
+            <a:lumMod val="25000"/>
+            <a:lumOff val="75000"/>
+          </a:schemeClr>
+        </a:solidFill>
+      </a:ln>
+    </cs:spPr>
+    <cs:defRPr sz="1197" kern="1200"/>
+    <cs:bodyPr rot="0" spcFirstLastPara="1" vertOverflow="clip" horzOverflow="clip" vert="horz" wrap="square" lIns="36576" tIns="18288" rIns="36576" bIns="18288" anchor="ctr" anchorCtr="1">
+      <a:spAutoFit/>
+    </cs:bodyPr>
+  </cs:dataLabelCallout>
+  <cs:dataPoint>
+    <cs:lnRef idx="0"/>
+    <cs:fillRef idx="1">
+      <cs:styleClr val="auto"/>
+    </cs:fillRef>
+    <cs:effectRef idx="0"/>
+    <cs:fontRef idx="minor">
+      <a:schemeClr val="tx1"/>
+    </cs:fontRef>
+    <cs:spPr>
+      <a:solidFill>
+        <a:schemeClr val="phClr"/>
+      </a:solidFill>
+    </cs:spPr>
+  </cs:dataPoint>
+  <cs:dataPoint3D>
+    <cs:lnRef idx="0"/>
+    <cs:fillRef idx="1">
+      <cs:styleClr val="auto"/>
+    </cs:fillRef>
+    <cs:effectRef idx="0"/>
+    <cs:fontRef idx="minor">
+      <a:schemeClr val="tx1"/>
+    </cs:fontRef>
+    <cs:spPr>
+      <a:solidFill>
+        <a:schemeClr val="phClr"/>
+      </a:solidFill>
+    </cs:spPr>
+  </cs:dataPoint3D>
+  <cs:dataPointLine>
+    <cs:lnRef idx="0">
+      <cs:styleClr val="auto"/>
+    </cs:lnRef>
+    <cs:fillRef idx="1"/>
+    <cs:effectRef idx="0"/>
+    <cs:fontRef idx="minor">
+      <a:schemeClr val="tx1"/>
+    </cs:fontRef>
+    <cs:spPr>
+      <a:ln w="28575" cap="rnd">
+        <a:solidFill>
+          <a:schemeClr val="phClr"/>
+        </a:solidFill>
+        <a:round/>
+      </a:ln>
+    </cs:spPr>
+  </cs:dataPointLine>
+  <cs:dataPointMarker>
+    <cs:lnRef idx="0">
+      <cs:styleClr val="auto"/>
+    </cs:lnRef>
+    <cs:fillRef idx="1">
+      <cs:styleClr val="auto"/>
+    </cs:fillRef>
+    <cs:effectRef idx="0"/>
+    <cs:fontRef idx="minor">
+      <a:schemeClr val="tx1"/>
+    </cs:fontRef>
+    <cs:spPr>
+      <a:solidFill>
+        <a:schemeClr val="phClr"/>
+      </a:solidFill>
+      <a:ln w="9525">
+        <a:solidFill>
+          <a:schemeClr val="phClr"/>
+        </a:solidFill>
+      </a:ln>
+    </cs:spPr>
+  </cs:dataPointMarker>
+  <cs:dataPointMarkerLayout symbol="circle" size="5"/>
+  <cs:dataPointWireframe>
+    <cs:lnRef idx="0">
+      <cs:styleClr val="auto"/>
+    </cs:lnRef>
+    <cs:fillRef idx="1"/>
+    <cs:effectRef idx="0"/>
+    <cs:fontRef idx="minor">
+      <a:schemeClr val="tx1"/>
+    </cs:fontRef>
+    <cs:spPr>
+      <a:ln w="9525" cap="rnd">
+        <a:solidFill>
+          <a:schemeClr val="phClr"/>
+        </a:solidFill>
+        <a:round/>
+      </a:ln>
+    </cs:spPr>
+  </cs:dataPointWireframe>
+  <cs:dataTable>
+    <cs:lnRef idx="0"/>
+    <cs:fillRef idx="0"/>
+    <cs:effectRef idx="0"/>
+    <cs:fontRef idx="minor">
+      <a:schemeClr val="tx1">
+        <a:lumMod val="65000"/>
+        <a:lumOff val="35000"/>
+      </a:schemeClr>
+    </cs:fontRef>
+    <cs:spPr>
+      <a:noFill/>
+      <a:ln w="9525" cap="flat" cmpd="sng" algn="ctr">
+        <a:solidFill>
+          <a:schemeClr val="tx1">
+            <a:lumMod val="15000"/>
+            <a:lumOff val="85000"/>
+          </a:schemeClr>
+        </a:solidFill>
+        <a:round/>
+      </a:ln>
+    </cs:spPr>
+    <cs:defRPr sz="1197" kern="1200"/>
+  </cs:dataTable>
+  <cs:downBar>
+    <cs:lnRef idx="0"/>
+    <cs:fillRef idx="0"/>
+    <cs:effectRef idx="0"/>
+    <cs:fontRef idx="minor">
+      <a:schemeClr val="dk1"/>
+    </cs:fontRef>
+    <cs:spPr>
+      <a:solidFill>
+        <a:schemeClr val="dk1">
+          <a:lumMod val="65000"/>
+          <a:lumOff val="35000"/>
+        </a:schemeClr>
+      </a:solidFill>
+      <a:ln w="9525">
+        <a:solidFill>
+          <a:schemeClr val="tx1">
+            <a:lumMod val="65000"/>
+            <a:lumOff val="35000"/>
+          </a:schemeClr>
+        </a:solidFill>
+      </a:ln>
+    </cs:spPr>
+  </cs:downBar>
+  <cs:dropLine>
+    <cs:lnRef idx="0"/>
+    <cs:fillRef idx="0"/>
+    <cs:effectRef idx="0"/>
+    <cs:fontRef idx="minor">
+      <a:schemeClr val="tx1"/>
+    </cs:fontRef>
+    <cs:spPr>
+      <a:ln w="9525" cap="flat" cmpd="sng" algn="ctr">
+        <a:solidFill>
+          <a:schemeClr val="tx1">
+            <a:lumMod val="35000"/>
+            <a:lumOff val="65000"/>
+          </a:schemeClr>
+        </a:solidFill>
+        <a:round/>
+      </a:ln>
+    </cs:spPr>
+  </cs:dropLine>
+  <cs:errorBar>
+    <cs:lnRef idx="0"/>
+    <cs:fillRef idx="0"/>
+    <cs:effectRef idx="0"/>
+    <cs:fontRef idx="minor">
+      <a:schemeClr val="tx1"/>
+    </cs:fontRef>
+    <cs:spPr>
+      <a:ln w="9525" cap="flat" cmpd="sng" algn="ctr">
+        <a:solidFill>
+          <a:schemeClr val="tx1">
+            <a:lumMod val="65000"/>
+            <a:lumOff val="35000"/>
+          </a:schemeClr>
+        </a:solidFill>
+        <a:round/>
+      </a:ln>
+    </cs:spPr>
+  </cs:errorBar>
+  <cs:floor>
+    <cs:lnRef idx="0"/>
+    <cs:fillRef idx="0"/>
+    <cs:effectRef idx="0"/>
+    <cs:fontRef idx="minor">
+      <a:schemeClr val="tx1"/>
+    </cs:fontRef>
+    <cs:spPr>
+      <a:noFill/>
+      <a:ln>
+        <a:noFill/>
+      </a:ln>
+    </cs:spPr>
+  </cs:floor>
+  <cs:gridlineMajor>
+    <cs:lnRef idx="0"/>
+    <cs:fillRef idx="0"/>
+    <cs:effectRef idx="0"/>
+    <cs:fontRef idx="minor">
+      <a:schemeClr val="tx1"/>
+    </cs:fontRef>
+    <cs:spPr>
+      <a:ln w="9525" cap="flat" cmpd="sng" algn="ctr">
+        <a:solidFill>
+          <a:schemeClr val="tx1">
+            <a:lumMod val="15000"/>
+            <a:lumOff val="85000"/>
+          </a:schemeClr>
+        </a:solidFill>
+        <a:round/>
+      </a:ln>
+    </cs:spPr>
+  </cs:gridlineMajor>
+  <cs:gridlineMinor>
+    <cs:lnRef idx="0"/>
+    <cs:fillRef idx="0"/>
+    <cs:effectRef idx="0"/>
+    <cs:fontRef idx="minor">
+      <a:schemeClr val="tx1"/>
+    </cs:fontRef>
+    <cs:spPr>
+      <a:ln w="9525" cap="flat" cmpd="sng" algn="ctr">
+        <a:solidFill>
+          <a:schemeClr val="tx1">
+            <a:lumMod val="5000"/>
+            <a:lumOff val="95000"/>
+          </a:schemeClr>
+        </a:solidFill>
+        <a:round/>
+      </a:ln>
+    </cs:spPr>
+  </cs:gridlineMinor>
+  <cs:hiLoLine>
+    <cs:lnRef idx="0"/>
+    <cs:fillRef idx="0"/>
+    <cs:effectRef idx="0"/>
+    <cs:fontRef idx="minor">
+      <a:schemeClr val="tx1"/>
+    </cs:fontRef>
+    <cs:spPr>
+      <a:ln w="9525" cap="flat" cmpd="sng" algn="ctr">
+        <a:solidFill>
+          <a:schemeClr val="tx1">
+            <a:lumMod val="75000"/>
+            <a:lumOff val="25000"/>
+          </a:schemeClr>
+        </a:solidFill>
+        <a:round/>
+      </a:ln>
+    </cs:spPr>
+  </cs:hiLoLine>
+  <cs:leaderLine>
+    <cs:lnRef idx="0"/>
+    <cs:fillRef idx="0"/>
+    <cs:effectRef idx="0"/>
+    <cs:fontRef idx="minor">
+      <a:schemeClr val="tx1"/>
+    </cs:fontRef>
+    <cs:spPr>
+      <a:ln w="9525" cap="flat" cmpd="sng" algn="ctr">
+        <a:solidFill>
+          <a:schemeClr val="tx1">
+            <a:lumMod val="35000"/>
+            <a:lumOff val="65000"/>
+          </a:schemeClr>
+        </a:solidFill>
+        <a:round/>
+      </a:ln>
+    </cs:spPr>
+  </cs:leaderLine>
+  <cs:legend>
+    <cs:lnRef idx="0"/>
+    <cs:fillRef idx="0"/>
+    <cs:effectRef idx="0"/>
+    <cs:fontRef idx="minor">
+      <a:schemeClr val="tx1">
+        <a:lumMod val="65000"/>
+        <a:lumOff val="35000"/>
+      </a:schemeClr>
+    </cs:fontRef>
+    <cs:defRPr sz="1197" kern="1200"/>
+  </cs:legend>
+  <cs:plotArea mods="allowNoFillOverride allowNoLineOverride">
+    <cs:lnRef idx="0"/>
+    <cs:fillRef idx="0"/>
+    <cs:effectRef idx="0"/>
+    <cs:fontRef idx="minor">
+      <a:schemeClr val="tx1"/>
+    </cs:fontRef>
+  </cs:plotArea>
+  <cs:plotArea3D mods="allowNoFillOverride allowNoLineOverride">
+    <cs:lnRef idx="0"/>
+    <cs:fillRef idx="0"/>
+    <cs:effectRef idx="0"/>
+    <cs:fontRef idx="minor">
+      <a:schemeClr val="tx1"/>
+    </cs:fontRef>
+  </cs:plotArea3D>
+  <cs:seriesAxis>
+    <cs:lnRef idx="0"/>
+    <cs:fillRef idx="0"/>
+    <cs:effectRef idx="0"/>
+    <cs:fontRef idx="minor">
+      <a:schemeClr val="tx1">
+        <a:lumMod val="65000"/>
+        <a:lumOff val="35000"/>
+      </a:schemeClr>
+    </cs:fontRef>
+    <cs:defRPr sz="1197" kern="1200"/>
+  </cs:seriesAxis>
+  <cs:seriesLine>
+    <cs:lnRef idx="0"/>
+    <cs:fillRef idx="0"/>
+    <cs:effectRef idx="0"/>
+    <cs:fontRef idx="minor">
+      <a:schemeClr val="tx1"/>
+    </cs:fontRef>
+    <cs:spPr>
+      <a:ln w="9525" cap="flat" cmpd="sng" algn="ctr">
+        <a:solidFill>
+          <a:schemeClr val="tx1">
+            <a:lumMod val="35000"/>
+            <a:lumOff val="65000"/>
+          </a:schemeClr>
+        </a:solidFill>
+        <a:round/>
+      </a:ln>
+    </cs:spPr>
+  </cs:seriesLine>
+  <cs:title>
+    <cs:lnRef idx="0"/>
+    <cs:fillRef idx="0"/>
+    <cs:effectRef idx="0"/>
+    <cs:fontRef idx="minor">
+      <a:schemeClr val="tx1">
+        <a:lumMod val="65000"/>
+        <a:lumOff val="35000"/>
+      </a:schemeClr>
+    </cs:fontRef>
+    <cs:defRPr sz="1862" b="0" kern="1200" spc="0" baseline="0"/>
+  </cs:title>
+  <cs:trendline>
+    <cs:lnRef idx="0">
+      <cs:styleClr val="auto"/>
+    </cs:lnRef>
+    <cs:fillRef idx="0"/>
+    <cs:effectRef idx="0"/>
+    <cs:fontRef idx="minor">
+      <a:schemeClr val="tx1"/>
+    </cs:fontRef>
+    <cs:spPr>
+      <a:ln w="19050" cap="rnd">
+        <a:solidFill>
+          <a:schemeClr val="phClr"/>
+        </a:solidFill>
+        <a:prstDash val="sysDot"/>
+      </a:ln>
+    </cs:spPr>
+  </cs:trendline>
+  <cs:trendlineLabel>
+    <cs:lnRef idx="0"/>
+    <cs:fillRef idx="0"/>
+    <cs:effectRef idx="0"/>
+    <cs:fontRef idx="minor">
+      <a:schemeClr val="tx1">
+        <a:lumMod val="65000"/>
+        <a:lumOff val="35000"/>
+      </a:schemeClr>
+    </cs:fontRef>
+    <cs:defRPr sz="1197" kern="1200"/>
+  </cs:trendlineLabel>
+  <cs:upBar>
+    <cs:lnRef idx="0"/>
+    <cs:fillRef idx="0"/>
+    <cs:effectRef idx="0"/>
+    <cs:fontRef idx="minor">
+      <a:schemeClr val="dk1"/>
+    </cs:fontRef>
+    <cs:spPr>
+      <a:solidFill>
+        <a:schemeClr val="lt1"/>
+      </a:solidFill>
+      <a:ln w="9525">
+        <a:solidFill>
+          <a:schemeClr val="tx1">
+            <a:lumMod val="15000"/>
+            <a:lumOff val="85000"/>
+          </a:schemeClr>
+        </a:solidFill>
+      </a:ln>
+    </cs:spPr>
+  </cs:upBar>
+  <cs:valueAxis>
+    <cs:lnRef idx="0"/>
+    <cs:fillRef idx="0"/>
+    <cs:effectRef idx="0"/>
+    <cs:fontRef idx="minor">
+      <a:schemeClr val="tx1">
+        <a:lumMod val="65000"/>
+        <a:lumOff val="35000"/>
+      </a:schemeClr>
+    </cs:fontRef>
+    <cs:defRPr sz="1197" kern="1200"/>
+  </cs:valueAxis>
+  <cs:wall>
+    <cs:lnRef idx="0"/>
+    <cs:fillRef idx="0"/>
+    <cs:effectRef idx="0"/>
+    <cs:fontRef idx="minor">
+      <a:schemeClr val="tx1"/>
+    </cs:fontRef>
+    <cs:spPr>
+      <a:noFill/>
+      <a:ln>
+        <a:noFill/>
+      </a:ln>
+    </cs:spPr>
+  </cs:wall>
+</cs:chartStyle>
 </file>
 
 <file path=ppt/slideLayouts/slideLayout1.xml><?xml version="1.0" encoding="utf-8"?>
@@ -251,7 +2424,7 @@
           <a:p>
             <a:fld id="{E52FBAA3-F589-4A89-8837-2ACCD95660B2}" type="datetimeFigureOut">
               <a:rPr lang="zh-TW" altLang="en-US" smtClean="0"/>
-              <a:t>2021/6/15</a:t>
+              <a:t>2021/6/17</a:t>
             </a:fld>
             <a:endParaRPr lang="zh-TW" altLang="en-US"/>
           </a:p>
@@ -419,7 +2592,7 @@
           <a:p>
             <a:fld id="{E52FBAA3-F589-4A89-8837-2ACCD95660B2}" type="datetimeFigureOut">
               <a:rPr lang="zh-TW" altLang="en-US" smtClean="0"/>
-              <a:t>2021/6/15</a:t>
+              <a:t>2021/6/17</a:t>
             </a:fld>
             <a:endParaRPr lang="zh-TW" altLang="en-US"/>
           </a:p>
@@ -597,7 +2770,7 @@
           <a:p>
             <a:fld id="{E52FBAA3-F589-4A89-8837-2ACCD95660B2}" type="datetimeFigureOut">
               <a:rPr lang="zh-TW" altLang="en-US" smtClean="0"/>
-              <a:t>2021/6/15</a:t>
+              <a:t>2021/6/17</a:t>
             </a:fld>
             <a:endParaRPr lang="zh-TW" altLang="en-US"/>
           </a:p>
@@ -765,7 +2938,7 @@
           <a:p>
             <a:fld id="{E52FBAA3-F589-4A89-8837-2ACCD95660B2}" type="datetimeFigureOut">
               <a:rPr lang="zh-TW" altLang="en-US" smtClean="0"/>
-              <a:t>2021/6/15</a:t>
+              <a:t>2021/6/17</a:t>
             </a:fld>
             <a:endParaRPr lang="zh-TW" altLang="en-US"/>
           </a:p>
@@ -1010,7 +3183,7 @@
           <a:p>
             <a:fld id="{E52FBAA3-F589-4A89-8837-2ACCD95660B2}" type="datetimeFigureOut">
               <a:rPr lang="zh-TW" altLang="en-US" smtClean="0"/>
-              <a:t>2021/6/15</a:t>
+              <a:t>2021/6/17</a:t>
             </a:fld>
             <a:endParaRPr lang="zh-TW" altLang="en-US"/>
           </a:p>
@@ -1239,7 +3412,7 @@
           <a:p>
             <a:fld id="{E52FBAA3-F589-4A89-8837-2ACCD95660B2}" type="datetimeFigureOut">
               <a:rPr lang="zh-TW" altLang="en-US" smtClean="0"/>
-              <a:t>2021/6/15</a:t>
+              <a:t>2021/6/17</a:t>
             </a:fld>
             <a:endParaRPr lang="zh-TW" altLang="en-US"/>
           </a:p>
@@ -1603,7 +3776,7 @@
           <a:p>
             <a:fld id="{E52FBAA3-F589-4A89-8837-2ACCD95660B2}" type="datetimeFigureOut">
               <a:rPr lang="zh-TW" altLang="en-US" smtClean="0"/>
-              <a:t>2021/6/15</a:t>
+              <a:t>2021/6/17</a:t>
             </a:fld>
             <a:endParaRPr lang="zh-TW" altLang="en-US"/>
           </a:p>
@@ -1720,7 +3893,7 @@
           <a:p>
             <a:fld id="{E52FBAA3-F589-4A89-8837-2ACCD95660B2}" type="datetimeFigureOut">
               <a:rPr lang="zh-TW" altLang="en-US" smtClean="0"/>
-              <a:t>2021/6/15</a:t>
+              <a:t>2021/6/17</a:t>
             </a:fld>
             <a:endParaRPr lang="zh-TW" altLang="en-US"/>
           </a:p>
@@ -1815,7 +3988,7 @@
           <a:p>
             <a:fld id="{E52FBAA3-F589-4A89-8837-2ACCD95660B2}" type="datetimeFigureOut">
               <a:rPr lang="zh-TW" altLang="en-US" smtClean="0"/>
-              <a:t>2021/6/15</a:t>
+              <a:t>2021/6/17</a:t>
             </a:fld>
             <a:endParaRPr lang="zh-TW" altLang="en-US"/>
           </a:p>
@@ -2090,7 +4263,7 @@
           <a:p>
             <a:fld id="{E52FBAA3-F589-4A89-8837-2ACCD95660B2}" type="datetimeFigureOut">
               <a:rPr lang="zh-TW" altLang="en-US" smtClean="0"/>
-              <a:t>2021/6/15</a:t>
+              <a:t>2021/6/17</a:t>
             </a:fld>
             <a:endParaRPr lang="zh-TW" altLang="en-US"/>
           </a:p>
@@ -2342,7 +4515,7 @@
           <a:p>
             <a:fld id="{E52FBAA3-F589-4A89-8837-2ACCD95660B2}" type="datetimeFigureOut">
               <a:rPr lang="zh-TW" altLang="en-US" smtClean="0"/>
-              <a:t>2021/6/15</a:t>
+              <a:t>2021/6/17</a:t>
             </a:fld>
             <a:endParaRPr lang="zh-TW" altLang="en-US"/>
           </a:p>
@@ -2553,7 +4726,7 @@
           <a:p>
             <a:fld id="{E52FBAA3-F589-4A89-8837-2ACCD95660B2}" type="datetimeFigureOut">
               <a:rPr lang="zh-TW" altLang="en-US" smtClean="0"/>
-              <a:t>2021/6/15</a:t>
+              <a:t>2021/6/17</a:t>
             </a:fld>
             <a:endParaRPr lang="zh-TW" altLang="en-US"/>
           </a:p>
@@ -3057,6 +5230,72 @@
           <a:chExt cx="0" cy="0"/>
         </a:xfrm>
       </p:grpSpPr>
+      <p:pic>
+        <p:nvPicPr>
+          <p:cNvPr id="5" name="Picture 4">
+            <a:extLst>
+              <a:ext uri="{FF2B5EF4-FFF2-40B4-BE49-F238E27FC236}">
+                <a16:creationId xmlns:a16="http://schemas.microsoft.com/office/drawing/2014/main" id="{AEFE04CB-4477-0C45-A1E3-ED85CF733172}"/>
+              </a:ext>
+            </a:extLst>
+          </p:cNvPr>
+          <p:cNvPicPr>
+            <a:picLocks noChangeAspect="1"/>
+          </p:cNvPicPr>
+          <p:nvPr/>
+        </p:nvPicPr>
+        <p:blipFill>
+          <a:blip r:embed="rId2">
+            <a:extLst>
+              <a:ext uri="{28A0092B-C50C-407E-A947-70E740481C1C}">
+                <a14:useLocalDpi xmlns:a14="http://schemas.microsoft.com/office/drawing/2010/main" val="0"/>
+              </a:ext>
+            </a:extLst>
+          </a:blip>
+          <a:stretch>
+            <a:fillRect/>
+          </a:stretch>
+        </p:blipFill>
+        <p:spPr>
+          <a:xfrm>
+            <a:off x="2479835" y="0"/>
+            <a:ext cx="7232330" cy="6858000"/>
+          </a:xfrm>
+          <a:prstGeom prst="rect">
+            <a:avLst/>
+          </a:prstGeom>
+        </p:spPr>
+      </p:pic>
+    </p:spTree>
+    <p:extLst>
+      <p:ext uri="{BB962C8B-B14F-4D97-AF65-F5344CB8AC3E}">
+        <p14:creationId xmlns:p14="http://schemas.microsoft.com/office/powerpoint/2010/main" val="2941799998"/>
+      </p:ext>
+    </p:extLst>
+  </p:cSld>
+  <p:clrMapOvr>
+    <a:masterClrMapping/>
+  </p:clrMapOvr>
+</p:sld>
+</file>
+
+<file path=ppt/slides/slide11.xml><?xml version="1.0" encoding="utf-8"?>
+<p:sld xmlns:a="http://schemas.openxmlformats.org/drawingml/2006/main" xmlns:r="http://schemas.openxmlformats.org/officeDocument/2006/relationships" xmlns:p="http://schemas.openxmlformats.org/presentationml/2006/main">
+  <p:cSld>
+    <p:spTree>
+      <p:nvGrpSpPr>
+        <p:cNvPr id="1" name=""/>
+        <p:cNvGrpSpPr/>
+        <p:nvPr/>
+      </p:nvGrpSpPr>
+      <p:grpSpPr>
+        <a:xfrm>
+          <a:off x="0" y="0"/>
+          <a:ext cx="0" cy="0"/>
+          <a:chOff x="0" y="0"/>
+          <a:chExt cx="0" cy="0"/>
+        </a:xfrm>
+      </p:grpSpPr>
       <p:graphicFrame>
         <p:nvGraphicFramePr>
           <p:cNvPr id="2" name="Table 2">
@@ -3072,51 +5311,61 @@
           <p:nvPr>
             <p:extLst>
               <p:ext uri="{D42A27DB-BD31-4B8C-83A1-F6EECF244321}">
-                <p14:modId xmlns:p14="http://schemas.microsoft.com/office/powerpoint/2010/main" val="3382164396"/>
+                <p14:modId xmlns:p14="http://schemas.microsoft.com/office/powerpoint/2010/main" val="4288944090"/>
               </p:ext>
             </p:extLst>
           </p:nvPr>
         </p:nvGraphicFramePr>
         <p:xfrm>
           <a:off x="1699740" y="1690688"/>
-          <a:ext cx="8792520" cy="1464822"/>
+          <a:ext cx="8792520" cy="1953096"/>
         </p:xfrm>
         <a:graphic>
           <a:graphicData uri="http://schemas.openxmlformats.org/drawingml/2006/table">
             <a:tbl>
               <a:tblPr firstRow="1" bandRow="1">
+                <a:solidFill>
+                  <a:schemeClr val="accent1"/>
+                </a:solidFill>
                 <a:tableStyleId>{5C22544A-7EE6-4342-B048-85BDC9FD1C3A}</a:tableStyleId>
               </a:tblPr>
               <a:tblGrid>
-                <a:gridCol w="1758504">
+                <a:gridCol w="1281999">
+                  <a:extLst>
+                    <a:ext uri="{9D8B030D-6E8A-4147-A177-3AD203B41FA5}">
+                      <a16:colId xmlns:a16="http://schemas.microsoft.com/office/drawing/2014/main" val="450028860"/>
+                    </a:ext>
+                  </a:extLst>
+                </a:gridCol>
+                <a:gridCol w="1648841">
                   <a:extLst>
                     <a:ext uri="{9D8B030D-6E8A-4147-A177-3AD203B41FA5}">
                       <a16:colId xmlns:a16="http://schemas.microsoft.com/office/drawing/2014/main" val="10454311"/>
                     </a:ext>
                   </a:extLst>
                 </a:gridCol>
-                <a:gridCol w="1758504">
+                <a:gridCol w="1465420">
                   <a:extLst>
                     <a:ext uri="{9D8B030D-6E8A-4147-A177-3AD203B41FA5}">
                       <a16:colId xmlns:a16="http://schemas.microsoft.com/office/drawing/2014/main" val="1630364256"/>
                     </a:ext>
                   </a:extLst>
                 </a:gridCol>
-                <a:gridCol w="1758504">
+                <a:gridCol w="1465420">
                   <a:extLst>
                     <a:ext uri="{9D8B030D-6E8A-4147-A177-3AD203B41FA5}">
                       <a16:colId xmlns:a16="http://schemas.microsoft.com/office/drawing/2014/main" val="4051651895"/>
                     </a:ext>
                   </a:extLst>
                 </a:gridCol>
-                <a:gridCol w="1758504">
+                <a:gridCol w="1465420">
                   <a:extLst>
                     <a:ext uri="{9D8B030D-6E8A-4147-A177-3AD203B41FA5}">
                       <a16:colId xmlns:a16="http://schemas.microsoft.com/office/drawing/2014/main" val="3155073764"/>
                     </a:ext>
                   </a:extLst>
                 </a:gridCol>
-                <a:gridCol w="1758504">
+                <a:gridCol w="1465420">
                   <a:extLst>
                     <a:ext uri="{9D8B030D-6E8A-4147-A177-3AD203B41FA5}">
                       <a16:colId xmlns:a16="http://schemas.microsoft.com/office/drawing/2014/main" val="3258694887"/>
@@ -3125,7 +5374,7 @@
                 </a:gridCol>
               </a:tblGrid>
               <a:tr h="488274">
-                <a:tc>
+                <a:tc rowSpan="4">
                   <a:txBody>
                     <a:bodyPr/>
                     <a:lstStyle/>
@@ -3135,6 +5384,21 @@
                         <a:rPr lang="en-TW" dirty="0"/>
                         <a:t>N = 1024</a:t>
                       </a:r>
+                    </a:p>
+                  </a:txBody>
+                  <a:tcPr anchor="ctr">
+                    <a:solidFill>
+                      <a:schemeClr val="accent1"/>
+                    </a:solidFill>
+                  </a:tcPr>
+                </a:tc>
+                <a:tc>
+                  <a:txBody>
+                    <a:bodyPr/>
+                    <a:lstStyle/>
+                    <a:p>
+                      <a:pPr algn="ctr"/>
+                      <a:endParaRPr lang="en-TW" dirty="0"/>
                     </a:p>
                   </a:txBody>
                   <a:tcPr anchor="ctr"/>
@@ -3202,6 +5466,21 @@
                 </a:extLst>
               </a:tr>
               <a:tr h="488274">
+                <a:tc vMerge="1">
+                  <a:txBody>
+                    <a:bodyPr/>
+                    <a:lstStyle/>
+                    <a:p>
+                      <a:pPr algn="ctr"/>
+                      <a:endParaRPr lang="en-TW" dirty="0"/>
+                    </a:p>
+                  </a:txBody>
+                  <a:tcPr anchor="ctr">
+                    <a:solidFill>
+                      <a:schemeClr val="accent1"/>
+                    </a:solidFill>
+                  </a:tcPr>
+                </a:tc>
                 <a:tc>
                   <a:txBody>
                     <a:bodyPr/>
@@ -3279,6 +5558,112 @@
                 </a:extLst>
               </a:tr>
               <a:tr h="488274">
+                <a:tc vMerge="1">
+                  <a:txBody>
+                    <a:bodyPr/>
+                    <a:lstStyle/>
+                    <a:p>
+                      <a:endParaRPr lang="en-TW"/>
+                    </a:p>
+                  </a:txBody>
+                  <a:tcPr/>
+                </a:tc>
+                <a:tc>
+                  <a:txBody>
+                    <a:bodyPr/>
+                    <a:lstStyle/>
+                    <a:p>
+                      <a:pPr algn="ctr"/>
+                      <a:r>
+                        <a:rPr lang="en-US" dirty="0"/>
+                        <a:t>SOR S</a:t>
+                      </a:r>
+                      <a:r>
+                        <a:rPr lang="en-TW" dirty="0"/>
+                        <a:t>peed up</a:t>
+                      </a:r>
+                    </a:p>
+                  </a:txBody>
+                  <a:tcPr anchor="ctr"/>
+                </a:tc>
+                <a:tc>
+                  <a:txBody>
+                    <a:bodyPr/>
+                    <a:lstStyle/>
+                    <a:p>
+                      <a:pPr algn="ctr"/>
+                      <a:r>
+                        <a:rPr lang="en-TW" dirty="0"/>
+                        <a:t>1</a:t>
+                      </a:r>
+                    </a:p>
+                  </a:txBody>
+                  <a:tcPr anchor="ctr"/>
+                </a:tc>
+                <a:tc>
+                  <a:txBody>
+                    <a:bodyPr/>
+                    <a:lstStyle/>
+                    <a:p>
+                      <a:pPr algn="ctr"/>
+                      <a:r>
+                        <a:rPr lang="en-TW" dirty="0"/>
+                        <a:t>1.840</a:t>
+                      </a:r>
+                    </a:p>
+                  </a:txBody>
+                  <a:tcPr anchor="ctr"/>
+                </a:tc>
+                <a:tc>
+                  <a:txBody>
+                    <a:bodyPr/>
+                    <a:lstStyle/>
+                    <a:p>
+                      <a:pPr algn="ctr"/>
+                      <a:r>
+                        <a:rPr lang="en-TW" dirty="0"/>
+                        <a:t>3.321</a:t>
+                      </a:r>
+                    </a:p>
+                  </a:txBody>
+                  <a:tcPr anchor="ctr"/>
+                </a:tc>
+                <a:tc>
+                  <a:txBody>
+                    <a:bodyPr/>
+                    <a:lstStyle/>
+                    <a:p>
+                      <a:pPr algn="ctr"/>
+                      <a:r>
+                        <a:rPr lang="en-TW" dirty="0"/>
+                        <a:t>3.112</a:t>
+                      </a:r>
+                    </a:p>
+                  </a:txBody>
+                  <a:tcPr anchor="ctr"/>
+                </a:tc>
+                <a:extLst>
+                  <a:ext uri="{0D108BD9-81ED-4DB2-BD59-A6C34878D82A}">
+                    <a16:rowId xmlns:a16="http://schemas.microsoft.com/office/drawing/2014/main" val="3200533551"/>
+                  </a:ext>
+                </a:extLst>
+              </a:tr>
+              <a:tr h="488274">
+                <a:tc vMerge="1">
+                  <a:txBody>
+                    <a:bodyPr/>
+                    <a:lstStyle/>
+                    <a:p>
+                      <a:pPr algn="ctr"/>
+                      <a:endParaRPr lang="en-TW" dirty="0"/>
+                    </a:p>
+                  </a:txBody>
+                  <a:tcPr anchor="ctr">
+                    <a:solidFill>
+                      <a:schemeClr val="accent1"/>
+                    </a:solidFill>
+                  </a:tcPr>
+                </a:tc>
                 <a:tc>
                   <a:txBody>
                     <a:bodyPr/>
@@ -3387,158 +5772,459 @@
           </a:p>
         </p:txBody>
       </p:sp>
-      <p:pic>
-        <p:nvPicPr>
-          <p:cNvPr id="7" name="Picture 6">
+      <p:graphicFrame>
+        <p:nvGraphicFramePr>
+          <p:cNvPr id="13" name="Table 2">
             <a:extLst>
               <a:ext uri="{FF2B5EF4-FFF2-40B4-BE49-F238E27FC236}">
-                <a16:creationId xmlns:a16="http://schemas.microsoft.com/office/drawing/2014/main" id="{F4328BA1-6FC6-EE46-9204-36789143FAA0}"/>
+                <a16:creationId xmlns:a16="http://schemas.microsoft.com/office/drawing/2014/main" id="{52D87E34-C6DB-D343-8B95-823484E756CC}"/>
               </a:ext>
             </a:extLst>
           </p:cNvPr>
-          <p:cNvPicPr>
-            <a:picLocks noChangeAspect="1"/>
-          </p:cNvPicPr>
-          <p:nvPr/>
-        </p:nvPicPr>
-        <p:blipFill>
-          <a:blip r:embed="rId2">
-            <a:extLst>
-              <a:ext uri="{28A0092B-C50C-407E-A947-70E740481C1C}">
-                <a14:useLocalDpi xmlns:a14="http://schemas.microsoft.com/office/drawing/2010/main" val="0"/>
-              </a:ext>
-            </a:extLst>
-          </a:blip>
-          <a:stretch>
-            <a:fillRect/>
-          </a:stretch>
-        </p:blipFill>
-        <p:spPr>
-          <a:xfrm>
-            <a:off x="7629782" y="3282368"/>
-            <a:ext cx="4562218" cy="3649774"/>
-          </a:xfrm>
-          <a:prstGeom prst="rect">
-            <a:avLst/>
-          </a:prstGeom>
-        </p:spPr>
-      </p:pic>
-      <p:sp>
-        <p:nvSpPr>
-          <p:cNvPr id="8" name="TextBox 7">
-            <a:extLst>
-              <a:ext uri="{FF2B5EF4-FFF2-40B4-BE49-F238E27FC236}">
-                <a16:creationId xmlns:a16="http://schemas.microsoft.com/office/drawing/2014/main" id="{745BA77F-A750-894E-8CD8-9D55EEA095EC}"/>
-              </a:ext>
-            </a:extLst>
-          </p:cNvPr>
-          <p:cNvSpPr txBox="1"/>
-          <p:nvPr/>
-        </p:nvSpPr>
-        <p:spPr>
-          <a:xfrm>
-            <a:off x="1699740" y="3220583"/>
-            <a:ext cx="5362832" cy="646331"/>
-          </a:xfrm>
-          <a:prstGeom prst="rect">
-            <a:avLst/>
-          </a:prstGeom>
-          <a:noFill/>
-        </p:spPr>
-        <p:txBody>
-          <a:bodyPr wrap="square" rtlCol="0">
-            <a:spAutoFit/>
-          </a:bodyPr>
-          <a:lstStyle/>
-          <a:p>
-            <a:r>
-              <a:rPr lang="en-TW" dirty="0"/>
-              <a:t>Machine : Macbook Pro M1 with 4+4 Cores CPU</a:t>
-            </a:r>
-          </a:p>
-          <a:p>
-            <a:r>
-              <a:rPr lang="en-TW" dirty="0"/>
-              <a:t>Domain : 1024 * 1024</a:t>
-            </a:r>
-          </a:p>
-        </p:txBody>
-      </p:sp>
-      <p:sp>
-        <p:nvSpPr>
-          <p:cNvPr id="9" name="TextBox 8">
-            <a:extLst>
-              <a:ext uri="{FF2B5EF4-FFF2-40B4-BE49-F238E27FC236}">
-                <a16:creationId xmlns:a16="http://schemas.microsoft.com/office/drawing/2014/main" id="{B5AA283F-22C5-704D-972B-B3A6965A3FDD}"/>
-              </a:ext>
-            </a:extLst>
-          </p:cNvPr>
-          <p:cNvSpPr txBox="1"/>
-          <p:nvPr/>
-        </p:nvSpPr>
-        <p:spPr>
-          <a:xfrm>
-            <a:off x="9160948" y="3318476"/>
-            <a:ext cx="1499887" cy="369332"/>
-          </a:xfrm>
-          <a:prstGeom prst="rect">
-            <a:avLst/>
-          </a:prstGeom>
-          <a:noFill/>
-        </p:spPr>
-        <p:txBody>
-          <a:bodyPr wrap="square" rtlCol="0">
-            <a:spAutoFit/>
-          </a:bodyPr>
-          <a:lstStyle/>
-          <a:p>
-            <a:pPr algn="ctr"/>
-            <a:r>
-              <a:rPr lang="en-TW" dirty="0"/>
-              <a:t>Point Source</a:t>
-            </a:r>
-          </a:p>
-        </p:txBody>
-      </p:sp>
-      <p:sp>
-        <p:nvSpPr>
-          <p:cNvPr id="10" name="TextBox 9">
-            <a:extLst>
-              <a:ext uri="{FF2B5EF4-FFF2-40B4-BE49-F238E27FC236}">
-                <a16:creationId xmlns:a16="http://schemas.microsoft.com/office/drawing/2014/main" id="{6657C9B4-6423-9040-A4A3-5B1A4A04F0B0}"/>
-              </a:ext>
-            </a:extLst>
-          </p:cNvPr>
-          <p:cNvSpPr txBox="1"/>
-          <p:nvPr/>
-        </p:nvSpPr>
-        <p:spPr>
-          <a:xfrm>
-            <a:off x="5954287" y="6185328"/>
-            <a:ext cx="2314833" cy="369332"/>
-          </a:xfrm>
-          <a:prstGeom prst="rect">
-            <a:avLst/>
-          </a:prstGeom>
-          <a:noFill/>
-        </p:spPr>
-        <p:txBody>
-          <a:bodyPr wrap="square" rtlCol="0">
-            <a:spAutoFit/>
-          </a:bodyPr>
-          <a:lstStyle/>
-          <a:p>
-            <a:r>
-              <a:rPr lang="en-TW" dirty="0"/>
-              <a:t>Boundary Condition</a:t>
-            </a:r>
-          </a:p>
-        </p:txBody>
-      </p:sp>
+          <p:cNvGraphicFramePr>
+            <a:graphicFrameLocks noGrp="1"/>
+          </p:cNvGraphicFramePr>
+          <p:nvPr>
+            <p:extLst>
+              <p:ext uri="{D42A27DB-BD31-4B8C-83A1-F6EECF244321}">
+                <p14:modId xmlns:p14="http://schemas.microsoft.com/office/powerpoint/2010/main" val="2721490952"/>
+              </p:ext>
+            </p:extLst>
+          </p:nvPr>
+        </p:nvGraphicFramePr>
+        <p:xfrm>
+          <a:off x="1699740" y="4539779"/>
+          <a:ext cx="8792520" cy="1953096"/>
+        </p:xfrm>
+        <a:graphic>
+          <a:graphicData uri="http://schemas.openxmlformats.org/drawingml/2006/table">
+            <a:tbl>
+              <a:tblPr firstRow="1" bandRow="1">
+                <a:tableStyleId>{5C22544A-7EE6-4342-B048-85BDC9FD1C3A}</a:tableStyleId>
+              </a:tblPr>
+              <a:tblGrid>
+                <a:gridCol w="1281999">
+                  <a:extLst>
+                    <a:ext uri="{9D8B030D-6E8A-4147-A177-3AD203B41FA5}">
+                      <a16:colId xmlns:a16="http://schemas.microsoft.com/office/drawing/2014/main" val="3457008179"/>
+                    </a:ext>
+                  </a:extLst>
+                </a:gridCol>
+                <a:gridCol w="1648841">
+                  <a:extLst>
+                    <a:ext uri="{9D8B030D-6E8A-4147-A177-3AD203B41FA5}">
+                      <a16:colId xmlns:a16="http://schemas.microsoft.com/office/drawing/2014/main" val="10454311"/>
+                    </a:ext>
+                  </a:extLst>
+                </a:gridCol>
+                <a:gridCol w="1465420">
+                  <a:extLst>
+                    <a:ext uri="{9D8B030D-6E8A-4147-A177-3AD203B41FA5}">
+                      <a16:colId xmlns:a16="http://schemas.microsoft.com/office/drawing/2014/main" val="1630364256"/>
+                    </a:ext>
+                  </a:extLst>
+                </a:gridCol>
+                <a:gridCol w="1465420">
+                  <a:extLst>
+                    <a:ext uri="{9D8B030D-6E8A-4147-A177-3AD203B41FA5}">
+                      <a16:colId xmlns:a16="http://schemas.microsoft.com/office/drawing/2014/main" val="4051651895"/>
+                    </a:ext>
+                  </a:extLst>
+                </a:gridCol>
+                <a:gridCol w="1465420">
+                  <a:extLst>
+                    <a:ext uri="{9D8B030D-6E8A-4147-A177-3AD203B41FA5}">
+                      <a16:colId xmlns:a16="http://schemas.microsoft.com/office/drawing/2014/main" val="3155073764"/>
+                    </a:ext>
+                  </a:extLst>
+                </a:gridCol>
+                <a:gridCol w="1465420">
+                  <a:extLst>
+                    <a:ext uri="{9D8B030D-6E8A-4147-A177-3AD203B41FA5}">
+                      <a16:colId xmlns:a16="http://schemas.microsoft.com/office/drawing/2014/main" val="3258694887"/>
+                    </a:ext>
+                  </a:extLst>
+                </a:gridCol>
+              </a:tblGrid>
+              <a:tr h="488274">
+                <a:tc rowSpan="4">
+                  <a:txBody>
+                    <a:bodyPr/>
+                    <a:lstStyle/>
+                    <a:p>
+                      <a:pPr algn="ctr"/>
+                      <a:r>
+                        <a:rPr lang="en-TW" dirty="0"/>
+                        <a:t>N = 512</a:t>
+                      </a:r>
+                    </a:p>
+                  </a:txBody>
+                  <a:tcPr anchor="ctr"/>
+                </a:tc>
+                <a:tc>
+                  <a:txBody>
+                    <a:bodyPr/>
+                    <a:lstStyle/>
+                    <a:p>
+                      <a:pPr algn="ctr"/>
+                      <a:endParaRPr lang="en-TW" dirty="0"/>
+                    </a:p>
+                  </a:txBody>
+                  <a:tcPr anchor="ctr"/>
+                </a:tc>
+                <a:tc>
+                  <a:txBody>
+                    <a:bodyPr/>
+                    <a:lstStyle/>
+                    <a:p>
+                      <a:pPr algn="ctr"/>
+                      <a:r>
+                        <a:rPr lang="en-TW" dirty="0"/>
+                        <a:t>1</a:t>
+                      </a:r>
+                    </a:p>
+                  </a:txBody>
+                  <a:tcPr anchor="ctr"/>
+                </a:tc>
+                <a:tc>
+                  <a:txBody>
+                    <a:bodyPr/>
+                    <a:lstStyle/>
+                    <a:p>
+                      <a:pPr algn="ctr"/>
+                      <a:r>
+                        <a:rPr lang="en-TW" dirty="0"/>
+                        <a:t>2</a:t>
+                      </a:r>
+                    </a:p>
+                  </a:txBody>
+                  <a:tcPr anchor="ctr"/>
+                </a:tc>
+                <a:tc>
+                  <a:txBody>
+                    <a:bodyPr/>
+                    <a:lstStyle/>
+                    <a:p>
+                      <a:pPr algn="ctr"/>
+                      <a:r>
+                        <a:rPr lang="en-TW" dirty="0"/>
+                        <a:t>4</a:t>
+                      </a:r>
+                    </a:p>
+                  </a:txBody>
+                  <a:tcPr anchor="ctr"/>
+                </a:tc>
+                <a:tc>
+                  <a:txBody>
+                    <a:bodyPr/>
+                    <a:lstStyle/>
+                    <a:p>
+                      <a:pPr algn="ctr"/>
+                      <a:r>
+                        <a:rPr lang="en-TW" dirty="0"/>
+                        <a:t>8</a:t>
+                      </a:r>
+                    </a:p>
+                  </a:txBody>
+                  <a:tcPr anchor="ctr"/>
+                </a:tc>
+                <a:extLst>
+                  <a:ext uri="{0D108BD9-81ED-4DB2-BD59-A6C34878D82A}">
+                    <a16:rowId xmlns:a16="http://schemas.microsoft.com/office/drawing/2014/main" val="1357623893"/>
+                  </a:ext>
+                </a:extLst>
+              </a:tr>
+              <a:tr h="488274">
+                <a:tc vMerge="1">
+                  <a:txBody>
+                    <a:bodyPr/>
+                    <a:lstStyle/>
+                    <a:p>
+                      <a:pPr algn="ctr"/>
+                      <a:endParaRPr lang="en-TW" dirty="0"/>
+                    </a:p>
+                  </a:txBody>
+                  <a:tcPr anchor="ctr"/>
+                </a:tc>
+                <a:tc>
+                  <a:txBody>
+                    <a:bodyPr/>
+                    <a:lstStyle/>
+                    <a:p>
+                      <a:pPr algn="ctr"/>
+                      <a:r>
+                        <a:rPr lang="en-TW" dirty="0"/>
+                        <a:t>SOR</a:t>
+                      </a:r>
+                    </a:p>
+                  </a:txBody>
+                  <a:tcPr anchor="ctr"/>
+                </a:tc>
+                <a:tc>
+                  <a:txBody>
+                    <a:bodyPr/>
+                    <a:lstStyle/>
+                    <a:p>
+                      <a:pPr algn="ctr"/>
+                      <a:r>
+                        <a:rPr lang="en-TW" dirty="0"/>
+                        <a:t>3.482</a:t>
+                      </a:r>
+                    </a:p>
+                  </a:txBody>
+                  <a:tcPr anchor="ctr"/>
+                </a:tc>
+                <a:tc>
+                  <a:txBody>
+                    <a:bodyPr/>
+                    <a:lstStyle/>
+                    <a:p>
+                      <a:pPr algn="ctr"/>
+                      <a:r>
+                        <a:rPr lang="en-TW" dirty="0"/>
+                        <a:t>2.028</a:t>
+                      </a:r>
+                    </a:p>
+                  </a:txBody>
+                  <a:tcPr anchor="ctr"/>
+                </a:tc>
+                <a:tc>
+                  <a:txBody>
+                    <a:bodyPr/>
+                    <a:lstStyle/>
+                    <a:p>
+                      <a:pPr algn="ctr"/>
+                      <a:r>
+                        <a:rPr lang="en-TW" dirty="0"/>
+                        <a:t>1.230</a:t>
+                      </a:r>
+                    </a:p>
+                  </a:txBody>
+                  <a:tcPr anchor="ctr"/>
+                </a:tc>
+                <a:tc>
+                  <a:txBody>
+                    <a:bodyPr/>
+                    <a:lstStyle/>
+                    <a:p>
+                      <a:pPr algn="ctr"/>
+                      <a:r>
+                        <a:rPr lang="en-TW" dirty="0"/>
+                        <a:t>1.363</a:t>
+                      </a:r>
+                    </a:p>
+                  </a:txBody>
+                  <a:tcPr anchor="ctr"/>
+                </a:tc>
+                <a:extLst>
+                  <a:ext uri="{0D108BD9-81ED-4DB2-BD59-A6C34878D82A}">
+                    <a16:rowId xmlns:a16="http://schemas.microsoft.com/office/drawing/2014/main" val="2380938986"/>
+                  </a:ext>
+                </a:extLst>
+              </a:tr>
+              <a:tr h="488274">
+                <a:tc vMerge="1">
+                  <a:txBody>
+                    <a:bodyPr/>
+                    <a:lstStyle/>
+                    <a:p>
+                      <a:endParaRPr lang="en-TW"/>
+                    </a:p>
+                  </a:txBody>
+                  <a:tcPr/>
+                </a:tc>
+                <a:tc>
+                  <a:txBody>
+                    <a:bodyPr/>
+                    <a:lstStyle/>
+                    <a:p>
+                      <a:pPr marL="0" marR="0" lvl="0" indent="0" algn="ctr" defTabSz="914400" rtl="0" eaLnBrk="1" fontAlgn="auto" latinLnBrk="0" hangingPunct="1">
+                        <a:lnSpc>
+                          <a:spcPct val="100000"/>
+                        </a:lnSpc>
+                        <a:spcBef>
+                          <a:spcPts val="0"/>
+                        </a:spcBef>
+                        <a:spcAft>
+                          <a:spcPts val="0"/>
+                        </a:spcAft>
+                        <a:buClrTx/>
+                        <a:buSzTx/>
+                        <a:buFontTx/>
+                        <a:buNone/>
+                        <a:tabLst/>
+                        <a:defRPr/>
+                      </a:pPr>
+                      <a:r>
+                        <a:rPr lang="en-US" dirty="0"/>
+                        <a:t>SOR S</a:t>
+                      </a:r>
+                      <a:r>
+                        <a:rPr lang="en-TW" dirty="0"/>
+                        <a:t>peed up</a:t>
+                      </a:r>
+                    </a:p>
+                  </a:txBody>
+                  <a:tcPr anchor="ctr"/>
+                </a:tc>
+                <a:tc>
+                  <a:txBody>
+                    <a:bodyPr/>
+                    <a:lstStyle/>
+                    <a:p>
+                      <a:pPr algn="ctr"/>
+                      <a:r>
+                        <a:rPr lang="en-TW" dirty="0"/>
+                        <a:t>1</a:t>
+                      </a:r>
+                    </a:p>
+                  </a:txBody>
+                  <a:tcPr anchor="ctr"/>
+                </a:tc>
+                <a:tc>
+                  <a:txBody>
+                    <a:bodyPr/>
+                    <a:lstStyle/>
+                    <a:p>
+                      <a:pPr algn="ctr"/>
+                      <a:r>
+                        <a:rPr lang="en-TW" dirty="0"/>
+                        <a:t>1.713</a:t>
+                      </a:r>
+                    </a:p>
+                  </a:txBody>
+                  <a:tcPr anchor="ctr"/>
+                </a:tc>
+                <a:tc>
+                  <a:txBody>
+                    <a:bodyPr/>
+                    <a:lstStyle/>
+                    <a:p>
+                      <a:pPr algn="ctr"/>
+                      <a:r>
+                        <a:rPr lang="en-TW" dirty="0"/>
+                        <a:t>2.830</a:t>
+                      </a:r>
+                    </a:p>
+                  </a:txBody>
+                  <a:tcPr anchor="ctr"/>
+                </a:tc>
+                <a:tc>
+                  <a:txBody>
+                    <a:bodyPr/>
+                    <a:lstStyle/>
+                    <a:p>
+                      <a:pPr algn="ctr"/>
+                      <a:r>
+                        <a:rPr lang="en-TW" dirty="0"/>
+                        <a:t>2.550</a:t>
+                      </a:r>
+                    </a:p>
+                  </a:txBody>
+                  <a:tcPr anchor="ctr"/>
+                </a:tc>
+                <a:extLst>
+                  <a:ext uri="{0D108BD9-81ED-4DB2-BD59-A6C34878D82A}">
+                    <a16:rowId xmlns:a16="http://schemas.microsoft.com/office/drawing/2014/main" val="4126101302"/>
+                  </a:ext>
+                </a:extLst>
+              </a:tr>
+              <a:tr h="488274">
+                <a:tc vMerge="1">
+                  <a:txBody>
+                    <a:bodyPr/>
+                    <a:lstStyle/>
+                    <a:p>
+                      <a:pPr algn="ctr"/>
+                      <a:endParaRPr lang="en-TW" dirty="0"/>
+                    </a:p>
+                  </a:txBody>
+                  <a:tcPr anchor="ctr"/>
+                </a:tc>
+                <a:tc>
+                  <a:txBody>
+                    <a:bodyPr/>
+                    <a:lstStyle/>
+                    <a:p>
+                      <a:pPr algn="ctr"/>
+                      <a:r>
+                        <a:rPr lang="en-TW" dirty="0"/>
+                        <a:t>CG</a:t>
+                      </a:r>
+                    </a:p>
+                  </a:txBody>
+                  <a:tcPr anchor="ctr"/>
+                </a:tc>
+                <a:tc>
+                  <a:txBody>
+                    <a:bodyPr/>
+                    <a:lstStyle/>
+                    <a:p>
+                      <a:pPr algn="ctr"/>
+                      <a:r>
+                        <a:rPr lang="en-TW" dirty="0"/>
+                        <a:t>2.653</a:t>
+                      </a:r>
+                    </a:p>
+                  </a:txBody>
+                  <a:tcPr anchor="ctr"/>
+                </a:tc>
+                <a:tc>
+                  <a:txBody>
+                    <a:bodyPr/>
+                    <a:lstStyle/>
+                    <a:p>
+                      <a:pPr algn="ctr"/>
+                      <a:r>
+                        <a:rPr lang="en-TW" dirty="0"/>
+                        <a:t>2.654</a:t>
+                      </a:r>
+                    </a:p>
+                  </a:txBody>
+                  <a:tcPr anchor="ctr"/>
+                </a:tc>
+                <a:tc>
+                  <a:txBody>
+                    <a:bodyPr/>
+                    <a:lstStyle/>
+                    <a:p>
+                      <a:pPr algn="ctr"/>
+                      <a:r>
+                        <a:rPr lang="en-TW" dirty="0"/>
+                        <a:t>2.675</a:t>
+                      </a:r>
+                    </a:p>
+                  </a:txBody>
+                  <a:tcPr anchor="ctr"/>
+                </a:tc>
+                <a:tc>
+                  <a:txBody>
+                    <a:bodyPr/>
+                    <a:lstStyle/>
+                    <a:p>
+                      <a:pPr algn="ctr"/>
+                      <a:r>
+                        <a:rPr lang="en-TW" dirty="0"/>
+                        <a:t>2.658</a:t>
+                      </a:r>
+                    </a:p>
+                  </a:txBody>
+                  <a:tcPr anchor="ctr"/>
+                </a:tc>
+                <a:extLst>
+                  <a:ext uri="{0D108BD9-81ED-4DB2-BD59-A6C34878D82A}">
+                    <a16:rowId xmlns:a16="http://schemas.microsoft.com/office/drawing/2014/main" val="767737053"/>
+                  </a:ext>
+                </a:extLst>
+              </a:tr>
+            </a:tbl>
+          </a:graphicData>
+        </a:graphic>
+      </p:graphicFrame>
     </p:spTree>
     <p:extLst>
       <p:ext uri="{BB962C8B-B14F-4D97-AF65-F5344CB8AC3E}">
-        <p14:creationId xmlns:p14="http://schemas.microsoft.com/office/powerpoint/2010/main" val="2642638562"/>
+        <p14:creationId xmlns:p14="http://schemas.microsoft.com/office/powerpoint/2010/main" val="194759305"/>
       </p:ext>
     </p:extLst>
   </p:cSld>
@@ -3548,7 +6234,749 @@
 </p:sld>
 </file>
 
-<file path=ppt/slides/slide11.xml><?xml version="1.0" encoding="utf-8"?>
+<file path=ppt/slides/slide12.xml><?xml version="1.0" encoding="utf-8"?>
+<p:sld xmlns:a="http://schemas.openxmlformats.org/drawingml/2006/main" xmlns:r="http://schemas.openxmlformats.org/officeDocument/2006/relationships" xmlns:p="http://schemas.openxmlformats.org/presentationml/2006/main">
+  <p:cSld>
+    <p:spTree>
+      <p:nvGrpSpPr>
+        <p:cNvPr id="1" name=""/>
+        <p:cNvGrpSpPr/>
+        <p:nvPr/>
+      </p:nvGrpSpPr>
+      <p:grpSpPr>
+        <a:xfrm>
+          <a:off x="0" y="0"/>
+          <a:ext cx="0" cy="0"/>
+          <a:chOff x="0" y="0"/>
+          <a:chExt cx="0" cy="0"/>
+        </a:xfrm>
+      </p:grpSpPr>
+      <p:sp>
+        <p:nvSpPr>
+          <p:cNvPr id="3" name="Title 2">
+            <a:extLst>
+              <a:ext uri="{FF2B5EF4-FFF2-40B4-BE49-F238E27FC236}">
+                <a16:creationId xmlns:a16="http://schemas.microsoft.com/office/drawing/2014/main" id="{499DAB2E-59A6-084B-955A-041BFCEC4597}"/>
+              </a:ext>
+            </a:extLst>
+          </p:cNvPr>
+          <p:cNvSpPr>
+            <a:spLocks noGrp="1"/>
+          </p:cNvSpPr>
+          <p:nvPr>
+            <p:ph type="title"/>
+          </p:nvPr>
+        </p:nvSpPr>
+        <p:spPr/>
+        <p:txBody>
+          <a:bodyPr/>
+          <a:lstStyle/>
+          <a:p>
+            <a:r>
+              <a:rPr lang="en-TW" dirty="0"/>
+              <a:t>Multi-Threads Performance Comparison</a:t>
+            </a:r>
+          </a:p>
+        </p:txBody>
+      </p:sp>
+      <p:graphicFrame>
+        <p:nvGraphicFramePr>
+          <p:cNvPr id="12" name="Table 2">
+            <a:extLst>
+              <a:ext uri="{FF2B5EF4-FFF2-40B4-BE49-F238E27FC236}">
+                <a16:creationId xmlns:a16="http://schemas.microsoft.com/office/drawing/2014/main" id="{5BB9FFD9-A6CA-5E4E-968A-F2B799F254A2}"/>
+              </a:ext>
+            </a:extLst>
+          </p:cNvPr>
+          <p:cNvGraphicFramePr>
+            <a:graphicFrameLocks noGrp="1"/>
+          </p:cNvGraphicFramePr>
+          <p:nvPr>
+            <p:extLst>
+              <p:ext uri="{D42A27DB-BD31-4B8C-83A1-F6EECF244321}">
+                <p14:modId xmlns:p14="http://schemas.microsoft.com/office/powerpoint/2010/main" val="3819901096"/>
+              </p:ext>
+            </p:extLst>
+          </p:nvPr>
+        </p:nvGraphicFramePr>
+        <p:xfrm>
+          <a:off x="1699740" y="1964178"/>
+          <a:ext cx="8792520" cy="1464822"/>
+        </p:xfrm>
+        <a:graphic>
+          <a:graphicData uri="http://schemas.openxmlformats.org/drawingml/2006/table">
+            <a:tbl>
+              <a:tblPr firstRow="1" bandRow="1">
+                <a:tableStyleId>{5C22544A-7EE6-4342-B048-85BDC9FD1C3A}</a:tableStyleId>
+              </a:tblPr>
+              <a:tblGrid>
+                <a:gridCol w="1465420">
+                  <a:extLst>
+                    <a:ext uri="{9D8B030D-6E8A-4147-A177-3AD203B41FA5}">
+                      <a16:colId xmlns:a16="http://schemas.microsoft.com/office/drawing/2014/main" val="3378133750"/>
+                    </a:ext>
+                  </a:extLst>
+                </a:gridCol>
+                <a:gridCol w="1465420">
+                  <a:extLst>
+                    <a:ext uri="{9D8B030D-6E8A-4147-A177-3AD203B41FA5}">
+                      <a16:colId xmlns:a16="http://schemas.microsoft.com/office/drawing/2014/main" val="10454311"/>
+                    </a:ext>
+                  </a:extLst>
+                </a:gridCol>
+                <a:gridCol w="1465420">
+                  <a:extLst>
+                    <a:ext uri="{9D8B030D-6E8A-4147-A177-3AD203B41FA5}">
+                      <a16:colId xmlns:a16="http://schemas.microsoft.com/office/drawing/2014/main" val="1630364256"/>
+                    </a:ext>
+                  </a:extLst>
+                </a:gridCol>
+                <a:gridCol w="1465420">
+                  <a:extLst>
+                    <a:ext uri="{9D8B030D-6E8A-4147-A177-3AD203B41FA5}">
+                      <a16:colId xmlns:a16="http://schemas.microsoft.com/office/drawing/2014/main" val="4051651895"/>
+                    </a:ext>
+                  </a:extLst>
+                </a:gridCol>
+                <a:gridCol w="1465420">
+                  <a:extLst>
+                    <a:ext uri="{9D8B030D-6E8A-4147-A177-3AD203B41FA5}">
+                      <a16:colId xmlns:a16="http://schemas.microsoft.com/office/drawing/2014/main" val="3155073764"/>
+                    </a:ext>
+                  </a:extLst>
+                </a:gridCol>
+                <a:gridCol w="1465420">
+                  <a:extLst>
+                    <a:ext uri="{9D8B030D-6E8A-4147-A177-3AD203B41FA5}">
+                      <a16:colId xmlns:a16="http://schemas.microsoft.com/office/drawing/2014/main" val="3258694887"/>
+                    </a:ext>
+                  </a:extLst>
+                </a:gridCol>
+              </a:tblGrid>
+              <a:tr h="488274">
+                <a:tc rowSpan="3">
+                  <a:txBody>
+                    <a:bodyPr/>
+                    <a:lstStyle/>
+                    <a:p>
+                      <a:pPr algn="ctr"/>
+                      <a:r>
+                        <a:rPr lang="en-TW" dirty="0"/>
+                        <a:t>N = 256</a:t>
+                      </a:r>
+                    </a:p>
+                  </a:txBody>
+                  <a:tcPr anchor="ctr"/>
+                </a:tc>
+                <a:tc>
+                  <a:txBody>
+                    <a:bodyPr/>
+                    <a:lstStyle/>
+                    <a:p>
+                      <a:pPr algn="ctr"/>
+                      <a:endParaRPr lang="en-TW" dirty="0"/>
+                    </a:p>
+                  </a:txBody>
+                  <a:tcPr anchor="ctr"/>
+                </a:tc>
+                <a:tc>
+                  <a:txBody>
+                    <a:bodyPr/>
+                    <a:lstStyle/>
+                    <a:p>
+                      <a:pPr algn="ctr"/>
+                      <a:r>
+                        <a:rPr lang="en-TW" dirty="0"/>
+                        <a:t>1</a:t>
+                      </a:r>
+                    </a:p>
+                  </a:txBody>
+                  <a:tcPr anchor="ctr"/>
+                </a:tc>
+                <a:tc>
+                  <a:txBody>
+                    <a:bodyPr/>
+                    <a:lstStyle/>
+                    <a:p>
+                      <a:pPr algn="ctr"/>
+                      <a:r>
+                        <a:rPr lang="en-TW" dirty="0"/>
+                        <a:t>2</a:t>
+                      </a:r>
+                    </a:p>
+                  </a:txBody>
+                  <a:tcPr anchor="ctr"/>
+                </a:tc>
+                <a:tc>
+                  <a:txBody>
+                    <a:bodyPr/>
+                    <a:lstStyle/>
+                    <a:p>
+                      <a:pPr algn="ctr"/>
+                      <a:r>
+                        <a:rPr lang="en-TW" dirty="0"/>
+                        <a:t>4</a:t>
+                      </a:r>
+                    </a:p>
+                  </a:txBody>
+                  <a:tcPr anchor="ctr"/>
+                </a:tc>
+                <a:tc>
+                  <a:txBody>
+                    <a:bodyPr/>
+                    <a:lstStyle/>
+                    <a:p>
+                      <a:pPr algn="ctr"/>
+                      <a:r>
+                        <a:rPr lang="en-TW" dirty="0"/>
+                        <a:t>8</a:t>
+                      </a:r>
+                    </a:p>
+                  </a:txBody>
+                  <a:tcPr anchor="ctr"/>
+                </a:tc>
+                <a:extLst>
+                  <a:ext uri="{0D108BD9-81ED-4DB2-BD59-A6C34878D82A}">
+                    <a16:rowId xmlns:a16="http://schemas.microsoft.com/office/drawing/2014/main" val="1357623893"/>
+                  </a:ext>
+                </a:extLst>
+              </a:tr>
+              <a:tr h="488274">
+                <a:tc vMerge="1">
+                  <a:txBody>
+                    <a:bodyPr/>
+                    <a:lstStyle/>
+                    <a:p>
+                      <a:pPr algn="ctr"/>
+                      <a:endParaRPr lang="en-TW" dirty="0"/>
+                    </a:p>
+                  </a:txBody>
+                  <a:tcPr anchor="ctr"/>
+                </a:tc>
+                <a:tc>
+                  <a:txBody>
+                    <a:bodyPr/>
+                    <a:lstStyle/>
+                    <a:p>
+                      <a:pPr algn="ctr"/>
+                      <a:r>
+                        <a:rPr lang="en-TW" dirty="0"/>
+                        <a:t>SOR</a:t>
+                      </a:r>
+                    </a:p>
+                  </a:txBody>
+                  <a:tcPr anchor="ctr"/>
+                </a:tc>
+                <a:tc>
+                  <a:txBody>
+                    <a:bodyPr/>
+                    <a:lstStyle/>
+                    <a:p>
+                      <a:pPr algn="ctr"/>
+                      <a:r>
+                        <a:rPr lang="en-TW" dirty="0"/>
+                        <a:t>0.859</a:t>
+                      </a:r>
+                    </a:p>
+                  </a:txBody>
+                  <a:tcPr anchor="ctr"/>
+                </a:tc>
+                <a:tc>
+                  <a:txBody>
+                    <a:bodyPr/>
+                    <a:lstStyle/>
+                    <a:p>
+                      <a:pPr algn="ctr"/>
+                      <a:r>
+                        <a:rPr lang="en-TW" dirty="0"/>
+                        <a:t>0.552</a:t>
+                      </a:r>
+                    </a:p>
+                  </a:txBody>
+                  <a:tcPr anchor="ctr"/>
+                </a:tc>
+                <a:tc>
+                  <a:txBody>
+                    <a:bodyPr/>
+                    <a:lstStyle/>
+                    <a:p>
+                      <a:pPr algn="ctr"/>
+                      <a:r>
+                        <a:rPr lang="en-TW" dirty="0"/>
+                        <a:t>0.434</a:t>
+                      </a:r>
+                    </a:p>
+                  </a:txBody>
+                  <a:tcPr anchor="ctr"/>
+                </a:tc>
+                <a:tc>
+                  <a:txBody>
+                    <a:bodyPr/>
+                    <a:lstStyle/>
+                    <a:p>
+                      <a:pPr algn="ctr"/>
+                      <a:r>
+                        <a:rPr lang="en-TW" dirty="0"/>
+                        <a:t>0.434</a:t>
+                      </a:r>
+                    </a:p>
+                  </a:txBody>
+                  <a:tcPr anchor="ctr"/>
+                </a:tc>
+                <a:extLst>
+                  <a:ext uri="{0D108BD9-81ED-4DB2-BD59-A6C34878D82A}">
+                    <a16:rowId xmlns:a16="http://schemas.microsoft.com/office/drawing/2014/main" val="2380938986"/>
+                  </a:ext>
+                </a:extLst>
+              </a:tr>
+              <a:tr h="488274">
+                <a:tc vMerge="1">
+                  <a:txBody>
+                    <a:bodyPr/>
+                    <a:lstStyle/>
+                    <a:p>
+                      <a:pPr algn="ctr"/>
+                      <a:endParaRPr lang="en-TW" dirty="0"/>
+                    </a:p>
+                  </a:txBody>
+                  <a:tcPr anchor="ctr"/>
+                </a:tc>
+                <a:tc>
+                  <a:txBody>
+                    <a:bodyPr/>
+                    <a:lstStyle/>
+                    <a:p>
+                      <a:pPr algn="ctr"/>
+                      <a:r>
+                        <a:rPr lang="en-TW" dirty="0"/>
+                        <a:t>CG</a:t>
+                      </a:r>
+                    </a:p>
+                  </a:txBody>
+                  <a:tcPr anchor="ctr"/>
+                </a:tc>
+                <a:tc>
+                  <a:txBody>
+                    <a:bodyPr/>
+                    <a:lstStyle/>
+                    <a:p>
+                      <a:pPr algn="ctr"/>
+                      <a:r>
+                        <a:rPr lang="en-TW" dirty="0"/>
+                        <a:t>0.737</a:t>
+                      </a:r>
+                    </a:p>
+                  </a:txBody>
+                  <a:tcPr anchor="ctr"/>
+                </a:tc>
+                <a:tc>
+                  <a:txBody>
+                    <a:bodyPr/>
+                    <a:lstStyle/>
+                    <a:p>
+                      <a:pPr algn="ctr"/>
+                      <a:r>
+                        <a:rPr lang="en-TW" dirty="0"/>
+                        <a:t>0.738</a:t>
+                      </a:r>
+                    </a:p>
+                  </a:txBody>
+                  <a:tcPr anchor="ctr"/>
+                </a:tc>
+                <a:tc>
+                  <a:txBody>
+                    <a:bodyPr/>
+                    <a:lstStyle/>
+                    <a:p>
+                      <a:pPr algn="ctr"/>
+                      <a:r>
+                        <a:rPr lang="en-TW" dirty="0"/>
+                        <a:t>0.745</a:t>
+                      </a:r>
+                    </a:p>
+                  </a:txBody>
+                  <a:tcPr anchor="ctr"/>
+                </a:tc>
+                <a:tc>
+                  <a:txBody>
+                    <a:bodyPr/>
+                    <a:lstStyle/>
+                    <a:p>
+                      <a:pPr algn="ctr"/>
+                      <a:r>
+                        <a:rPr lang="en-TW" dirty="0"/>
+                        <a:t>0.737</a:t>
+                      </a:r>
+                    </a:p>
+                  </a:txBody>
+                  <a:tcPr anchor="ctr"/>
+                </a:tc>
+                <a:extLst>
+                  <a:ext uri="{0D108BD9-81ED-4DB2-BD59-A6C34878D82A}">
+                    <a16:rowId xmlns:a16="http://schemas.microsoft.com/office/drawing/2014/main" val="767737053"/>
+                  </a:ext>
+                </a:extLst>
+              </a:tr>
+            </a:tbl>
+          </a:graphicData>
+        </a:graphic>
+      </p:graphicFrame>
+      <p:graphicFrame>
+        <p:nvGraphicFramePr>
+          <p:cNvPr id="7" name="Table 2">
+            <a:extLst>
+              <a:ext uri="{FF2B5EF4-FFF2-40B4-BE49-F238E27FC236}">
+                <a16:creationId xmlns:a16="http://schemas.microsoft.com/office/drawing/2014/main" id="{8A4A0512-A2EB-D248-9A14-DF33BCDCA61C}"/>
+              </a:ext>
+            </a:extLst>
+          </p:cNvPr>
+          <p:cNvGraphicFramePr>
+            <a:graphicFrameLocks noGrp="1"/>
+          </p:cNvGraphicFramePr>
+          <p:nvPr>
+            <p:extLst>
+              <p:ext uri="{D42A27DB-BD31-4B8C-83A1-F6EECF244321}">
+                <p14:modId xmlns:p14="http://schemas.microsoft.com/office/powerpoint/2010/main" val="2038434828"/>
+              </p:ext>
+            </p:extLst>
+          </p:nvPr>
+        </p:nvGraphicFramePr>
+        <p:xfrm>
+          <a:off x="1699740" y="3839360"/>
+          <a:ext cx="8792520" cy="1464822"/>
+        </p:xfrm>
+        <a:graphic>
+          <a:graphicData uri="http://schemas.openxmlformats.org/drawingml/2006/table">
+            <a:tbl>
+              <a:tblPr firstRow="1" bandRow="1">
+                <a:tableStyleId>{5C22544A-7EE6-4342-B048-85BDC9FD1C3A}</a:tableStyleId>
+              </a:tblPr>
+              <a:tblGrid>
+                <a:gridCol w="1465420">
+                  <a:extLst>
+                    <a:ext uri="{9D8B030D-6E8A-4147-A177-3AD203B41FA5}">
+                      <a16:colId xmlns:a16="http://schemas.microsoft.com/office/drawing/2014/main" val="3378133750"/>
+                    </a:ext>
+                  </a:extLst>
+                </a:gridCol>
+                <a:gridCol w="1465420">
+                  <a:extLst>
+                    <a:ext uri="{9D8B030D-6E8A-4147-A177-3AD203B41FA5}">
+                      <a16:colId xmlns:a16="http://schemas.microsoft.com/office/drawing/2014/main" val="10454311"/>
+                    </a:ext>
+                  </a:extLst>
+                </a:gridCol>
+                <a:gridCol w="1465420">
+                  <a:extLst>
+                    <a:ext uri="{9D8B030D-6E8A-4147-A177-3AD203B41FA5}">
+                      <a16:colId xmlns:a16="http://schemas.microsoft.com/office/drawing/2014/main" val="1630364256"/>
+                    </a:ext>
+                  </a:extLst>
+                </a:gridCol>
+                <a:gridCol w="1465420">
+                  <a:extLst>
+                    <a:ext uri="{9D8B030D-6E8A-4147-A177-3AD203B41FA5}">
+                      <a16:colId xmlns:a16="http://schemas.microsoft.com/office/drawing/2014/main" val="4051651895"/>
+                    </a:ext>
+                  </a:extLst>
+                </a:gridCol>
+                <a:gridCol w="1465420">
+                  <a:extLst>
+                    <a:ext uri="{9D8B030D-6E8A-4147-A177-3AD203B41FA5}">
+                      <a16:colId xmlns:a16="http://schemas.microsoft.com/office/drawing/2014/main" val="3155073764"/>
+                    </a:ext>
+                  </a:extLst>
+                </a:gridCol>
+                <a:gridCol w="1465420">
+                  <a:extLst>
+                    <a:ext uri="{9D8B030D-6E8A-4147-A177-3AD203B41FA5}">
+                      <a16:colId xmlns:a16="http://schemas.microsoft.com/office/drawing/2014/main" val="3258694887"/>
+                    </a:ext>
+                  </a:extLst>
+                </a:gridCol>
+              </a:tblGrid>
+              <a:tr h="488274">
+                <a:tc rowSpan="3">
+                  <a:txBody>
+                    <a:bodyPr/>
+                    <a:lstStyle/>
+                    <a:p>
+                      <a:pPr algn="ctr"/>
+                      <a:r>
+                        <a:rPr lang="en-TW" dirty="0"/>
+                        <a:t>N = 128</a:t>
+                      </a:r>
+                    </a:p>
+                  </a:txBody>
+                  <a:tcPr anchor="ctr"/>
+                </a:tc>
+                <a:tc>
+                  <a:txBody>
+                    <a:bodyPr/>
+                    <a:lstStyle/>
+                    <a:p>
+                      <a:pPr algn="ctr"/>
+                      <a:endParaRPr lang="en-TW" dirty="0"/>
+                    </a:p>
+                  </a:txBody>
+                  <a:tcPr anchor="ctr"/>
+                </a:tc>
+                <a:tc>
+                  <a:txBody>
+                    <a:bodyPr/>
+                    <a:lstStyle/>
+                    <a:p>
+                      <a:pPr algn="ctr"/>
+                      <a:r>
+                        <a:rPr lang="en-TW" dirty="0"/>
+                        <a:t>1</a:t>
+                      </a:r>
+                    </a:p>
+                  </a:txBody>
+                  <a:tcPr anchor="ctr"/>
+                </a:tc>
+                <a:tc>
+                  <a:txBody>
+                    <a:bodyPr/>
+                    <a:lstStyle/>
+                    <a:p>
+                      <a:pPr algn="ctr"/>
+                      <a:r>
+                        <a:rPr lang="en-TW" dirty="0"/>
+                        <a:t>2</a:t>
+                      </a:r>
+                    </a:p>
+                  </a:txBody>
+                  <a:tcPr anchor="ctr"/>
+                </a:tc>
+                <a:tc>
+                  <a:txBody>
+                    <a:bodyPr/>
+                    <a:lstStyle/>
+                    <a:p>
+                      <a:pPr algn="ctr"/>
+                      <a:r>
+                        <a:rPr lang="en-TW" dirty="0"/>
+                        <a:t>4</a:t>
+                      </a:r>
+                    </a:p>
+                  </a:txBody>
+                  <a:tcPr anchor="ctr"/>
+                </a:tc>
+                <a:tc>
+                  <a:txBody>
+                    <a:bodyPr/>
+                    <a:lstStyle/>
+                    <a:p>
+                      <a:pPr algn="ctr"/>
+                      <a:r>
+                        <a:rPr lang="en-TW" dirty="0"/>
+                        <a:t>8</a:t>
+                      </a:r>
+                    </a:p>
+                  </a:txBody>
+                  <a:tcPr anchor="ctr"/>
+                </a:tc>
+                <a:extLst>
+                  <a:ext uri="{0D108BD9-81ED-4DB2-BD59-A6C34878D82A}">
+                    <a16:rowId xmlns:a16="http://schemas.microsoft.com/office/drawing/2014/main" val="1357623893"/>
+                  </a:ext>
+                </a:extLst>
+              </a:tr>
+              <a:tr h="488274">
+                <a:tc vMerge="1">
+                  <a:txBody>
+                    <a:bodyPr/>
+                    <a:lstStyle/>
+                    <a:p>
+                      <a:pPr algn="ctr"/>
+                      <a:endParaRPr lang="en-TW" dirty="0"/>
+                    </a:p>
+                  </a:txBody>
+                  <a:tcPr anchor="ctr"/>
+                </a:tc>
+                <a:tc>
+                  <a:txBody>
+                    <a:bodyPr/>
+                    <a:lstStyle/>
+                    <a:p>
+                      <a:pPr algn="ctr"/>
+                      <a:r>
+                        <a:rPr lang="en-TW" dirty="0"/>
+                        <a:t>SOR</a:t>
+                      </a:r>
+                    </a:p>
+                  </a:txBody>
+                  <a:tcPr anchor="ctr"/>
+                </a:tc>
+                <a:tc>
+                  <a:txBody>
+                    <a:bodyPr/>
+                    <a:lstStyle/>
+                    <a:p>
+                      <a:pPr algn="ctr"/>
+                      <a:r>
+                        <a:rPr lang="en-TW" dirty="0"/>
+                        <a:t>0.217</a:t>
+                      </a:r>
+                    </a:p>
+                  </a:txBody>
+                  <a:tcPr anchor="ctr"/>
+                </a:tc>
+                <a:tc>
+                  <a:txBody>
+                    <a:bodyPr/>
+                    <a:lstStyle/>
+                    <a:p>
+                      <a:pPr algn="ctr"/>
+                      <a:r>
+                        <a:rPr lang="en-TW" dirty="0"/>
+                        <a:t>0.193</a:t>
+                      </a:r>
+                    </a:p>
+                  </a:txBody>
+                  <a:tcPr anchor="ctr"/>
+                </a:tc>
+                <a:tc>
+                  <a:txBody>
+                    <a:bodyPr/>
+                    <a:lstStyle/>
+                    <a:p>
+                      <a:pPr algn="ctr"/>
+                      <a:r>
+                        <a:rPr lang="en-TW" dirty="0"/>
+                        <a:t>0.178</a:t>
+                      </a:r>
+                    </a:p>
+                  </a:txBody>
+                  <a:tcPr anchor="ctr"/>
+                </a:tc>
+                <a:tc>
+                  <a:txBody>
+                    <a:bodyPr/>
+                    <a:lstStyle/>
+                    <a:p>
+                      <a:pPr algn="ctr"/>
+                      <a:r>
+                        <a:rPr lang="en-TW" dirty="0"/>
+                        <a:t>0.200</a:t>
+                      </a:r>
+                    </a:p>
+                  </a:txBody>
+                  <a:tcPr anchor="ctr"/>
+                </a:tc>
+                <a:extLst>
+                  <a:ext uri="{0D108BD9-81ED-4DB2-BD59-A6C34878D82A}">
+                    <a16:rowId xmlns:a16="http://schemas.microsoft.com/office/drawing/2014/main" val="2380938986"/>
+                  </a:ext>
+                </a:extLst>
+              </a:tr>
+              <a:tr h="488274">
+                <a:tc vMerge="1">
+                  <a:txBody>
+                    <a:bodyPr/>
+                    <a:lstStyle/>
+                    <a:p>
+                      <a:pPr algn="ctr"/>
+                      <a:endParaRPr lang="en-TW" dirty="0"/>
+                    </a:p>
+                  </a:txBody>
+                  <a:tcPr anchor="ctr"/>
+                </a:tc>
+                <a:tc>
+                  <a:txBody>
+                    <a:bodyPr/>
+                    <a:lstStyle/>
+                    <a:p>
+                      <a:pPr algn="ctr"/>
+                      <a:r>
+                        <a:rPr lang="en-TW" dirty="0"/>
+                        <a:t>CG</a:t>
+                      </a:r>
+                    </a:p>
+                  </a:txBody>
+                  <a:tcPr anchor="ctr"/>
+                </a:tc>
+                <a:tc>
+                  <a:txBody>
+                    <a:bodyPr/>
+                    <a:lstStyle/>
+                    <a:p>
+                      <a:pPr algn="ctr"/>
+                      <a:r>
+                        <a:rPr lang="en-TW" dirty="0"/>
+                        <a:t>0.294</a:t>
+                      </a:r>
+                    </a:p>
+                  </a:txBody>
+                  <a:tcPr anchor="ctr"/>
+                </a:tc>
+                <a:tc>
+                  <a:txBody>
+                    <a:bodyPr/>
+                    <a:lstStyle/>
+                    <a:p>
+                      <a:pPr algn="ctr"/>
+                      <a:r>
+                        <a:rPr lang="en-TW" dirty="0"/>
+                        <a:t>0.297</a:t>
+                      </a:r>
+                    </a:p>
+                  </a:txBody>
+                  <a:tcPr anchor="ctr"/>
+                </a:tc>
+                <a:tc>
+                  <a:txBody>
+                    <a:bodyPr/>
+                    <a:lstStyle/>
+                    <a:p>
+                      <a:pPr algn="ctr"/>
+                      <a:r>
+                        <a:rPr lang="en-TW" dirty="0"/>
+                        <a:t>0.296</a:t>
+                      </a:r>
+                    </a:p>
+                  </a:txBody>
+                  <a:tcPr anchor="ctr"/>
+                </a:tc>
+                <a:tc>
+                  <a:txBody>
+                    <a:bodyPr/>
+                    <a:lstStyle/>
+                    <a:p>
+                      <a:pPr algn="ctr"/>
+                      <a:r>
+                        <a:rPr lang="en-TW" dirty="0"/>
+                        <a:t>0.297</a:t>
+                      </a:r>
+                    </a:p>
+                  </a:txBody>
+                  <a:tcPr anchor="ctr"/>
+                </a:tc>
+                <a:extLst>
+                  <a:ext uri="{0D108BD9-81ED-4DB2-BD59-A6C34878D82A}">
+                    <a16:rowId xmlns:a16="http://schemas.microsoft.com/office/drawing/2014/main" val="767737053"/>
+                  </a:ext>
+                </a:extLst>
+              </a:tr>
+            </a:tbl>
+          </a:graphicData>
+        </a:graphic>
+      </p:graphicFrame>
+    </p:spTree>
+    <p:extLst>
+      <p:ext uri="{BB962C8B-B14F-4D97-AF65-F5344CB8AC3E}">
+        <p14:creationId xmlns:p14="http://schemas.microsoft.com/office/powerpoint/2010/main" val="3729868516"/>
+      </p:ext>
+    </p:extLst>
+  </p:cSld>
+  <p:clrMapOvr>
+    <a:masterClrMapping/>
+  </p:clrMapOvr>
+</p:sld>
+</file>
+
+<file path=ppt/slides/slide13.xml><?xml version="1.0" encoding="utf-8"?>
 <p:sld xmlns:a="http://schemas.openxmlformats.org/drawingml/2006/main" xmlns:r="http://schemas.openxmlformats.org/officeDocument/2006/relationships" xmlns:p="http://schemas.openxmlformats.org/presentationml/2006/main">
   <p:cSld>
     <p:spTree>
@@ -3580,7 +7008,7 @@
           <p:nvPr>
             <p:extLst>
               <p:ext uri="{D42A27DB-BD31-4B8C-83A1-F6EECF244321}">
-                <p14:modId xmlns:p14="http://schemas.microsoft.com/office/powerpoint/2010/main" val="749704263"/>
+                <p14:modId xmlns:p14="http://schemas.microsoft.com/office/powerpoint/2010/main" val="2291175263"/>
               </p:ext>
             </p:extLst>
           </p:nvPr>
@@ -3812,7 +7240,7 @@
                       <a:pPr algn="ctr"/>
                       <a:r>
                         <a:rPr lang="en-TW" dirty="0"/>
-                        <a:t>9.527e-15</a:t>
+                        <a:t>1089</a:t>
                       </a:r>
                     </a:p>
                   </a:txBody>
@@ -3826,7 +7254,7 @@
                       <a:pPr algn="ctr"/>
                       <a:r>
                         <a:rPr lang="en-TW" dirty="0"/>
-                        <a:t>9.950e-15</a:t>
+                        <a:t>1256</a:t>
                       </a:r>
                     </a:p>
                   </a:txBody>
@@ -3840,7 +7268,7 @@
                       <a:pPr algn="ctr"/>
                       <a:r>
                         <a:rPr lang="en-TW" dirty="0"/>
-                        <a:t>9.214e-15</a:t>
+                        <a:t>1427</a:t>
                       </a:r>
                     </a:p>
                   </a:txBody>
@@ -3854,7 +7282,7 @@
                       <a:pPr algn="ctr"/>
                       <a:r>
                         <a:rPr lang="en-TW" dirty="0"/>
-                        <a:t>9.862e-15</a:t>
+                        <a:t>1556</a:t>
                       </a:r>
                     </a:p>
                   </a:txBody>
@@ -3868,7 +7296,7 @@
                       <a:pPr algn="ctr"/>
                       <a:r>
                         <a:rPr lang="en-TW" dirty="0"/>
-                        <a:t>9.968e-15</a:t>
+                        <a:t>1706</a:t>
                       </a:r>
                     </a:p>
                   </a:txBody>
@@ -3882,7 +7310,7 @@
                       <a:pPr algn="ctr"/>
                       <a:r>
                         <a:rPr lang="en-TW" dirty="0"/>
-                        <a:t>9.953e-15</a:t>
+                        <a:t>1806</a:t>
                       </a:r>
                     </a:p>
                   </a:txBody>
@@ -3896,7 +7324,7 @@
                       <a:pPr algn="ctr"/>
                       <a:r>
                         <a:rPr lang="en-TW" dirty="0"/>
-                        <a:t>9.971e-15</a:t>
+                        <a:t>2314</a:t>
                       </a:r>
                     </a:p>
                   </a:txBody>
@@ -3931,7 +7359,7 @@
                       <a:pPr algn="ctr"/>
                       <a:r>
                         <a:rPr lang="en-TW" dirty="0"/>
-                        <a:t>4.396e-15</a:t>
+                        <a:t>35</a:t>
                       </a:r>
                     </a:p>
                   </a:txBody>
@@ -3945,7 +7373,7 @@
                       <a:pPr algn="ctr"/>
                       <a:r>
                         <a:rPr lang="en-TW" dirty="0"/>
-                        <a:t>5.395e-15</a:t>
+                        <a:t>79</a:t>
                       </a:r>
                     </a:p>
                   </a:txBody>
@@ -3959,7 +7387,7 @@
                       <a:pPr algn="ctr"/>
                       <a:r>
                         <a:rPr lang="en-TW" dirty="0"/>
-                        <a:t>8.929e-15</a:t>
+                        <a:t>160</a:t>
                       </a:r>
                     </a:p>
                   </a:txBody>
@@ -3973,7 +7401,7 @@
                       <a:pPr algn="ctr"/>
                       <a:r>
                         <a:rPr lang="en-TW" dirty="0"/>
-                        <a:t>9.854e-15</a:t>
+                        <a:t>319</a:t>
                       </a:r>
                     </a:p>
                   </a:txBody>
@@ -3987,7 +7415,7 @@
                       <a:pPr algn="ctr"/>
                       <a:r>
                         <a:rPr lang="en-TW" dirty="0"/>
-                        <a:t>9.045e-15</a:t>
+                        <a:t>627</a:t>
                       </a:r>
                     </a:p>
                   </a:txBody>
@@ -4001,7 +7429,7 @@
                       <a:pPr algn="ctr"/>
                       <a:r>
                         <a:rPr lang="en-TW" dirty="0"/>
-                        <a:t>9.422e-15</a:t>
+                        <a:t>1246</a:t>
                       </a:r>
                     </a:p>
                   </a:txBody>
@@ -4015,7 +7443,7 @@
                       <a:pPr algn="ctr"/>
                       <a:r>
                         <a:rPr lang="en-TW" dirty="0"/>
-                        <a:t>9.852e-15</a:t>
+                        <a:t>2665</a:t>
                       </a:r>
                     </a:p>
                   </a:txBody>
@@ -4125,56 +7553,129 @@
           <a:p>
             <a:r>
               <a:rPr lang="en-TW" dirty="0"/>
-              <a:t>Convergence Comparison</a:t>
+              <a:t>N v.s. iteration ( 8 threads )</a:t>
             </a:r>
           </a:p>
         </p:txBody>
       </p:sp>
-      <p:sp>
-        <p:nvSpPr>
-          <p:cNvPr id="11" name="TextBox 10">
+      <p:graphicFrame>
+        <p:nvGraphicFramePr>
+          <p:cNvPr id="2" name="Chart 1">
             <a:extLst>
               <a:ext uri="{FF2B5EF4-FFF2-40B4-BE49-F238E27FC236}">
-                <a16:creationId xmlns:a16="http://schemas.microsoft.com/office/drawing/2014/main" id="{72070B8A-1BBF-B24C-B9A0-A647D07B0449}"/>
+                <a16:creationId xmlns:a16="http://schemas.microsoft.com/office/drawing/2014/main" id="{CD11BEA0-7A9E-E648-A90C-45BD7FE3E34C}"/>
               </a:ext>
             </a:extLst>
           </p:cNvPr>
-          <p:cNvSpPr txBox="1"/>
-          <p:nvPr/>
+          <p:cNvGraphicFramePr/>
+          <p:nvPr>
+            <p:extLst>
+              <p:ext uri="{D42A27DB-BD31-4B8C-83A1-F6EECF244321}">
+                <p14:modId xmlns:p14="http://schemas.microsoft.com/office/powerpoint/2010/main" val="3117934407"/>
+              </p:ext>
+            </p:extLst>
+          </p:nvPr>
+        </p:nvGraphicFramePr>
+        <p:xfrm>
+          <a:off x="1230792" y="3360704"/>
+          <a:ext cx="4695849" cy="2947505"/>
+        </p:xfrm>
+        <a:graphic>
+          <a:graphicData uri="http://schemas.openxmlformats.org/drawingml/2006/chart">
+            <c:chart xmlns:c="http://schemas.openxmlformats.org/drawingml/2006/chart" xmlns:r="http://schemas.openxmlformats.org/officeDocument/2006/relationships" r:id="rId3"/>
+          </a:graphicData>
+        </a:graphic>
+      </p:graphicFrame>
+    </p:spTree>
+    <p:extLst>
+      <p:ext uri="{BB962C8B-B14F-4D97-AF65-F5344CB8AC3E}">
+        <p14:creationId xmlns:p14="http://schemas.microsoft.com/office/powerpoint/2010/main" val="2170499417"/>
+      </p:ext>
+    </p:extLst>
+  </p:cSld>
+  <p:clrMapOvr>
+    <a:masterClrMapping/>
+  </p:clrMapOvr>
+</p:sld>
+</file>
+
+<file path=ppt/slides/slide14.xml><?xml version="1.0" encoding="utf-8"?>
+<p:sld xmlns:a="http://schemas.openxmlformats.org/drawingml/2006/main" xmlns:r="http://schemas.openxmlformats.org/officeDocument/2006/relationships" xmlns:p="http://schemas.openxmlformats.org/presentationml/2006/main">
+  <p:cSld>
+    <p:spTree>
+      <p:nvGrpSpPr>
+        <p:cNvPr id="1" name=""/>
+        <p:cNvGrpSpPr/>
+        <p:nvPr/>
+      </p:nvGrpSpPr>
+      <p:grpSpPr>
+        <a:xfrm>
+          <a:off x="0" y="0"/>
+          <a:ext cx="0" cy="0"/>
+          <a:chOff x="0" y="0"/>
+          <a:chExt cx="0" cy="0"/>
+        </a:xfrm>
+      </p:grpSpPr>
+      <p:sp>
+        <p:nvSpPr>
+          <p:cNvPr id="2" name="Title 1">
+            <a:extLst>
+              <a:ext uri="{FF2B5EF4-FFF2-40B4-BE49-F238E27FC236}">
+                <a16:creationId xmlns:a16="http://schemas.microsoft.com/office/drawing/2014/main" id="{CCE01B32-CFE9-FE40-8849-2B8AD4CD89D3}"/>
+              </a:ext>
+            </a:extLst>
+          </p:cNvPr>
+          <p:cNvSpPr>
+            <a:spLocks noGrp="1"/>
+          </p:cNvSpPr>
+          <p:nvPr>
+            <p:ph type="title"/>
+          </p:nvPr>
         </p:nvSpPr>
-        <p:spPr>
-          <a:xfrm>
-            <a:off x="1230792" y="3208226"/>
-            <a:ext cx="5362832" cy="646331"/>
-          </a:xfrm>
-          <a:prstGeom prst="rect">
-            <a:avLst/>
-          </a:prstGeom>
-          <a:noFill/>
-        </p:spPr>
+        <p:spPr/>
         <p:txBody>
-          <a:bodyPr wrap="square" rtlCol="0">
-            <a:spAutoFit/>
-          </a:bodyPr>
+          <a:bodyPr/>
           <a:lstStyle/>
           <a:p>
             <a:r>
               <a:rPr lang="en-TW" dirty="0"/>
-              <a:t>Machine : Macbook Pro M1 with 4+4 Cores CPU</a:t>
-            </a:r>
-          </a:p>
-          <a:p>
-            <a:r>
-              <a:rPr lang="en-TW" dirty="0"/>
-              <a:t>Domain : 1024 * 1024</a:t>
+              <a:t>Trend of Error Convergence</a:t>
             </a:r>
           </a:p>
         </p:txBody>
       </p:sp>
+      <p:graphicFrame>
+        <p:nvGraphicFramePr>
+          <p:cNvPr id="4" name="Chart 3">
+            <a:extLst>
+              <a:ext uri="{FF2B5EF4-FFF2-40B4-BE49-F238E27FC236}">
+                <a16:creationId xmlns:a16="http://schemas.microsoft.com/office/drawing/2014/main" id="{B23FC140-28D6-2545-A02C-697B4AC698CF}"/>
+              </a:ext>
+            </a:extLst>
+          </p:cNvPr>
+          <p:cNvGraphicFramePr/>
+          <p:nvPr>
+            <p:extLst>
+              <p:ext uri="{D42A27DB-BD31-4B8C-83A1-F6EECF244321}">
+                <p14:modId xmlns:p14="http://schemas.microsoft.com/office/powerpoint/2010/main" val="3165520030"/>
+              </p:ext>
+            </p:extLst>
+          </p:nvPr>
+        </p:nvGraphicFramePr>
+        <p:xfrm>
+          <a:off x="2032000" y="1439333"/>
+          <a:ext cx="8128000" cy="5418667"/>
+        </p:xfrm>
+        <a:graphic>
+          <a:graphicData uri="http://schemas.openxmlformats.org/drawingml/2006/chart">
+            <c:chart xmlns:c="http://schemas.openxmlformats.org/drawingml/2006/chart" xmlns:r="http://schemas.openxmlformats.org/officeDocument/2006/relationships" r:id="rId2"/>
+          </a:graphicData>
+        </a:graphic>
+      </p:graphicFrame>
     </p:spTree>
     <p:extLst>
       <p:ext uri="{BB962C8B-B14F-4D97-AF65-F5344CB8AC3E}">
-        <p14:creationId xmlns:p14="http://schemas.microsoft.com/office/powerpoint/2010/main" val="2170499417"/>
+        <p14:creationId xmlns:p14="http://schemas.microsoft.com/office/powerpoint/2010/main" val="365362297"/>
       </p:ext>
     </p:extLst>
   </p:cSld>
@@ -9046,7 +12547,7 @@
         </p:blipFill>
         <p:spPr>
           <a:xfrm>
-            <a:off x="2835640" y="0"/>
+            <a:off x="5141518" y="0"/>
             <a:ext cx="6520720" cy="6858000"/>
           </a:xfrm>
           <a:prstGeom prst="rect">
@@ -9054,6 +12555,1373 @@
           </a:prstGeom>
         </p:spPr>
       </p:pic>
+      <mc:AlternateContent xmlns:mc="http://schemas.openxmlformats.org/markup-compatibility/2006">
+        <mc:Choice xmlns:a14="http://schemas.microsoft.com/office/drawing/2010/main" Requires="a14">
+          <p:sp>
+            <p:nvSpPr>
+              <p:cNvPr id="4" name="文字方塊 7">
+                <a:extLst>
+                  <a:ext uri="{FF2B5EF4-FFF2-40B4-BE49-F238E27FC236}">
+                    <a16:creationId xmlns:a16="http://schemas.microsoft.com/office/drawing/2014/main" id="{3E8D88B4-8DD4-BB4F-9B8B-5E4A9D7DBA8D}"/>
+                  </a:ext>
+                </a:extLst>
+              </p:cNvPr>
+              <p:cNvSpPr txBox="1"/>
+              <p:nvPr/>
+            </p:nvSpPr>
+            <p:spPr>
+              <a:xfrm>
+                <a:off x="800977" y="1639690"/>
+                <a:ext cx="4043130" cy="4311117"/>
+              </a:xfrm>
+              <a:prstGeom prst="rect">
+                <a:avLst/>
+              </a:prstGeom>
+              <a:noFill/>
+            </p:spPr>
+            <p:txBody>
+              <a:bodyPr wrap="square" rtlCol="0">
+                <a:spAutoFit/>
+              </a:bodyPr>
+              <a:lstStyle/>
+              <a:p>
+                <a:r>
+                  <a:rPr lang="en-US" altLang="zh-TW" sz="2000" dirty="0"/>
+                  <a:t>1. </a:t>
+                </a:r>
+                <a14:m>
+                  <m:oMath xmlns:m="http://schemas.openxmlformats.org/officeDocument/2006/math">
+                    <m:sSub>
+                      <m:sSubPr>
+                        <m:ctrlPr>
+                          <a:rPr lang="en-US" altLang="zh-TW" sz="2000" i="1" smtClean="0">
+                            <a:latin typeface="Cambria Math" panose="02040503050406030204" pitchFamily="18" charset="0"/>
+                          </a:rPr>
+                        </m:ctrlPr>
+                      </m:sSubPr>
+                      <m:e>
+                        <m:r>
+                          <a:rPr lang="en-US" altLang="zh-TW" sz="2000" b="0" i="1" smtClean="0">
+                            <a:latin typeface="Cambria Math" panose="02040503050406030204" pitchFamily="18" charset="0"/>
+                          </a:rPr>
+                          <m:t>𝑑</m:t>
+                        </m:r>
+                      </m:e>
+                      <m:sub>
+                        <m:r>
+                          <a:rPr lang="en-US" altLang="zh-TW" sz="2000" b="0" i="1" smtClean="0">
+                            <a:latin typeface="Cambria Math" panose="02040503050406030204" pitchFamily="18" charset="0"/>
+                          </a:rPr>
+                          <m:t>0</m:t>
+                        </m:r>
+                      </m:sub>
+                    </m:sSub>
+                    <m:r>
+                      <a:rPr lang="en-US" altLang="zh-TW" sz="2000" b="0" i="1" smtClean="0">
+                        <a:latin typeface="Cambria Math" panose="02040503050406030204" pitchFamily="18" charset="0"/>
+                      </a:rPr>
+                      <m:t>=</m:t>
+                    </m:r>
+                    <m:sSub>
+                      <m:sSubPr>
+                        <m:ctrlPr>
+                          <a:rPr lang="en-US" altLang="zh-TW" sz="2000" b="0" i="1" smtClean="0">
+                            <a:latin typeface="Cambria Math" panose="02040503050406030204" pitchFamily="18" charset="0"/>
+                          </a:rPr>
+                        </m:ctrlPr>
+                      </m:sSubPr>
+                      <m:e>
+                        <m:r>
+                          <a:rPr lang="en-US" altLang="zh-TW" sz="2000" b="0" i="1" smtClean="0">
+                            <a:latin typeface="Cambria Math" panose="02040503050406030204" pitchFamily="18" charset="0"/>
+                          </a:rPr>
+                          <m:t>𝑟</m:t>
+                        </m:r>
+                      </m:e>
+                      <m:sub>
+                        <m:r>
+                          <a:rPr lang="en-US" altLang="zh-TW" sz="2000" b="0" i="1" smtClean="0">
+                            <a:latin typeface="Cambria Math" panose="02040503050406030204" pitchFamily="18" charset="0"/>
+                          </a:rPr>
+                          <m:t>0</m:t>
+                        </m:r>
+                      </m:sub>
+                    </m:sSub>
+                    <m:r>
+                      <a:rPr lang="en-US" altLang="zh-TW" sz="2000" b="0" i="1" smtClean="0">
+                        <a:latin typeface="Cambria Math" panose="02040503050406030204" pitchFamily="18" charset="0"/>
+                      </a:rPr>
+                      <m:t>=</m:t>
+                    </m:r>
+                    <m:r>
+                      <a:rPr lang="en-US" altLang="zh-TW" sz="2000" b="0" i="1" smtClean="0">
+                        <a:latin typeface="Cambria Math" panose="02040503050406030204" pitchFamily="18" charset="0"/>
+                      </a:rPr>
+                      <m:t>𝑏</m:t>
+                    </m:r>
+                    <m:r>
+                      <a:rPr lang="en-US" altLang="zh-TW" sz="2000" b="0" i="1" smtClean="0">
+                        <a:latin typeface="Cambria Math" panose="02040503050406030204" pitchFamily="18" charset="0"/>
+                      </a:rPr>
+                      <m:t>−</m:t>
+                    </m:r>
+                    <m:r>
+                      <a:rPr lang="en-US" altLang="zh-TW" sz="2000" b="0" i="1" smtClean="0">
+                        <a:latin typeface="Cambria Math" panose="02040503050406030204" pitchFamily="18" charset="0"/>
+                      </a:rPr>
+                      <m:t>𝐴</m:t>
+                    </m:r>
+                    <m:sSub>
+                      <m:sSubPr>
+                        <m:ctrlPr>
+                          <a:rPr lang="en-US" altLang="zh-TW" sz="2000" b="0" i="1" smtClean="0">
+                            <a:latin typeface="Cambria Math" panose="02040503050406030204" pitchFamily="18" charset="0"/>
+                          </a:rPr>
+                        </m:ctrlPr>
+                      </m:sSubPr>
+                      <m:e>
+                        <m:r>
+                          <a:rPr lang="en-US" altLang="zh-TW" sz="2000" b="0" i="1" smtClean="0">
+                            <a:latin typeface="Cambria Math" panose="02040503050406030204" pitchFamily="18" charset="0"/>
+                          </a:rPr>
+                          <m:t>𝑥</m:t>
+                        </m:r>
+                      </m:e>
+                      <m:sub>
+                        <m:r>
+                          <a:rPr lang="en-US" altLang="zh-TW" sz="2000" b="0" i="1" smtClean="0">
+                            <a:latin typeface="Cambria Math" panose="02040503050406030204" pitchFamily="18" charset="0"/>
+                          </a:rPr>
+                          <m:t>0</m:t>
+                        </m:r>
+                      </m:sub>
+                    </m:sSub>
+                  </m:oMath>
+                </a14:m>
+                <a:endParaRPr lang="en-US" altLang="zh-TW" sz="2000" dirty="0"/>
+              </a:p>
+              <a:p>
+                <a:endParaRPr lang="en-US" altLang="zh-TW" sz="2000" dirty="0"/>
+              </a:p>
+              <a:p>
+                <a:r>
+                  <a:rPr lang="en-US" altLang="zh-TW" sz="2000" dirty="0"/>
+                  <a:t>2.  </a:t>
+                </a:r>
+                <a14:m>
+                  <m:oMath xmlns:m="http://schemas.openxmlformats.org/officeDocument/2006/math">
+                    <m:sSub>
+                      <m:sSubPr>
+                        <m:ctrlPr>
+                          <a:rPr lang="en-US" altLang="zh-TW" sz="2000" i="1">
+                            <a:latin typeface="Cambria Math" panose="02040503050406030204" pitchFamily="18" charset="0"/>
+                          </a:rPr>
+                        </m:ctrlPr>
+                      </m:sSubPr>
+                      <m:e>
+                        <m:r>
+                          <a:rPr lang="zh-TW" altLang="en-US" sz="2000" i="1">
+                            <a:latin typeface="Cambria Math" panose="02040503050406030204" pitchFamily="18" charset="0"/>
+                          </a:rPr>
+                          <m:t>𝛼</m:t>
+                        </m:r>
+                      </m:e>
+                      <m:sub>
+                        <m:r>
+                          <a:rPr lang="en-US" altLang="zh-TW" sz="2000" i="1">
+                            <a:latin typeface="Cambria Math" panose="02040503050406030204" pitchFamily="18" charset="0"/>
+                          </a:rPr>
+                          <m:t>𝑖</m:t>
+                        </m:r>
+                      </m:sub>
+                    </m:sSub>
+                    <m:r>
+                      <a:rPr lang="en-US" altLang="zh-TW" sz="2000" i="1">
+                        <a:latin typeface="Cambria Math" panose="02040503050406030204" pitchFamily="18" charset="0"/>
+                      </a:rPr>
+                      <m:t>=</m:t>
+                    </m:r>
+                    <m:f>
+                      <m:fPr>
+                        <m:ctrlPr>
+                          <a:rPr lang="en-US" altLang="zh-TW" sz="2000" i="1">
+                            <a:latin typeface="Cambria Math" panose="02040503050406030204" pitchFamily="18" charset="0"/>
+                          </a:rPr>
+                        </m:ctrlPr>
+                      </m:fPr>
+                      <m:num>
+                        <m:sSubSup>
+                          <m:sSubSupPr>
+                            <m:ctrlPr>
+                              <a:rPr lang="en-US" altLang="zh-TW" sz="2000" i="1">
+                                <a:latin typeface="Cambria Math" panose="02040503050406030204" pitchFamily="18" charset="0"/>
+                              </a:rPr>
+                            </m:ctrlPr>
+                          </m:sSubSupPr>
+                          <m:e>
+                            <m:r>
+                              <a:rPr lang="en-US" altLang="zh-TW" sz="2000" b="0" i="1" smtClean="0">
+                                <a:latin typeface="Cambria Math" panose="02040503050406030204" pitchFamily="18" charset="0"/>
+                              </a:rPr>
+                              <m:t>𝑟</m:t>
+                            </m:r>
+                          </m:e>
+                          <m:sub>
+                            <m:r>
+                              <a:rPr lang="en-US" altLang="zh-TW" sz="2000" i="1">
+                                <a:latin typeface="Cambria Math" panose="02040503050406030204" pitchFamily="18" charset="0"/>
+                              </a:rPr>
+                              <m:t>𝑖</m:t>
+                            </m:r>
+                          </m:sub>
+                          <m:sup>
+                            <m:r>
+                              <a:rPr lang="en-US" altLang="zh-TW" sz="2000" i="1">
+                                <a:latin typeface="Cambria Math" panose="02040503050406030204" pitchFamily="18" charset="0"/>
+                              </a:rPr>
+                              <m:t>𝑇</m:t>
+                            </m:r>
+                          </m:sup>
+                        </m:sSubSup>
+                        <m:sSub>
+                          <m:sSubPr>
+                            <m:ctrlPr>
+                              <a:rPr lang="en-US" altLang="zh-TW" sz="2000" i="1">
+                                <a:latin typeface="Cambria Math" panose="02040503050406030204" pitchFamily="18" charset="0"/>
+                              </a:rPr>
+                            </m:ctrlPr>
+                          </m:sSubPr>
+                          <m:e>
+                            <m:r>
+                              <a:rPr lang="en-US" altLang="zh-TW" sz="2000" i="1">
+                                <a:latin typeface="Cambria Math" panose="02040503050406030204" pitchFamily="18" charset="0"/>
+                              </a:rPr>
+                              <m:t>𝑟</m:t>
+                            </m:r>
+                          </m:e>
+                          <m:sub>
+                            <m:r>
+                              <a:rPr lang="en-US" altLang="zh-TW" sz="2000" i="1">
+                                <a:latin typeface="Cambria Math" panose="02040503050406030204" pitchFamily="18" charset="0"/>
+                              </a:rPr>
+                              <m:t>𝑖</m:t>
+                            </m:r>
+                          </m:sub>
+                        </m:sSub>
+                      </m:num>
+                      <m:den>
+                        <m:sSubSup>
+                          <m:sSubSupPr>
+                            <m:ctrlPr>
+                              <a:rPr lang="en-US" altLang="zh-TW" sz="2000" i="1">
+                                <a:latin typeface="Cambria Math" panose="02040503050406030204" pitchFamily="18" charset="0"/>
+                              </a:rPr>
+                            </m:ctrlPr>
+                          </m:sSubSupPr>
+                          <m:e>
+                            <m:r>
+                              <a:rPr lang="en-US" altLang="zh-TW" sz="2000" i="1">
+                                <a:latin typeface="Cambria Math" panose="02040503050406030204" pitchFamily="18" charset="0"/>
+                              </a:rPr>
+                              <m:t>𝑑</m:t>
+                            </m:r>
+                          </m:e>
+                          <m:sub>
+                            <m:r>
+                              <a:rPr lang="en-US" altLang="zh-TW" sz="2000" i="1">
+                                <a:latin typeface="Cambria Math" panose="02040503050406030204" pitchFamily="18" charset="0"/>
+                              </a:rPr>
+                              <m:t>𝑖</m:t>
+                            </m:r>
+                          </m:sub>
+                          <m:sup>
+                            <m:r>
+                              <a:rPr lang="en-US" altLang="zh-TW" sz="2000" i="1">
+                                <a:latin typeface="Cambria Math" panose="02040503050406030204" pitchFamily="18" charset="0"/>
+                              </a:rPr>
+                              <m:t>𝑇</m:t>
+                            </m:r>
+                          </m:sup>
+                        </m:sSubSup>
+                        <m:r>
+                          <a:rPr lang="en-US" altLang="zh-TW" sz="2000" i="1">
+                            <a:latin typeface="Cambria Math" panose="02040503050406030204" pitchFamily="18" charset="0"/>
+                          </a:rPr>
+                          <m:t>𝐴</m:t>
+                        </m:r>
+                        <m:sSub>
+                          <m:sSubPr>
+                            <m:ctrlPr>
+                              <a:rPr lang="en-US" altLang="zh-TW" sz="2000" i="1">
+                                <a:latin typeface="Cambria Math" panose="02040503050406030204" pitchFamily="18" charset="0"/>
+                              </a:rPr>
+                            </m:ctrlPr>
+                          </m:sSubPr>
+                          <m:e>
+                            <m:r>
+                              <a:rPr lang="en-US" altLang="zh-TW" sz="2000" i="1">
+                                <a:latin typeface="Cambria Math" panose="02040503050406030204" pitchFamily="18" charset="0"/>
+                              </a:rPr>
+                              <m:t>𝑑</m:t>
+                            </m:r>
+                          </m:e>
+                          <m:sub>
+                            <m:r>
+                              <a:rPr lang="en-US" altLang="zh-TW" sz="2000" i="1">
+                                <a:latin typeface="Cambria Math" panose="02040503050406030204" pitchFamily="18" charset="0"/>
+                              </a:rPr>
+                              <m:t>𝑖</m:t>
+                            </m:r>
+                          </m:sub>
+                        </m:sSub>
+                      </m:den>
+                    </m:f>
+                  </m:oMath>
+                </a14:m>
+                <a:endParaRPr lang="en-US" altLang="zh-TW" sz="2000" dirty="0"/>
+              </a:p>
+              <a:p>
+                <a:endParaRPr lang="en-US" altLang="zh-TW" sz="2000" dirty="0"/>
+              </a:p>
+              <a:p>
+                <a:r>
+                  <a:rPr lang="en-US" altLang="zh-TW" sz="2000" dirty="0"/>
+                  <a:t>3.  </a:t>
+                </a:r>
+                <a14:m>
+                  <m:oMath xmlns:m="http://schemas.openxmlformats.org/officeDocument/2006/math">
+                    <m:sSub>
+                      <m:sSubPr>
+                        <m:ctrlPr>
+                          <a:rPr lang="en-US" altLang="zh-TW" sz="2000" i="1">
+                            <a:latin typeface="Cambria Math" panose="02040503050406030204" pitchFamily="18" charset="0"/>
+                          </a:rPr>
+                        </m:ctrlPr>
+                      </m:sSubPr>
+                      <m:e>
+                        <m:r>
+                          <a:rPr lang="en-US" altLang="zh-TW" sz="2000" i="1">
+                            <a:latin typeface="Cambria Math" panose="02040503050406030204" pitchFamily="18" charset="0"/>
+                          </a:rPr>
+                          <m:t>𝑥</m:t>
+                        </m:r>
+                      </m:e>
+                      <m:sub>
+                        <m:r>
+                          <a:rPr lang="en-US" altLang="zh-TW" sz="2000" i="1">
+                            <a:latin typeface="Cambria Math" panose="02040503050406030204" pitchFamily="18" charset="0"/>
+                          </a:rPr>
+                          <m:t>𝑖</m:t>
+                        </m:r>
+                        <m:r>
+                          <a:rPr lang="en-US" altLang="zh-TW" sz="2000" i="1">
+                            <a:latin typeface="Cambria Math" panose="02040503050406030204" pitchFamily="18" charset="0"/>
+                          </a:rPr>
+                          <m:t>+1</m:t>
+                        </m:r>
+                      </m:sub>
+                    </m:sSub>
+                    <m:r>
+                      <a:rPr lang="en-US" altLang="zh-TW" sz="2000" i="1">
+                        <a:latin typeface="Cambria Math" panose="02040503050406030204" pitchFamily="18" charset="0"/>
+                      </a:rPr>
+                      <m:t>=</m:t>
+                    </m:r>
+                    <m:sSub>
+                      <m:sSubPr>
+                        <m:ctrlPr>
+                          <a:rPr lang="en-US" altLang="zh-TW" sz="2000" i="1">
+                            <a:latin typeface="Cambria Math" panose="02040503050406030204" pitchFamily="18" charset="0"/>
+                          </a:rPr>
+                        </m:ctrlPr>
+                      </m:sSubPr>
+                      <m:e>
+                        <m:r>
+                          <a:rPr lang="en-US" altLang="zh-TW" sz="2000" i="1">
+                            <a:latin typeface="Cambria Math" panose="02040503050406030204" pitchFamily="18" charset="0"/>
+                          </a:rPr>
+                          <m:t>𝑥</m:t>
+                        </m:r>
+                      </m:e>
+                      <m:sub>
+                        <m:r>
+                          <a:rPr lang="en-US" altLang="zh-TW" sz="2000" i="1">
+                            <a:latin typeface="Cambria Math" panose="02040503050406030204" pitchFamily="18" charset="0"/>
+                          </a:rPr>
+                          <m:t>𝑖</m:t>
+                        </m:r>
+                      </m:sub>
+                    </m:sSub>
+                    <m:r>
+                      <a:rPr lang="en-US" altLang="zh-TW" sz="2000" i="1">
+                        <a:latin typeface="Cambria Math" panose="02040503050406030204" pitchFamily="18" charset="0"/>
+                      </a:rPr>
+                      <m:t>+</m:t>
+                    </m:r>
+                    <m:sSub>
+                      <m:sSubPr>
+                        <m:ctrlPr>
+                          <a:rPr lang="en-US" altLang="zh-TW" sz="2000" i="1">
+                            <a:latin typeface="Cambria Math" panose="02040503050406030204" pitchFamily="18" charset="0"/>
+                          </a:rPr>
+                        </m:ctrlPr>
+                      </m:sSubPr>
+                      <m:e>
+                        <m:r>
+                          <a:rPr lang="zh-TW" altLang="en-US" sz="2000" i="1">
+                            <a:latin typeface="Cambria Math" panose="02040503050406030204" pitchFamily="18" charset="0"/>
+                          </a:rPr>
+                          <m:t>𝛼</m:t>
+                        </m:r>
+                      </m:e>
+                      <m:sub>
+                        <m:r>
+                          <a:rPr lang="en-US" altLang="zh-TW" sz="2000" i="1">
+                            <a:latin typeface="Cambria Math" panose="02040503050406030204" pitchFamily="18" charset="0"/>
+                          </a:rPr>
+                          <m:t>𝑖</m:t>
+                        </m:r>
+                      </m:sub>
+                    </m:sSub>
+                    <m:sSub>
+                      <m:sSubPr>
+                        <m:ctrlPr>
+                          <a:rPr lang="en-US" altLang="zh-TW" sz="2000" i="1" smtClean="0">
+                            <a:latin typeface="Cambria Math" panose="02040503050406030204" pitchFamily="18" charset="0"/>
+                          </a:rPr>
+                        </m:ctrlPr>
+                      </m:sSubPr>
+                      <m:e>
+                        <m:r>
+                          <a:rPr lang="en-US" altLang="zh-TW" sz="2000" b="0" i="1" smtClean="0">
+                            <a:latin typeface="Cambria Math" panose="02040503050406030204" pitchFamily="18" charset="0"/>
+                          </a:rPr>
+                          <m:t>𝑑</m:t>
+                        </m:r>
+                      </m:e>
+                      <m:sub>
+                        <m:r>
+                          <a:rPr lang="en-US" altLang="zh-TW" sz="2000" i="1">
+                            <a:latin typeface="Cambria Math" panose="02040503050406030204" pitchFamily="18" charset="0"/>
+                          </a:rPr>
+                          <m:t>𝑖</m:t>
+                        </m:r>
+                      </m:sub>
+                    </m:sSub>
+                  </m:oMath>
+                </a14:m>
+                <a:endParaRPr lang="en-US" altLang="zh-TW" sz="2000" dirty="0"/>
+              </a:p>
+              <a:p>
+                <a:endParaRPr lang="en-US" altLang="zh-TW" sz="2000" dirty="0"/>
+              </a:p>
+              <a:p>
+                <a:r>
+                  <a:rPr lang="en-US" altLang="zh-TW" sz="2000" dirty="0"/>
+                  <a:t>4.  </a:t>
+                </a:r>
+                <a14:m>
+                  <m:oMath xmlns:m="http://schemas.openxmlformats.org/officeDocument/2006/math">
+                    <m:sSub>
+                      <m:sSubPr>
+                        <m:ctrlPr>
+                          <a:rPr lang="en-US" altLang="zh-TW" sz="2000" i="1" smtClean="0">
+                            <a:latin typeface="Cambria Math" panose="02040503050406030204" pitchFamily="18" charset="0"/>
+                          </a:rPr>
+                        </m:ctrlPr>
+                      </m:sSubPr>
+                      <m:e>
+                        <m:r>
+                          <a:rPr lang="en-US" altLang="zh-TW" sz="2000" b="0" i="1" smtClean="0">
+                            <a:latin typeface="Cambria Math" panose="02040503050406030204" pitchFamily="18" charset="0"/>
+                          </a:rPr>
+                          <m:t>𝑟</m:t>
+                        </m:r>
+                      </m:e>
+                      <m:sub>
+                        <m:r>
+                          <a:rPr lang="en-US" altLang="zh-TW" sz="2000" b="0" i="1" smtClean="0">
+                            <a:latin typeface="Cambria Math" panose="02040503050406030204" pitchFamily="18" charset="0"/>
+                          </a:rPr>
+                          <m:t>𝑖</m:t>
+                        </m:r>
+                        <m:r>
+                          <a:rPr lang="en-US" altLang="zh-TW" sz="2000" b="0" i="1" smtClean="0">
+                            <a:latin typeface="Cambria Math" panose="02040503050406030204" pitchFamily="18" charset="0"/>
+                          </a:rPr>
+                          <m:t>+1</m:t>
+                        </m:r>
+                      </m:sub>
+                    </m:sSub>
+                    <m:r>
+                      <a:rPr lang="en-US" altLang="zh-TW" sz="2000" b="0" i="1" smtClean="0">
+                        <a:latin typeface="Cambria Math" panose="02040503050406030204" pitchFamily="18" charset="0"/>
+                      </a:rPr>
+                      <m:t>=</m:t>
+                    </m:r>
+                    <m:r>
+                      <a:rPr lang="en-US" altLang="zh-TW" sz="2000" i="1">
+                        <a:latin typeface="Cambria Math" panose="02040503050406030204" pitchFamily="18" charset="0"/>
+                      </a:rPr>
+                      <m:t>𝑏</m:t>
+                    </m:r>
+                    <m:r>
+                      <a:rPr lang="en-US" altLang="zh-TW" sz="2000" i="1">
+                        <a:latin typeface="Cambria Math" panose="02040503050406030204" pitchFamily="18" charset="0"/>
+                      </a:rPr>
+                      <m:t>−</m:t>
+                    </m:r>
+                    <m:r>
+                      <a:rPr lang="en-US" altLang="zh-TW" sz="2000" i="1">
+                        <a:latin typeface="Cambria Math" panose="02040503050406030204" pitchFamily="18" charset="0"/>
+                      </a:rPr>
+                      <m:t>𝐴</m:t>
+                    </m:r>
+                    <m:sSub>
+                      <m:sSubPr>
+                        <m:ctrlPr>
+                          <a:rPr lang="en-US" altLang="zh-TW" sz="2000" i="1">
+                            <a:latin typeface="Cambria Math" panose="02040503050406030204" pitchFamily="18" charset="0"/>
+                          </a:rPr>
+                        </m:ctrlPr>
+                      </m:sSubPr>
+                      <m:e>
+                        <m:r>
+                          <a:rPr lang="en-US" altLang="zh-TW" sz="2000" i="1">
+                            <a:latin typeface="Cambria Math" panose="02040503050406030204" pitchFamily="18" charset="0"/>
+                          </a:rPr>
+                          <m:t>𝑥</m:t>
+                        </m:r>
+                      </m:e>
+                      <m:sub>
+                        <m:r>
+                          <a:rPr lang="en-US" altLang="zh-TW" sz="2000" b="0" i="1" smtClean="0">
+                            <a:latin typeface="Cambria Math" panose="02040503050406030204" pitchFamily="18" charset="0"/>
+                          </a:rPr>
+                          <m:t>𝑖</m:t>
+                        </m:r>
+                        <m:r>
+                          <a:rPr lang="en-US" altLang="zh-TW" sz="2000" b="0" i="1" smtClean="0">
+                            <a:latin typeface="Cambria Math" panose="02040503050406030204" pitchFamily="18" charset="0"/>
+                          </a:rPr>
+                          <m:t>+1</m:t>
+                        </m:r>
+                      </m:sub>
+                    </m:sSub>
+                    <m:r>
+                      <a:rPr lang="en-US" altLang="zh-TW" sz="2000" b="0" i="1" smtClean="0">
+                        <a:latin typeface="Cambria Math" panose="02040503050406030204" pitchFamily="18" charset="0"/>
+                      </a:rPr>
+                      <m:t>=</m:t>
+                    </m:r>
+                    <m:sSub>
+                      <m:sSubPr>
+                        <m:ctrlPr>
+                          <a:rPr lang="en-US" altLang="zh-TW" sz="2000" b="0" i="1" smtClean="0">
+                            <a:latin typeface="Cambria Math" panose="02040503050406030204" pitchFamily="18" charset="0"/>
+                          </a:rPr>
+                        </m:ctrlPr>
+                      </m:sSubPr>
+                      <m:e>
+                        <m:r>
+                          <a:rPr lang="en-US" altLang="zh-TW" sz="2000" b="0" i="1" smtClean="0">
+                            <a:latin typeface="Cambria Math" panose="02040503050406030204" pitchFamily="18" charset="0"/>
+                          </a:rPr>
+                          <m:t>𝑟</m:t>
+                        </m:r>
+                      </m:e>
+                      <m:sub>
+                        <m:r>
+                          <a:rPr lang="en-US" altLang="zh-TW" sz="2000" b="0" i="1" smtClean="0">
+                            <a:latin typeface="Cambria Math" panose="02040503050406030204" pitchFamily="18" charset="0"/>
+                          </a:rPr>
+                          <m:t>𝑖</m:t>
+                        </m:r>
+                      </m:sub>
+                    </m:sSub>
+                    <m:r>
+                      <a:rPr lang="en-US" altLang="zh-TW" sz="2000" b="0" i="1" smtClean="0">
+                        <a:latin typeface="Cambria Math" panose="02040503050406030204" pitchFamily="18" charset="0"/>
+                      </a:rPr>
+                      <m:t>−</m:t>
+                    </m:r>
+                    <m:sSub>
+                      <m:sSubPr>
+                        <m:ctrlPr>
+                          <a:rPr lang="en-US" altLang="zh-TW" sz="2000" b="0" i="1" smtClean="0">
+                            <a:latin typeface="Cambria Math" panose="02040503050406030204" pitchFamily="18" charset="0"/>
+                          </a:rPr>
+                        </m:ctrlPr>
+                      </m:sSubPr>
+                      <m:e>
+                        <m:r>
+                          <a:rPr lang="zh-TW" altLang="en-US" sz="2000" b="0" i="1" smtClean="0">
+                            <a:latin typeface="Cambria Math" panose="02040503050406030204" pitchFamily="18" charset="0"/>
+                          </a:rPr>
+                          <m:t>𝛼</m:t>
+                        </m:r>
+                      </m:e>
+                      <m:sub>
+                        <m:r>
+                          <a:rPr lang="en-US" altLang="zh-TW" sz="2000" b="0" i="1" smtClean="0">
+                            <a:latin typeface="Cambria Math" panose="02040503050406030204" pitchFamily="18" charset="0"/>
+                          </a:rPr>
+                          <m:t>𝑖</m:t>
+                        </m:r>
+                      </m:sub>
+                    </m:sSub>
+                    <m:r>
+                      <a:rPr lang="en-US" altLang="zh-TW" sz="2000" b="0" i="1" smtClean="0">
+                        <a:latin typeface="Cambria Math" panose="02040503050406030204" pitchFamily="18" charset="0"/>
+                      </a:rPr>
+                      <m:t>𝐴</m:t>
+                    </m:r>
+                    <m:sSub>
+                      <m:sSubPr>
+                        <m:ctrlPr>
+                          <a:rPr lang="en-US" altLang="zh-TW" sz="2000" b="0" i="1" smtClean="0">
+                            <a:latin typeface="Cambria Math" panose="02040503050406030204" pitchFamily="18" charset="0"/>
+                          </a:rPr>
+                        </m:ctrlPr>
+                      </m:sSubPr>
+                      <m:e>
+                        <m:r>
+                          <a:rPr lang="en-US" altLang="zh-TW" sz="2000" b="0" i="1" smtClean="0">
+                            <a:latin typeface="Cambria Math" panose="02040503050406030204" pitchFamily="18" charset="0"/>
+                          </a:rPr>
+                          <m:t>𝑑</m:t>
+                        </m:r>
+                      </m:e>
+                      <m:sub>
+                        <m:r>
+                          <a:rPr lang="en-US" altLang="zh-TW" sz="2000" b="0" i="1" smtClean="0">
+                            <a:latin typeface="Cambria Math" panose="02040503050406030204" pitchFamily="18" charset="0"/>
+                          </a:rPr>
+                          <m:t>𝑖</m:t>
+                        </m:r>
+                      </m:sub>
+                    </m:sSub>
+                  </m:oMath>
+                </a14:m>
+                <a:endParaRPr lang="en-US" altLang="zh-TW" sz="2000" dirty="0"/>
+              </a:p>
+              <a:p>
+                <a:endParaRPr lang="en-US" altLang="zh-TW" sz="2000" dirty="0"/>
+              </a:p>
+              <a:p>
+                <a:r>
+                  <a:rPr lang="en-US" altLang="zh-TW" sz="2000" dirty="0"/>
+                  <a:t>5.  </a:t>
+                </a:r>
+                <a14:m>
+                  <m:oMath xmlns:m="http://schemas.openxmlformats.org/officeDocument/2006/math">
+                    <m:sSub>
+                      <m:sSubPr>
+                        <m:ctrlPr>
+                          <a:rPr lang="en-US" altLang="zh-TW" sz="2000" i="1">
+                            <a:latin typeface="Cambria Math" panose="02040503050406030204" pitchFamily="18" charset="0"/>
+                          </a:rPr>
+                        </m:ctrlPr>
+                      </m:sSubPr>
+                      <m:e>
+                        <m:r>
+                          <a:rPr lang="zh-TW" altLang="en-US" sz="2000" i="1" smtClean="0">
+                            <a:latin typeface="Cambria Math" panose="02040503050406030204" pitchFamily="18" charset="0"/>
+                          </a:rPr>
+                          <m:t>𝛽</m:t>
+                        </m:r>
+                      </m:e>
+                      <m:sub>
+                        <m:r>
+                          <a:rPr lang="en-US" altLang="zh-TW" sz="2000" b="0" i="1" smtClean="0">
+                            <a:latin typeface="Cambria Math" panose="02040503050406030204" pitchFamily="18" charset="0"/>
+                          </a:rPr>
+                          <m:t>𝑖</m:t>
+                        </m:r>
+                        <m:r>
+                          <a:rPr lang="en-US" altLang="zh-TW" sz="2000" b="0" i="1" smtClean="0">
+                            <a:latin typeface="Cambria Math" panose="02040503050406030204" pitchFamily="18" charset="0"/>
+                          </a:rPr>
+                          <m:t>+1</m:t>
+                        </m:r>
+                      </m:sub>
+                    </m:sSub>
+                    <m:r>
+                      <a:rPr lang="en-US" altLang="zh-TW" sz="2000" i="1">
+                        <a:latin typeface="Cambria Math" panose="02040503050406030204" pitchFamily="18" charset="0"/>
+                      </a:rPr>
+                      <m:t>=</m:t>
+                    </m:r>
+                    <m:f>
+                      <m:fPr>
+                        <m:ctrlPr>
+                          <a:rPr lang="en-US" altLang="zh-TW" sz="2000" i="1">
+                            <a:latin typeface="Cambria Math" panose="02040503050406030204" pitchFamily="18" charset="0"/>
+                          </a:rPr>
+                        </m:ctrlPr>
+                      </m:fPr>
+                      <m:num>
+                        <m:sSubSup>
+                          <m:sSubSupPr>
+                            <m:ctrlPr>
+                              <a:rPr lang="en-US" altLang="zh-TW" sz="2000" i="1">
+                                <a:latin typeface="Cambria Math" panose="02040503050406030204" pitchFamily="18" charset="0"/>
+                              </a:rPr>
+                            </m:ctrlPr>
+                          </m:sSubSupPr>
+                          <m:e>
+                            <m:r>
+                              <a:rPr lang="en-US" altLang="zh-TW" sz="2000" b="0" i="1" smtClean="0">
+                                <a:latin typeface="Cambria Math" panose="02040503050406030204" pitchFamily="18" charset="0"/>
+                              </a:rPr>
+                              <m:t>𝑟</m:t>
+                            </m:r>
+                          </m:e>
+                          <m:sub>
+                            <m:r>
+                              <a:rPr lang="en-US" altLang="zh-TW" sz="2000" i="1">
+                                <a:latin typeface="Cambria Math" panose="02040503050406030204" pitchFamily="18" charset="0"/>
+                              </a:rPr>
+                              <m:t>𝑖</m:t>
+                            </m:r>
+                            <m:r>
+                              <a:rPr lang="en-US" altLang="zh-TW" sz="2000" b="0" i="1" smtClean="0">
+                                <a:latin typeface="Cambria Math" panose="02040503050406030204" pitchFamily="18" charset="0"/>
+                              </a:rPr>
+                              <m:t>+1</m:t>
+                            </m:r>
+                          </m:sub>
+                          <m:sup>
+                            <m:r>
+                              <a:rPr lang="en-US" altLang="zh-TW" sz="2000" i="1">
+                                <a:latin typeface="Cambria Math" panose="02040503050406030204" pitchFamily="18" charset="0"/>
+                              </a:rPr>
+                              <m:t>𝑇</m:t>
+                            </m:r>
+                          </m:sup>
+                        </m:sSubSup>
+                        <m:sSub>
+                          <m:sSubPr>
+                            <m:ctrlPr>
+                              <a:rPr lang="en-US" altLang="zh-TW" sz="2000" i="1">
+                                <a:latin typeface="Cambria Math" panose="02040503050406030204" pitchFamily="18" charset="0"/>
+                              </a:rPr>
+                            </m:ctrlPr>
+                          </m:sSubPr>
+                          <m:e>
+                            <m:r>
+                              <a:rPr lang="en-US" altLang="zh-TW" sz="2000" i="1">
+                                <a:latin typeface="Cambria Math" panose="02040503050406030204" pitchFamily="18" charset="0"/>
+                              </a:rPr>
+                              <m:t>𝑟</m:t>
+                            </m:r>
+                          </m:e>
+                          <m:sub>
+                            <m:r>
+                              <a:rPr lang="en-US" altLang="zh-TW" sz="2000" i="1">
+                                <a:latin typeface="Cambria Math" panose="02040503050406030204" pitchFamily="18" charset="0"/>
+                              </a:rPr>
+                              <m:t>𝑖</m:t>
+                            </m:r>
+                            <m:r>
+                              <a:rPr lang="en-US" altLang="zh-TW" sz="2000" b="0" i="1" smtClean="0">
+                                <a:latin typeface="Cambria Math" panose="02040503050406030204" pitchFamily="18" charset="0"/>
+                              </a:rPr>
+                              <m:t>+1</m:t>
+                            </m:r>
+                          </m:sub>
+                        </m:sSub>
+                      </m:num>
+                      <m:den>
+                        <m:sSubSup>
+                          <m:sSubSupPr>
+                            <m:ctrlPr>
+                              <a:rPr lang="en-US" altLang="zh-TW" sz="2000" i="1">
+                                <a:latin typeface="Cambria Math" panose="02040503050406030204" pitchFamily="18" charset="0"/>
+                              </a:rPr>
+                            </m:ctrlPr>
+                          </m:sSubSupPr>
+                          <m:e>
+                            <m:r>
+                              <a:rPr lang="en-US" altLang="zh-TW" sz="2000" b="0" i="1" smtClean="0">
+                                <a:latin typeface="Cambria Math" panose="02040503050406030204" pitchFamily="18" charset="0"/>
+                              </a:rPr>
+                              <m:t>𝑟</m:t>
+                            </m:r>
+                          </m:e>
+                          <m:sub>
+                            <m:r>
+                              <a:rPr lang="en-US" altLang="zh-TW" sz="2000" i="1">
+                                <a:latin typeface="Cambria Math" panose="02040503050406030204" pitchFamily="18" charset="0"/>
+                              </a:rPr>
+                              <m:t>𝑖</m:t>
+                            </m:r>
+                          </m:sub>
+                          <m:sup>
+                            <m:r>
+                              <a:rPr lang="en-US" altLang="zh-TW" sz="2000" i="1">
+                                <a:latin typeface="Cambria Math" panose="02040503050406030204" pitchFamily="18" charset="0"/>
+                              </a:rPr>
+                              <m:t>𝑇</m:t>
+                            </m:r>
+                          </m:sup>
+                        </m:sSubSup>
+                        <m:sSub>
+                          <m:sSubPr>
+                            <m:ctrlPr>
+                              <a:rPr lang="en-US" altLang="zh-TW" sz="2000" i="1">
+                                <a:latin typeface="Cambria Math" panose="02040503050406030204" pitchFamily="18" charset="0"/>
+                              </a:rPr>
+                            </m:ctrlPr>
+                          </m:sSubPr>
+                          <m:e>
+                            <m:r>
+                              <a:rPr lang="en-US" altLang="zh-TW" sz="2000" b="0" i="1" smtClean="0">
+                                <a:latin typeface="Cambria Math" panose="02040503050406030204" pitchFamily="18" charset="0"/>
+                              </a:rPr>
+                              <m:t>𝑟</m:t>
+                            </m:r>
+                          </m:e>
+                          <m:sub>
+                            <m:r>
+                              <a:rPr lang="en-US" altLang="zh-TW" sz="2000" i="1">
+                                <a:latin typeface="Cambria Math" panose="02040503050406030204" pitchFamily="18" charset="0"/>
+                              </a:rPr>
+                              <m:t>𝑖</m:t>
+                            </m:r>
+                          </m:sub>
+                        </m:sSub>
+                      </m:den>
+                    </m:f>
+                  </m:oMath>
+                </a14:m>
+                <a:endParaRPr lang="en-US" altLang="zh-TW" sz="2000" dirty="0"/>
+              </a:p>
+              <a:p>
+                <a:endParaRPr lang="en-US" altLang="zh-TW" sz="2000" dirty="0"/>
+              </a:p>
+              <a:p>
+                <a:r>
+                  <a:rPr lang="en-US" altLang="zh-TW" sz="2000" dirty="0"/>
+                  <a:t>6.  </a:t>
+                </a:r>
+                <a14:m>
+                  <m:oMath xmlns:m="http://schemas.openxmlformats.org/officeDocument/2006/math">
+                    <m:sSub>
+                      <m:sSubPr>
+                        <m:ctrlPr>
+                          <a:rPr lang="en-US" altLang="zh-TW" sz="2000" i="1">
+                            <a:latin typeface="Cambria Math" panose="02040503050406030204" pitchFamily="18" charset="0"/>
+                          </a:rPr>
+                        </m:ctrlPr>
+                      </m:sSubPr>
+                      <m:e>
+                        <m:r>
+                          <a:rPr lang="en-US" altLang="zh-TW" sz="2000" b="0" i="1" smtClean="0">
+                            <a:latin typeface="Cambria Math" panose="02040503050406030204" pitchFamily="18" charset="0"/>
+                          </a:rPr>
+                          <m:t>𝑑</m:t>
+                        </m:r>
+                      </m:e>
+                      <m:sub>
+                        <m:r>
+                          <a:rPr lang="en-US" altLang="zh-TW" sz="2000" i="1">
+                            <a:latin typeface="Cambria Math" panose="02040503050406030204" pitchFamily="18" charset="0"/>
+                          </a:rPr>
+                          <m:t>𝑖</m:t>
+                        </m:r>
+                        <m:r>
+                          <a:rPr lang="en-US" altLang="zh-TW" sz="2000" i="1">
+                            <a:latin typeface="Cambria Math" panose="02040503050406030204" pitchFamily="18" charset="0"/>
+                          </a:rPr>
+                          <m:t>+1</m:t>
+                        </m:r>
+                      </m:sub>
+                    </m:sSub>
+                    <m:r>
+                      <a:rPr lang="en-US" altLang="zh-TW" sz="2000" i="1">
+                        <a:latin typeface="Cambria Math" panose="02040503050406030204" pitchFamily="18" charset="0"/>
+                      </a:rPr>
+                      <m:t>=</m:t>
+                    </m:r>
+                    <m:sSub>
+                      <m:sSubPr>
+                        <m:ctrlPr>
+                          <a:rPr lang="en-US" altLang="zh-TW" sz="2000" i="1">
+                            <a:latin typeface="Cambria Math" panose="02040503050406030204" pitchFamily="18" charset="0"/>
+                          </a:rPr>
+                        </m:ctrlPr>
+                      </m:sSubPr>
+                      <m:e>
+                        <m:r>
+                          <a:rPr lang="en-US" altLang="zh-TW" sz="2000" i="1">
+                            <a:latin typeface="Cambria Math" panose="02040503050406030204" pitchFamily="18" charset="0"/>
+                          </a:rPr>
+                          <m:t>𝑟</m:t>
+                        </m:r>
+                      </m:e>
+                      <m:sub>
+                        <m:r>
+                          <a:rPr lang="en-US" altLang="zh-TW" sz="2000" i="1">
+                            <a:latin typeface="Cambria Math" panose="02040503050406030204" pitchFamily="18" charset="0"/>
+                          </a:rPr>
+                          <m:t>𝑖</m:t>
+                        </m:r>
+                        <m:r>
+                          <a:rPr lang="en-US" altLang="zh-TW" sz="2000" b="0" i="1" smtClean="0">
+                            <a:latin typeface="Cambria Math" panose="02040503050406030204" pitchFamily="18" charset="0"/>
+                          </a:rPr>
+                          <m:t>+1</m:t>
+                        </m:r>
+                      </m:sub>
+                    </m:sSub>
+                    <m:r>
+                      <a:rPr lang="en-US" altLang="zh-TW" sz="2000" b="0" i="1" smtClean="0">
+                        <a:latin typeface="Cambria Math" panose="02040503050406030204" pitchFamily="18" charset="0"/>
+                      </a:rPr>
+                      <m:t>+</m:t>
+                    </m:r>
+                    <m:sSub>
+                      <m:sSubPr>
+                        <m:ctrlPr>
+                          <a:rPr lang="en-US" altLang="zh-TW" sz="2000" i="1">
+                            <a:latin typeface="Cambria Math" panose="02040503050406030204" pitchFamily="18" charset="0"/>
+                          </a:rPr>
+                        </m:ctrlPr>
+                      </m:sSubPr>
+                      <m:e>
+                        <m:r>
+                          <a:rPr lang="zh-TW" altLang="en-US" sz="2000" i="1" smtClean="0">
+                            <a:latin typeface="Cambria Math" panose="02040503050406030204" pitchFamily="18" charset="0"/>
+                          </a:rPr>
+                          <m:t>𝛽</m:t>
+                        </m:r>
+                      </m:e>
+                      <m:sub>
+                        <m:r>
+                          <a:rPr lang="en-US" altLang="zh-TW" sz="2000" i="1">
+                            <a:latin typeface="Cambria Math" panose="02040503050406030204" pitchFamily="18" charset="0"/>
+                          </a:rPr>
+                          <m:t>𝑖</m:t>
+                        </m:r>
+                        <m:r>
+                          <a:rPr lang="en-US" altLang="zh-TW" sz="2000" b="0" i="1" smtClean="0">
+                            <a:latin typeface="Cambria Math" panose="02040503050406030204" pitchFamily="18" charset="0"/>
+                          </a:rPr>
+                          <m:t>+1</m:t>
+                        </m:r>
+                      </m:sub>
+                    </m:sSub>
+                    <m:sSub>
+                      <m:sSubPr>
+                        <m:ctrlPr>
+                          <a:rPr lang="en-US" altLang="zh-TW" sz="2000" i="1">
+                            <a:latin typeface="Cambria Math" panose="02040503050406030204" pitchFamily="18" charset="0"/>
+                          </a:rPr>
+                        </m:ctrlPr>
+                      </m:sSubPr>
+                      <m:e>
+                        <m:r>
+                          <a:rPr lang="en-US" altLang="zh-TW" sz="2000" i="1">
+                            <a:latin typeface="Cambria Math" panose="02040503050406030204" pitchFamily="18" charset="0"/>
+                          </a:rPr>
+                          <m:t>𝑑</m:t>
+                        </m:r>
+                      </m:e>
+                      <m:sub>
+                        <m:r>
+                          <a:rPr lang="en-US" altLang="zh-TW" sz="2000" i="1">
+                            <a:latin typeface="Cambria Math" panose="02040503050406030204" pitchFamily="18" charset="0"/>
+                          </a:rPr>
+                          <m:t>𝑖</m:t>
+                        </m:r>
+                      </m:sub>
+                    </m:sSub>
+                  </m:oMath>
+                </a14:m>
+                <a:endParaRPr lang="en-US" altLang="zh-TW" sz="2000" dirty="0"/>
+              </a:p>
+              <a:p>
+                <a:endParaRPr lang="en-US" altLang="zh-TW" sz="2000" dirty="0"/>
+              </a:p>
+            </p:txBody>
+          </p:sp>
+        </mc:Choice>
+        <mc:Fallback>
+          <p:sp>
+            <p:nvSpPr>
+              <p:cNvPr id="4" name="文字方塊 7">
+                <a:extLst>
+                  <a:ext uri="{FF2B5EF4-FFF2-40B4-BE49-F238E27FC236}">
+                    <a16:creationId xmlns:a16="http://schemas.microsoft.com/office/drawing/2014/main" id="{3E8D88B4-8DD4-BB4F-9B8B-5E4A9D7DBA8D}"/>
+                  </a:ext>
+                </a:extLst>
+              </p:cNvPr>
+              <p:cNvSpPr txBox="1">
+                <a:spLocks noRot="1" noChangeAspect="1" noMove="1" noResize="1" noEditPoints="1" noAdjustHandles="1" noChangeArrowheads="1" noChangeShapeType="1" noTextEdit="1"/>
+              </p:cNvSpPr>
+              <p:nvPr/>
+            </p:nvSpPr>
+            <p:spPr>
+              <a:xfrm>
+                <a:off x="800977" y="1639690"/>
+                <a:ext cx="4043130" cy="4311117"/>
+              </a:xfrm>
+              <a:prstGeom prst="rect">
+                <a:avLst/>
+              </a:prstGeom>
+              <a:blipFill>
+                <a:blip r:embed="rId3"/>
+                <a:stretch>
+                  <a:fillRect l="-1250" t="-882"/>
+                </a:stretch>
+              </a:blipFill>
+            </p:spPr>
+            <p:txBody>
+              <a:bodyPr/>
+              <a:lstStyle/>
+              <a:p>
+                <a:r>
+                  <a:rPr lang="en-TW">
+                    <a:noFill/>
+                  </a:rPr>
+                  <a:t> </a:t>
+                </a:r>
+              </a:p>
+            </p:txBody>
+          </p:sp>
+        </mc:Fallback>
+      </mc:AlternateContent>
+      <p:cxnSp>
+        <p:nvCxnSpPr>
+          <p:cNvPr id="5" name="Straight Arrow Connector 4">
+            <a:extLst>
+              <a:ext uri="{FF2B5EF4-FFF2-40B4-BE49-F238E27FC236}">
+                <a16:creationId xmlns:a16="http://schemas.microsoft.com/office/drawing/2014/main" id="{36B32BAE-7ECB-6E4C-8BEB-FC45934A2E0B}"/>
+              </a:ext>
+            </a:extLst>
+          </p:cNvPr>
+          <p:cNvCxnSpPr/>
+          <p:nvPr/>
+        </p:nvCxnSpPr>
+        <p:spPr>
+          <a:xfrm>
+            <a:off x="2411895" y="2610678"/>
+            <a:ext cx="3180522" cy="0"/>
+          </a:xfrm>
+          <a:prstGeom prst="straightConnector1">
+            <a:avLst/>
+          </a:prstGeom>
+          <a:ln w="28575">
+            <a:solidFill>
+              <a:srgbClr val="FF0000"/>
+            </a:solidFill>
+            <a:tailEnd type="triangle"/>
+          </a:ln>
+        </p:spPr>
+        <p:style>
+          <a:lnRef idx="1">
+            <a:schemeClr val="accent1"/>
+          </a:lnRef>
+          <a:fillRef idx="0">
+            <a:schemeClr val="accent1"/>
+          </a:fillRef>
+          <a:effectRef idx="0">
+            <a:schemeClr val="accent1"/>
+          </a:effectRef>
+          <a:fontRef idx="minor">
+            <a:schemeClr val="tx1"/>
+          </a:fontRef>
+        </p:style>
+      </p:cxnSp>
+      <p:sp>
+        <p:nvSpPr>
+          <p:cNvPr id="6" name="Rectangle 5">
+            <a:extLst>
+              <a:ext uri="{FF2B5EF4-FFF2-40B4-BE49-F238E27FC236}">
+                <a16:creationId xmlns:a16="http://schemas.microsoft.com/office/drawing/2014/main" id="{89A38247-AF50-5247-BADA-21D6C8A7DC73}"/>
+              </a:ext>
+            </a:extLst>
+          </p:cNvPr>
+          <p:cNvSpPr/>
+          <p:nvPr/>
+        </p:nvSpPr>
+        <p:spPr>
+          <a:xfrm>
+            <a:off x="5592417" y="2173357"/>
+            <a:ext cx="5632174" cy="980660"/>
+          </a:xfrm>
+          <a:prstGeom prst="rect">
+            <a:avLst/>
+          </a:prstGeom>
+          <a:noFill/>
+          <a:ln w="28575">
+            <a:solidFill>
+              <a:srgbClr val="FF0000"/>
+            </a:solidFill>
+          </a:ln>
+        </p:spPr>
+        <p:style>
+          <a:lnRef idx="2">
+            <a:schemeClr val="accent1">
+              <a:shade val="50000"/>
+            </a:schemeClr>
+          </a:lnRef>
+          <a:fillRef idx="1">
+            <a:schemeClr val="accent1"/>
+          </a:fillRef>
+          <a:effectRef idx="0">
+            <a:schemeClr val="accent1"/>
+          </a:effectRef>
+          <a:fontRef idx="minor">
+            <a:schemeClr val="lt1"/>
+          </a:fontRef>
+        </p:style>
+        <p:txBody>
+          <a:bodyPr rtlCol="0" anchor="ctr"/>
+          <a:lstStyle/>
+          <a:p>
+            <a:pPr algn="ctr"/>
+            <a:endParaRPr lang="en-TW">
+              <a:solidFill>
+                <a:srgbClr val="FF0000"/>
+              </a:solidFill>
+            </a:endParaRPr>
+          </a:p>
+        </p:txBody>
+      </p:sp>
+      <p:cxnSp>
+        <p:nvCxnSpPr>
+          <p:cNvPr id="9" name="Straight Arrow Connector 8">
+            <a:extLst>
+              <a:ext uri="{FF2B5EF4-FFF2-40B4-BE49-F238E27FC236}">
+                <a16:creationId xmlns:a16="http://schemas.microsoft.com/office/drawing/2014/main" id="{70584E32-D19B-DE49-B9FA-CF752560112F}"/>
+              </a:ext>
+            </a:extLst>
+          </p:cNvPr>
+          <p:cNvCxnSpPr>
+            <a:cxnSpLocks/>
+          </p:cNvCxnSpPr>
+          <p:nvPr/>
+        </p:nvCxnSpPr>
+        <p:spPr>
+          <a:xfrm>
+            <a:off x="3094624" y="3298656"/>
+            <a:ext cx="2613845" cy="130344"/>
+          </a:xfrm>
+          <a:prstGeom prst="straightConnector1">
+            <a:avLst/>
+          </a:prstGeom>
+          <a:ln w="28575">
+            <a:solidFill>
+              <a:srgbClr val="FF0000"/>
+            </a:solidFill>
+            <a:tailEnd type="triangle"/>
+          </a:ln>
+        </p:spPr>
+        <p:style>
+          <a:lnRef idx="1">
+            <a:schemeClr val="accent1"/>
+          </a:lnRef>
+          <a:fillRef idx="0">
+            <a:schemeClr val="accent1"/>
+          </a:fillRef>
+          <a:effectRef idx="0">
+            <a:schemeClr val="accent1"/>
+          </a:effectRef>
+          <a:fontRef idx="minor">
+            <a:schemeClr val="tx1"/>
+          </a:fontRef>
+        </p:style>
+      </p:cxnSp>
+      <p:cxnSp>
+        <p:nvCxnSpPr>
+          <p:cNvPr id="11" name="Straight Arrow Connector 10">
+            <a:extLst>
+              <a:ext uri="{FF2B5EF4-FFF2-40B4-BE49-F238E27FC236}">
+                <a16:creationId xmlns:a16="http://schemas.microsoft.com/office/drawing/2014/main" id="{CE604745-73FB-A943-803B-FB02407326D9}"/>
+              </a:ext>
+            </a:extLst>
+          </p:cNvPr>
+          <p:cNvCxnSpPr>
+            <a:cxnSpLocks/>
+          </p:cNvCxnSpPr>
+          <p:nvPr/>
+        </p:nvCxnSpPr>
+        <p:spPr>
+          <a:xfrm flipV="1">
+            <a:off x="4514122" y="3703984"/>
+            <a:ext cx="1194347" cy="282649"/>
+          </a:xfrm>
+          <a:prstGeom prst="straightConnector1">
+            <a:avLst/>
+          </a:prstGeom>
+          <a:ln w="28575">
+            <a:solidFill>
+              <a:srgbClr val="FF0000"/>
+            </a:solidFill>
+            <a:tailEnd type="triangle"/>
+          </a:ln>
+        </p:spPr>
+        <p:style>
+          <a:lnRef idx="1">
+            <a:schemeClr val="accent1"/>
+          </a:lnRef>
+          <a:fillRef idx="0">
+            <a:schemeClr val="accent1"/>
+          </a:fillRef>
+          <a:effectRef idx="0">
+            <a:schemeClr val="accent1"/>
+          </a:effectRef>
+          <a:fontRef idx="minor">
+            <a:schemeClr val="tx1"/>
+          </a:fontRef>
+        </p:style>
+      </p:cxnSp>
+      <p:cxnSp>
+        <p:nvCxnSpPr>
+          <p:cNvPr id="13" name="Straight Arrow Connector 12">
+            <a:extLst>
+              <a:ext uri="{FF2B5EF4-FFF2-40B4-BE49-F238E27FC236}">
+                <a16:creationId xmlns:a16="http://schemas.microsoft.com/office/drawing/2014/main" id="{EF817312-E24B-E54E-9EE3-E438CC42B9CE}"/>
+              </a:ext>
+            </a:extLst>
+          </p:cNvPr>
+          <p:cNvCxnSpPr>
+            <a:cxnSpLocks/>
+          </p:cNvCxnSpPr>
+          <p:nvPr/>
+        </p:nvCxnSpPr>
+        <p:spPr>
+          <a:xfrm flipV="1">
+            <a:off x="2807809" y="4247322"/>
+            <a:ext cx="2784608" cy="442582"/>
+          </a:xfrm>
+          <a:prstGeom prst="straightConnector1">
+            <a:avLst/>
+          </a:prstGeom>
+          <a:ln w="28575">
+            <a:solidFill>
+              <a:srgbClr val="FF0000"/>
+            </a:solidFill>
+            <a:tailEnd type="triangle"/>
+          </a:ln>
+        </p:spPr>
+        <p:style>
+          <a:lnRef idx="1">
+            <a:schemeClr val="accent1"/>
+          </a:lnRef>
+          <a:fillRef idx="0">
+            <a:schemeClr val="accent1"/>
+          </a:fillRef>
+          <a:effectRef idx="0">
+            <a:schemeClr val="accent1"/>
+          </a:effectRef>
+          <a:fontRef idx="minor">
+            <a:schemeClr val="tx1"/>
+          </a:fontRef>
+        </p:style>
+      </p:cxnSp>
+      <p:sp>
+        <p:nvSpPr>
+          <p:cNvPr id="15" name="Rectangle 14">
+            <a:extLst>
+              <a:ext uri="{FF2B5EF4-FFF2-40B4-BE49-F238E27FC236}">
+                <a16:creationId xmlns:a16="http://schemas.microsoft.com/office/drawing/2014/main" id="{39516609-4986-4746-9F6A-07970DEAB285}"/>
+              </a:ext>
+            </a:extLst>
+          </p:cNvPr>
+          <p:cNvSpPr/>
+          <p:nvPr/>
+        </p:nvSpPr>
+        <p:spPr>
+          <a:xfrm>
+            <a:off x="5592417" y="3951190"/>
+            <a:ext cx="5632174" cy="687977"/>
+          </a:xfrm>
+          <a:prstGeom prst="rect">
+            <a:avLst/>
+          </a:prstGeom>
+          <a:noFill/>
+          <a:ln w="28575">
+            <a:solidFill>
+              <a:srgbClr val="FF0000"/>
+            </a:solidFill>
+          </a:ln>
+        </p:spPr>
+        <p:style>
+          <a:lnRef idx="2">
+            <a:schemeClr val="accent1">
+              <a:shade val="50000"/>
+            </a:schemeClr>
+          </a:lnRef>
+          <a:fillRef idx="1">
+            <a:schemeClr val="accent1"/>
+          </a:fillRef>
+          <a:effectRef idx="0">
+            <a:schemeClr val="accent1"/>
+          </a:effectRef>
+          <a:fontRef idx="minor">
+            <a:schemeClr val="lt1"/>
+          </a:fontRef>
+        </p:style>
+        <p:txBody>
+          <a:bodyPr rtlCol="0" anchor="ctr"/>
+          <a:lstStyle/>
+          <a:p>
+            <a:pPr algn="ctr"/>
+            <a:endParaRPr lang="en-TW">
+              <a:solidFill>
+                <a:srgbClr val="FF0000"/>
+              </a:solidFill>
+            </a:endParaRPr>
+          </a:p>
+        </p:txBody>
+      </p:sp>
+      <p:cxnSp>
+        <p:nvCxnSpPr>
+          <p:cNvPr id="18" name="Straight Arrow Connector 17">
+            <a:extLst>
+              <a:ext uri="{FF2B5EF4-FFF2-40B4-BE49-F238E27FC236}">
+                <a16:creationId xmlns:a16="http://schemas.microsoft.com/office/drawing/2014/main" id="{F264383E-D0A3-A042-8722-FA9DDDBE2010}"/>
+              </a:ext>
+            </a:extLst>
+          </p:cNvPr>
+          <p:cNvCxnSpPr>
+            <a:cxnSpLocks/>
+          </p:cNvCxnSpPr>
+          <p:nvPr/>
+        </p:nvCxnSpPr>
+        <p:spPr>
+          <a:xfrm flipV="1">
+            <a:off x="3451803" y="4899856"/>
+            <a:ext cx="2256666" cy="591053"/>
+          </a:xfrm>
+          <a:prstGeom prst="straightConnector1">
+            <a:avLst/>
+          </a:prstGeom>
+          <a:ln w="28575">
+            <a:solidFill>
+              <a:srgbClr val="FF0000"/>
+            </a:solidFill>
+            <a:tailEnd type="triangle"/>
+          </a:ln>
+        </p:spPr>
+        <p:style>
+          <a:lnRef idx="1">
+            <a:schemeClr val="accent1"/>
+          </a:lnRef>
+          <a:fillRef idx="0">
+            <a:schemeClr val="accent1"/>
+          </a:fillRef>
+          <a:effectRef idx="0">
+            <a:schemeClr val="accent1"/>
+          </a:effectRef>
+          <a:fontRef idx="minor">
+            <a:schemeClr val="tx1"/>
+          </a:fontRef>
+        </p:style>
+      </p:cxnSp>
     </p:spTree>
     <p:extLst>
       <p:ext uri="{BB962C8B-B14F-4D97-AF65-F5344CB8AC3E}">

--- a/Final Project - Conjugate Gradient method.pptx
+++ b/Final Project - Conjugate Gradient method.pptx
@@ -19,6 +19,7 @@
     <p:sldId id="270" r:id="rId13"/>
     <p:sldId id="267" r:id="rId14"/>
     <p:sldId id="272" r:id="rId15"/>
+    <p:sldId id="276" r:id="rId16"/>
   </p:sldIdLst>
   <p:sldSz cx="12192000" cy="6858000"/>
   <p:notesSz cx="6858000" cy="9144000"/>
@@ -2424,7 +2425,7 @@
           <a:p>
             <a:fld id="{E52FBAA3-F589-4A89-8837-2ACCD95660B2}" type="datetimeFigureOut">
               <a:rPr lang="zh-TW" altLang="en-US" smtClean="0"/>
-              <a:t>2021/6/17</a:t>
+              <a:t>2021/6/18</a:t>
             </a:fld>
             <a:endParaRPr lang="zh-TW" altLang="en-US"/>
           </a:p>
@@ -2592,7 +2593,7 @@
           <a:p>
             <a:fld id="{E52FBAA3-F589-4A89-8837-2ACCD95660B2}" type="datetimeFigureOut">
               <a:rPr lang="zh-TW" altLang="en-US" smtClean="0"/>
-              <a:t>2021/6/17</a:t>
+              <a:t>2021/6/18</a:t>
             </a:fld>
             <a:endParaRPr lang="zh-TW" altLang="en-US"/>
           </a:p>
@@ -2770,7 +2771,7 @@
           <a:p>
             <a:fld id="{E52FBAA3-F589-4A89-8837-2ACCD95660B2}" type="datetimeFigureOut">
               <a:rPr lang="zh-TW" altLang="en-US" smtClean="0"/>
-              <a:t>2021/6/17</a:t>
+              <a:t>2021/6/18</a:t>
             </a:fld>
             <a:endParaRPr lang="zh-TW" altLang="en-US"/>
           </a:p>
@@ -2938,7 +2939,7 @@
           <a:p>
             <a:fld id="{E52FBAA3-F589-4A89-8837-2ACCD95660B2}" type="datetimeFigureOut">
               <a:rPr lang="zh-TW" altLang="en-US" smtClean="0"/>
-              <a:t>2021/6/17</a:t>
+              <a:t>2021/6/18</a:t>
             </a:fld>
             <a:endParaRPr lang="zh-TW" altLang="en-US"/>
           </a:p>
@@ -3183,7 +3184,7 @@
           <a:p>
             <a:fld id="{E52FBAA3-F589-4A89-8837-2ACCD95660B2}" type="datetimeFigureOut">
               <a:rPr lang="zh-TW" altLang="en-US" smtClean="0"/>
-              <a:t>2021/6/17</a:t>
+              <a:t>2021/6/18</a:t>
             </a:fld>
             <a:endParaRPr lang="zh-TW" altLang="en-US"/>
           </a:p>
@@ -3412,7 +3413,7 @@
           <a:p>
             <a:fld id="{E52FBAA3-F589-4A89-8837-2ACCD95660B2}" type="datetimeFigureOut">
               <a:rPr lang="zh-TW" altLang="en-US" smtClean="0"/>
-              <a:t>2021/6/17</a:t>
+              <a:t>2021/6/18</a:t>
             </a:fld>
             <a:endParaRPr lang="zh-TW" altLang="en-US"/>
           </a:p>
@@ -3776,7 +3777,7 @@
           <a:p>
             <a:fld id="{E52FBAA3-F589-4A89-8837-2ACCD95660B2}" type="datetimeFigureOut">
               <a:rPr lang="zh-TW" altLang="en-US" smtClean="0"/>
-              <a:t>2021/6/17</a:t>
+              <a:t>2021/6/18</a:t>
             </a:fld>
             <a:endParaRPr lang="zh-TW" altLang="en-US"/>
           </a:p>
@@ -3893,7 +3894,7 @@
           <a:p>
             <a:fld id="{E52FBAA3-F589-4A89-8837-2ACCD95660B2}" type="datetimeFigureOut">
               <a:rPr lang="zh-TW" altLang="en-US" smtClean="0"/>
-              <a:t>2021/6/17</a:t>
+              <a:t>2021/6/18</a:t>
             </a:fld>
             <a:endParaRPr lang="zh-TW" altLang="en-US"/>
           </a:p>
@@ -3988,7 +3989,7 @@
           <a:p>
             <a:fld id="{E52FBAA3-F589-4A89-8837-2ACCD95660B2}" type="datetimeFigureOut">
               <a:rPr lang="zh-TW" altLang="en-US" smtClean="0"/>
-              <a:t>2021/6/17</a:t>
+              <a:t>2021/6/18</a:t>
             </a:fld>
             <a:endParaRPr lang="zh-TW" altLang="en-US"/>
           </a:p>
@@ -4263,7 +4264,7 @@
           <a:p>
             <a:fld id="{E52FBAA3-F589-4A89-8837-2ACCD95660B2}" type="datetimeFigureOut">
               <a:rPr lang="zh-TW" altLang="en-US" smtClean="0"/>
-              <a:t>2021/6/17</a:t>
+              <a:t>2021/6/18</a:t>
             </a:fld>
             <a:endParaRPr lang="zh-TW" altLang="en-US"/>
           </a:p>
@@ -4515,7 +4516,7 @@
           <a:p>
             <a:fld id="{E52FBAA3-F589-4A89-8837-2ACCD95660B2}" type="datetimeFigureOut">
               <a:rPr lang="zh-TW" altLang="en-US" smtClean="0"/>
-              <a:t>2021/6/17</a:t>
+              <a:t>2021/6/18</a:t>
             </a:fld>
             <a:endParaRPr lang="zh-TW" altLang="en-US"/>
           </a:p>
@@ -4726,7 +4727,7 @@
           <a:p>
             <a:fld id="{E52FBAA3-F589-4A89-8837-2ACCD95660B2}" type="datetimeFigureOut">
               <a:rPr lang="zh-TW" altLang="en-US" smtClean="0"/>
-              <a:t>2021/6/17</a:t>
+              <a:t>2021/6/18</a:t>
             </a:fld>
             <a:endParaRPr lang="zh-TW" altLang="en-US"/>
           </a:p>
@@ -5311,14 +5312,14 @@
           <p:nvPr>
             <p:extLst>
               <p:ext uri="{D42A27DB-BD31-4B8C-83A1-F6EECF244321}">
-                <p14:modId xmlns:p14="http://schemas.microsoft.com/office/powerpoint/2010/main" val="4288944090"/>
+                <p14:modId xmlns:p14="http://schemas.microsoft.com/office/powerpoint/2010/main" val="567584183"/>
               </p:ext>
             </p:extLst>
           </p:nvPr>
         </p:nvGraphicFramePr>
         <p:xfrm>
           <a:off x="1699740" y="1690688"/>
-          <a:ext cx="8792520" cy="1953096"/>
+          <a:ext cx="8792520" cy="2441370"/>
         </p:xfrm>
         <a:graphic>
           <a:graphicData uri="http://schemas.openxmlformats.org/drawingml/2006/table">
@@ -5374,7 +5375,7 @@
                 </a:gridCol>
               </a:tblGrid>
               <a:tr h="488274">
-                <a:tc rowSpan="4">
+                <a:tc rowSpan="5">
                   <a:txBody>
                     <a:bodyPr/>
                     <a:lstStyle/>
@@ -5685,9 +5686,25 @@
                     <a:p>
                       <a:pPr algn="ctr"/>
                       <a:r>
-                        <a:rPr lang="en-TW" dirty="0"/>
-                        <a:t>14.689</a:t>
+                        <a:rPr lang="en-US" altLang="zh-TW" dirty="0"/>
+                        <a:t>64.201</a:t>
                       </a:r>
+                      <a:endParaRPr lang="en-TW" dirty="0"/>
+                    </a:p>
+                  </a:txBody>
+                  <a:tcPr anchor="ctr"/>
+                </a:tc>
+                <a:tc>
+                  <a:txBody>
+                    <a:bodyPr/>
+                    <a:lstStyle/>
+                    <a:p>
+                      <a:pPr algn="ctr"/>
+                      <a:r>
+                        <a:rPr lang="en-US" altLang="zh-TW" dirty="0"/>
+                        <a:t>32.694</a:t>
+                      </a:r>
+                      <a:endParaRPr lang="en-TW" dirty="0"/>
                     </a:p>
                   </a:txBody>
                   <a:tcPr anchor="ctr"/>
@@ -5700,22 +5717,13 @@
                       <a:pPr algn="ctr"/>
                       <a:r>
                         <a:rPr lang="en-TW" dirty="0"/>
-                        <a:t>14.776</a:t>
+                        <a:t>1</a:t>
                       </a:r>
-                    </a:p>
-                  </a:txBody>
-                  <a:tcPr anchor="ctr"/>
-                </a:tc>
-                <a:tc>
-                  <a:txBody>
-                    <a:bodyPr/>
-                    <a:lstStyle/>
-                    <a:p>
-                      <a:pPr algn="ctr"/>
                       <a:r>
-                        <a:rPr lang="en-TW" dirty="0"/>
-                        <a:t>14.741</a:t>
+                        <a:rPr lang="en-US" altLang="zh-TW" dirty="0"/>
+                        <a:t>8.894</a:t>
                       </a:r>
+                      <a:endParaRPr lang="en-TW" dirty="0"/>
                     </a:p>
                   </a:txBody>
                   <a:tcPr anchor="ctr"/>
@@ -5737,6 +5745,119 @@
                 <a:extLst>
                   <a:ext uri="{0D108BD9-81ED-4DB2-BD59-A6C34878D82A}">
                     <a16:rowId xmlns:a16="http://schemas.microsoft.com/office/drawing/2014/main" val="767737053"/>
+                  </a:ext>
+                </a:extLst>
+              </a:tr>
+              <a:tr h="488274">
+                <a:tc vMerge="1">
+                  <a:txBody>
+                    <a:bodyPr/>
+                    <a:lstStyle/>
+                    <a:p>
+                      <a:pPr algn="ctr"/>
+                      <a:endParaRPr lang="en-TW" dirty="0"/>
+                    </a:p>
+                  </a:txBody>
+                  <a:tcPr anchor="ctr">
+                    <a:solidFill>
+                      <a:schemeClr val="accent1"/>
+                    </a:solidFill>
+                  </a:tcPr>
+                </a:tc>
+                <a:tc>
+                  <a:txBody>
+                    <a:bodyPr/>
+                    <a:lstStyle/>
+                    <a:p>
+                      <a:pPr algn="ctr"/>
+                      <a:r>
+                        <a:rPr lang="en-US" altLang="zh-TW" dirty="0"/>
+                        <a:t>CG</a:t>
+                      </a:r>
+                      <a:r>
+                        <a:rPr lang="zh-TW" altLang="en-US" dirty="0"/>
+                        <a:t> </a:t>
+                      </a:r>
+                      <a:r>
+                        <a:rPr lang="en-US" altLang="zh-TW" dirty="0"/>
+                        <a:t>Speed</a:t>
+                      </a:r>
+                      <a:r>
+                        <a:rPr lang="zh-TW" altLang="en-US" dirty="0"/>
+                        <a:t> </a:t>
+                      </a:r>
+                      <a:r>
+                        <a:rPr lang="en-US" altLang="zh-TW" dirty="0"/>
+                        <a:t>up</a:t>
+                      </a:r>
+                      <a:endParaRPr lang="en-TW" dirty="0"/>
+                    </a:p>
+                  </a:txBody>
+                  <a:tcPr anchor="ctr"/>
+                </a:tc>
+                <a:tc>
+                  <a:txBody>
+                    <a:bodyPr/>
+                    <a:lstStyle/>
+                    <a:p>
+                      <a:pPr algn="ctr"/>
+                      <a:r>
+                        <a:rPr lang="en-US" altLang="zh-TW" dirty="0"/>
+                        <a:t>1</a:t>
+                      </a:r>
+                      <a:endParaRPr lang="en-TW" dirty="0"/>
+                    </a:p>
+                  </a:txBody>
+                  <a:tcPr anchor="ctr"/>
+                </a:tc>
+                <a:tc>
+                  <a:txBody>
+                    <a:bodyPr/>
+                    <a:lstStyle/>
+                    <a:p>
+                      <a:pPr algn="ctr"/>
+                      <a:r>
+                        <a:rPr lang="en-US" altLang="zh-TW" dirty="0"/>
+                        <a:t>1.963</a:t>
+                      </a:r>
+                      <a:endParaRPr lang="en-TW" dirty="0"/>
+                    </a:p>
+                  </a:txBody>
+                  <a:tcPr anchor="ctr"/>
+                </a:tc>
+                <a:tc>
+                  <a:txBody>
+                    <a:bodyPr/>
+                    <a:lstStyle/>
+                    <a:p>
+                      <a:pPr algn="ctr"/>
+                      <a:r>
+                        <a:rPr lang="en-US" altLang="zh-TW" dirty="0"/>
+                        <a:t>3.398</a:t>
+                      </a:r>
+                      <a:endParaRPr lang="en-TW" dirty="0"/>
+                    </a:p>
+                  </a:txBody>
+                  <a:tcPr anchor="ctr"/>
+                </a:tc>
+                <a:tc>
+                  <a:txBody>
+                    <a:bodyPr/>
+                    <a:lstStyle/>
+                    <a:p>
+                      <a:pPr algn="ctr"/>
+                      <a:r>
+                        <a:rPr lang="en-US" altLang="zh-TW" dirty="0"/>
+                        <a:t>4.452</a:t>
+                      </a:r>
+                      <a:endParaRPr lang="en-TW" dirty="0"/>
+                    </a:p>
+                  </a:txBody>
+                  <a:tcPr anchor="ctr"/>
+                </a:tc>
+                <a:extLst>
+                  <a:ext uri="{0D108BD9-81ED-4DB2-BD59-A6C34878D82A}">
+                    <a16:rowId xmlns:a16="http://schemas.microsoft.com/office/drawing/2014/main" val="3896712433"/>
                   </a:ext>
                 </a:extLst>
               </a:tr>
@@ -5787,14 +5908,14 @@
           <p:nvPr>
             <p:extLst>
               <p:ext uri="{D42A27DB-BD31-4B8C-83A1-F6EECF244321}">
-                <p14:modId xmlns:p14="http://schemas.microsoft.com/office/powerpoint/2010/main" val="2721490952"/>
+                <p14:modId xmlns:p14="http://schemas.microsoft.com/office/powerpoint/2010/main" val="3753441591"/>
               </p:ext>
             </p:extLst>
           </p:nvPr>
         </p:nvGraphicFramePr>
         <p:xfrm>
-          <a:off x="1699740" y="4539779"/>
-          <a:ext cx="8792520" cy="1953096"/>
+          <a:off x="1699740" y="4236936"/>
+          <a:ext cx="8792520" cy="2441370"/>
         </p:xfrm>
         <a:graphic>
           <a:graphicData uri="http://schemas.openxmlformats.org/drawingml/2006/table">
@@ -5847,7 +5968,7 @@
                 </a:gridCol>
               </a:tblGrid>
               <a:tr h="488274">
-                <a:tc rowSpan="4">
+                <a:tc rowSpan="5">
                   <a:txBody>
                     <a:bodyPr/>
                     <a:lstStyle/>
@@ -6162,9 +6283,10 @@
                     <a:p>
                       <a:pPr algn="ctr"/>
                       <a:r>
-                        <a:rPr lang="en-TW" dirty="0"/>
-                        <a:t>2.653</a:t>
+                        <a:rPr lang="en-US" altLang="zh-TW" dirty="0"/>
+                        <a:t>10.681</a:t>
                       </a:r>
+                      <a:endParaRPr lang="en-TW" dirty="0"/>
                     </a:p>
                   </a:txBody>
                   <a:tcPr anchor="ctr"/>
@@ -6176,9 +6298,10 @@
                     <a:p>
                       <a:pPr algn="ctr"/>
                       <a:r>
-                        <a:rPr lang="en-TW" dirty="0"/>
-                        <a:t>2.654</a:t>
+                        <a:rPr lang="en-US" altLang="zh-TW" dirty="0"/>
+                        <a:t>5.732</a:t>
                       </a:r>
+                      <a:endParaRPr lang="en-TW" dirty="0"/>
                     </a:p>
                   </a:txBody>
                   <a:tcPr anchor="ctr"/>
@@ -6190,9 +6313,10 @@
                     <a:p>
                       <a:pPr algn="ctr"/>
                       <a:r>
-                        <a:rPr lang="en-TW" dirty="0"/>
-                        <a:t>2.675</a:t>
+                        <a:rPr lang="en-US" altLang="zh-TW" dirty="0"/>
+                        <a:t>3.091</a:t>
                       </a:r>
+                      <a:endParaRPr lang="en-TW" dirty="0"/>
                     </a:p>
                   </a:txBody>
                   <a:tcPr anchor="ctr"/>
@@ -6214,6 +6338,115 @@
                 <a:extLst>
                   <a:ext uri="{0D108BD9-81ED-4DB2-BD59-A6C34878D82A}">
                     <a16:rowId xmlns:a16="http://schemas.microsoft.com/office/drawing/2014/main" val="767737053"/>
+                  </a:ext>
+                </a:extLst>
+              </a:tr>
+              <a:tr h="488274">
+                <a:tc vMerge="1">
+                  <a:txBody>
+                    <a:bodyPr/>
+                    <a:lstStyle/>
+                    <a:p>
+                      <a:pPr algn="ctr"/>
+                      <a:endParaRPr lang="en-TW" dirty="0"/>
+                    </a:p>
+                  </a:txBody>
+                  <a:tcPr anchor="ctr"/>
+                </a:tc>
+                <a:tc>
+                  <a:txBody>
+                    <a:bodyPr/>
+                    <a:lstStyle/>
+                    <a:p>
+                      <a:pPr algn="ctr"/>
+                      <a:r>
+                        <a:rPr lang="en-US" altLang="zh-TW" dirty="0"/>
+                        <a:t>CG</a:t>
+                      </a:r>
+                      <a:r>
+                        <a:rPr lang="zh-TW" altLang="en-US" dirty="0"/>
+                        <a:t> </a:t>
+                      </a:r>
+                      <a:r>
+                        <a:rPr lang="en-US" altLang="zh-TW" dirty="0"/>
+                        <a:t>Speed</a:t>
+                      </a:r>
+                      <a:r>
+                        <a:rPr lang="zh-TW" altLang="en-US" dirty="0"/>
+                        <a:t> </a:t>
+                      </a:r>
+                      <a:r>
+                        <a:rPr lang="en-US" altLang="zh-TW" dirty="0"/>
+                        <a:t>up</a:t>
+                      </a:r>
+                      <a:endParaRPr lang="en-TW" dirty="0"/>
+                    </a:p>
+                  </a:txBody>
+                  <a:tcPr anchor="ctr"/>
+                </a:tc>
+                <a:tc>
+                  <a:txBody>
+                    <a:bodyPr/>
+                    <a:lstStyle/>
+                    <a:p>
+                      <a:pPr algn="ctr"/>
+                      <a:r>
+                        <a:rPr lang="en-US" altLang="zh-TW" dirty="0"/>
+                        <a:t>1</a:t>
+                      </a:r>
+                      <a:endParaRPr lang="en-TW" dirty="0"/>
+                    </a:p>
+                  </a:txBody>
+                  <a:tcPr anchor="ctr"/>
+                </a:tc>
+                <a:tc>
+                  <a:txBody>
+                    <a:bodyPr/>
+                    <a:lstStyle/>
+                    <a:p>
+                      <a:pPr algn="ctr"/>
+                      <a:r>
+                        <a:rPr lang="en-US" altLang="zh-TW" dirty="0"/>
+                        <a:t>1.863</a:t>
+                      </a:r>
+                      <a:endParaRPr lang="en-TW" dirty="0"/>
+                    </a:p>
+                  </a:txBody>
+                  <a:tcPr anchor="ctr"/>
+                </a:tc>
+                <a:tc>
+                  <a:txBody>
+                    <a:bodyPr/>
+                    <a:lstStyle/>
+                    <a:p>
+                      <a:pPr algn="ctr"/>
+                      <a:r>
+                        <a:rPr lang="en-US" altLang="zh-TW" dirty="0"/>
+                        <a:t>3.456</a:t>
+                      </a:r>
+                      <a:endParaRPr lang="en-TW" dirty="0"/>
+                    </a:p>
+                  </a:txBody>
+                  <a:tcPr anchor="ctr"/>
+                </a:tc>
+                <a:tc>
+                  <a:txBody>
+                    <a:bodyPr/>
+                    <a:lstStyle/>
+                    <a:p>
+                      <a:pPr algn="ctr"/>
+                      <a:r>
+                        <a:rPr lang="en-US" altLang="zh-TW" dirty="0"/>
+                        <a:t>4.018</a:t>
+                      </a:r>
+                      <a:endParaRPr lang="en-TW" dirty="0"/>
+                    </a:p>
+                  </a:txBody>
+                  <a:tcPr anchor="ctr"/>
+                </a:tc>
+                <a:extLst>
+                  <a:ext uri="{0D108BD9-81ED-4DB2-BD59-A6C34878D82A}">
+                    <a16:rowId xmlns:a16="http://schemas.microsoft.com/office/drawing/2014/main" val="772131342"/>
                   </a:ext>
                 </a:extLst>
               </a:tr>
@@ -6294,14 +6527,14 @@
           <p:nvPr>
             <p:extLst>
               <p:ext uri="{D42A27DB-BD31-4B8C-83A1-F6EECF244321}">
-                <p14:modId xmlns:p14="http://schemas.microsoft.com/office/powerpoint/2010/main" val="3819901096"/>
+                <p14:modId xmlns:p14="http://schemas.microsoft.com/office/powerpoint/2010/main" val="3945652005"/>
               </p:ext>
             </p:extLst>
           </p:nvPr>
         </p:nvGraphicFramePr>
         <p:xfrm>
-          <a:off x="1699740" y="1964178"/>
-          <a:ext cx="8792520" cy="1464822"/>
+          <a:off x="1699740" y="1739569"/>
+          <a:ext cx="8792520" cy="2441370"/>
         </p:xfrm>
         <a:graphic>
           <a:graphicData uri="http://schemas.openxmlformats.org/drawingml/2006/table">
@@ -6310,14 +6543,14 @@
                 <a:tableStyleId>{5C22544A-7EE6-4342-B048-85BDC9FD1C3A}</a:tableStyleId>
               </a:tblPr>
               <a:tblGrid>
-                <a:gridCol w="1465420">
+                <a:gridCol w="1315309">
                   <a:extLst>
                     <a:ext uri="{9D8B030D-6E8A-4147-A177-3AD203B41FA5}">
                       <a16:colId xmlns:a16="http://schemas.microsoft.com/office/drawing/2014/main" val="3378133750"/>
                     </a:ext>
                   </a:extLst>
                 </a:gridCol>
-                <a:gridCol w="1465420">
+                <a:gridCol w="1615531">
                   <a:extLst>
                     <a:ext uri="{9D8B030D-6E8A-4147-A177-3AD203B41FA5}">
                       <a16:colId xmlns:a16="http://schemas.microsoft.com/office/drawing/2014/main" val="10454311"/>
@@ -6354,7 +6587,7 @@
                 </a:gridCol>
               </a:tblGrid>
               <a:tr h="488274">
-                <a:tc rowSpan="3">
+                <a:tc rowSpan="5">
                   <a:txBody>
                     <a:bodyPr/>
                     <a:lstStyle/>
@@ -6535,6 +6768,114 @@
                     <a:bodyPr/>
                     <a:lstStyle/>
                     <a:p>
+                      <a:endParaRPr lang="en-TW"/>
+                    </a:p>
+                  </a:txBody>
+                  <a:tcPr/>
+                </a:tc>
+                <a:tc>
+                  <a:txBody>
+                    <a:bodyPr/>
+                    <a:lstStyle/>
+                    <a:p>
+                      <a:pPr algn="ctr"/>
+                      <a:r>
+                        <a:rPr lang="en-US" altLang="zh-TW" dirty="0"/>
+                        <a:t>SOR</a:t>
+                      </a:r>
+                      <a:r>
+                        <a:rPr lang="zh-TW" altLang="en-US" dirty="0"/>
+                        <a:t> </a:t>
+                      </a:r>
+                      <a:r>
+                        <a:rPr lang="en-US" altLang="zh-TW" dirty="0"/>
+                        <a:t>Speed</a:t>
+                      </a:r>
+                      <a:r>
+                        <a:rPr lang="zh-TW" altLang="en-US" dirty="0"/>
+                        <a:t> </a:t>
+                      </a:r>
+                      <a:r>
+                        <a:rPr lang="en-US" altLang="zh-TW" dirty="0"/>
+                        <a:t>Up</a:t>
+                      </a:r>
+                      <a:endParaRPr lang="en-TW" dirty="0"/>
+                    </a:p>
+                  </a:txBody>
+                  <a:tcPr anchor="ctr"/>
+                </a:tc>
+                <a:tc>
+                  <a:txBody>
+                    <a:bodyPr/>
+                    <a:lstStyle/>
+                    <a:p>
+                      <a:pPr algn="ctr"/>
+                      <a:r>
+                        <a:rPr lang="en-US" altLang="zh-TW" dirty="0"/>
+                        <a:t>1</a:t>
+                      </a:r>
+                      <a:endParaRPr lang="en-TW" dirty="0"/>
+                    </a:p>
+                  </a:txBody>
+                  <a:tcPr anchor="ctr"/>
+                </a:tc>
+                <a:tc>
+                  <a:txBody>
+                    <a:bodyPr/>
+                    <a:lstStyle/>
+                    <a:p>
+                      <a:pPr algn="ctr"/>
+                      <a:r>
+                        <a:rPr lang="en-US" altLang="zh-TW" dirty="0"/>
+                        <a:t>1.556</a:t>
+                      </a:r>
+                      <a:endParaRPr lang="en-TW" dirty="0"/>
+                    </a:p>
+                  </a:txBody>
+                  <a:tcPr anchor="ctr"/>
+                </a:tc>
+                <a:tc>
+                  <a:txBody>
+                    <a:bodyPr/>
+                    <a:lstStyle/>
+                    <a:p>
+                      <a:pPr algn="ctr"/>
+                      <a:r>
+                        <a:rPr lang="en-US" altLang="zh-TW" dirty="0"/>
+                        <a:t>1.979</a:t>
+                      </a:r>
+                      <a:endParaRPr lang="en-TW" dirty="0"/>
+                    </a:p>
+                  </a:txBody>
+                  <a:tcPr anchor="ctr"/>
+                </a:tc>
+                <a:tc>
+                  <a:txBody>
+                    <a:bodyPr/>
+                    <a:lstStyle/>
+                    <a:p>
+                      <a:pPr algn="ctr"/>
+                      <a:r>
+                        <a:rPr lang="en-US" altLang="zh-TW" dirty="0"/>
+                        <a:t>1.979</a:t>
+                      </a:r>
+                      <a:endParaRPr lang="en-TW" dirty="0"/>
+                    </a:p>
+                  </a:txBody>
+                  <a:tcPr anchor="ctr"/>
+                </a:tc>
+                <a:extLst>
+                  <a:ext uri="{0D108BD9-81ED-4DB2-BD59-A6C34878D82A}">
+                    <a16:rowId xmlns:a16="http://schemas.microsoft.com/office/drawing/2014/main" val="2592983049"/>
+                  </a:ext>
+                </a:extLst>
+              </a:tr>
+              <a:tr h="488274">
+                <a:tc vMerge="1">
+                  <a:txBody>
+                    <a:bodyPr/>
+                    <a:lstStyle/>
+                    <a:p>
                       <a:pPr algn="ctr"/>
                       <a:endParaRPr lang="en-TW" dirty="0"/>
                     </a:p>
@@ -6562,9 +6903,10 @@
                     <a:p>
                       <a:pPr algn="ctr"/>
                       <a:r>
-                        <a:rPr lang="en-TW" dirty="0"/>
-                        <a:t>0.737</a:t>
+                        <a:rPr lang="en-US" altLang="zh-TW" dirty="0"/>
+                        <a:t>2.490</a:t>
                       </a:r>
+                      <a:endParaRPr lang="en-TW" dirty="0"/>
                     </a:p>
                   </a:txBody>
                   <a:tcPr anchor="ctr"/>
@@ -6576,9 +6918,10 @@
                     <a:p>
                       <a:pPr algn="ctr"/>
                       <a:r>
-                        <a:rPr lang="en-TW" dirty="0"/>
-                        <a:t>0.738</a:t>
+                        <a:rPr lang="en-US" altLang="zh-TW" dirty="0"/>
+                        <a:t>1.402</a:t>
                       </a:r>
+                      <a:endParaRPr lang="en-TW" dirty="0"/>
                     </a:p>
                   </a:txBody>
                   <a:tcPr anchor="ctr"/>
@@ -6590,9 +6933,10 @@
                     <a:p>
                       <a:pPr algn="ctr"/>
                       <a:r>
-                        <a:rPr lang="en-TW" dirty="0"/>
-                        <a:t>0.745</a:t>
+                        <a:rPr lang="en-US" altLang="zh-TW" dirty="0"/>
+                        <a:t>0.867</a:t>
                       </a:r>
+                      <a:endParaRPr lang="en-TW" dirty="0"/>
                     </a:p>
                   </a:txBody>
                   <a:tcPr anchor="ctr"/>
@@ -6617,6 +6961,115 @@
                   </a:ext>
                 </a:extLst>
               </a:tr>
+              <a:tr h="488274">
+                <a:tc vMerge="1">
+                  <a:txBody>
+                    <a:bodyPr/>
+                    <a:lstStyle/>
+                    <a:p>
+                      <a:pPr algn="ctr"/>
+                      <a:endParaRPr lang="en-TW" dirty="0"/>
+                    </a:p>
+                  </a:txBody>
+                  <a:tcPr anchor="ctr"/>
+                </a:tc>
+                <a:tc>
+                  <a:txBody>
+                    <a:bodyPr/>
+                    <a:lstStyle/>
+                    <a:p>
+                      <a:pPr algn="ctr"/>
+                      <a:r>
+                        <a:rPr lang="en-US" altLang="zh-TW" dirty="0"/>
+                        <a:t>CG</a:t>
+                      </a:r>
+                      <a:r>
+                        <a:rPr lang="zh-TW" altLang="en-US" dirty="0"/>
+                        <a:t> </a:t>
+                      </a:r>
+                      <a:r>
+                        <a:rPr lang="en-US" altLang="zh-TW" dirty="0"/>
+                        <a:t>Speed</a:t>
+                      </a:r>
+                      <a:r>
+                        <a:rPr lang="zh-TW" altLang="en-US" dirty="0"/>
+                        <a:t> </a:t>
+                      </a:r>
+                      <a:r>
+                        <a:rPr lang="en-US" altLang="zh-TW" dirty="0"/>
+                        <a:t>Up</a:t>
+                      </a:r>
+                      <a:endParaRPr lang="en-TW" dirty="0"/>
+                    </a:p>
+                  </a:txBody>
+                  <a:tcPr anchor="ctr"/>
+                </a:tc>
+                <a:tc>
+                  <a:txBody>
+                    <a:bodyPr/>
+                    <a:lstStyle/>
+                    <a:p>
+                      <a:pPr algn="ctr"/>
+                      <a:r>
+                        <a:rPr lang="en-US" altLang="zh-TW" dirty="0"/>
+                        <a:t>1</a:t>
+                      </a:r>
+                      <a:endParaRPr lang="en-TW" dirty="0"/>
+                    </a:p>
+                  </a:txBody>
+                  <a:tcPr anchor="ctr"/>
+                </a:tc>
+                <a:tc>
+                  <a:txBody>
+                    <a:bodyPr/>
+                    <a:lstStyle/>
+                    <a:p>
+                      <a:pPr algn="ctr"/>
+                      <a:r>
+                        <a:rPr lang="en-US" altLang="zh-TW" dirty="0"/>
+                        <a:t>1.776</a:t>
+                      </a:r>
+                      <a:endParaRPr lang="en-TW" dirty="0"/>
+                    </a:p>
+                  </a:txBody>
+                  <a:tcPr anchor="ctr"/>
+                </a:tc>
+                <a:tc>
+                  <a:txBody>
+                    <a:bodyPr/>
+                    <a:lstStyle/>
+                    <a:p>
+                      <a:pPr algn="ctr"/>
+                      <a:r>
+                        <a:rPr lang="en-US" altLang="zh-TW" dirty="0"/>
+                        <a:t>2.879</a:t>
+                      </a:r>
+                      <a:endParaRPr lang="en-TW" dirty="0"/>
+                    </a:p>
+                  </a:txBody>
+                  <a:tcPr anchor="ctr"/>
+                </a:tc>
+                <a:tc>
+                  <a:txBody>
+                    <a:bodyPr/>
+                    <a:lstStyle/>
+                    <a:p>
+                      <a:pPr algn="ctr"/>
+                      <a:r>
+                        <a:rPr lang="en-US" altLang="zh-TW" dirty="0"/>
+                        <a:t>3.379</a:t>
+                      </a:r>
+                      <a:endParaRPr lang="en-TW" dirty="0"/>
+                    </a:p>
+                  </a:txBody>
+                  <a:tcPr anchor="ctr"/>
+                </a:tc>
+                <a:extLst>
+                  <a:ext uri="{0D108BD9-81ED-4DB2-BD59-A6C34878D82A}">
+                    <a16:rowId xmlns:a16="http://schemas.microsoft.com/office/drawing/2014/main" val="4161076242"/>
+                  </a:ext>
+                </a:extLst>
+              </a:tr>
             </a:tbl>
           </a:graphicData>
         </a:graphic>
@@ -6636,14 +7089,14 @@
           <p:nvPr>
             <p:extLst>
               <p:ext uri="{D42A27DB-BD31-4B8C-83A1-F6EECF244321}">
-                <p14:modId xmlns:p14="http://schemas.microsoft.com/office/powerpoint/2010/main" val="2038434828"/>
+                <p14:modId xmlns:p14="http://schemas.microsoft.com/office/powerpoint/2010/main" val="2238280268"/>
               </p:ext>
             </p:extLst>
           </p:nvPr>
         </p:nvGraphicFramePr>
         <p:xfrm>
-          <a:off x="1699740" y="3839360"/>
-          <a:ext cx="8792520" cy="1464822"/>
+          <a:off x="1699740" y="4320692"/>
+          <a:ext cx="8792520" cy="2441370"/>
         </p:xfrm>
         <a:graphic>
           <a:graphicData uri="http://schemas.openxmlformats.org/drawingml/2006/table">
@@ -6652,14 +7105,14 @@
                 <a:tableStyleId>{5C22544A-7EE6-4342-B048-85BDC9FD1C3A}</a:tableStyleId>
               </a:tblPr>
               <a:tblGrid>
-                <a:gridCol w="1465420">
+                <a:gridCol w="1278238">
                   <a:extLst>
                     <a:ext uri="{9D8B030D-6E8A-4147-A177-3AD203B41FA5}">
                       <a16:colId xmlns:a16="http://schemas.microsoft.com/office/drawing/2014/main" val="3378133750"/>
                     </a:ext>
                   </a:extLst>
                 </a:gridCol>
-                <a:gridCol w="1465420">
+                <a:gridCol w="1652602">
                   <a:extLst>
                     <a:ext uri="{9D8B030D-6E8A-4147-A177-3AD203B41FA5}">
                       <a16:colId xmlns:a16="http://schemas.microsoft.com/office/drawing/2014/main" val="10454311"/>
@@ -6696,7 +7149,7 @@
                 </a:gridCol>
               </a:tblGrid>
               <a:tr h="488274">
-                <a:tc rowSpan="3">
+                <a:tc rowSpan="5">
                   <a:txBody>
                     <a:bodyPr/>
                     <a:lstStyle/>
@@ -6877,6 +7330,114 @@
                     <a:bodyPr/>
                     <a:lstStyle/>
                     <a:p>
+                      <a:endParaRPr lang="en-TW"/>
+                    </a:p>
+                  </a:txBody>
+                  <a:tcPr/>
+                </a:tc>
+                <a:tc>
+                  <a:txBody>
+                    <a:bodyPr/>
+                    <a:lstStyle/>
+                    <a:p>
+                      <a:pPr algn="ctr"/>
+                      <a:r>
+                        <a:rPr lang="en-US" altLang="zh-TW" dirty="0"/>
+                        <a:t>SOR</a:t>
+                      </a:r>
+                      <a:r>
+                        <a:rPr lang="zh-TW" altLang="en-US" dirty="0"/>
+                        <a:t> </a:t>
+                      </a:r>
+                      <a:r>
+                        <a:rPr lang="en-US" altLang="zh-TW" dirty="0"/>
+                        <a:t>Speed</a:t>
+                      </a:r>
+                      <a:r>
+                        <a:rPr lang="zh-TW" altLang="en-US" dirty="0"/>
+                        <a:t> </a:t>
+                      </a:r>
+                      <a:r>
+                        <a:rPr lang="en-US" altLang="zh-TW" dirty="0"/>
+                        <a:t>Up</a:t>
+                      </a:r>
+                      <a:endParaRPr lang="en-TW" dirty="0"/>
+                    </a:p>
+                  </a:txBody>
+                  <a:tcPr anchor="ctr"/>
+                </a:tc>
+                <a:tc>
+                  <a:txBody>
+                    <a:bodyPr/>
+                    <a:lstStyle/>
+                    <a:p>
+                      <a:pPr algn="ctr"/>
+                      <a:r>
+                        <a:rPr lang="en-US" altLang="zh-TW" dirty="0"/>
+                        <a:t>1</a:t>
+                      </a:r>
+                      <a:endParaRPr lang="en-TW" dirty="0"/>
+                    </a:p>
+                  </a:txBody>
+                  <a:tcPr anchor="ctr"/>
+                </a:tc>
+                <a:tc>
+                  <a:txBody>
+                    <a:bodyPr/>
+                    <a:lstStyle/>
+                    <a:p>
+                      <a:pPr algn="ctr"/>
+                      <a:r>
+                        <a:rPr lang="en-US" altLang="zh-TW" dirty="0"/>
+                        <a:t>1.124</a:t>
+                      </a:r>
+                      <a:endParaRPr lang="en-TW" dirty="0"/>
+                    </a:p>
+                  </a:txBody>
+                  <a:tcPr anchor="ctr"/>
+                </a:tc>
+                <a:tc>
+                  <a:txBody>
+                    <a:bodyPr/>
+                    <a:lstStyle/>
+                    <a:p>
+                      <a:pPr algn="ctr"/>
+                      <a:r>
+                        <a:rPr lang="en-US" altLang="zh-TW" dirty="0"/>
+                        <a:t>1.219</a:t>
+                      </a:r>
+                      <a:endParaRPr lang="en-TW" dirty="0"/>
+                    </a:p>
+                  </a:txBody>
+                  <a:tcPr anchor="ctr"/>
+                </a:tc>
+                <a:tc>
+                  <a:txBody>
+                    <a:bodyPr/>
+                    <a:lstStyle/>
+                    <a:p>
+                      <a:pPr algn="ctr"/>
+                      <a:r>
+                        <a:rPr lang="en-US" altLang="zh-TW" dirty="0"/>
+                        <a:t>1.085</a:t>
+                      </a:r>
+                      <a:endParaRPr lang="en-TW" dirty="0"/>
+                    </a:p>
+                  </a:txBody>
+                  <a:tcPr anchor="ctr"/>
+                </a:tc>
+                <a:extLst>
+                  <a:ext uri="{0D108BD9-81ED-4DB2-BD59-A6C34878D82A}">
+                    <a16:rowId xmlns:a16="http://schemas.microsoft.com/office/drawing/2014/main" val="3097530172"/>
+                  </a:ext>
+                </a:extLst>
+              </a:tr>
+              <a:tr h="488274">
+                <a:tc vMerge="1">
+                  <a:txBody>
+                    <a:bodyPr/>
+                    <a:lstStyle/>
+                    <a:p>
                       <a:pPr algn="ctr"/>
                       <a:endParaRPr lang="en-TW" dirty="0"/>
                     </a:p>
@@ -6904,9 +7465,10 @@
                     <a:p>
                       <a:pPr algn="ctr"/>
                       <a:r>
-                        <a:rPr lang="en-TW" dirty="0"/>
-                        <a:t>0.294</a:t>
+                        <a:rPr lang="en-US" altLang="zh-TW" dirty="0"/>
+                        <a:t>0.966</a:t>
                       </a:r>
+                      <a:endParaRPr lang="en-TW" dirty="0"/>
                     </a:p>
                   </a:txBody>
                   <a:tcPr anchor="ctr"/>
@@ -6918,9 +7480,10 @@
                     <a:p>
                       <a:pPr algn="ctr"/>
                       <a:r>
-                        <a:rPr lang="en-TW" dirty="0"/>
-                        <a:t>0.297</a:t>
+                        <a:rPr lang="en-US" altLang="zh-TW" dirty="0"/>
+                        <a:t>0.567</a:t>
                       </a:r>
+                      <a:endParaRPr lang="en-TW" dirty="0"/>
                     </a:p>
                   </a:txBody>
                   <a:tcPr anchor="ctr"/>
@@ -6932,9 +7495,10 @@
                     <a:p>
                       <a:pPr algn="ctr"/>
                       <a:r>
-                        <a:rPr lang="en-TW" dirty="0"/>
-                        <a:t>0.296</a:t>
+                        <a:rPr lang="en-US" altLang="zh-TW" dirty="0"/>
+                        <a:t>0.348</a:t>
                       </a:r>
+                      <a:endParaRPr lang="en-TW" dirty="0"/>
                     </a:p>
                   </a:txBody>
                   <a:tcPr anchor="ctr"/>
@@ -6946,9 +7510,10 @@
                     <a:p>
                       <a:pPr algn="ctr"/>
                       <a:r>
-                        <a:rPr lang="en-TW" dirty="0"/>
-                        <a:t>0.297</a:t>
+                        <a:rPr lang="en-US" altLang="zh-TW" dirty="0"/>
+                        <a:t>0.310</a:t>
                       </a:r>
+                      <a:endParaRPr lang="en-TW" dirty="0"/>
                     </a:p>
                   </a:txBody>
                   <a:tcPr anchor="ctr"/>
@@ -6956,6 +7521,115 @@
                 <a:extLst>
                   <a:ext uri="{0D108BD9-81ED-4DB2-BD59-A6C34878D82A}">
                     <a16:rowId xmlns:a16="http://schemas.microsoft.com/office/drawing/2014/main" val="767737053"/>
+                  </a:ext>
+                </a:extLst>
+              </a:tr>
+              <a:tr h="488274">
+                <a:tc vMerge="1">
+                  <a:txBody>
+                    <a:bodyPr/>
+                    <a:lstStyle/>
+                    <a:p>
+                      <a:pPr algn="ctr"/>
+                      <a:endParaRPr lang="en-TW" dirty="0"/>
+                    </a:p>
+                  </a:txBody>
+                  <a:tcPr anchor="ctr"/>
+                </a:tc>
+                <a:tc>
+                  <a:txBody>
+                    <a:bodyPr/>
+                    <a:lstStyle/>
+                    <a:p>
+                      <a:pPr algn="ctr"/>
+                      <a:r>
+                        <a:rPr lang="en-US" altLang="zh-TW" dirty="0"/>
+                        <a:t>CG</a:t>
+                      </a:r>
+                      <a:r>
+                        <a:rPr lang="zh-TW" altLang="en-US" dirty="0"/>
+                        <a:t> </a:t>
+                      </a:r>
+                      <a:r>
+                        <a:rPr lang="en-US" altLang="zh-TW" dirty="0"/>
+                        <a:t>Speed</a:t>
+                      </a:r>
+                      <a:r>
+                        <a:rPr lang="zh-TW" altLang="en-US" dirty="0"/>
+                        <a:t> </a:t>
+                      </a:r>
+                      <a:r>
+                        <a:rPr lang="en-US" altLang="zh-TW" dirty="0"/>
+                        <a:t>Up</a:t>
+                      </a:r>
+                      <a:endParaRPr lang="en-TW" dirty="0"/>
+                    </a:p>
+                  </a:txBody>
+                  <a:tcPr anchor="ctr"/>
+                </a:tc>
+                <a:tc>
+                  <a:txBody>
+                    <a:bodyPr/>
+                    <a:lstStyle/>
+                    <a:p>
+                      <a:pPr algn="ctr"/>
+                      <a:r>
+                        <a:rPr lang="en-US" altLang="zh-TW" dirty="0"/>
+                        <a:t>1</a:t>
+                      </a:r>
+                      <a:endParaRPr lang="en-TW" dirty="0"/>
+                    </a:p>
+                  </a:txBody>
+                  <a:tcPr anchor="ctr"/>
+                </a:tc>
+                <a:tc>
+                  <a:txBody>
+                    <a:bodyPr/>
+                    <a:lstStyle/>
+                    <a:p>
+                      <a:pPr algn="ctr"/>
+                      <a:r>
+                        <a:rPr lang="en-US" altLang="zh-TW" dirty="0"/>
+                        <a:t>1.704</a:t>
+                      </a:r>
+                      <a:endParaRPr lang="en-TW" dirty="0"/>
+                    </a:p>
+                  </a:txBody>
+                  <a:tcPr anchor="ctr"/>
+                </a:tc>
+                <a:tc>
+                  <a:txBody>
+                    <a:bodyPr/>
+                    <a:lstStyle/>
+                    <a:p>
+                      <a:pPr algn="ctr"/>
+                      <a:r>
+                        <a:rPr lang="en-US" altLang="zh-TW" dirty="0"/>
+                        <a:t>2.776</a:t>
+                      </a:r>
+                      <a:endParaRPr lang="en-TW" dirty="0"/>
+                    </a:p>
+                  </a:txBody>
+                  <a:tcPr anchor="ctr"/>
+                </a:tc>
+                <a:tc>
+                  <a:txBody>
+                    <a:bodyPr/>
+                    <a:lstStyle/>
+                    <a:p>
+                      <a:pPr algn="ctr"/>
+                      <a:r>
+                        <a:rPr lang="en-US" altLang="zh-TW" dirty="0"/>
+                        <a:t>3.116</a:t>
+                      </a:r>
+                      <a:endParaRPr lang="en-TW" dirty="0"/>
+                    </a:p>
+                  </a:txBody>
+                  <a:tcPr anchor="ctr"/>
+                </a:tc>
+                <a:extLst>
+                  <a:ext uri="{0D108BD9-81ED-4DB2-BD59-A6C34878D82A}">
+                    <a16:rowId xmlns:a16="http://schemas.microsoft.com/office/drawing/2014/main" val="1550643423"/>
                   </a:ext>
                 </a:extLst>
               </a:tr>
@@ -7676,6 +8350,223 @@
     <p:extLst>
       <p:ext uri="{BB962C8B-B14F-4D97-AF65-F5344CB8AC3E}">
         <p14:creationId xmlns:p14="http://schemas.microsoft.com/office/powerpoint/2010/main" val="365362297"/>
+      </p:ext>
+    </p:extLst>
+  </p:cSld>
+  <p:clrMapOvr>
+    <a:masterClrMapping/>
+  </p:clrMapOvr>
+</p:sld>
+</file>
+
+<file path=ppt/slides/slide15.xml><?xml version="1.0" encoding="utf-8"?>
+<p:sld xmlns:a="http://schemas.openxmlformats.org/drawingml/2006/main" xmlns:r="http://schemas.openxmlformats.org/officeDocument/2006/relationships" xmlns:p="http://schemas.openxmlformats.org/presentationml/2006/main">
+  <p:cSld>
+    <p:spTree>
+      <p:nvGrpSpPr>
+        <p:cNvPr id="1" name=""/>
+        <p:cNvGrpSpPr/>
+        <p:nvPr/>
+      </p:nvGrpSpPr>
+      <p:grpSpPr>
+        <a:xfrm>
+          <a:off x="0" y="0"/>
+          <a:ext cx="0" cy="0"/>
+          <a:chOff x="0" y="0"/>
+          <a:chExt cx="0" cy="0"/>
+        </a:xfrm>
+      </p:grpSpPr>
+      <p:sp>
+        <p:nvSpPr>
+          <p:cNvPr id="2" name="Title 1">
+            <a:extLst>
+              <a:ext uri="{FF2B5EF4-FFF2-40B4-BE49-F238E27FC236}">
+                <a16:creationId xmlns:a16="http://schemas.microsoft.com/office/drawing/2014/main" id="{89C74FEC-B65E-F349-B9C6-28CF38F53AD6}"/>
+              </a:ext>
+            </a:extLst>
+          </p:cNvPr>
+          <p:cNvSpPr>
+            <a:spLocks noGrp="1"/>
+          </p:cNvSpPr>
+          <p:nvPr>
+            <p:ph type="title"/>
+          </p:nvPr>
+        </p:nvSpPr>
+        <p:spPr/>
+        <p:txBody>
+          <a:bodyPr/>
+          <a:lstStyle/>
+          <a:p>
+            <a:r>
+              <a:rPr lang="en-US" altLang="zh-TW" dirty="0"/>
+              <a:t>Our</a:t>
+            </a:r>
+            <a:r>
+              <a:rPr lang="zh-TW" altLang="en-US" dirty="0"/>
+              <a:t> </a:t>
+            </a:r>
+            <a:r>
+              <a:rPr lang="en-US" altLang="zh-TW" dirty="0" err="1"/>
+              <a:t>Github</a:t>
+            </a:r>
+            <a:r>
+              <a:rPr lang="zh-TW" altLang="en-US" dirty="0"/>
+              <a:t> </a:t>
+            </a:r>
+            <a:r>
+              <a:rPr lang="en-US" altLang="zh-TW" dirty="0"/>
+              <a:t>Workflow</a:t>
+            </a:r>
+            <a:endParaRPr lang="en-TW" dirty="0"/>
+          </a:p>
+        </p:txBody>
+      </p:sp>
+      <p:sp>
+        <p:nvSpPr>
+          <p:cNvPr id="12" name="Content Placeholder 11">
+            <a:extLst>
+              <a:ext uri="{FF2B5EF4-FFF2-40B4-BE49-F238E27FC236}">
+                <a16:creationId xmlns:a16="http://schemas.microsoft.com/office/drawing/2014/main" id="{34D35F57-3A55-B541-BA34-7567BB0E7789}"/>
+              </a:ext>
+            </a:extLst>
+          </p:cNvPr>
+          <p:cNvSpPr>
+            <a:spLocks noGrp="1"/>
+          </p:cNvSpPr>
+          <p:nvPr>
+            <p:ph idx="1"/>
+          </p:nvPr>
+        </p:nvSpPr>
+        <p:spPr/>
+        <p:txBody>
+          <a:bodyPr/>
+          <a:lstStyle/>
+          <a:p>
+            <a:r>
+              <a:rPr lang="en-US" dirty="0">
+                <a:hlinkClick r:id="rId2"/>
+              </a:rPr>
+              <a:t>https://github.com/Jun7414/Conjugate-Gradient-Poisson-Solver</a:t>
+            </a:r>
+            <a:endParaRPr lang="en-US" dirty="0"/>
+          </a:p>
+          <a:p>
+            <a:endParaRPr lang="en-TW" dirty="0"/>
+          </a:p>
+        </p:txBody>
+      </p:sp>
+      <p:pic>
+        <p:nvPicPr>
+          <p:cNvPr id="4" name="Picture 3">
+            <a:extLst>
+              <a:ext uri="{FF2B5EF4-FFF2-40B4-BE49-F238E27FC236}">
+                <a16:creationId xmlns:a16="http://schemas.microsoft.com/office/drawing/2014/main" id="{EA2F6990-A536-874E-914F-4766E3AA1099}"/>
+              </a:ext>
+            </a:extLst>
+          </p:cNvPr>
+          <p:cNvPicPr>
+            <a:picLocks noChangeAspect="1"/>
+          </p:cNvPicPr>
+          <p:nvPr/>
+        </p:nvPicPr>
+        <p:blipFill>
+          <a:blip r:embed="rId3">
+            <a:extLst>
+              <a:ext uri="{28A0092B-C50C-407E-A947-70E740481C1C}">
+                <a14:useLocalDpi xmlns:a14="http://schemas.microsoft.com/office/drawing/2010/main" val="0"/>
+              </a:ext>
+            </a:extLst>
+          </a:blip>
+          <a:stretch>
+            <a:fillRect/>
+          </a:stretch>
+        </p:blipFill>
+        <p:spPr>
+          <a:xfrm>
+            <a:off x="130079" y="2872349"/>
+            <a:ext cx="3832545" cy="3849731"/>
+          </a:xfrm>
+          <a:prstGeom prst="rect">
+            <a:avLst/>
+          </a:prstGeom>
+        </p:spPr>
+      </p:pic>
+      <p:pic>
+        <p:nvPicPr>
+          <p:cNvPr id="9" name="Picture 8">
+            <a:extLst>
+              <a:ext uri="{FF2B5EF4-FFF2-40B4-BE49-F238E27FC236}">
+                <a16:creationId xmlns:a16="http://schemas.microsoft.com/office/drawing/2014/main" id="{FB37C980-E2B1-5A4F-B9F8-1A7D985883B9}"/>
+              </a:ext>
+            </a:extLst>
+          </p:cNvPr>
+          <p:cNvPicPr>
+            <a:picLocks noChangeAspect="1"/>
+          </p:cNvPicPr>
+          <p:nvPr/>
+        </p:nvPicPr>
+        <p:blipFill>
+          <a:blip r:embed="rId4">
+            <a:extLst>
+              <a:ext uri="{28A0092B-C50C-407E-A947-70E740481C1C}">
+                <a14:useLocalDpi xmlns:a14="http://schemas.microsoft.com/office/drawing/2010/main" val="0"/>
+              </a:ext>
+            </a:extLst>
+          </a:blip>
+          <a:stretch>
+            <a:fillRect/>
+          </a:stretch>
+        </p:blipFill>
+        <p:spPr>
+          <a:xfrm>
+            <a:off x="4159283" y="2880941"/>
+            <a:ext cx="3832546" cy="3832546"/>
+          </a:xfrm>
+          <a:prstGeom prst="rect">
+            <a:avLst/>
+          </a:prstGeom>
+        </p:spPr>
+      </p:pic>
+      <p:pic>
+        <p:nvPicPr>
+          <p:cNvPr id="10" name="Picture 9">
+            <a:extLst>
+              <a:ext uri="{FF2B5EF4-FFF2-40B4-BE49-F238E27FC236}">
+                <a16:creationId xmlns:a16="http://schemas.microsoft.com/office/drawing/2014/main" id="{3B01E262-78F2-EB4B-8790-213603BE83A3}"/>
+              </a:ext>
+            </a:extLst>
+          </p:cNvPr>
+          <p:cNvPicPr>
+            <a:picLocks noChangeAspect="1"/>
+          </p:cNvPicPr>
+          <p:nvPr/>
+        </p:nvPicPr>
+        <p:blipFill>
+          <a:blip r:embed="rId4">
+            <a:extLst>
+              <a:ext uri="{28A0092B-C50C-407E-A947-70E740481C1C}">
+                <a14:useLocalDpi xmlns:a14="http://schemas.microsoft.com/office/drawing/2010/main" val="0"/>
+              </a:ext>
+            </a:extLst>
+          </a:blip>
+          <a:stretch>
+            <a:fillRect/>
+          </a:stretch>
+        </p:blipFill>
+        <p:spPr>
+          <a:xfrm>
+            <a:off x="8138162" y="2872349"/>
+            <a:ext cx="3849730" cy="3849730"/>
+          </a:xfrm>
+          <a:prstGeom prst="rect">
+            <a:avLst/>
+          </a:prstGeom>
+        </p:spPr>
+      </p:pic>
+    </p:spTree>
+    <p:extLst>
+      <p:ext uri="{BB962C8B-B14F-4D97-AF65-F5344CB8AC3E}">
+        <p14:creationId xmlns:p14="http://schemas.microsoft.com/office/powerpoint/2010/main" val="1098484309"/>
       </p:ext>
     </p:extLst>
   </p:cSld>
@@ -12555,8 +13446,8 @@
           </a:prstGeom>
         </p:spPr>
       </p:pic>
-      <mc:AlternateContent xmlns:mc="http://schemas.openxmlformats.org/markup-compatibility/2006">
-        <mc:Choice xmlns:a14="http://schemas.microsoft.com/office/drawing/2010/main" Requires="a14">
+      <mc:AlternateContent xmlns:mc="http://schemas.openxmlformats.org/markup-compatibility/2006" xmlns:a14="http://schemas.microsoft.com/office/drawing/2010/main">
+        <mc:Choice Requires="a14">
           <p:sp>
             <p:nvSpPr>
               <p:cNvPr id="4" name="文字方塊 7">
@@ -13547,7 +14438,7 @@
             </p:txBody>
           </p:sp>
         </mc:Choice>
-        <mc:Fallback>
+        <mc:Fallback xmlns="">
           <p:sp>
             <p:nvSpPr>
               <p:cNvPr id="4" name="文字方塊 7">

--- a/Final Project - Conjugate Gradient method.pptx
+++ b/Final Project - Conjugate Gradient method.pptx
@@ -15,11 +15,14 @@
     <p:sldId id="263" r:id="rId9"/>
     <p:sldId id="264" r:id="rId10"/>
     <p:sldId id="275" r:id="rId11"/>
-    <p:sldId id="268" r:id="rId12"/>
-    <p:sldId id="270" r:id="rId13"/>
-    <p:sldId id="267" r:id="rId14"/>
-    <p:sldId id="272" r:id="rId15"/>
-    <p:sldId id="276" r:id="rId16"/>
+    <p:sldId id="278" r:id="rId12"/>
+    <p:sldId id="279" r:id="rId13"/>
+    <p:sldId id="268" r:id="rId14"/>
+    <p:sldId id="270" r:id="rId15"/>
+    <p:sldId id="267" r:id="rId16"/>
+    <p:sldId id="272" r:id="rId17"/>
+    <p:sldId id="277" r:id="rId18"/>
+    <p:sldId id="276" r:id="rId19"/>
   </p:sldIdLst>
   <p:sldSz cx="12192000" cy="6858000"/>
   <p:notesSz cx="6858000" cy="9144000"/>
@@ -2425,7 +2428,7 @@
           <a:p>
             <a:fld id="{E52FBAA3-F589-4A89-8837-2ACCD95660B2}" type="datetimeFigureOut">
               <a:rPr lang="zh-TW" altLang="en-US" smtClean="0"/>
-              <a:t>2021/6/18</a:t>
+              <a:t>2021/6/19</a:t>
             </a:fld>
             <a:endParaRPr lang="zh-TW" altLang="en-US"/>
           </a:p>
@@ -2593,7 +2596,7 @@
           <a:p>
             <a:fld id="{E52FBAA3-F589-4A89-8837-2ACCD95660B2}" type="datetimeFigureOut">
               <a:rPr lang="zh-TW" altLang="en-US" smtClean="0"/>
-              <a:t>2021/6/18</a:t>
+              <a:t>2021/6/19</a:t>
             </a:fld>
             <a:endParaRPr lang="zh-TW" altLang="en-US"/>
           </a:p>
@@ -2771,7 +2774,7 @@
           <a:p>
             <a:fld id="{E52FBAA3-F589-4A89-8837-2ACCD95660B2}" type="datetimeFigureOut">
               <a:rPr lang="zh-TW" altLang="en-US" smtClean="0"/>
-              <a:t>2021/6/18</a:t>
+              <a:t>2021/6/19</a:t>
             </a:fld>
             <a:endParaRPr lang="zh-TW" altLang="en-US"/>
           </a:p>
@@ -2939,7 +2942,7 @@
           <a:p>
             <a:fld id="{E52FBAA3-F589-4A89-8837-2ACCD95660B2}" type="datetimeFigureOut">
               <a:rPr lang="zh-TW" altLang="en-US" smtClean="0"/>
-              <a:t>2021/6/18</a:t>
+              <a:t>2021/6/19</a:t>
             </a:fld>
             <a:endParaRPr lang="zh-TW" altLang="en-US"/>
           </a:p>
@@ -3184,7 +3187,7 @@
           <a:p>
             <a:fld id="{E52FBAA3-F589-4A89-8837-2ACCD95660B2}" type="datetimeFigureOut">
               <a:rPr lang="zh-TW" altLang="en-US" smtClean="0"/>
-              <a:t>2021/6/18</a:t>
+              <a:t>2021/6/19</a:t>
             </a:fld>
             <a:endParaRPr lang="zh-TW" altLang="en-US"/>
           </a:p>
@@ -3413,7 +3416,7 @@
           <a:p>
             <a:fld id="{E52FBAA3-F589-4A89-8837-2ACCD95660B2}" type="datetimeFigureOut">
               <a:rPr lang="zh-TW" altLang="en-US" smtClean="0"/>
-              <a:t>2021/6/18</a:t>
+              <a:t>2021/6/19</a:t>
             </a:fld>
             <a:endParaRPr lang="zh-TW" altLang="en-US"/>
           </a:p>
@@ -3777,7 +3780,7 @@
           <a:p>
             <a:fld id="{E52FBAA3-F589-4A89-8837-2ACCD95660B2}" type="datetimeFigureOut">
               <a:rPr lang="zh-TW" altLang="en-US" smtClean="0"/>
-              <a:t>2021/6/18</a:t>
+              <a:t>2021/6/19</a:t>
             </a:fld>
             <a:endParaRPr lang="zh-TW" altLang="en-US"/>
           </a:p>
@@ -3894,7 +3897,7 @@
           <a:p>
             <a:fld id="{E52FBAA3-F589-4A89-8837-2ACCD95660B2}" type="datetimeFigureOut">
               <a:rPr lang="zh-TW" altLang="en-US" smtClean="0"/>
-              <a:t>2021/6/18</a:t>
+              <a:t>2021/6/19</a:t>
             </a:fld>
             <a:endParaRPr lang="zh-TW" altLang="en-US"/>
           </a:p>
@@ -3989,7 +3992,7 @@
           <a:p>
             <a:fld id="{E52FBAA3-F589-4A89-8837-2ACCD95660B2}" type="datetimeFigureOut">
               <a:rPr lang="zh-TW" altLang="en-US" smtClean="0"/>
-              <a:t>2021/6/18</a:t>
+              <a:t>2021/6/19</a:t>
             </a:fld>
             <a:endParaRPr lang="zh-TW" altLang="en-US"/>
           </a:p>
@@ -4264,7 +4267,7 @@
           <a:p>
             <a:fld id="{E52FBAA3-F589-4A89-8837-2ACCD95660B2}" type="datetimeFigureOut">
               <a:rPr lang="zh-TW" altLang="en-US" smtClean="0"/>
-              <a:t>2021/6/18</a:t>
+              <a:t>2021/6/19</a:t>
             </a:fld>
             <a:endParaRPr lang="zh-TW" altLang="en-US"/>
           </a:p>
@@ -4516,7 +4519,7 @@
           <a:p>
             <a:fld id="{E52FBAA3-F589-4A89-8837-2ACCD95660B2}" type="datetimeFigureOut">
               <a:rPr lang="zh-TW" altLang="en-US" smtClean="0"/>
-              <a:t>2021/6/18</a:t>
+              <a:t>2021/6/19</a:t>
             </a:fld>
             <a:endParaRPr lang="zh-TW" altLang="en-US"/>
           </a:p>
@@ -4727,7 +4730,7 @@
           <a:p>
             <a:fld id="{E52FBAA3-F589-4A89-8837-2ACCD95660B2}" type="datetimeFigureOut">
               <a:rPr lang="zh-TW" altLang="en-US" smtClean="0"/>
-              <a:t>2021/6/18</a:t>
+              <a:t>2021/6/19</a:t>
             </a:fld>
             <a:endParaRPr lang="zh-TW" altLang="en-US"/>
           </a:p>
@@ -5297,6 +5300,137 @@
           <a:chExt cx="0" cy="0"/>
         </a:xfrm>
       </p:grpSpPr>
+      <p:pic>
+        <p:nvPicPr>
+          <p:cNvPr id="5" name="Picture 4">
+            <a:extLst>
+              <a:ext uri="{FF2B5EF4-FFF2-40B4-BE49-F238E27FC236}">
+                <a16:creationId xmlns:a16="http://schemas.microsoft.com/office/drawing/2014/main" id="{5E9041E3-FB0A-AE44-9B0A-1FBE316C4DDE}"/>
+              </a:ext>
+            </a:extLst>
+          </p:cNvPr>
+          <p:cNvPicPr>
+            <a:picLocks noChangeAspect="1"/>
+          </p:cNvPicPr>
+          <p:nvPr/>
+        </p:nvPicPr>
+        <p:blipFill>
+          <a:blip r:embed="rId2">
+            <a:extLst>
+              <a:ext uri="{28A0092B-C50C-407E-A947-70E740481C1C}">
+                <a14:useLocalDpi xmlns:a14="http://schemas.microsoft.com/office/drawing/2010/main" val="0"/>
+              </a:ext>
+            </a:extLst>
+          </a:blip>
+          <a:stretch>
+            <a:fillRect/>
+          </a:stretch>
+        </p:blipFill>
+        <p:spPr>
+          <a:xfrm>
+            <a:off x="1460500" y="895350"/>
+            <a:ext cx="9271000" cy="5067300"/>
+          </a:xfrm>
+          <a:prstGeom prst="rect">
+            <a:avLst/>
+          </a:prstGeom>
+        </p:spPr>
+      </p:pic>
+    </p:spTree>
+    <p:extLst>
+      <p:ext uri="{BB962C8B-B14F-4D97-AF65-F5344CB8AC3E}">
+        <p14:creationId xmlns:p14="http://schemas.microsoft.com/office/powerpoint/2010/main" val="1259739282"/>
+      </p:ext>
+    </p:extLst>
+  </p:cSld>
+  <p:clrMapOvr>
+    <a:masterClrMapping/>
+  </p:clrMapOvr>
+</p:sld>
+</file>
+
+<file path=ppt/slides/slide12.xml><?xml version="1.0" encoding="utf-8"?>
+<p:sld xmlns:a="http://schemas.openxmlformats.org/drawingml/2006/main" xmlns:r="http://schemas.openxmlformats.org/officeDocument/2006/relationships" xmlns:p="http://schemas.openxmlformats.org/presentationml/2006/main">
+  <p:cSld>
+    <p:spTree>
+      <p:nvGrpSpPr>
+        <p:cNvPr id="1" name=""/>
+        <p:cNvGrpSpPr/>
+        <p:nvPr/>
+      </p:nvGrpSpPr>
+      <p:grpSpPr>
+        <a:xfrm>
+          <a:off x="0" y="0"/>
+          <a:ext cx="0" cy="0"/>
+          <a:chOff x="0" y="0"/>
+          <a:chExt cx="0" cy="0"/>
+        </a:xfrm>
+      </p:grpSpPr>
+      <p:pic>
+        <p:nvPicPr>
+          <p:cNvPr id="5" name="Content Placeholder 4">
+            <a:extLst>
+              <a:ext uri="{FF2B5EF4-FFF2-40B4-BE49-F238E27FC236}">
+                <a16:creationId xmlns:a16="http://schemas.microsoft.com/office/drawing/2014/main" id="{38AADAC4-15EE-B540-BD75-1788AB02CD95}"/>
+              </a:ext>
+            </a:extLst>
+          </p:cNvPr>
+          <p:cNvPicPr>
+            <a:picLocks noGrp="1" noChangeAspect="1"/>
+          </p:cNvPicPr>
+          <p:nvPr>
+            <p:ph idx="1"/>
+          </p:nvPr>
+        </p:nvPicPr>
+        <p:blipFill>
+          <a:blip r:embed="rId2">
+            <a:extLst>
+              <a:ext uri="{28A0092B-C50C-407E-A947-70E740481C1C}">
+                <a14:useLocalDpi xmlns:a14="http://schemas.microsoft.com/office/drawing/2010/main" val="0"/>
+              </a:ext>
+            </a:extLst>
+          </a:blip>
+          <a:stretch>
+            <a:fillRect/>
+          </a:stretch>
+        </p:blipFill>
+        <p:spPr>
+          <a:xfrm>
+            <a:off x="2250052" y="340518"/>
+            <a:ext cx="7691896" cy="6176963"/>
+          </a:xfrm>
+        </p:spPr>
+      </p:pic>
+    </p:spTree>
+    <p:extLst>
+      <p:ext uri="{BB962C8B-B14F-4D97-AF65-F5344CB8AC3E}">
+        <p14:creationId xmlns:p14="http://schemas.microsoft.com/office/powerpoint/2010/main" val="267294329"/>
+      </p:ext>
+    </p:extLst>
+  </p:cSld>
+  <p:clrMapOvr>
+    <a:masterClrMapping/>
+  </p:clrMapOvr>
+</p:sld>
+</file>
+
+<file path=ppt/slides/slide13.xml><?xml version="1.0" encoding="utf-8"?>
+<p:sld xmlns:a="http://schemas.openxmlformats.org/drawingml/2006/main" xmlns:r="http://schemas.openxmlformats.org/officeDocument/2006/relationships" xmlns:p="http://schemas.openxmlformats.org/presentationml/2006/main">
+  <p:cSld>
+    <p:spTree>
+      <p:nvGrpSpPr>
+        <p:cNvPr id="1" name=""/>
+        <p:cNvGrpSpPr/>
+        <p:nvPr/>
+      </p:nvGrpSpPr>
+      <p:grpSpPr>
+        <a:xfrm>
+          <a:off x="0" y="0"/>
+          <a:ext cx="0" cy="0"/>
+          <a:chOff x="0" y="0"/>
+          <a:chExt cx="0" cy="0"/>
+        </a:xfrm>
+      </p:grpSpPr>
       <p:graphicFrame>
         <p:nvGraphicFramePr>
           <p:cNvPr id="2" name="Table 2">
@@ -6467,7 +6601,7 @@
 </p:sld>
 </file>
 
-<file path=ppt/slides/slide12.xml><?xml version="1.0" encoding="utf-8"?>
+<file path=ppt/slides/slide14.xml><?xml version="1.0" encoding="utf-8"?>
 <p:sld xmlns:a="http://schemas.openxmlformats.org/drawingml/2006/main" xmlns:r="http://schemas.openxmlformats.org/officeDocument/2006/relationships" xmlns:p="http://schemas.openxmlformats.org/presentationml/2006/main">
   <p:cSld>
     <p:spTree>
@@ -7650,7 +7784,7 @@
 </p:sld>
 </file>
 
-<file path=ppt/slides/slide13.xml><?xml version="1.0" encoding="utf-8"?>
+<file path=ppt/slides/slide15.xml><?xml version="1.0" encoding="utf-8"?>
 <p:sld xmlns:a="http://schemas.openxmlformats.org/drawingml/2006/main" xmlns:r="http://schemas.openxmlformats.org/officeDocument/2006/relationships" xmlns:p="http://schemas.openxmlformats.org/presentationml/2006/main">
   <p:cSld>
     <p:spTree>
@@ -8273,7 +8407,7 @@
 </p:sld>
 </file>
 
-<file path=ppt/slides/slide14.xml><?xml version="1.0" encoding="utf-8"?>
+<file path=ppt/slides/slide16.xml><?xml version="1.0" encoding="utf-8"?>
 <p:sld xmlns:a="http://schemas.openxmlformats.org/drawingml/2006/main" xmlns:r="http://schemas.openxmlformats.org/officeDocument/2006/relationships" xmlns:p="http://schemas.openxmlformats.org/presentationml/2006/main">
   <p:cSld>
     <p:spTree>
@@ -8359,7 +8493,429 @@
 </p:sld>
 </file>
 
-<file path=ppt/slides/slide15.xml><?xml version="1.0" encoding="utf-8"?>
+<file path=ppt/slides/slide17.xml><?xml version="1.0" encoding="utf-8"?>
+<p:sld xmlns:a="http://schemas.openxmlformats.org/drawingml/2006/main" xmlns:r="http://schemas.openxmlformats.org/officeDocument/2006/relationships" xmlns:p="http://schemas.openxmlformats.org/presentationml/2006/main">
+  <p:cSld>
+    <p:spTree>
+      <p:nvGrpSpPr>
+        <p:cNvPr id="1" name=""/>
+        <p:cNvGrpSpPr/>
+        <p:nvPr/>
+      </p:nvGrpSpPr>
+      <p:grpSpPr>
+        <a:xfrm>
+          <a:off x="0" y="0"/>
+          <a:ext cx="0" cy="0"/>
+          <a:chOff x="0" y="0"/>
+          <a:chExt cx="0" cy="0"/>
+        </a:xfrm>
+      </p:grpSpPr>
+      <p:graphicFrame>
+        <p:nvGraphicFramePr>
+          <p:cNvPr id="2" name="Table 2">
+            <a:extLst>
+              <a:ext uri="{FF2B5EF4-FFF2-40B4-BE49-F238E27FC236}">
+                <a16:creationId xmlns:a16="http://schemas.microsoft.com/office/drawing/2014/main" id="{361A48B3-70BF-AD43-8635-974A530E8A62}"/>
+              </a:ext>
+            </a:extLst>
+          </p:cNvPr>
+          <p:cNvGraphicFramePr>
+            <a:graphicFrameLocks noGrp="1"/>
+          </p:cNvGraphicFramePr>
+          <p:nvPr/>
+        </p:nvGraphicFramePr>
+        <p:xfrm>
+          <a:off x="1699740" y="1690688"/>
+          <a:ext cx="8792520" cy="976548"/>
+        </p:xfrm>
+        <a:graphic>
+          <a:graphicData uri="http://schemas.openxmlformats.org/drawingml/2006/table">
+            <a:tbl>
+              <a:tblPr firstRow="1" bandRow="1">
+                <a:solidFill>
+                  <a:schemeClr val="accent1"/>
+                </a:solidFill>
+                <a:tableStyleId>{5C22544A-7EE6-4342-B048-85BDC9FD1C3A}</a:tableStyleId>
+              </a:tblPr>
+              <a:tblGrid>
+                <a:gridCol w="1281999">
+                  <a:extLst>
+                    <a:ext uri="{9D8B030D-6E8A-4147-A177-3AD203B41FA5}">
+                      <a16:colId xmlns:a16="http://schemas.microsoft.com/office/drawing/2014/main" val="450028860"/>
+                    </a:ext>
+                  </a:extLst>
+                </a:gridCol>
+                <a:gridCol w="1648841">
+                  <a:extLst>
+                    <a:ext uri="{9D8B030D-6E8A-4147-A177-3AD203B41FA5}">
+                      <a16:colId xmlns:a16="http://schemas.microsoft.com/office/drawing/2014/main" val="10454311"/>
+                    </a:ext>
+                  </a:extLst>
+                </a:gridCol>
+                <a:gridCol w="1465420">
+                  <a:extLst>
+                    <a:ext uri="{9D8B030D-6E8A-4147-A177-3AD203B41FA5}">
+                      <a16:colId xmlns:a16="http://schemas.microsoft.com/office/drawing/2014/main" val="1630364256"/>
+                    </a:ext>
+                  </a:extLst>
+                </a:gridCol>
+                <a:gridCol w="1465420">
+                  <a:extLst>
+                    <a:ext uri="{9D8B030D-6E8A-4147-A177-3AD203B41FA5}">
+                      <a16:colId xmlns:a16="http://schemas.microsoft.com/office/drawing/2014/main" val="4051651895"/>
+                    </a:ext>
+                  </a:extLst>
+                </a:gridCol>
+                <a:gridCol w="1465420">
+                  <a:extLst>
+                    <a:ext uri="{9D8B030D-6E8A-4147-A177-3AD203B41FA5}">
+                      <a16:colId xmlns:a16="http://schemas.microsoft.com/office/drawing/2014/main" val="3155073764"/>
+                    </a:ext>
+                  </a:extLst>
+                </a:gridCol>
+                <a:gridCol w="1465420">
+                  <a:extLst>
+                    <a:ext uri="{9D8B030D-6E8A-4147-A177-3AD203B41FA5}">
+                      <a16:colId xmlns:a16="http://schemas.microsoft.com/office/drawing/2014/main" val="3258694887"/>
+                    </a:ext>
+                  </a:extLst>
+                </a:gridCol>
+              </a:tblGrid>
+              <a:tr h="488274">
+                <a:tc rowSpan="2">
+                  <a:txBody>
+                    <a:bodyPr/>
+                    <a:lstStyle/>
+                    <a:p>
+                      <a:pPr algn="ctr"/>
+                      <a:r>
+                        <a:rPr lang="en-TW" dirty="0"/>
+                        <a:t>CG</a:t>
+                      </a:r>
+                    </a:p>
+                  </a:txBody>
+                  <a:tcPr anchor="ctr">
+                    <a:solidFill>
+                      <a:schemeClr val="accent1"/>
+                    </a:solidFill>
+                  </a:tcPr>
+                </a:tc>
+                <a:tc>
+                  <a:txBody>
+                    <a:bodyPr/>
+                    <a:lstStyle/>
+                    <a:p>
+                      <a:pPr algn="ctr"/>
+                      <a:r>
+                        <a:rPr lang="en-TW" dirty="0"/>
+                        <a:t>N = 64</a:t>
+                      </a:r>
+                    </a:p>
+                  </a:txBody>
+                  <a:tcPr anchor="ctr"/>
+                </a:tc>
+                <a:tc>
+                  <a:txBody>
+                    <a:bodyPr/>
+                    <a:lstStyle/>
+                    <a:p>
+                      <a:pPr algn="ctr"/>
+                      <a:r>
+                        <a:rPr lang="en-TW" dirty="0"/>
+                        <a:t>N = 128</a:t>
+                      </a:r>
+                    </a:p>
+                  </a:txBody>
+                  <a:tcPr anchor="ctr"/>
+                </a:tc>
+                <a:tc>
+                  <a:txBody>
+                    <a:bodyPr/>
+                    <a:lstStyle/>
+                    <a:p>
+                      <a:pPr marL="0" marR="0" lvl="0" indent="0" algn="ctr" defTabSz="914400" rtl="0" eaLnBrk="1" fontAlgn="auto" latinLnBrk="0" hangingPunct="1">
+                        <a:lnSpc>
+                          <a:spcPct val="100000"/>
+                        </a:lnSpc>
+                        <a:spcBef>
+                          <a:spcPts val="0"/>
+                        </a:spcBef>
+                        <a:spcAft>
+                          <a:spcPts val="0"/>
+                        </a:spcAft>
+                        <a:buClrTx/>
+                        <a:buSzTx/>
+                        <a:buFontTx/>
+                        <a:buNone/>
+                        <a:tabLst/>
+                        <a:defRPr/>
+                      </a:pPr>
+                      <a:r>
+                        <a:rPr lang="en-TW" dirty="0"/>
+                        <a:t>N = 256</a:t>
+                      </a:r>
+                    </a:p>
+                  </a:txBody>
+                  <a:tcPr anchor="ctr"/>
+                </a:tc>
+                <a:tc>
+                  <a:txBody>
+                    <a:bodyPr/>
+                    <a:lstStyle/>
+                    <a:p>
+                      <a:pPr marL="0" marR="0" lvl="0" indent="0" algn="ctr" defTabSz="914400" rtl="0" eaLnBrk="1" fontAlgn="auto" latinLnBrk="0" hangingPunct="1">
+                        <a:lnSpc>
+                          <a:spcPct val="100000"/>
+                        </a:lnSpc>
+                        <a:spcBef>
+                          <a:spcPts val="0"/>
+                        </a:spcBef>
+                        <a:spcAft>
+                          <a:spcPts val="0"/>
+                        </a:spcAft>
+                        <a:buClrTx/>
+                        <a:buSzTx/>
+                        <a:buFontTx/>
+                        <a:buNone/>
+                        <a:tabLst/>
+                        <a:defRPr/>
+                      </a:pPr>
+                      <a:r>
+                        <a:rPr lang="en-TW" dirty="0"/>
+                        <a:t>N = 512</a:t>
+                      </a:r>
+                    </a:p>
+                  </a:txBody>
+                  <a:tcPr anchor="ctr"/>
+                </a:tc>
+                <a:tc>
+                  <a:txBody>
+                    <a:bodyPr/>
+                    <a:lstStyle/>
+                    <a:p>
+                      <a:pPr marL="0" marR="0" lvl="0" indent="0" algn="ctr" defTabSz="914400" rtl="0" eaLnBrk="1" fontAlgn="auto" latinLnBrk="0" hangingPunct="1">
+                        <a:lnSpc>
+                          <a:spcPct val="100000"/>
+                        </a:lnSpc>
+                        <a:spcBef>
+                          <a:spcPts val="0"/>
+                        </a:spcBef>
+                        <a:spcAft>
+                          <a:spcPts val="0"/>
+                        </a:spcAft>
+                        <a:buClrTx/>
+                        <a:buSzTx/>
+                        <a:buFontTx/>
+                        <a:buNone/>
+                        <a:tabLst/>
+                        <a:defRPr/>
+                      </a:pPr>
+                      <a:r>
+                        <a:rPr lang="en-TW" dirty="0"/>
+                        <a:t>N = 1024 </a:t>
+                      </a:r>
+                    </a:p>
+                  </a:txBody>
+                  <a:tcPr anchor="ctr"/>
+                </a:tc>
+                <a:extLst>
+                  <a:ext uri="{0D108BD9-81ED-4DB2-BD59-A6C34878D82A}">
+                    <a16:rowId xmlns:a16="http://schemas.microsoft.com/office/drawing/2014/main" val="1357623893"/>
+                  </a:ext>
+                </a:extLst>
+              </a:tr>
+              <a:tr h="488274">
+                <a:tc vMerge="1">
+                  <a:txBody>
+                    <a:bodyPr/>
+                    <a:lstStyle/>
+                    <a:p>
+                      <a:pPr algn="ctr"/>
+                      <a:endParaRPr lang="en-TW" dirty="0"/>
+                    </a:p>
+                  </a:txBody>
+                  <a:tcPr anchor="ctr">
+                    <a:solidFill>
+                      <a:schemeClr val="accent1"/>
+                    </a:solidFill>
+                  </a:tcPr>
+                </a:tc>
+                <a:tc>
+                  <a:txBody>
+                    <a:bodyPr/>
+                    <a:lstStyle/>
+                    <a:p>
+                      <a:pPr algn="ctr"/>
+                      <a:r>
+                        <a:rPr lang="en-TW" dirty="0"/>
+                        <a:t>0.02</a:t>
+                      </a:r>
+                    </a:p>
+                  </a:txBody>
+                  <a:tcPr anchor="ctr"/>
+                </a:tc>
+                <a:tc>
+                  <a:txBody>
+                    <a:bodyPr/>
+                    <a:lstStyle/>
+                    <a:p>
+                      <a:pPr algn="ctr"/>
+                      <a:r>
+                        <a:rPr lang="en-TW" dirty="0"/>
+                        <a:t>0.08</a:t>
+                      </a:r>
+                    </a:p>
+                  </a:txBody>
+                  <a:tcPr anchor="ctr"/>
+                </a:tc>
+                <a:tc>
+                  <a:txBody>
+                    <a:bodyPr/>
+                    <a:lstStyle/>
+                    <a:p>
+                      <a:pPr algn="ctr"/>
+                      <a:r>
+                        <a:rPr lang="en-TW" dirty="0"/>
+                        <a:t>0.54</a:t>
+                      </a:r>
+                    </a:p>
+                  </a:txBody>
+                  <a:tcPr anchor="ctr"/>
+                </a:tc>
+                <a:tc>
+                  <a:txBody>
+                    <a:bodyPr/>
+                    <a:lstStyle/>
+                    <a:p>
+                      <a:pPr algn="ctr"/>
+                      <a:r>
+                        <a:rPr lang="en-TW" dirty="0"/>
+                        <a:t>3.96</a:t>
+                      </a:r>
+                    </a:p>
+                  </a:txBody>
+                  <a:tcPr anchor="ctr"/>
+                </a:tc>
+                <a:tc>
+                  <a:txBody>
+                    <a:bodyPr/>
+                    <a:lstStyle/>
+                    <a:p>
+                      <a:pPr algn="ctr"/>
+                      <a:r>
+                        <a:rPr lang="en-TW" dirty="0"/>
+                        <a:t>29.31</a:t>
+                      </a:r>
+                    </a:p>
+                  </a:txBody>
+                  <a:tcPr anchor="ctr"/>
+                </a:tc>
+                <a:extLst>
+                  <a:ext uri="{0D108BD9-81ED-4DB2-BD59-A6C34878D82A}">
+                    <a16:rowId xmlns:a16="http://schemas.microsoft.com/office/drawing/2014/main" val="2380938986"/>
+                  </a:ext>
+                </a:extLst>
+              </a:tr>
+            </a:tbl>
+          </a:graphicData>
+        </a:graphic>
+      </p:graphicFrame>
+      <p:sp>
+        <p:nvSpPr>
+          <p:cNvPr id="3" name="Title 2">
+            <a:extLst>
+              <a:ext uri="{FF2B5EF4-FFF2-40B4-BE49-F238E27FC236}">
+                <a16:creationId xmlns:a16="http://schemas.microsoft.com/office/drawing/2014/main" id="{499DAB2E-59A6-084B-955A-041BFCEC4597}"/>
+              </a:ext>
+            </a:extLst>
+          </p:cNvPr>
+          <p:cNvSpPr>
+            <a:spLocks noGrp="1"/>
+          </p:cNvSpPr>
+          <p:nvPr>
+            <p:ph type="title"/>
+          </p:nvPr>
+        </p:nvSpPr>
+        <p:spPr/>
+        <p:txBody>
+          <a:bodyPr/>
+          <a:lstStyle/>
+          <a:p>
+            <a:r>
+              <a:rPr lang="en-TW" dirty="0"/>
+              <a:t>GPU Performance Comparison</a:t>
+            </a:r>
+          </a:p>
+        </p:txBody>
+      </p:sp>
+      <p:sp>
+        <p:nvSpPr>
+          <p:cNvPr id="4" name="TextBox 3">
+            <a:extLst>
+              <a:ext uri="{FF2B5EF4-FFF2-40B4-BE49-F238E27FC236}">
+                <a16:creationId xmlns:a16="http://schemas.microsoft.com/office/drawing/2014/main" id="{A6A1B975-9AEB-5A41-A8EB-6D45C69FFF8B}"/>
+              </a:ext>
+            </a:extLst>
+          </p:cNvPr>
+          <p:cNvSpPr txBox="1"/>
+          <p:nvPr/>
+        </p:nvSpPr>
+        <p:spPr>
+          <a:xfrm>
+            <a:off x="1902941" y="3113903"/>
+            <a:ext cx="8501448" cy="646331"/>
+          </a:xfrm>
+          <a:prstGeom prst="rect">
+            <a:avLst/>
+          </a:prstGeom>
+          <a:noFill/>
+        </p:spPr>
+        <p:txBody>
+          <a:bodyPr wrap="square" rtlCol="0">
+            <a:spAutoFit/>
+          </a:bodyPr>
+          <a:lstStyle/>
+          <a:p>
+            <a:r>
+              <a:rPr lang="en-TW" dirty="0"/>
+              <a:t>Machine : Eureka</a:t>
+            </a:r>
+          </a:p>
+          <a:p>
+            <a:r>
+              <a:rPr lang="en-TW" dirty="0"/>
+              <a:t># : Inner product withou</a:t>
+            </a:r>
+            <a:r>
+              <a:rPr lang="en-US" altLang="zh-TW" dirty="0"/>
+              <a:t>t</a:t>
+            </a:r>
+            <a:r>
+              <a:rPr lang="zh-TW" altLang="en-US" dirty="0"/>
+              <a:t> </a:t>
+            </a:r>
+            <a:r>
+              <a:rPr lang="en-US" altLang="zh-TW" dirty="0"/>
+              <a:t>GPU</a:t>
+            </a:r>
+            <a:endParaRPr lang="en-TW" dirty="0"/>
+          </a:p>
+        </p:txBody>
+      </p:sp>
+    </p:spTree>
+    <p:extLst>
+      <p:ext uri="{BB962C8B-B14F-4D97-AF65-F5344CB8AC3E}">
+        <p14:creationId xmlns:p14="http://schemas.microsoft.com/office/powerpoint/2010/main" val="2480063445"/>
+      </p:ext>
+    </p:extLst>
+  </p:cSld>
+  <p:clrMapOvr>
+    <a:masterClrMapping/>
+  </p:clrMapOvr>
+</p:sld>
+</file>
+
+<file path=ppt/slides/slide18.xml><?xml version="1.0" encoding="utf-8"?>
 <p:sld xmlns:a="http://schemas.openxmlformats.org/drawingml/2006/main" xmlns:r="http://schemas.openxmlformats.org/officeDocument/2006/relationships" xmlns:p="http://schemas.openxmlformats.org/presentationml/2006/main">
   <p:cSld>
     <p:spTree>

--- a/Final Project - Conjugate Gradient method.pptx
+++ b/Final Project - Conjugate Gradient method.pptx
@@ -17,12 +17,13 @@
     <p:sldId id="275" r:id="rId11"/>
     <p:sldId id="278" r:id="rId12"/>
     <p:sldId id="279" r:id="rId13"/>
-    <p:sldId id="268" r:id="rId14"/>
-    <p:sldId id="270" r:id="rId15"/>
+    <p:sldId id="280" r:id="rId14"/>
+    <p:sldId id="272" r:id="rId15"/>
     <p:sldId id="267" r:id="rId16"/>
-    <p:sldId id="272" r:id="rId17"/>
-    <p:sldId id="277" r:id="rId18"/>
-    <p:sldId id="276" r:id="rId19"/>
+    <p:sldId id="268" r:id="rId17"/>
+    <p:sldId id="270" r:id="rId18"/>
+    <p:sldId id="277" r:id="rId19"/>
+    <p:sldId id="276" r:id="rId20"/>
   </p:sldIdLst>
   <p:sldSz cx="12192000" cy="6858000"/>
   <p:notesSz cx="6858000" cy="9144000"/>
@@ -130,484 +131,6 @@
 </file>
 
 <file path=ppt/charts/chart1.xml><?xml version="1.0" encoding="utf-8"?>
-<c:chartSpace xmlns:c="http://schemas.openxmlformats.org/drawingml/2006/chart" xmlns:a="http://schemas.openxmlformats.org/drawingml/2006/main" xmlns:r="http://schemas.openxmlformats.org/officeDocument/2006/relationships" xmlns:c16r2="http://schemas.microsoft.com/office/drawing/2015/06/chart">
-  <c:date1904 val="0"/>
-  <c:lang val="en-US"/>
-  <c:roundedCorners val="0"/>
-  <mc:AlternateContent xmlns:mc="http://schemas.openxmlformats.org/markup-compatibility/2006">
-    <mc:Choice xmlns:c14="http://schemas.microsoft.com/office/drawing/2007/8/2/chart" Requires="c14">
-      <c14:style val="102"/>
-    </mc:Choice>
-    <mc:Fallback>
-      <c:style val="2"/>
-    </mc:Fallback>
-  </mc:AlternateContent>
-  <c:chart>
-    <c:title>
-      <c:tx>
-        <c:rich>
-          <a:bodyPr rot="0" spcFirstLastPara="1" vertOverflow="ellipsis" vert="horz" wrap="square" anchor="ctr" anchorCtr="1"/>
-          <a:lstStyle/>
-          <a:p>
-            <a:pPr>
-              <a:defRPr sz="1862" b="0" i="0" u="none" strike="noStrike" kern="1200" spc="0" baseline="0">
-                <a:solidFill>
-                  <a:schemeClr val="tx1">
-                    <a:lumMod val="65000"/>
-                    <a:lumOff val="35000"/>
-                  </a:schemeClr>
-                </a:solidFill>
-                <a:latin typeface="+mn-lt"/>
-                <a:ea typeface="+mn-ea"/>
-                <a:cs typeface="+mn-cs"/>
-              </a:defRPr>
-            </a:pPr>
-            <a:r>
-              <a:rPr lang="en-US" dirty="0"/>
-              <a:t>N V.S. iteration</a:t>
-            </a:r>
-          </a:p>
-        </c:rich>
-      </c:tx>
-      <c:overlay val="0"/>
-      <c:spPr>
-        <a:noFill/>
-        <a:ln>
-          <a:noFill/>
-        </a:ln>
-        <a:effectLst/>
-      </c:spPr>
-      <c:txPr>
-        <a:bodyPr rot="0" spcFirstLastPara="1" vertOverflow="ellipsis" vert="horz" wrap="square" anchor="ctr" anchorCtr="1"/>
-        <a:lstStyle/>
-        <a:p>
-          <a:pPr>
-            <a:defRPr sz="1862" b="0" i="0" u="none" strike="noStrike" kern="1200" spc="0" baseline="0">
-              <a:solidFill>
-                <a:schemeClr val="tx1">
-                  <a:lumMod val="65000"/>
-                  <a:lumOff val="35000"/>
-                </a:schemeClr>
-              </a:solidFill>
-              <a:latin typeface="+mn-lt"/>
-              <a:ea typeface="+mn-ea"/>
-              <a:cs typeface="+mn-cs"/>
-            </a:defRPr>
-          </a:pPr>
-          <a:endParaRPr lang="en-TW"/>
-        </a:p>
-      </c:txPr>
-    </c:title>
-    <c:autoTitleDeleted val="0"/>
-    <c:plotArea>
-      <c:layout/>
-      <c:lineChart>
-        <c:grouping val="standard"/>
-        <c:varyColors val="0"/>
-        <c:ser>
-          <c:idx val="0"/>
-          <c:order val="0"/>
-          <c:tx>
-            <c:strRef>
-              <c:f>Sheet1!$B$1</c:f>
-              <c:strCache>
-                <c:ptCount val="1"/>
-                <c:pt idx="0">
-                  <c:v>SOR</c:v>
-                </c:pt>
-              </c:strCache>
-            </c:strRef>
-          </c:tx>
-          <c:spPr>
-            <a:ln w="28575" cap="rnd">
-              <a:solidFill>
-                <a:schemeClr val="accent1"/>
-              </a:solidFill>
-              <a:round/>
-            </a:ln>
-            <a:effectLst/>
-          </c:spPr>
-          <c:marker>
-            <c:symbol val="circle"/>
-            <c:size val="5"/>
-            <c:spPr>
-              <a:solidFill>
-                <a:schemeClr val="accent1"/>
-              </a:solidFill>
-              <a:ln w="9525">
-                <a:solidFill>
-                  <a:schemeClr val="accent1"/>
-                </a:solidFill>
-              </a:ln>
-              <a:effectLst/>
-            </c:spPr>
-          </c:marker>
-          <c:cat>
-            <c:numRef>
-              <c:f>Sheet1!$A$2:$A$8</c:f>
-              <c:numCache>
-                <c:formatCode>General</c:formatCode>
-                <c:ptCount val="7"/>
-                <c:pt idx="0">
-                  <c:v>16</c:v>
-                </c:pt>
-                <c:pt idx="1">
-                  <c:v>32</c:v>
-                </c:pt>
-                <c:pt idx="2">
-                  <c:v>64</c:v>
-                </c:pt>
-                <c:pt idx="3">
-                  <c:v>128</c:v>
-                </c:pt>
-                <c:pt idx="4">
-                  <c:v>256</c:v>
-                </c:pt>
-                <c:pt idx="5">
-                  <c:v>512</c:v>
-                </c:pt>
-                <c:pt idx="6">
-                  <c:v>1024</c:v>
-                </c:pt>
-              </c:numCache>
-            </c:numRef>
-          </c:cat>
-          <c:val>
-            <c:numRef>
-              <c:f>Sheet1!$B$2:$B$8</c:f>
-              <c:numCache>
-                <c:formatCode>General</c:formatCode>
-                <c:ptCount val="7"/>
-                <c:pt idx="0">
-                  <c:v>1089</c:v>
-                </c:pt>
-                <c:pt idx="1">
-                  <c:v>1256</c:v>
-                </c:pt>
-                <c:pt idx="2">
-                  <c:v>1427</c:v>
-                </c:pt>
-                <c:pt idx="3">
-                  <c:v>1556</c:v>
-                </c:pt>
-                <c:pt idx="4">
-                  <c:v>1706</c:v>
-                </c:pt>
-                <c:pt idx="5">
-                  <c:v>1806</c:v>
-                </c:pt>
-                <c:pt idx="6">
-                  <c:v>2314</c:v>
-                </c:pt>
-              </c:numCache>
-            </c:numRef>
-          </c:val>
-          <c:smooth val="0"/>
-          <c:extLst>
-            <c:ext xmlns:c16="http://schemas.microsoft.com/office/drawing/2014/chart" uri="{C3380CC4-5D6E-409C-BE32-E72D297353CC}">
-              <c16:uniqueId val="{00000000-AC9F-2D4A-9391-469D7317A904}"/>
-            </c:ext>
-          </c:extLst>
-        </c:ser>
-        <c:ser>
-          <c:idx val="1"/>
-          <c:order val="1"/>
-          <c:tx>
-            <c:strRef>
-              <c:f>Sheet1!$C$1</c:f>
-              <c:strCache>
-                <c:ptCount val="1"/>
-                <c:pt idx="0">
-                  <c:v>CG</c:v>
-                </c:pt>
-              </c:strCache>
-            </c:strRef>
-          </c:tx>
-          <c:spPr>
-            <a:ln w="28575" cap="rnd">
-              <a:solidFill>
-                <a:schemeClr val="accent2"/>
-              </a:solidFill>
-              <a:round/>
-            </a:ln>
-            <a:effectLst/>
-          </c:spPr>
-          <c:marker>
-            <c:symbol val="circle"/>
-            <c:size val="5"/>
-            <c:spPr>
-              <a:solidFill>
-                <a:schemeClr val="accent2"/>
-              </a:solidFill>
-              <a:ln w="9525">
-                <a:solidFill>
-                  <a:schemeClr val="accent2"/>
-                </a:solidFill>
-              </a:ln>
-              <a:effectLst/>
-            </c:spPr>
-          </c:marker>
-          <c:cat>
-            <c:numRef>
-              <c:f>Sheet1!$A$2:$A$8</c:f>
-              <c:numCache>
-                <c:formatCode>General</c:formatCode>
-                <c:ptCount val="7"/>
-                <c:pt idx="0">
-                  <c:v>16</c:v>
-                </c:pt>
-                <c:pt idx="1">
-                  <c:v>32</c:v>
-                </c:pt>
-                <c:pt idx="2">
-                  <c:v>64</c:v>
-                </c:pt>
-                <c:pt idx="3">
-                  <c:v>128</c:v>
-                </c:pt>
-                <c:pt idx="4">
-                  <c:v>256</c:v>
-                </c:pt>
-                <c:pt idx="5">
-                  <c:v>512</c:v>
-                </c:pt>
-                <c:pt idx="6">
-                  <c:v>1024</c:v>
-                </c:pt>
-              </c:numCache>
-            </c:numRef>
-          </c:cat>
-          <c:val>
-            <c:numRef>
-              <c:f>Sheet1!$C$2:$C$8</c:f>
-              <c:numCache>
-                <c:formatCode>General</c:formatCode>
-                <c:ptCount val="7"/>
-                <c:pt idx="0">
-                  <c:v>35</c:v>
-                </c:pt>
-                <c:pt idx="1">
-                  <c:v>79</c:v>
-                </c:pt>
-                <c:pt idx="2">
-                  <c:v>160</c:v>
-                </c:pt>
-                <c:pt idx="3">
-                  <c:v>319</c:v>
-                </c:pt>
-                <c:pt idx="4">
-                  <c:v>627</c:v>
-                </c:pt>
-                <c:pt idx="5">
-                  <c:v>1246</c:v>
-                </c:pt>
-                <c:pt idx="6">
-                  <c:v>2665</c:v>
-                </c:pt>
-              </c:numCache>
-            </c:numRef>
-          </c:val>
-          <c:smooth val="0"/>
-          <c:extLst>
-            <c:ext xmlns:c16="http://schemas.microsoft.com/office/drawing/2014/chart" uri="{C3380CC4-5D6E-409C-BE32-E72D297353CC}">
-              <c16:uniqueId val="{00000001-AC9F-2D4A-9391-469D7317A904}"/>
-            </c:ext>
-          </c:extLst>
-        </c:ser>
-        <c:dLbls>
-          <c:showLegendKey val="0"/>
-          <c:showVal val="0"/>
-          <c:showCatName val="0"/>
-          <c:showSerName val="0"/>
-          <c:showPercent val="0"/>
-          <c:showBubbleSize val="0"/>
-        </c:dLbls>
-        <c:marker val="1"/>
-        <c:smooth val="0"/>
-        <c:axId val="1507967199"/>
-        <c:axId val="1507968847"/>
-      </c:lineChart>
-      <c:catAx>
-        <c:axId val="1507967199"/>
-        <c:scaling>
-          <c:orientation val="minMax"/>
-        </c:scaling>
-        <c:delete val="0"/>
-        <c:axPos val="b"/>
-        <c:numFmt formatCode="General" sourceLinked="1"/>
-        <c:majorTickMark val="none"/>
-        <c:minorTickMark val="none"/>
-        <c:tickLblPos val="nextTo"/>
-        <c:spPr>
-          <a:noFill/>
-          <a:ln w="9525" cap="flat" cmpd="sng" algn="ctr">
-            <a:solidFill>
-              <a:schemeClr val="tx1">
-                <a:lumMod val="15000"/>
-                <a:lumOff val="85000"/>
-              </a:schemeClr>
-            </a:solidFill>
-            <a:round/>
-          </a:ln>
-          <a:effectLst/>
-        </c:spPr>
-        <c:txPr>
-          <a:bodyPr rot="-60000000" spcFirstLastPara="1" vertOverflow="ellipsis" vert="horz" wrap="square" anchor="ctr" anchorCtr="1"/>
-          <a:lstStyle/>
-          <a:p>
-            <a:pPr>
-              <a:defRPr sz="1197" b="0" i="0" u="none" strike="noStrike" kern="1200" baseline="0">
-                <a:solidFill>
-                  <a:schemeClr val="tx1">
-                    <a:lumMod val="65000"/>
-                    <a:lumOff val="35000"/>
-                  </a:schemeClr>
-                </a:solidFill>
-                <a:latin typeface="+mn-lt"/>
-                <a:ea typeface="+mn-ea"/>
-                <a:cs typeface="+mn-cs"/>
-              </a:defRPr>
-            </a:pPr>
-            <a:endParaRPr lang="en-TW"/>
-          </a:p>
-        </c:txPr>
-        <c:crossAx val="1507968847"/>
-        <c:crosses val="autoZero"/>
-        <c:auto val="1"/>
-        <c:lblAlgn val="ctr"/>
-        <c:lblOffset val="100"/>
-        <c:noMultiLvlLbl val="0"/>
-      </c:catAx>
-      <c:valAx>
-        <c:axId val="1507968847"/>
-        <c:scaling>
-          <c:orientation val="minMax"/>
-        </c:scaling>
-        <c:delete val="0"/>
-        <c:axPos val="l"/>
-        <c:majorGridlines>
-          <c:spPr>
-            <a:ln w="9525" cap="flat" cmpd="sng" algn="ctr">
-              <a:solidFill>
-                <a:schemeClr val="tx1">
-                  <a:lumMod val="15000"/>
-                  <a:lumOff val="85000"/>
-                </a:schemeClr>
-              </a:solidFill>
-              <a:round/>
-            </a:ln>
-            <a:effectLst/>
-          </c:spPr>
-        </c:majorGridlines>
-        <c:numFmt formatCode="General" sourceLinked="1"/>
-        <c:majorTickMark val="none"/>
-        <c:minorTickMark val="none"/>
-        <c:tickLblPos val="nextTo"/>
-        <c:spPr>
-          <a:noFill/>
-          <a:ln>
-            <a:noFill/>
-          </a:ln>
-          <a:effectLst/>
-        </c:spPr>
-        <c:txPr>
-          <a:bodyPr rot="-60000000" spcFirstLastPara="1" vertOverflow="ellipsis" vert="horz" wrap="square" anchor="ctr" anchorCtr="1"/>
-          <a:lstStyle/>
-          <a:p>
-            <a:pPr>
-              <a:defRPr sz="1197" b="0" i="0" u="none" strike="noStrike" kern="1200" baseline="0">
-                <a:solidFill>
-                  <a:schemeClr val="tx1">
-                    <a:lumMod val="65000"/>
-                    <a:lumOff val="35000"/>
-                  </a:schemeClr>
-                </a:solidFill>
-                <a:latin typeface="+mn-lt"/>
-                <a:ea typeface="+mn-ea"/>
-                <a:cs typeface="+mn-cs"/>
-              </a:defRPr>
-            </a:pPr>
-            <a:endParaRPr lang="en-TW"/>
-          </a:p>
-        </c:txPr>
-        <c:crossAx val="1507967199"/>
-        <c:crosses val="autoZero"/>
-        <c:crossBetween val="between"/>
-      </c:valAx>
-      <c:spPr>
-        <a:noFill/>
-        <a:ln>
-          <a:noFill/>
-        </a:ln>
-        <a:effectLst/>
-      </c:spPr>
-    </c:plotArea>
-    <c:legend>
-      <c:legendPos val="b"/>
-      <c:overlay val="0"/>
-      <c:spPr>
-        <a:noFill/>
-        <a:ln>
-          <a:noFill/>
-        </a:ln>
-        <a:effectLst/>
-      </c:spPr>
-      <c:txPr>
-        <a:bodyPr rot="0" spcFirstLastPara="1" vertOverflow="ellipsis" vert="horz" wrap="square" anchor="ctr" anchorCtr="1"/>
-        <a:lstStyle/>
-        <a:p>
-          <a:pPr>
-            <a:defRPr sz="1197" b="0" i="0" u="none" strike="noStrike" kern="1200" baseline="0">
-              <a:solidFill>
-                <a:schemeClr val="tx1">
-                  <a:lumMod val="65000"/>
-                  <a:lumOff val="35000"/>
-                </a:schemeClr>
-              </a:solidFill>
-              <a:latin typeface="+mn-lt"/>
-              <a:ea typeface="+mn-ea"/>
-              <a:cs typeface="+mn-cs"/>
-            </a:defRPr>
-          </a:pPr>
-          <a:endParaRPr lang="en-TW"/>
-        </a:p>
-      </c:txPr>
-    </c:legend>
-    <c:plotVisOnly val="1"/>
-    <c:dispBlanksAs val="gap"/>
-    <c:extLst>
-      <c:ext xmlns:c16r3="http://schemas.microsoft.com/office/drawing/2017/03/chart" uri="{56B9EC1D-385E-4148-901F-78D8002777C0}">
-        <c16r3:dataDisplayOptions16>
-          <c16r3:dispNaAsBlank val="1"/>
-        </c16r3:dataDisplayOptions16>
-      </c:ext>
-    </c:extLst>
-    <c:showDLblsOverMax val="0"/>
-  </c:chart>
-  <c:spPr>
-    <a:noFill/>
-    <a:ln>
-      <a:noFill/>
-    </a:ln>
-    <a:effectLst/>
-  </c:spPr>
-  <c:txPr>
-    <a:bodyPr/>
-    <a:lstStyle/>
-    <a:p>
-      <a:pPr>
-        <a:defRPr/>
-      </a:pPr>
-      <a:endParaRPr lang="en-TW"/>
-    </a:p>
-  </c:txPr>
-  <c:externalData r:id="rId3">
-    <c:autoUpdate val="0"/>
-  </c:externalData>
-</c:chartSpace>
-</file>
-
-<file path=ppt/charts/chart2.xml><?xml version="1.0" encoding="utf-8"?>
 <c:chartSpace xmlns:c="http://schemas.openxmlformats.org/drawingml/2006/chart" xmlns:a="http://schemas.openxmlformats.org/drawingml/2006/main" xmlns:r="http://schemas.openxmlformats.org/officeDocument/2006/relationships" xmlns:c16r2="http://schemas.microsoft.com/office/drawing/2015/06/chart">
   <c:date1904 val="0"/>
   <c:lang val="en-US"/>
@@ -1200,6 +723,484 @@
 </c:chartSpace>
 </file>
 
+<file path=ppt/charts/chart2.xml><?xml version="1.0" encoding="utf-8"?>
+<c:chartSpace xmlns:c="http://schemas.openxmlformats.org/drawingml/2006/chart" xmlns:a="http://schemas.openxmlformats.org/drawingml/2006/main" xmlns:r="http://schemas.openxmlformats.org/officeDocument/2006/relationships" xmlns:c16r2="http://schemas.microsoft.com/office/drawing/2015/06/chart">
+  <c:date1904 val="0"/>
+  <c:lang val="en-US"/>
+  <c:roundedCorners val="0"/>
+  <mc:AlternateContent xmlns:mc="http://schemas.openxmlformats.org/markup-compatibility/2006">
+    <mc:Choice xmlns:c14="http://schemas.microsoft.com/office/drawing/2007/8/2/chart" Requires="c14">
+      <c14:style val="102"/>
+    </mc:Choice>
+    <mc:Fallback>
+      <c:style val="2"/>
+    </mc:Fallback>
+  </mc:AlternateContent>
+  <c:chart>
+    <c:title>
+      <c:tx>
+        <c:rich>
+          <a:bodyPr rot="0" spcFirstLastPara="1" vertOverflow="ellipsis" vert="horz" wrap="square" anchor="ctr" anchorCtr="1"/>
+          <a:lstStyle/>
+          <a:p>
+            <a:pPr>
+              <a:defRPr sz="1862" b="0" i="0" u="none" strike="noStrike" kern="1200" spc="0" baseline="0">
+                <a:solidFill>
+                  <a:schemeClr val="tx1">
+                    <a:lumMod val="65000"/>
+                    <a:lumOff val="35000"/>
+                  </a:schemeClr>
+                </a:solidFill>
+                <a:latin typeface="+mn-lt"/>
+                <a:ea typeface="+mn-ea"/>
+                <a:cs typeface="+mn-cs"/>
+              </a:defRPr>
+            </a:pPr>
+            <a:r>
+              <a:rPr lang="en-US" dirty="0"/>
+              <a:t>N V.S. iteration</a:t>
+            </a:r>
+          </a:p>
+        </c:rich>
+      </c:tx>
+      <c:overlay val="0"/>
+      <c:spPr>
+        <a:noFill/>
+        <a:ln>
+          <a:noFill/>
+        </a:ln>
+        <a:effectLst/>
+      </c:spPr>
+      <c:txPr>
+        <a:bodyPr rot="0" spcFirstLastPara="1" vertOverflow="ellipsis" vert="horz" wrap="square" anchor="ctr" anchorCtr="1"/>
+        <a:lstStyle/>
+        <a:p>
+          <a:pPr>
+            <a:defRPr sz="1862" b="0" i="0" u="none" strike="noStrike" kern="1200" spc="0" baseline="0">
+              <a:solidFill>
+                <a:schemeClr val="tx1">
+                  <a:lumMod val="65000"/>
+                  <a:lumOff val="35000"/>
+                </a:schemeClr>
+              </a:solidFill>
+              <a:latin typeface="+mn-lt"/>
+              <a:ea typeface="+mn-ea"/>
+              <a:cs typeface="+mn-cs"/>
+            </a:defRPr>
+          </a:pPr>
+          <a:endParaRPr lang="en-TW"/>
+        </a:p>
+      </c:txPr>
+    </c:title>
+    <c:autoTitleDeleted val="0"/>
+    <c:plotArea>
+      <c:layout/>
+      <c:lineChart>
+        <c:grouping val="standard"/>
+        <c:varyColors val="0"/>
+        <c:ser>
+          <c:idx val="0"/>
+          <c:order val="0"/>
+          <c:tx>
+            <c:strRef>
+              <c:f>Sheet1!$B$1</c:f>
+              <c:strCache>
+                <c:ptCount val="1"/>
+                <c:pt idx="0">
+                  <c:v>SOR</c:v>
+                </c:pt>
+              </c:strCache>
+            </c:strRef>
+          </c:tx>
+          <c:spPr>
+            <a:ln w="28575" cap="rnd">
+              <a:solidFill>
+                <a:schemeClr val="accent1"/>
+              </a:solidFill>
+              <a:round/>
+            </a:ln>
+            <a:effectLst/>
+          </c:spPr>
+          <c:marker>
+            <c:symbol val="circle"/>
+            <c:size val="5"/>
+            <c:spPr>
+              <a:solidFill>
+                <a:schemeClr val="accent1"/>
+              </a:solidFill>
+              <a:ln w="9525">
+                <a:solidFill>
+                  <a:schemeClr val="accent1"/>
+                </a:solidFill>
+              </a:ln>
+              <a:effectLst/>
+            </c:spPr>
+          </c:marker>
+          <c:cat>
+            <c:numRef>
+              <c:f>Sheet1!$A$2:$A$8</c:f>
+              <c:numCache>
+                <c:formatCode>General</c:formatCode>
+                <c:ptCount val="7"/>
+                <c:pt idx="0">
+                  <c:v>16</c:v>
+                </c:pt>
+                <c:pt idx="1">
+                  <c:v>32</c:v>
+                </c:pt>
+                <c:pt idx="2">
+                  <c:v>64</c:v>
+                </c:pt>
+                <c:pt idx="3">
+                  <c:v>128</c:v>
+                </c:pt>
+                <c:pt idx="4">
+                  <c:v>256</c:v>
+                </c:pt>
+                <c:pt idx="5">
+                  <c:v>512</c:v>
+                </c:pt>
+                <c:pt idx="6">
+                  <c:v>1024</c:v>
+                </c:pt>
+              </c:numCache>
+            </c:numRef>
+          </c:cat>
+          <c:val>
+            <c:numRef>
+              <c:f>Sheet1!$B$2:$B$8</c:f>
+              <c:numCache>
+                <c:formatCode>General</c:formatCode>
+                <c:ptCount val="7"/>
+                <c:pt idx="0">
+                  <c:v>1089</c:v>
+                </c:pt>
+                <c:pt idx="1">
+                  <c:v>1256</c:v>
+                </c:pt>
+                <c:pt idx="2">
+                  <c:v>1427</c:v>
+                </c:pt>
+                <c:pt idx="3">
+                  <c:v>1556</c:v>
+                </c:pt>
+                <c:pt idx="4">
+                  <c:v>1706</c:v>
+                </c:pt>
+                <c:pt idx="5">
+                  <c:v>1806</c:v>
+                </c:pt>
+                <c:pt idx="6">
+                  <c:v>2314</c:v>
+                </c:pt>
+              </c:numCache>
+            </c:numRef>
+          </c:val>
+          <c:smooth val="0"/>
+          <c:extLst>
+            <c:ext xmlns:c16="http://schemas.microsoft.com/office/drawing/2014/chart" uri="{C3380CC4-5D6E-409C-BE32-E72D297353CC}">
+              <c16:uniqueId val="{00000000-AC9F-2D4A-9391-469D7317A904}"/>
+            </c:ext>
+          </c:extLst>
+        </c:ser>
+        <c:ser>
+          <c:idx val="1"/>
+          <c:order val="1"/>
+          <c:tx>
+            <c:strRef>
+              <c:f>Sheet1!$C$1</c:f>
+              <c:strCache>
+                <c:ptCount val="1"/>
+                <c:pt idx="0">
+                  <c:v>CG</c:v>
+                </c:pt>
+              </c:strCache>
+            </c:strRef>
+          </c:tx>
+          <c:spPr>
+            <a:ln w="28575" cap="rnd">
+              <a:solidFill>
+                <a:schemeClr val="accent2"/>
+              </a:solidFill>
+              <a:round/>
+            </a:ln>
+            <a:effectLst/>
+          </c:spPr>
+          <c:marker>
+            <c:symbol val="circle"/>
+            <c:size val="5"/>
+            <c:spPr>
+              <a:solidFill>
+                <a:schemeClr val="accent2"/>
+              </a:solidFill>
+              <a:ln w="9525">
+                <a:solidFill>
+                  <a:schemeClr val="accent2"/>
+                </a:solidFill>
+              </a:ln>
+              <a:effectLst/>
+            </c:spPr>
+          </c:marker>
+          <c:cat>
+            <c:numRef>
+              <c:f>Sheet1!$A$2:$A$8</c:f>
+              <c:numCache>
+                <c:formatCode>General</c:formatCode>
+                <c:ptCount val="7"/>
+                <c:pt idx="0">
+                  <c:v>16</c:v>
+                </c:pt>
+                <c:pt idx="1">
+                  <c:v>32</c:v>
+                </c:pt>
+                <c:pt idx="2">
+                  <c:v>64</c:v>
+                </c:pt>
+                <c:pt idx="3">
+                  <c:v>128</c:v>
+                </c:pt>
+                <c:pt idx="4">
+                  <c:v>256</c:v>
+                </c:pt>
+                <c:pt idx="5">
+                  <c:v>512</c:v>
+                </c:pt>
+                <c:pt idx="6">
+                  <c:v>1024</c:v>
+                </c:pt>
+              </c:numCache>
+            </c:numRef>
+          </c:cat>
+          <c:val>
+            <c:numRef>
+              <c:f>Sheet1!$C$2:$C$8</c:f>
+              <c:numCache>
+                <c:formatCode>General</c:formatCode>
+                <c:ptCount val="7"/>
+                <c:pt idx="0">
+                  <c:v>35</c:v>
+                </c:pt>
+                <c:pt idx="1">
+                  <c:v>79</c:v>
+                </c:pt>
+                <c:pt idx="2">
+                  <c:v>160</c:v>
+                </c:pt>
+                <c:pt idx="3">
+                  <c:v>319</c:v>
+                </c:pt>
+                <c:pt idx="4">
+                  <c:v>627</c:v>
+                </c:pt>
+                <c:pt idx="5">
+                  <c:v>1246</c:v>
+                </c:pt>
+                <c:pt idx="6">
+                  <c:v>2665</c:v>
+                </c:pt>
+              </c:numCache>
+            </c:numRef>
+          </c:val>
+          <c:smooth val="0"/>
+          <c:extLst>
+            <c:ext xmlns:c16="http://schemas.microsoft.com/office/drawing/2014/chart" uri="{C3380CC4-5D6E-409C-BE32-E72D297353CC}">
+              <c16:uniqueId val="{00000001-AC9F-2D4A-9391-469D7317A904}"/>
+            </c:ext>
+          </c:extLst>
+        </c:ser>
+        <c:dLbls>
+          <c:showLegendKey val="0"/>
+          <c:showVal val="0"/>
+          <c:showCatName val="0"/>
+          <c:showSerName val="0"/>
+          <c:showPercent val="0"/>
+          <c:showBubbleSize val="0"/>
+        </c:dLbls>
+        <c:marker val="1"/>
+        <c:smooth val="0"/>
+        <c:axId val="1507967199"/>
+        <c:axId val="1507968847"/>
+      </c:lineChart>
+      <c:catAx>
+        <c:axId val="1507967199"/>
+        <c:scaling>
+          <c:orientation val="minMax"/>
+        </c:scaling>
+        <c:delete val="0"/>
+        <c:axPos val="b"/>
+        <c:numFmt formatCode="General" sourceLinked="1"/>
+        <c:majorTickMark val="none"/>
+        <c:minorTickMark val="none"/>
+        <c:tickLblPos val="nextTo"/>
+        <c:spPr>
+          <a:noFill/>
+          <a:ln w="9525" cap="flat" cmpd="sng" algn="ctr">
+            <a:solidFill>
+              <a:schemeClr val="tx1">
+                <a:lumMod val="15000"/>
+                <a:lumOff val="85000"/>
+              </a:schemeClr>
+            </a:solidFill>
+            <a:round/>
+          </a:ln>
+          <a:effectLst/>
+        </c:spPr>
+        <c:txPr>
+          <a:bodyPr rot="-60000000" spcFirstLastPara="1" vertOverflow="ellipsis" vert="horz" wrap="square" anchor="ctr" anchorCtr="1"/>
+          <a:lstStyle/>
+          <a:p>
+            <a:pPr>
+              <a:defRPr sz="1197" b="0" i="0" u="none" strike="noStrike" kern="1200" baseline="0">
+                <a:solidFill>
+                  <a:schemeClr val="tx1">
+                    <a:lumMod val="65000"/>
+                    <a:lumOff val="35000"/>
+                  </a:schemeClr>
+                </a:solidFill>
+                <a:latin typeface="+mn-lt"/>
+                <a:ea typeface="+mn-ea"/>
+                <a:cs typeface="+mn-cs"/>
+              </a:defRPr>
+            </a:pPr>
+            <a:endParaRPr lang="en-TW"/>
+          </a:p>
+        </c:txPr>
+        <c:crossAx val="1507968847"/>
+        <c:crosses val="autoZero"/>
+        <c:auto val="1"/>
+        <c:lblAlgn val="ctr"/>
+        <c:lblOffset val="100"/>
+        <c:noMultiLvlLbl val="0"/>
+      </c:catAx>
+      <c:valAx>
+        <c:axId val="1507968847"/>
+        <c:scaling>
+          <c:orientation val="minMax"/>
+        </c:scaling>
+        <c:delete val="0"/>
+        <c:axPos val="l"/>
+        <c:majorGridlines>
+          <c:spPr>
+            <a:ln w="9525" cap="flat" cmpd="sng" algn="ctr">
+              <a:solidFill>
+                <a:schemeClr val="tx1">
+                  <a:lumMod val="15000"/>
+                  <a:lumOff val="85000"/>
+                </a:schemeClr>
+              </a:solidFill>
+              <a:round/>
+            </a:ln>
+            <a:effectLst/>
+          </c:spPr>
+        </c:majorGridlines>
+        <c:numFmt formatCode="General" sourceLinked="1"/>
+        <c:majorTickMark val="none"/>
+        <c:minorTickMark val="none"/>
+        <c:tickLblPos val="nextTo"/>
+        <c:spPr>
+          <a:noFill/>
+          <a:ln>
+            <a:noFill/>
+          </a:ln>
+          <a:effectLst/>
+        </c:spPr>
+        <c:txPr>
+          <a:bodyPr rot="-60000000" spcFirstLastPara="1" vertOverflow="ellipsis" vert="horz" wrap="square" anchor="ctr" anchorCtr="1"/>
+          <a:lstStyle/>
+          <a:p>
+            <a:pPr>
+              <a:defRPr sz="1197" b="0" i="0" u="none" strike="noStrike" kern="1200" baseline="0">
+                <a:solidFill>
+                  <a:schemeClr val="tx1">
+                    <a:lumMod val="65000"/>
+                    <a:lumOff val="35000"/>
+                  </a:schemeClr>
+                </a:solidFill>
+                <a:latin typeface="+mn-lt"/>
+                <a:ea typeface="+mn-ea"/>
+                <a:cs typeface="+mn-cs"/>
+              </a:defRPr>
+            </a:pPr>
+            <a:endParaRPr lang="en-TW"/>
+          </a:p>
+        </c:txPr>
+        <c:crossAx val="1507967199"/>
+        <c:crosses val="autoZero"/>
+        <c:crossBetween val="between"/>
+      </c:valAx>
+      <c:spPr>
+        <a:noFill/>
+        <a:ln>
+          <a:noFill/>
+        </a:ln>
+        <a:effectLst/>
+      </c:spPr>
+    </c:plotArea>
+    <c:legend>
+      <c:legendPos val="b"/>
+      <c:overlay val="0"/>
+      <c:spPr>
+        <a:noFill/>
+        <a:ln>
+          <a:noFill/>
+        </a:ln>
+        <a:effectLst/>
+      </c:spPr>
+      <c:txPr>
+        <a:bodyPr rot="0" spcFirstLastPara="1" vertOverflow="ellipsis" vert="horz" wrap="square" anchor="ctr" anchorCtr="1"/>
+        <a:lstStyle/>
+        <a:p>
+          <a:pPr>
+            <a:defRPr sz="1197" b="0" i="0" u="none" strike="noStrike" kern="1200" baseline="0">
+              <a:solidFill>
+                <a:schemeClr val="tx1">
+                  <a:lumMod val="65000"/>
+                  <a:lumOff val="35000"/>
+                </a:schemeClr>
+              </a:solidFill>
+              <a:latin typeface="+mn-lt"/>
+              <a:ea typeface="+mn-ea"/>
+              <a:cs typeface="+mn-cs"/>
+            </a:defRPr>
+          </a:pPr>
+          <a:endParaRPr lang="en-TW"/>
+        </a:p>
+      </c:txPr>
+    </c:legend>
+    <c:plotVisOnly val="1"/>
+    <c:dispBlanksAs val="gap"/>
+    <c:extLst>
+      <c:ext xmlns:c16r3="http://schemas.microsoft.com/office/drawing/2017/03/chart" uri="{56B9EC1D-385E-4148-901F-78D8002777C0}">
+        <c16r3:dataDisplayOptions16>
+          <c16r3:dispNaAsBlank val="1"/>
+        </c16r3:dataDisplayOptions16>
+      </c:ext>
+    </c:extLst>
+    <c:showDLblsOverMax val="0"/>
+  </c:chart>
+  <c:spPr>
+    <a:noFill/>
+    <a:ln>
+      <a:noFill/>
+    </a:ln>
+    <a:effectLst/>
+  </c:spPr>
+  <c:txPr>
+    <a:bodyPr/>
+    <a:lstStyle/>
+    <a:p>
+      <a:pPr>
+        <a:defRPr/>
+      </a:pPr>
+      <a:endParaRPr lang="en-TW"/>
+    </a:p>
+  </c:txPr>
+  <c:externalData r:id="rId3">
+    <c:autoUpdate val="0"/>
+  </c:externalData>
+</c:chartSpace>
+</file>
+
 <file path=ppt/charts/colors1.xml><?xml version="1.0" encoding="utf-8"?>
 <cs:colorStyle xmlns:cs="http://schemas.microsoft.com/office/drawing/2012/chartStyle" xmlns:a="http://schemas.openxmlformats.org/drawingml/2006/main" meth="cycle" id="10">
   <a:schemeClr val="accent1"/>
@@ -1281,7 +1282,7 @@
 </file>
 
 <file path=ppt/charts/style1.xml><?xml version="1.0" encoding="utf-8"?>
-<cs:chartStyle xmlns:cs="http://schemas.microsoft.com/office/drawing/2012/chartStyle" xmlns:a="http://schemas.openxmlformats.org/drawingml/2006/main" id="332">
+<cs:chartStyle xmlns:cs="http://schemas.microsoft.com/office/drawing/2012/chartStyle" xmlns:a="http://schemas.openxmlformats.org/drawingml/2006/main" id="227">
   <cs:axisTitle>
     <cs:lnRef idx="0"/>
     <cs:fillRef idx="0"/>
@@ -1389,6 +1390,11 @@
     <cs:fontRef idx="minor">
       <a:schemeClr val="tx1"/>
     </cs:fontRef>
+    <cs:spPr>
+      <a:solidFill>
+        <a:schemeClr val="phClr"/>
+      </a:solidFill>
+    </cs:spPr>
   </cs:dataPoint>
   <cs:dataPoint3D>
     <cs:lnRef idx="0"/>
@@ -1399,6 +1405,11 @@
     <cs:fontRef idx="minor">
       <a:schemeClr val="tx1"/>
     </cs:fontRef>
+    <cs:spPr>
+      <a:solidFill>
+        <a:schemeClr val="phClr"/>
+      </a:solidFill>
+    </cs:spPr>
   </cs:dataPoint3D>
   <cs:dataPointLine>
     <cs:lnRef idx="0">
@@ -1430,6 +1441,9 @@
       <a:schemeClr val="tx1"/>
     </cs:fontRef>
     <cs:spPr>
+      <a:solidFill>
+        <a:schemeClr val="phClr"/>
+      </a:solidFill>
       <a:ln w="9525">
         <a:solidFill>
           <a:schemeClr val="phClr"/>
@@ -1784,7 +1798,7 @@
 </file>
 
 <file path=ppt/charts/style2.xml><?xml version="1.0" encoding="utf-8"?>
-<cs:chartStyle xmlns:cs="http://schemas.microsoft.com/office/drawing/2012/chartStyle" xmlns:a="http://schemas.openxmlformats.org/drawingml/2006/main" id="227">
+<cs:chartStyle xmlns:cs="http://schemas.microsoft.com/office/drawing/2012/chartStyle" xmlns:a="http://schemas.openxmlformats.org/drawingml/2006/main" id="332">
   <cs:axisTitle>
     <cs:lnRef idx="0"/>
     <cs:fillRef idx="0"/>
@@ -1892,11 +1906,6 @@
     <cs:fontRef idx="minor">
       <a:schemeClr val="tx1"/>
     </cs:fontRef>
-    <cs:spPr>
-      <a:solidFill>
-        <a:schemeClr val="phClr"/>
-      </a:solidFill>
-    </cs:spPr>
   </cs:dataPoint>
   <cs:dataPoint3D>
     <cs:lnRef idx="0"/>
@@ -1907,11 +1916,6 @@
     <cs:fontRef idx="minor">
       <a:schemeClr val="tx1"/>
     </cs:fontRef>
-    <cs:spPr>
-      <a:solidFill>
-        <a:schemeClr val="phClr"/>
-      </a:solidFill>
-    </cs:spPr>
   </cs:dataPoint3D>
   <cs:dataPointLine>
     <cs:lnRef idx="0">
@@ -1943,9 +1947,6 @@
       <a:schemeClr val="tx1"/>
     </cs:fontRef>
     <cs:spPr>
-      <a:solidFill>
-        <a:schemeClr val="phClr"/>
-      </a:solidFill>
       <a:ln w="9525">
         <a:solidFill>
           <a:schemeClr val="phClr"/>
@@ -5431,6 +5432,2855 @@
           <a:chExt cx="0" cy="0"/>
         </a:xfrm>
       </p:grpSpPr>
+      <mc:AlternateContent xmlns:mc="http://schemas.openxmlformats.org/markup-compatibility/2006">
+        <mc:Choice xmlns:a14="http://schemas.microsoft.com/office/drawing/2010/main" Requires="a14">
+          <p:sp>
+            <p:nvSpPr>
+              <p:cNvPr id="4" name="文字方塊 7">
+                <a:extLst>
+                  <a:ext uri="{FF2B5EF4-FFF2-40B4-BE49-F238E27FC236}">
+                    <a16:creationId xmlns:a16="http://schemas.microsoft.com/office/drawing/2014/main" id="{BC0AF789-894A-6D4A-8FCF-BA15951AEFDA}"/>
+                  </a:ext>
+                </a:extLst>
+              </p:cNvPr>
+              <p:cNvSpPr txBox="1"/>
+              <p:nvPr/>
+            </p:nvSpPr>
+            <p:spPr>
+              <a:xfrm>
+                <a:off x="838200" y="1780549"/>
+                <a:ext cx="4043130" cy="4311117"/>
+              </a:xfrm>
+              <a:prstGeom prst="rect">
+                <a:avLst/>
+              </a:prstGeom>
+              <a:noFill/>
+            </p:spPr>
+            <p:txBody>
+              <a:bodyPr wrap="square" rtlCol="0">
+                <a:spAutoFit/>
+              </a:bodyPr>
+              <a:lstStyle/>
+              <a:p>
+                <a:r>
+                  <a:rPr lang="en-US" altLang="zh-TW" sz="2000" dirty="0"/>
+                  <a:t>1. </a:t>
+                </a:r>
+                <a14:m>
+                  <m:oMath xmlns:m="http://schemas.openxmlformats.org/officeDocument/2006/math">
+                    <m:sSub>
+                      <m:sSubPr>
+                        <m:ctrlPr>
+                          <a:rPr lang="en-US" altLang="zh-TW" sz="2000" i="1" smtClean="0">
+                            <a:latin typeface="Cambria Math" panose="02040503050406030204" pitchFamily="18" charset="0"/>
+                          </a:rPr>
+                        </m:ctrlPr>
+                      </m:sSubPr>
+                      <m:e>
+                        <m:r>
+                          <a:rPr lang="en-US" altLang="zh-TW" sz="2000" b="0" i="1" smtClean="0">
+                            <a:latin typeface="Cambria Math" panose="02040503050406030204" pitchFamily="18" charset="0"/>
+                          </a:rPr>
+                          <m:t>𝑑</m:t>
+                        </m:r>
+                      </m:e>
+                      <m:sub>
+                        <m:r>
+                          <a:rPr lang="en-US" altLang="zh-TW" sz="2000" b="0" i="1" smtClean="0">
+                            <a:latin typeface="Cambria Math" panose="02040503050406030204" pitchFamily="18" charset="0"/>
+                          </a:rPr>
+                          <m:t>0</m:t>
+                        </m:r>
+                      </m:sub>
+                    </m:sSub>
+                    <m:r>
+                      <a:rPr lang="en-US" altLang="zh-TW" sz="2000" b="0" i="1" smtClean="0">
+                        <a:latin typeface="Cambria Math" panose="02040503050406030204" pitchFamily="18" charset="0"/>
+                      </a:rPr>
+                      <m:t>=</m:t>
+                    </m:r>
+                    <m:sSub>
+                      <m:sSubPr>
+                        <m:ctrlPr>
+                          <a:rPr lang="en-US" altLang="zh-TW" sz="2000" b="0" i="1" smtClean="0">
+                            <a:latin typeface="Cambria Math" panose="02040503050406030204" pitchFamily="18" charset="0"/>
+                          </a:rPr>
+                        </m:ctrlPr>
+                      </m:sSubPr>
+                      <m:e>
+                        <m:r>
+                          <a:rPr lang="en-US" altLang="zh-TW" sz="2000" b="0" i="1" smtClean="0">
+                            <a:latin typeface="Cambria Math" panose="02040503050406030204" pitchFamily="18" charset="0"/>
+                          </a:rPr>
+                          <m:t>𝑟</m:t>
+                        </m:r>
+                      </m:e>
+                      <m:sub>
+                        <m:r>
+                          <a:rPr lang="en-US" altLang="zh-TW" sz="2000" b="0" i="1" smtClean="0">
+                            <a:latin typeface="Cambria Math" panose="02040503050406030204" pitchFamily="18" charset="0"/>
+                          </a:rPr>
+                          <m:t>0</m:t>
+                        </m:r>
+                      </m:sub>
+                    </m:sSub>
+                    <m:r>
+                      <a:rPr lang="en-US" altLang="zh-TW" sz="2000" b="0" i="1" smtClean="0">
+                        <a:latin typeface="Cambria Math" panose="02040503050406030204" pitchFamily="18" charset="0"/>
+                      </a:rPr>
+                      <m:t>=</m:t>
+                    </m:r>
+                    <m:r>
+                      <a:rPr lang="en-US" altLang="zh-TW" sz="2000" b="0" i="1" smtClean="0">
+                        <a:latin typeface="Cambria Math" panose="02040503050406030204" pitchFamily="18" charset="0"/>
+                      </a:rPr>
+                      <m:t>𝑏</m:t>
+                    </m:r>
+                    <m:r>
+                      <a:rPr lang="en-US" altLang="zh-TW" sz="2000" b="0" i="1" smtClean="0">
+                        <a:latin typeface="Cambria Math" panose="02040503050406030204" pitchFamily="18" charset="0"/>
+                      </a:rPr>
+                      <m:t>−</m:t>
+                    </m:r>
+                    <m:r>
+                      <a:rPr lang="en-US" altLang="zh-TW" sz="2000" b="0" i="1" smtClean="0">
+                        <a:latin typeface="Cambria Math" panose="02040503050406030204" pitchFamily="18" charset="0"/>
+                      </a:rPr>
+                      <m:t>𝐴</m:t>
+                    </m:r>
+                    <m:sSub>
+                      <m:sSubPr>
+                        <m:ctrlPr>
+                          <a:rPr lang="en-US" altLang="zh-TW" sz="2000" b="0" i="1" smtClean="0">
+                            <a:latin typeface="Cambria Math" panose="02040503050406030204" pitchFamily="18" charset="0"/>
+                          </a:rPr>
+                        </m:ctrlPr>
+                      </m:sSubPr>
+                      <m:e>
+                        <m:r>
+                          <a:rPr lang="en-US" altLang="zh-TW" sz="2000" b="0" i="1" smtClean="0">
+                            <a:latin typeface="Cambria Math" panose="02040503050406030204" pitchFamily="18" charset="0"/>
+                          </a:rPr>
+                          <m:t>𝑥</m:t>
+                        </m:r>
+                      </m:e>
+                      <m:sub>
+                        <m:r>
+                          <a:rPr lang="en-US" altLang="zh-TW" sz="2000" b="0" i="1" smtClean="0">
+                            <a:latin typeface="Cambria Math" panose="02040503050406030204" pitchFamily="18" charset="0"/>
+                          </a:rPr>
+                          <m:t>0</m:t>
+                        </m:r>
+                      </m:sub>
+                    </m:sSub>
+                  </m:oMath>
+                </a14:m>
+                <a:endParaRPr lang="en-US" altLang="zh-TW" sz="2000" dirty="0"/>
+              </a:p>
+              <a:p>
+                <a:endParaRPr lang="en-US" altLang="zh-TW" sz="2000" dirty="0"/>
+              </a:p>
+              <a:p>
+                <a:r>
+                  <a:rPr lang="en-US" altLang="zh-TW" sz="2000" dirty="0"/>
+                  <a:t>2.  </a:t>
+                </a:r>
+                <a14:m>
+                  <m:oMath xmlns:m="http://schemas.openxmlformats.org/officeDocument/2006/math">
+                    <m:sSub>
+                      <m:sSubPr>
+                        <m:ctrlPr>
+                          <a:rPr lang="en-US" altLang="zh-TW" sz="2000" i="1">
+                            <a:latin typeface="Cambria Math" panose="02040503050406030204" pitchFamily="18" charset="0"/>
+                          </a:rPr>
+                        </m:ctrlPr>
+                      </m:sSubPr>
+                      <m:e>
+                        <m:r>
+                          <a:rPr lang="zh-TW" altLang="en-US" sz="2000" i="1">
+                            <a:latin typeface="Cambria Math" panose="02040503050406030204" pitchFamily="18" charset="0"/>
+                          </a:rPr>
+                          <m:t>𝛼</m:t>
+                        </m:r>
+                      </m:e>
+                      <m:sub>
+                        <m:r>
+                          <a:rPr lang="en-US" altLang="zh-TW" sz="2000" i="1">
+                            <a:latin typeface="Cambria Math" panose="02040503050406030204" pitchFamily="18" charset="0"/>
+                          </a:rPr>
+                          <m:t>𝑖</m:t>
+                        </m:r>
+                      </m:sub>
+                    </m:sSub>
+                    <m:r>
+                      <a:rPr lang="en-US" altLang="zh-TW" sz="2000" i="1">
+                        <a:latin typeface="Cambria Math" panose="02040503050406030204" pitchFamily="18" charset="0"/>
+                      </a:rPr>
+                      <m:t>=</m:t>
+                    </m:r>
+                    <m:f>
+                      <m:fPr>
+                        <m:ctrlPr>
+                          <a:rPr lang="en-US" altLang="zh-TW" sz="2000" i="1">
+                            <a:latin typeface="Cambria Math" panose="02040503050406030204" pitchFamily="18" charset="0"/>
+                          </a:rPr>
+                        </m:ctrlPr>
+                      </m:fPr>
+                      <m:num>
+                        <m:sSubSup>
+                          <m:sSubSupPr>
+                            <m:ctrlPr>
+                              <a:rPr lang="en-US" altLang="zh-TW" sz="2000" i="1">
+                                <a:latin typeface="Cambria Math" panose="02040503050406030204" pitchFamily="18" charset="0"/>
+                              </a:rPr>
+                            </m:ctrlPr>
+                          </m:sSubSupPr>
+                          <m:e>
+                            <m:r>
+                              <a:rPr lang="en-US" altLang="zh-TW" sz="2000" b="0" i="1" smtClean="0">
+                                <a:latin typeface="Cambria Math" panose="02040503050406030204" pitchFamily="18" charset="0"/>
+                              </a:rPr>
+                              <m:t>𝑟</m:t>
+                            </m:r>
+                          </m:e>
+                          <m:sub>
+                            <m:r>
+                              <a:rPr lang="en-US" altLang="zh-TW" sz="2000" i="1">
+                                <a:latin typeface="Cambria Math" panose="02040503050406030204" pitchFamily="18" charset="0"/>
+                              </a:rPr>
+                              <m:t>𝑖</m:t>
+                            </m:r>
+                          </m:sub>
+                          <m:sup>
+                            <m:r>
+                              <a:rPr lang="en-US" altLang="zh-TW" sz="2000" i="1">
+                                <a:latin typeface="Cambria Math" panose="02040503050406030204" pitchFamily="18" charset="0"/>
+                              </a:rPr>
+                              <m:t>𝑇</m:t>
+                            </m:r>
+                          </m:sup>
+                        </m:sSubSup>
+                        <m:sSub>
+                          <m:sSubPr>
+                            <m:ctrlPr>
+                              <a:rPr lang="en-US" altLang="zh-TW" sz="2000" i="1">
+                                <a:latin typeface="Cambria Math" panose="02040503050406030204" pitchFamily="18" charset="0"/>
+                              </a:rPr>
+                            </m:ctrlPr>
+                          </m:sSubPr>
+                          <m:e>
+                            <m:r>
+                              <a:rPr lang="en-US" altLang="zh-TW" sz="2000" i="1">
+                                <a:latin typeface="Cambria Math" panose="02040503050406030204" pitchFamily="18" charset="0"/>
+                              </a:rPr>
+                              <m:t>𝑟</m:t>
+                            </m:r>
+                          </m:e>
+                          <m:sub>
+                            <m:r>
+                              <a:rPr lang="en-US" altLang="zh-TW" sz="2000" i="1">
+                                <a:latin typeface="Cambria Math" panose="02040503050406030204" pitchFamily="18" charset="0"/>
+                              </a:rPr>
+                              <m:t>𝑖</m:t>
+                            </m:r>
+                          </m:sub>
+                        </m:sSub>
+                      </m:num>
+                      <m:den>
+                        <m:sSubSup>
+                          <m:sSubSupPr>
+                            <m:ctrlPr>
+                              <a:rPr lang="en-US" altLang="zh-TW" sz="2000" i="1">
+                                <a:latin typeface="Cambria Math" panose="02040503050406030204" pitchFamily="18" charset="0"/>
+                              </a:rPr>
+                            </m:ctrlPr>
+                          </m:sSubSupPr>
+                          <m:e>
+                            <m:r>
+                              <a:rPr lang="en-US" altLang="zh-TW" sz="2000" i="1">
+                                <a:latin typeface="Cambria Math" panose="02040503050406030204" pitchFamily="18" charset="0"/>
+                              </a:rPr>
+                              <m:t>𝑑</m:t>
+                            </m:r>
+                          </m:e>
+                          <m:sub>
+                            <m:r>
+                              <a:rPr lang="en-US" altLang="zh-TW" sz="2000" i="1">
+                                <a:latin typeface="Cambria Math" panose="02040503050406030204" pitchFamily="18" charset="0"/>
+                              </a:rPr>
+                              <m:t>𝑖</m:t>
+                            </m:r>
+                          </m:sub>
+                          <m:sup>
+                            <m:r>
+                              <a:rPr lang="en-US" altLang="zh-TW" sz="2000" i="1">
+                                <a:latin typeface="Cambria Math" panose="02040503050406030204" pitchFamily="18" charset="0"/>
+                              </a:rPr>
+                              <m:t>𝑇</m:t>
+                            </m:r>
+                          </m:sup>
+                        </m:sSubSup>
+                        <m:r>
+                          <a:rPr lang="en-US" altLang="zh-TW" sz="2000" i="1">
+                            <a:latin typeface="Cambria Math" panose="02040503050406030204" pitchFamily="18" charset="0"/>
+                          </a:rPr>
+                          <m:t>𝐴</m:t>
+                        </m:r>
+                        <m:sSub>
+                          <m:sSubPr>
+                            <m:ctrlPr>
+                              <a:rPr lang="en-US" altLang="zh-TW" sz="2000" i="1">
+                                <a:latin typeface="Cambria Math" panose="02040503050406030204" pitchFamily="18" charset="0"/>
+                              </a:rPr>
+                            </m:ctrlPr>
+                          </m:sSubPr>
+                          <m:e>
+                            <m:r>
+                              <a:rPr lang="en-US" altLang="zh-TW" sz="2000" i="1">
+                                <a:latin typeface="Cambria Math" panose="02040503050406030204" pitchFamily="18" charset="0"/>
+                              </a:rPr>
+                              <m:t>𝑑</m:t>
+                            </m:r>
+                          </m:e>
+                          <m:sub>
+                            <m:r>
+                              <a:rPr lang="en-US" altLang="zh-TW" sz="2000" i="1">
+                                <a:latin typeface="Cambria Math" panose="02040503050406030204" pitchFamily="18" charset="0"/>
+                              </a:rPr>
+                              <m:t>𝑖</m:t>
+                            </m:r>
+                          </m:sub>
+                        </m:sSub>
+                      </m:den>
+                    </m:f>
+                  </m:oMath>
+                </a14:m>
+                <a:endParaRPr lang="en-US" altLang="zh-TW" sz="2000" dirty="0"/>
+              </a:p>
+              <a:p>
+                <a:endParaRPr lang="en-US" altLang="zh-TW" sz="2000" dirty="0"/>
+              </a:p>
+              <a:p>
+                <a:r>
+                  <a:rPr lang="en-US" altLang="zh-TW" sz="2000" dirty="0"/>
+                  <a:t>3.  </a:t>
+                </a:r>
+                <a14:m>
+                  <m:oMath xmlns:m="http://schemas.openxmlformats.org/officeDocument/2006/math">
+                    <m:sSub>
+                      <m:sSubPr>
+                        <m:ctrlPr>
+                          <a:rPr lang="en-US" altLang="zh-TW" sz="2000" i="1">
+                            <a:latin typeface="Cambria Math" panose="02040503050406030204" pitchFamily="18" charset="0"/>
+                          </a:rPr>
+                        </m:ctrlPr>
+                      </m:sSubPr>
+                      <m:e>
+                        <m:r>
+                          <a:rPr lang="en-US" altLang="zh-TW" sz="2000" i="1">
+                            <a:latin typeface="Cambria Math" panose="02040503050406030204" pitchFamily="18" charset="0"/>
+                          </a:rPr>
+                          <m:t>𝑥</m:t>
+                        </m:r>
+                      </m:e>
+                      <m:sub>
+                        <m:r>
+                          <a:rPr lang="en-US" altLang="zh-TW" sz="2000" i="1">
+                            <a:latin typeface="Cambria Math" panose="02040503050406030204" pitchFamily="18" charset="0"/>
+                          </a:rPr>
+                          <m:t>𝑖</m:t>
+                        </m:r>
+                        <m:r>
+                          <a:rPr lang="en-US" altLang="zh-TW" sz="2000" i="1">
+                            <a:latin typeface="Cambria Math" panose="02040503050406030204" pitchFamily="18" charset="0"/>
+                          </a:rPr>
+                          <m:t>+1</m:t>
+                        </m:r>
+                      </m:sub>
+                    </m:sSub>
+                    <m:r>
+                      <a:rPr lang="en-US" altLang="zh-TW" sz="2000" i="1">
+                        <a:latin typeface="Cambria Math" panose="02040503050406030204" pitchFamily="18" charset="0"/>
+                      </a:rPr>
+                      <m:t>=</m:t>
+                    </m:r>
+                    <m:sSub>
+                      <m:sSubPr>
+                        <m:ctrlPr>
+                          <a:rPr lang="en-US" altLang="zh-TW" sz="2000" i="1">
+                            <a:latin typeface="Cambria Math" panose="02040503050406030204" pitchFamily="18" charset="0"/>
+                          </a:rPr>
+                        </m:ctrlPr>
+                      </m:sSubPr>
+                      <m:e>
+                        <m:r>
+                          <a:rPr lang="en-US" altLang="zh-TW" sz="2000" i="1">
+                            <a:latin typeface="Cambria Math" panose="02040503050406030204" pitchFamily="18" charset="0"/>
+                          </a:rPr>
+                          <m:t>𝑥</m:t>
+                        </m:r>
+                      </m:e>
+                      <m:sub>
+                        <m:r>
+                          <a:rPr lang="en-US" altLang="zh-TW" sz="2000" i="1">
+                            <a:latin typeface="Cambria Math" panose="02040503050406030204" pitchFamily="18" charset="0"/>
+                          </a:rPr>
+                          <m:t>𝑖</m:t>
+                        </m:r>
+                      </m:sub>
+                    </m:sSub>
+                    <m:r>
+                      <a:rPr lang="en-US" altLang="zh-TW" sz="2000" i="1">
+                        <a:latin typeface="Cambria Math" panose="02040503050406030204" pitchFamily="18" charset="0"/>
+                      </a:rPr>
+                      <m:t>+</m:t>
+                    </m:r>
+                    <m:sSub>
+                      <m:sSubPr>
+                        <m:ctrlPr>
+                          <a:rPr lang="en-US" altLang="zh-TW" sz="2000" i="1">
+                            <a:latin typeface="Cambria Math" panose="02040503050406030204" pitchFamily="18" charset="0"/>
+                          </a:rPr>
+                        </m:ctrlPr>
+                      </m:sSubPr>
+                      <m:e>
+                        <m:r>
+                          <a:rPr lang="zh-TW" altLang="en-US" sz="2000" i="1">
+                            <a:latin typeface="Cambria Math" panose="02040503050406030204" pitchFamily="18" charset="0"/>
+                          </a:rPr>
+                          <m:t>𝛼</m:t>
+                        </m:r>
+                      </m:e>
+                      <m:sub>
+                        <m:r>
+                          <a:rPr lang="en-US" altLang="zh-TW" sz="2000" i="1">
+                            <a:latin typeface="Cambria Math" panose="02040503050406030204" pitchFamily="18" charset="0"/>
+                          </a:rPr>
+                          <m:t>𝑖</m:t>
+                        </m:r>
+                      </m:sub>
+                    </m:sSub>
+                    <m:sSub>
+                      <m:sSubPr>
+                        <m:ctrlPr>
+                          <a:rPr lang="en-US" altLang="zh-TW" sz="2000" i="1" smtClean="0">
+                            <a:latin typeface="Cambria Math" panose="02040503050406030204" pitchFamily="18" charset="0"/>
+                          </a:rPr>
+                        </m:ctrlPr>
+                      </m:sSubPr>
+                      <m:e>
+                        <m:r>
+                          <a:rPr lang="en-US" altLang="zh-TW" sz="2000" b="0" i="1" smtClean="0">
+                            <a:latin typeface="Cambria Math" panose="02040503050406030204" pitchFamily="18" charset="0"/>
+                          </a:rPr>
+                          <m:t>𝑑</m:t>
+                        </m:r>
+                      </m:e>
+                      <m:sub>
+                        <m:r>
+                          <a:rPr lang="en-US" altLang="zh-TW" sz="2000" i="1">
+                            <a:latin typeface="Cambria Math" panose="02040503050406030204" pitchFamily="18" charset="0"/>
+                          </a:rPr>
+                          <m:t>𝑖</m:t>
+                        </m:r>
+                      </m:sub>
+                    </m:sSub>
+                  </m:oMath>
+                </a14:m>
+                <a:endParaRPr lang="en-US" altLang="zh-TW" sz="2000" dirty="0"/>
+              </a:p>
+              <a:p>
+                <a:endParaRPr lang="en-US" altLang="zh-TW" sz="2000" dirty="0"/>
+              </a:p>
+              <a:p>
+                <a:r>
+                  <a:rPr lang="en-US" altLang="zh-TW" sz="2000" dirty="0"/>
+                  <a:t>4.  </a:t>
+                </a:r>
+                <a14:m>
+                  <m:oMath xmlns:m="http://schemas.openxmlformats.org/officeDocument/2006/math">
+                    <m:sSub>
+                      <m:sSubPr>
+                        <m:ctrlPr>
+                          <a:rPr lang="en-US" altLang="zh-TW" sz="2000" i="1" smtClean="0">
+                            <a:latin typeface="Cambria Math" panose="02040503050406030204" pitchFamily="18" charset="0"/>
+                          </a:rPr>
+                        </m:ctrlPr>
+                      </m:sSubPr>
+                      <m:e>
+                        <m:r>
+                          <a:rPr lang="en-US" altLang="zh-TW" sz="2000" b="0" i="1" smtClean="0">
+                            <a:latin typeface="Cambria Math" panose="02040503050406030204" pitchFamily="18" charset="0"/>
+                          </a:rPr>
+                          <m:t>𝑟</m:t>
+                        </m:r>
+                      </m:e>
+                      <m:sub>
+                        <m:r>
+                          <a:rPr lang="en-US" altLang="zh-TW" sz="2000" b="0" i="1" smtClean="0">
+                            <a:latin typeface="Cambria Math" panose="02040503050406030204" pitchFamily="18" charset="0"/>
+                          </a:rPr>
+                          <m:t>𝑖</m:t>
+                        </m:r>
+                        <m:r>
+                          <a:rPr lang="en-US" altLang="zh-TW" sz="2000" b="0" i="1" smtClean="0">
+                            <a:latin typeface="Cambria Math" panose="02040503050406030204" pitchFamily="18" charset="0"/>
+                          </a:rPr>
+                          <m:t>+1</m:t>
+                        </m:r>
+                      </m:sub>
+                    </m:sSub>
+                    <m:r>
+                      <a:rPr lang="en-US" altLang="zh-TW" sz="2000" b="0" i="1" smtClean="0">
+                        <a:latin typeface="Cambria Math" panose="02040503050406030204" pitchFamily="18" charset="0"/>
+                      </a:rPr>
+                      <m:t>=</m:t>
+                    </m:r>
+                    <m:r>
+                      <a:rPr lang="en-US" altLang="zh-TW" sz="2000" i="1">
+                        <a:latin typeface="Cambria Math" panose="02040503050406030204" pitchFamily="18" charset="0"/>
+                      </a:rPr>
+                      <m:t>𝑏</m:t>
+                    </m:r>
+                    <m:r>
+                      <a:rPr lang="en-US" altLang="zh-TW" sz="2000" i="1">
+                        <a:latin typeface="Cambria Math" panose="02040503050406030204" pitchFamily="18" charset="0"/>
+                      </a:rPr>
+                      <m:t>−</m:t>
+                    </m:r>
+                    <m:r>
+                      <a:rPr lang="en-US" altLang="zh-TW" sz="2000" i="1">
+                        <a:latin typeface="Cambria Math" panose="02040503050406030204" pitchFamily="18" charset="0"/>
+                      </a:rPr>
+                      <m:t>𝐴</m:t>
+                    </m:r>
+                    <m:sSub>
+                      <m:sSubPr>
+                        <m:ctrlPr>
+                          <a:rPr lang="en-US" altLang="zh-TW" sz="2000" i="1">
+                            <a:latin typeface="Cambria Math" panose="02040503050406030204" pitchFamily="18" charset="0"/>
+                          </a:rPr>
+                        </m:ctrlPr>
+                      </m:sSubPr>
+                      <m:e>
+                        <m:r>
+                          <a:rPr lang="en-US" altLang="zh-TW" sz="2000" i="1">
+                            <a:latin typeface="Cambria Math" panose="02040503050406030204" pitchFamily="18" charset="0"/>
+                          </a:rPr>
+                          <m:t>𝑥</m:t>
+                        </m:r>
+                      </m:e>
+                      <m:sub>
+                        <m:r>
+                          <a:rPr lang="en-US" altLang="zh-TW" sz="2000" b="0" i="1" smtClean="0">
+                            <a:latin typeface="Cambria Math" panose="02040503050406030204" pitchFamily="18" charset="0"/>
+                          </a:rPr>
+                          <m:t>𝑖</m:t>
+                        </m:r>
+                        <m:r>
+                          <a:rPr lang="en-US" altLang="zh-TW" sz="2000" b="0" i="1" smtClean="0">
+                            <a:latin typeface="Cambria Math" panose="02040503050406030204" pitchFamily="18" charset="0"/>
+                          </a:rPr>
+                          <m:t>+1</m:t>
+                        </m:r>
+                      </m:sub>
+                    </m:sSub>
+                    <m:r>
+                      <a:rPr lang="en-US" altLang="zh-TW" sz="2000" b="0" i="1" smtClean="0">
+                        <a:latin typeface="Cambria Math" panose="02040503050406030204" pitchFamily="18" charset="0"/>
+                      </a:rPr>
+                      <m:t>=</m:t>
+                    </m:r>
+                    <m:sSub>
+                      <m:sSubPr>
+                        <m:ctrlPr>
+                          <a:rPr lang="en-US" altLang="zh-TW" sz="2000" b="0" i="1" smtClean="0">
+                            <a:latin typeface="Cambria Math" panose="02040503050406030204" pitchFamily="18" charset="0"/>
+                          </a:rPr>
+                        </m:ctrlPr>
+                      </m:sSubPr>
+                      <m:e>
+                        <m:r>
+                          <a:rPr lang="en-US" altLang="zh-TW" sz="2000" b="0" i="1" smtClean="0">
+                            <a:latin typeface="Cambria Math" panose="02040503050406030204" pitchFamily="18" charset="0"/>
+                          </a:rPr>
+                          <m:t>𝑟</m:t>
+                        </m:r>
+                      </m:e>
+                      <m:sub>
+                        <m:r>
+                          <a:rPr lang="en-US" altLang="zh-TW" sz="2000" b="0" i="1" smtClean="0">
+                            <a:latin typeface="Cambria Math" panose="02040503050406030204" pitchFamily="18" charset="0"/>
+                          </a:rPr>
+                          <m:t>𝑖</m:t>
+                        </m:r>
+                      </m:sub>
+                    </m:sSub>
+                    <m:r>
+                      <a:rPr lang="en-US" altLang="zh-TW" sz="2000" b="0" i="1" smtClean="0">
+                        <a:latin typeface="Cambria Math" panose="02040503050406030204" pitchFamily="18" charset="0"/>
+                      </a:rPr>
+                      <m:t>−</m:t>
+                    </m:r>
+                    <m:sSub>
+                      <m:sSubPr>
+                        <m:ctrlPr>
+                          <a:rPr lang="en-US" altLang="zh-TW" sz="2000" b="0" i="1" smtClean="0">
+                            <a:latin typeface="Cambria Math" panose="02040503050406030204" pitchFamily="18" charset="0"/>
+                          </a:rPr>
+                        </m:ctrlPr>
+                      </m:sSubPr>
+                      <m:e>
+                        <m:r>
+                          <a:rPr lang="zh-TW" altLang="en-US" sz="2000" b="0" i="1" smtClean="0">
+                            <a:latin typeface="Cambria Math" panose="02040503050406030204" pitchFamily="18" charset="0"/>
+                          </a:rPr>
+                          <m:t>𝛼</m:t>
+                        </m:r>
+                      </m:e>
+                      <m:sub>
+                        <m:r>
+                          <a:rPr lang="en-US" altLang="zh-TW" sz="2000" b="0" i="1" smtClean="0">
+                            <a:latin typeface="Cambria Math" panose="02040503050406030204" pitchFamily="18" charset="0"/>
+                          </a:rPr>
+                          <m:t>𝑖</m:t>
+                        </m:r>
+                      </m:sub>
+                    </m:sSub>
+                    <m:r>
+                      <a:rPr lang="en-US" altLang="zh-TW" sz="2000" b="0" i="1" smtClean="0">
+                        <a:latin typeface="Cambria Math" panose="02040503050406030204" pitchFamily="18" charset="0"/>
+                      </a:rPr>
+                      <m:t>𝐴</m:t>
+                    </m:r>
+                    <m:sSub>
+                      <m:sSubPr>
+                        <m:ctrlPr>
+                          <a:rPr lang="en-US" altLang="zh-TW" sz="2000" b="0" i="1" smtClean="0">
+                            <a:latin typeface="Cambria Math" panose="02040503050406030204" pitchFamily="18" charset="0"/>
+                          </a:rPr>
+                        </m:ctrlPr>
+                      </m:sSubPr>
+                      <m:e>
+                        <m:r>
+                          <a:rPr lang="en-US" altLang="zh-TW" sz="2000" b="0" i="1" smtClean="0">
+                            <a:latin typeface="Cambria Math" panose="02040503050406030204" pitchFamily="18" charset="0"/>
+                          </a:rPr>
+                          <m:t>𝑑</m:t>
+                        </m:r>
+                      </m:e>
+                      <m:sub>
+                        <m:r>
+                          <a:rPr lang="en-US" altLang="zh-TW" sz="2000" b="0" i="1" smtClean="0">
+                            <a:latin typeface="Cambria Math" panose="02040503050406030204" pitchFamily="18" charset="0"/>
+                          </a:rPr>
+                          <m:t>𝑖</m:t>
+                        </m:r>
+                      </m:sub>
+                    </m:sSub>
+                  </m:oMath>
+                </a14:m>
+                <a:endParaRPr lang="en-US" altLang="zh-TW" sz="2000" dirty="0"/>
+              </a:p>
+              <a:p>
+                <a:endParaRPr lang="en-US" altLang="zh-TW" sz="2000" dirty="0"/>
+              </a:p>
+              <a:p>
+                <a:r>
+                  <a:rPr lang="en-US" altLang="zh-TW" sz="2000" dirty="0"/>
+                  <a:t>5.  </a:t>
+                </a:r>
+                <a14:m>
+                  <m:oMath xmlns:m="http://schemas.openxmlformats.org/officeDocument/2006/math">
+                    <m:sSub>
+                      <m:sSubPr>
+                        <m:ctrlPr>
+                          <a:rPr lang="en-US" altLang="zh-TW" sz="2000" i="1">
+                            <a:latin typeface="Cambria Math" panose="02040503050406030204" pitchFamily="18" charset="0"/>
+                          </a:rPr>
+                        </m:ctrlPr>
+                      </m:sSubPr>
+                      <m:e>
+                        <m:r>
+                          <a:rPr lang="zh-TW" altLang="en-US" sz="2000" i="1" smtClean="0">
+                            <a:latin typeface="Cambria Math" panose="02040503050406030204" pitchFamily="18" charset="0"/>
+                          </a:rPr>
+                          <m:t>𝛽</m:t>
+                        </m:r>
+                      </m:e>
+                      <m:sub>
+                        <m:r>
+                          <a:rPr lang="en-US" altLang="zh-TW" sz="2000" b="0" i="1" smtClean="0">
+                            <a:latin typeface="Cambria Math" panose="02040503050406030204" pitchFamily="18" charset="0"/>
+                          </a:rPr>
+                          <m:t>𝑖</m:t>
+                        </m:r>
+                        <m:r>
+                          <a:rPr lang="en-US" altLang="zh-TW" sz="2000" b="0" i="1" smtClean="0">
+                            <a:latin typeface="Cambria Math" panose="02040503050406030204" pitchFamily="18" charset="0"/>
+                          </a:rPr>
+                          <m:t>+1</m:t>
+                        </m:r>
+                      </m:sub>
+                    </m:sSub>
+                    <m:r>
+                      <a:rPr lang="en-US" altLang="zh-TW" sz="2000" i="1">
+                        <a:latin typeface="Cambria Math" panose="02040503050406030204" pitchFamily="18" charset="0"/>
+                      </a:rPr>
+                      <m:t>=</m:t>
+                    </m:r>
+                    <m:f>
+                      <m:fPr>
+                        <m:ctrlPr>
+                          <a:rPr lang="en-US" altLang="zh-TW" sz="2000" i="1">
+                            <a:latin typeface="Cambria Math" panose="02040503050406030204" pitchFamily="18" charset="0"/>
+                          </a:rPr>
+                        </m:ctrlPr>
+                      </m:fPr>
+                      <m:num>
+                        <m:sSubSup>
+                          <m:sSubSupPr>
+                            <m:ctrlPr>
+                              <a:rPr lang="en-US" altLang="zh-TW" sz="2000" i="1">
+                                <a:latin typeface="Cambria Math" panose="02040503050406030204" pitchFamily="18" charset="0"/>
+                              </a:rPr>
+                            </m:ctrlPr>
+                          </m:sSubSupPr>
+                          <m:e>
+                            <m:r>
+                              <a:rPr lang="en-US" altLang="zh-TW" sz="2000" b="0" i="1" smtClean="0">
+                                <a:latin typeface="Cambria Math" panose="02040503050406030204" pitchFamily="18" charset="0"/>
+                              </a:rPr>
+                              <m:t>𝑟</m:t>
+                            </m:r>
+                          </m:e>
+                          <m:sub>
+                            <m:r>
+                              <a:rPr lang="en-US" altLang="zh-TW" sz="2000" i="1">
+                                <a:latin typeface="Cambria Math" panose="02040503050406030204" pitchFamily="18" charset="0"/>
+                              </a:rPr>
+                              <m:t>𝑖</m:t>
+                            </m:r>
+                            <m:r>
+                              <a:rPr lang="en-US" altLang="zh-TW" sz="2000" b="0" i="1" smtClean="0">
+                                <a:latin typeface="Cambria Math" panose="02040503050406030204" pitchFamily="18" charset="0"/>
+                              </a:rPr>
+                              <m:t>+1</m:t>
+                            </m:r>
+                          </m:sub>
+                          <m:sup>
+                            <m:r>
+                              <a:rPr lang="en-US" altLang="zh-TW" sz="2000" i="1">
+                                <a:latin typeface="Cambria Math" panose="02040503050406030204" pitchFamily="18" charset="0"/>
+                              </a:rPr>
+                              <m:t>𝑇</m:t>
+                            </m:r>
+                          </m:sup>
+                        </m:sSubSup>
+                        <m:sSub>
+                          <m:sSubPr>
+                            <m:ctrlPr>
+                              <a:rPr lang="en-US" altLang="zh-TW" sz="2000" i="1">
+                                <a:latin typeface="Cambria Math" panose="02040503050406030204" pitchFamily="18" charset="0"/>
+                              </a:rPr>
+                            </m:ctrlPr>
+                          </m:sSubPr>
+                          <m:e>
+                            <m:r>
+                              <a:rPr lang="en-US" altLang="zh-TW" sz="2000" i="1">
+                                <a:latin typeface="Cambria Math" panose="02040503050406030204" pitchFamily="18" charset="0"/>
+                              </a:rPr>
+                              <m:t>𝑟</m:t>
+                            </m:r>
+                          </m:e>
+                          <m:sub>
+                            <m:r>
+                              <a:rPr lang="en-US" altLang="zh-TW" sz="2000" i="1">
+                                <a:latin typeface="Cambria Math" panose="02040503050406030204" pitchFamily="18" charset="0"/>
+                              </a:rPr>
+                              <m:t>𝑖</m:t>
+                            </m:r>
+                            <m:r>
+                              <a:rPr lang="en-US" altLang="zh-TW" sz="2000" b="0" i="1" smtClean="0">
+                                <a:latin typeface="Cambria Math" panose="02040503050406030204" pitchFamily="18" charset="0"/>
+                              </a:rPr>
+                              <m:t>+1</m:t>
+                            </m:r>
+                          </m:sub>
+                        </m:sSub>
+                      </m:num>
+                      <m:den>
+                        <m:sSubSup>
+                          <m:sSubSupPr>
+                            <m:ctrlPr>
+                              <a:rPr lang="en-US" altLang="zh-TW" sz="2000" i="1">
+                                <a:latin typeface="Cambria Math" panose="02040503050406030204" pitchFamily="18" charset="0"/>
+                              </a:rPr>
+                            </m:ctrlPr>
+                          </m:sSubSupPr>
+                          <m:e>
+                            <m:r>
+                              <a:rPr lang="en-US" altLang="zh-TW" sz="2000" b="0" i="1" smtClean="0">
+                                <a:latin typeface="Cambria Math" panose="02040503050406030204" pitchFamily="18" charset="0"/>
+                              </a:rPr>
+                              <m:t>𝑟</m:t>
+                            </m:r>
+                          </m:e>
+                          <m:sub>
+                            <m:r>
+                              <a:rPr lang="en-US" altLang="zh-TW" sz="2000" i="1">
+                                <a:latin typeface="Cambria Math" panose="02040503050406030204" pitchFamily="18" charset="0"/>
+                              </a:rPr>
+                              <m:t>𝑖</m:t>
+                            </m:r>
+                          </m:sub>
+                          <m:sup>
+                            <m:r>
+                              <a:rPr lang="en-US" altLang="zh-TW" sz="2000" i="1">
+                                <a:latin typeface="Cambria Math" panose="02040503050406030204" pitchFamily="18" charset="0"/>
+                              </a:rPr>
+                              <m:t>𝑇</m:t>
+                            </m:r>
+                          </m:sup>
+                        </m:sSubSup>
+                        <m:sSub>
+                          <m:sSubPr>
+                            <m:ctrlPr>
+                              <a:rPr lang="en-US" altLang="zh-TW" sz="2000" i="1">
+                                <a:latin typeface="Cambria Math" panose="02040503050406030204" pitchFamily="18" charset="0"/>
+                              </a:rPr>
+                            </m:ctrlPr>
+                          </m:sSubPr>
+                          <m:e>
+                            <m:r>
+                              <a:rPr lang="en-US" altLang="zh-TW" sz="2000" b="0" i="1" smtClean="0">
+                                <a:latin typeface="Cambria Math" panose="02040503050406030204" pitchFamily="18" charset="0"/>
+                              </a:rPr>
+                              <m:t>𝑟</m:t>
+                            </m:r>
+                          </m:e>
+                          <m:sub>
+                            <m:r>
+                              <a:rPr lang="en-US" altLang="zh-TW" sz="2000" i="1">
+                                <a:latin typeface="Cambria Math" panose="02040503050406030204" pitchFamily="18" charset="0"/>
+                              </a:rPr>
+                              <m:t>𝑖</m:t>
+                            </m:r>
+                          </m:sub>
+                        </m:sSub>
+                      </m:den>
+                    </m:f>
+                  </m:oMath>
+                </a14:m>
+                <a:endParaRPr lang="en-US" altLang="zh-TW" sz="2000" dirty="0"/>
+              </a:p>
+              <a:p>
+                <a:endParaRPr lang="en-US" altLang="zh-TW" sz="2000" dirty="0"/>
+              </a:p>
+              <a:p>
+                <a:r>
+                  <a:rPr lang="en-US" altLang="zh-TW" sz="2000" dirty="0"/>
+                  <a:t>6.  </a:t>
+                </a:r>
+                <a14:m>
+                  <m:oMath xmlns:m="http://schemas.openxmlformats.org/officeDocument/2006/math">
+                    <m:sSub>
+                      <m:sSubPr>
+                        <m:ctrlPr>
+                          <a:rPr lang="en-US" altLang="zh-TW" sz="2000" i="1">
+                            <a:latin typeface="Cambria Math" panose="02040503050406030204" pitchFamily="18" charset="0"/>
+                          </a:rPr>
+                        </m:ctrlPr>
+                      </m:sSubPr>
+                      <m:e>
+                        <m:r>
+                          <a:rPr lang="en-US" altLang="zh-TW" sz="2000" b="0" i="1" smtClean="0">
+                            <a:latin typeface="Cambria Math" panose="02040503050406030204" pitchFamily="18" charset="0"/>
+                          </a:rPr>
+                          <m:t>𝑑</m:t>
+                        </m:r>
+                      </m:e>
+                      <m:sub>
+                        <m:r>
+                          <a:rPr lang="en-US" altLang="zh-TW" sz="2000" i="1">
+                            <a:latin typeface="Cambria Math" panose="02040503050406030204" pitchFamily="18" charset="0"/>
+                          </a:rPr>
+                          <m:t>𝑖</m:t>
+                        </m:r>
+                        <m:r>
+                          <a:rPr lang="en-US" altLang="zh-TW" sz="2000" i="1">
+                            <a:latin typeface="Cambria Math" panose="02040503050406030204" pitchFamily="18" charset="0"/>
+                          </a:rPr>
+                          <m:t>+1</m:t>
+                        </m:r>
+                      </m:sub>
+                    </m:sSub>
+                    <m:r>
+                      <a:rPr lang="en-US" altLang="zh-TW" sz="2000" i="1">
+                        <a:latin typeface="Cambria Math" panose="02040503050406030204" pitchFamily="18" charset="0"/>
+                      </a:rPr>
+                      <m:t>=</m:t>
+                    </m:r>
+                    <m:sSub>
+                      <m:sSubPr>
+                        <m:ctrlPr>
+                          <a:rPr lang="en-US" altLang="zh-TW" sz="2000" i="1">
+                            <a:latin typeface="Cambria Math" panose="02040503050406030204" pitchFamily="18" charset="0"/>
+                          </a:rPr>
+                        </m:ctrlPr>
+                      </m:sSubPr>
+                      <m:e>
+                        <m:r>
+                          <a:rPr lang="en-US" altLang="zh-TW" sz="2000" i="1">
+                            <a:latin typeface="Cambria Math" panose="02040503050406030204" pitchFamily="18" charset="0"/>
+                          </a:rPr>
+                          <m:t>𝑟</m:t>
+                        </m:r>
+                      </m:e>
+                      <m:sub>
+                        <m:r>
+                          <a:rPr lang="en-US" altLang="zh-TW" sz="2000" i="1">
+                            <a:latin typeface="Cambria Math" panose="02040503050406030204" pitchFamily="18" charset="0"/>
+                          </a:rPr>
+                          <m:t>𝑖</m:t>
+                        </m:r>
+                        <m:r>
+                          <a:rPr lang="en-US" altLang="zh-TW" sz="2000" b="0" i="1" smtClean="0">
+                            <a:latin typeface="Cambria Math" panose="02040503050406030204" pitchFamily="18" charset="0"/>
+                          </a:rPr>
+                          <m:t>+1</m:t>
+                        </m:r>
+                      </m:sub>
+                    </m:sSub>
+                    <m:r>
+                      <a:rPr lang="en-US" altLang="zh-TW" sz="2000" b="0" i="1" smtClean="0">
+                        <a:latin typeface="Cambria Math" panose="02040503050406030204" pitchFamily="18" charset="0"/>
+                      </a:rPr>
+                      <m:t>+</m:t>
+                    </m:r>
+                    <m:sSub>
+                      <m:sSubPr>
+                        <m:ctrlPr>
+                          <a:rPr lang="en-US" altLang="zh-TW" sz="2000" i="1">
+                            <a:latin typeface="Cambria Math" panose="02040503050406030204" pitchFamily="18" charset="0"/>
+                          </a:rPr>
+                        </m:ctrlPr>
+                      </m:sSubPr>
+                      <m:e>
+                        <m:r>
+                          <a:rPr lang="zh-TW" altLang="en-US" sz="2000" i="1" smtClean="0">
+                            <a:latin typeface="Cambria Math" panose="02040503050406030204" pitchFamily="18" charset="0"/>
+                          </a:rPr>
+                          <m:t>𝛽</m:t>
+                        </m:r>
+                      </m:e>
+                      <m:sub>
+                        <m:r>
+                          <a:rPr lang="en-US" altLang="zh-TW" sz="2000" i="1">
+                            <a:latin typeface="Cambria Math" panose="02040503050406030204" pitchFamily="18" charset="0"/>
+                          </a:rPr>
+                          <m:t>𝑖</m:t>
+                        </m:r>
+                        <m:r>
+                          <a:rPr lang="en-US" altLang="zh-TW" sz="2000" b="0" i="1" smtClean="0">
+                            <a:latin typeface="Cambria Math" panose="02040503050406030204" pitchFamily="18" charset="0"/>
+                          </a:rPr>
+                          <m:t>+1</m:t>
+                        </m:r>
+                      </m:sub>
+                    </m:sSub>
+                    <m:sSub>
+                      <m:sSubPr>
+                        <m:ctrlPr>
+                          <a:rPr lang="en-US" altLang="zh-TW" sz="2000" i="1">
+                            <a:latin typeface="Cambria Math" panose="02040503050406030204" pitchFamily="18" charset="0"/>
+                          </a:rPr>
+                        </m:ctrlPr>
+                      </m:sSubPr>
+                      <m:e>
+                        <m:r>
+                          <a:rPr lang="en-US" altLang="zh-TW" sz="2000" i="1">
+                            <a:latin typeface="Cambria Math" panose="02040503050406030204" pitchFamily="18" charset="0"/>
+                          </a:rPr>
+                          <m:t>𝑑</m:t>
+                        </m:r>
+                      </m:e>
+                      <m:sub>
+                        <m:r>
+                          <a:rPr lang="en-US" altLang="zh-TW" sz="2000" i="1">
+                            <a:latin typeface="Cambria Math" panose="02040503050406030204" pitchFamily="18" charset="0"/>
+                          </a:rPr>
+                          <m:t>𝑖</m:t>
+                        </m:r>
+                      </m:sub>
+                    </m:sSub>
+                  </m:oMath>
+                </a14:m>
+                <a:endParaRPr lang="en-US" altLang="zh-TW" sz="2000" dirty="0"/>
+              </a:p>
+              <a:p>
+                <a:endParaRPr lang="en-US" altLang="zh-TW" sz="2000" dirty="0"/>
+              </a:p>
+            </p:txBody>
+          </p:sp>
+        </mc:Choice>
+        <mc:Fallback>
+          <p:sp>
+            <p:nvSpPr>
+              <p:cNvPr id="4" name="文字方塊 7">
+                <a:extLst>
+                  <a:ext uri="{FF2B5EF4-FFF2-40B4-BE49-F238E27FC236}">
+                    <a16:creationId xmlns:a16="http://schemas.microsoft.com/office/drawing/2014/main" id="{BC0AF789-894A-6D4A-8FCF-BA15951AEFDA}"/>
+                  </a:ext>
+                </a:extLst>
+              </p:cNvPr>
+              <p:cNvSpPr txBox="1">
+                <a:spLocks noRot="1" noChangeAspect="1" noMove="1" noResize="1" noEditPoints="1" noAdjustHandles="1" noChangeArrowheads="1" noChangeShapeType="1" noTextEdit="1"/>
+              </p:cNvSpPr>
+              <p:nvPr/>
+            </p:nvSpPr>
+            <p:spPr>
+              <a:xfrm>
+                <a:off x="838200" y="1780549"/>
+                <a:ext cx="4043130" cy="4311117"/>
+              </a:xfrm>
+              <a:prstGeom prst="rect">
+                <a:avLst/>
+              </a:prstGeom>
+              <a:blipFill>
+                <a:blip r:embed="rId2"/>
+                <a:stretch>
+                  <a:fillRect l="-1881" t="-882"/>
+                </a:stretch>
+              </a:blipFill>
+            </p:spPr>
+            <p:txBody>
+              <a:bodyPr/>
+              <a:lstStyle/>
+              <a:p>
+                <a:r>
+                  <a:rPr lang="en-TW">
+                    <a:noFill/>
+                  </a:rPr>
+                  <a:t> </a:t>
+                </a:r>
+              </a:p>
+            </p:txBody>
+          </p:sp>
+        </mc:Fallback>
+      </mc:AlternateContent>
+      <mc:AlternateContent xmlns:mc="http://schemas.openxmlformats.org/markup-compatibility/2006">
+        <mc:Choice xmlns:a14="http://schemas.microsoft.com/office/drawing/2010/main" Requires="a14">
+          <p:sp>
+            <p:nvSpPr>
+              <p:cNvPr id="8" name="TextBox 7">
+                <a:extLst>
+                  <a:ext uri="{FF2B5EF4-FFF2-40B4-BE49-F238E27FC236}">
+                    <a16:creationId xmlns:a16="http://schemas.microsoft.com/office/drawing/2014/main" id="{73C402C6-6772-E743-9953-73A8BF8A26B7}"/>
+                  </a:ext>
+                </a:extLst>
+              </p:cNvPr>
+              <p:cNvSpPr txBox="1"/>
+              <p:nvPr/>
+            </p:nvSpPr>
+            <p:spPr>
+              <a:xfrm>
+                <a:off x="5164435" y="3752403"/>
+                <a:ext cx="6814558" cy="367408"/>
+              </a:xfrm>
+              <a:prstGeom prst="rect">
+                <a:avLst/>
+              </a:prstGeom>
+              <a:noFill/>
+            </p:spPr>
+            <p:txBody>
+              <a:bodyPr wrap="none" lIns="0" tIns="0" rIns="0" bIns="0" rtlCol="0">
+                <a:spAutoFit/>
+              </a:bodyPr>
+              <a:lstStyle/>
+              <a:p>
+                <a:r>
+                  <a:rPr lang="en-US" altLang="zh-TW" dirty="0"/>
+                  <a:t>Odd</a:t>
+                </a:r>
+                <a:r>
+                  <a:rPr lang="zh-TW" altLang="en-US" dirty="0"/>
+                  <a:t> </a:t>
+                </a:r>
+                <a:r>
+                  <a:rPr lang="en-US" altLang="zh-TW" dirty="0"/>
+                  <a:t>Grid</a:t>
+                </a:r>
+                <a:r>
+                  <a:rPr lang="zh-TW" altLang="en-US" dirty="0"/>
+                  <a:t> </a:t>
+                </a:r>
+                <a:r>
+                  <a:rPr lang="en-US" altLang="zh-TW" dirty="0"/>
+                  <a:t>:</a:t>
+                </a:r>
+                <a:r>
+                  <a:rPr lang="zh-TW" altLang="en-US" dirty="0"/>
+                  <a:t> </a:t>
+                </a:r>
+                <a14:m>
+                  <m:oMath xmlns:m="http://schemas.openxmlformats.org/officeDocument/2006/math">
+                    <m:sSubSup>
+                      <m:sSubSupPr>
+                        <m:ctrlPr>
+                          <a:rPr lang="en-TW" i="1" smtClean="0">
+                            <a:latin typeface="Cambria Math" panose="02040503050406030204" pitchFamily="18" charset="0"/>
+                          </a:rPr>
+                        </m:ctrlPr>
+                      </m:sSubSupPr>
+                      <m:e>
+                        <m:r>
+                          <a:rPr lang="en-US" altLang="zh-TW" b="0" i="1" smtClean="0">
+                            <a:latin typeface="Cambria Math" panose="02040503050406030204" pitchFamily="18" charset="0"/>
+                          </a:rPr>
+                          <m:t>𝑈</m:t>
+                        </m:r>
+                      </m:e>
+                      <m:sub>
+                        <m:r>
+                          <a:rPr lang="en-US" altLang="zh-TW" b="0" i="1" smtClean="0">
+                            <a:latin typeface="Cambria Math" panose="02040503050406030204" pitchFamily="18" charset="0"/>
+                          </a:rPr>
+                          <m:t>𝑖</m:t>
+                        </m:r>
+                        <m:r>
+                          <a:rPr lang="en-US" altLang="zh-TW" b="0" i="1" smtClean="0">
+                            <a:latin typeface="Cambria Math" panose="02040503050406030204" pitchFamily="18" charset="0"/>
+                          </a:rPr>
+                          <m:t>,</m:t>
+                        </m:r>
+                        <m:r>
+                          <a:rPr lang="en-US" altLang="zh-TW" b="0" i="1" smtClean="0">
+                            <a:latin typeface="Cambria Math" panose="02040503050406030204" pitchFamily="18" charset="0"/>
+                          </a:rPr>
+                          <m:t>𝑗</m:t>
+                        </m:r>
+                      </m:sub>
+                      <m:sup>
+                        <m:r>
+                          <a:rPr lang="en-US" altLang="zh-TW" b="0" i="1" smtClean="0">
+                            <a:latin typeface="Cambria Math" panose="02040503050406030204" pitchFamily="18" charset="0"/>
+                          </a:rPr>
+                          <m:t>𝑚</m:t>
+                        </m:r>
+                        <m:r>
+                          <a:rPr lang="en-US" altLang="zh-TW" b="0" i="1" smtClean="0">
+                            <a:latin typeface="Cambria Math" panose="02040503050406030204" pitchFamily="18" charset="0"/>
+                          </a:rPr>
+                          <m:t>+1</m:t>
+                        </m:r>
+                      </m:sup>
+                    </m:sSubSup>
+                    <m:r>
+                      <a:rPr lang="en-US" altLang="zh-TW" b="0" i="1" smtClean="0">
+                        <a:latin typeface="Cambria Math" panose="02040503050406030204" pitchFamily="18" charset="0"/>
+                      </a:rPr>
+                      <m:t>=</m:t>
+                    </m:r>
+                    <m:f>
+                      <m:fPr>
+                        <m:ctrlPr>
+                          <a:rPr lang="en-US" altLang="zh-TW" b="0" i="1" smtClean="0">
+                            <a:latin typeface="Cambria Math" panose="02040503050406030204" pitchFamily="18" charset="0"/>
+                          </a:rPr>
+                        </m:ctrlPr>
+                      </m:fPr>
+                      <m:num>
+                        <m:r>
+                          <a:rPr lang="en-US" altLang="zh-TW" b="0" i="1" smtClean="0">
+                            <a:latin typeface="Cambria Math" panose="02040503050406030204" pitchFamily="18" charset="0"/>
+                          </a:rPr>
+                          <m:t>𝑤</m:t>
+                        </m:r>
+                      </m:num>
+                      <m:den>
+                        <m:r>
+                          <a:rPr lang="en-US" altLang="zh-TW" b="0" i="1" smtClean="0">
+                            <a:latin typeface="Cambria Math" panose="02040503050406030204" pitchFamily="18" charset="0"/>
+                          </a:rPr>
+                          <m:t>4</m:t>
+                        </m:r>
+                      </m:den>
+                    </m:f>
+                    <m:r>
+                      <a:rPr lang="zh-TW" altLang="en-US" b="0" i="1" smtClean="0">
+                        <a:latin typeface="Cambria Math" panose="02040503050406030204" pitchFamily="18" charset="0"/>
+                      </a:rPr>
+                      <m:t> ∗</m:t>
+                    </m:r>
+                    <m:r>
+                      <a:rPr lang="en-US" altLang="zh-TW" b="0" i="1" smtClean="0">
+                        <a:latin typeface="Cambria Math" panose="02040503050406030204" pitchFamily="18" charset="0"/>
+                      </a:rPr>
+                      <m:t>(</m:t>
+                    </m:r>
+                    <m:sSubSup>
+                      <m:sSubSupPr>
+                        <m:ctrlPr>
+                          <a:rPr lang="en-US" altLang="zh-TW" b="0" i="1" smtClean="0">
+                            <a:latin typeface="Cambria Math" panose="02040503050406030204" pitchFamily="18" charset="0"/>
+                          </a:rPr>
+                        </m:ctrlPr>
+                      </m:sSubSupPr>
+                      <m:e>
+                        <m:r>
+                          <a:rPr lang="en-US" altLang="zh-TW" b="0" i="1" smtClean="0">
+                            <a:latin typeface="Cambria Math" panose="02040503050406030204" pitchFamily="18" charset="0"/>
+                          </a:rPr>
+                          <m:t>𝑈</m:t>
+                        </m:r>
+                      </m:e>
+                      <m:sub>
+                        <m:r>
+                          <a:rPr lang="en-US" altLang="zh-TW" b="0" i="1" smtClean="0">
+                            <a:latin typeface="Cambria Math" panose="02040503050406030204" pitchFamily="18" charset="0"/>
+                          </a:rPr>
+                          <m:t>𝑖</m:t>
+                        </m:r>
+                        <m:r>
+                          <a:rPr lang="en-US" altLang="zh-TW" b="0" i="1" smtClean="0">
+                            <a:latin typeface="Cambria Math" panose="02040503050406030204" pitchFamily="18" charset="0"/>
+                          </a:rPr>
+                          <m:t>−1,</m:t>
+                        </m:r>
+                        <m:r>
+                          <a:rPr lang="en-US" altLang="zh-TW" b="0" i="1" smtClean="0">
+                            <a:latin typeface="Cambria Math" panose="02040503050406030204" pitchFamily="18" charset="0"/>
+                          </a:rPr>
+                          <m:t>𝑗</m:t>
+                        </m:r>
+                      </m:sub>
+                      <m:sup>
+                        <m:r>
+                          <a:rPr lang="en-US" altLang="zh-TW" b="0" i="1" smtClean="0">
+                            <a:latin typeface="Cambria Math" panose="02040503050406030204" pitchFamily="18" charset="0"/>
+                          </a:rPr>
+                          <m:t>𝑚</m:t>
+                        </m:r>
+                      </m:sup>
+                    </m:sSubSup>
+                    <m:r>
+                      <a:rPr lang="en-US" altLang="zh-TW" b="0" i="1" smtClean="0">
+                        <a:latin typeface="Cambria Math" panose="02040503050406030204" pitchFamily="18" charset="0"/>
+                      </a:rPr>
+                      <m:t>+</m:t>
+                    </m:r>
+                    <m:sSubSup>
+                      <m:sSubSupPr>
+                        <m:ctrlPr>
+                          <a:rPr lang="en-US" altLang="zh-TW" i="1">
+                            <a:latin typeface="Cambria Math" panose="02040503050406030204" pitchFamily="18" charset="0"/>
+                          </a:rPr>
+                        </m:ctrlPr>
+                      </m:sSubSupPr>
+                      <m:e>
+                        <m:r>
+                          <a:rPr lang="en-US" altLang="zh-TW" i="1">
+                            <a:latin typeface="Cambria Math" panose="02040503050406030204" pitchFamily="18" charset="0"/>
+                          </a:rPr>
+                          <m:t>𝑈</m:t>
+                        </m:r>
+                      </m:e>
+                      <m:sub>
+                        <m:r>
+                          <a:rPr lang="en-US" altLang="zh-TW" i="1" smtClean="0">
+                            <a:latin typeface="Cambria Math" panose="02040503050406030204" pitchFamily="18" charset="0"/>
+                          </a:rPr>
+                          <m:t>𝑖</m:t>
+                        </m:r>
+                        <m:r>
+                          <a:rPr lang="en-US" altLang="zh-TW" b="0" i="1" smtClean="0">
+                            <a:latin typeface="Cambria Math" panose="02040503050406030204" pitchFamily="18" charset="0"/>
+                          </a:rPr>
+                          <m:t>+</m:t>
+                        </m:r>
+                        <m:r>
+                          <a:rPr lang="en-US" altLang="zh-TW" i="1">
+                            <a:latin typeface="Cambria Math" panose="02040503050406030204" pitchFamily="18" charset="0"/>
+                          </a:rPr>
+                          <m:t>1,</m:t>
+                        </m:r>
+                        <m:r>
+                          <a:rPr lang="en-US" altLang="zh-TW" i="1">
+                            <a:latin typeface="Cambria Math" panose="02040503050406030204" pitchFamily="18" charset="0"/>
+                          </a:rPr>
+                          <m:t>𝑗</m:t>
+                        </m:r>
+                      </m:sub>
+                      <m:sup>
+                        <m:r>
+                          <a:rPr lang="en-US" altLang="zh-TW" i="1">
+                            <a:latin typeface="Cambria Math" panose="02040503050406030204" pitchFamily="18" charset="0"/>
+                          </a:rPr>
+                          <m:t>𝑚</m:t>
+                        </m:r>
+                      </m:sup>
+                    </m:sSubSup>
+                    <m:r>
+                      <a:rPr lang="en-US" altLang="zh-TW" b="0" i="0" smtClean="0">
+                        <a:latin typeface="Cambria Math" panose="02040503050406030204" pitchFamily="18" charset="0"/>
+                      </a:rPr>
+                      <m:t>+</m:t>
+                    </m:r>
+                    <m:sSubSup>
+                      <m:sSubSupPr>
+                        <m:ctrlPr>
+                          <a:rPr lang="en-US" altLang="zh-TW" i="1">
+                            <a:latin typeface="Cambria Math" panose="02040503050406030204" pitchFamily="18" charset="0"/>
+                          </a:rPr>
+                        </m:ctrlPr>
+                      </m:sSubSupPr>
+                      <m:e>
+                        <m:r>
+                          <a:rPr lang="en-US" altLang="zh-TW" i="1">
+                            <a:latin typeface="Cambria Math" panose="02040503050406030204" pitchFamily="18" charset="0"/>
+                          </a:rPr>
+                          <m:t>𝑈</m:t>
+                        </m:r>
+                      </m:e>
+                      <m:sub>
+                        <m:r>
+                          <a:rPr lang="en-US" altLang="zh-TW" i="1">
+                            <a:latin typeface="Cambria Math" panose="02040503050406030204" pitchFamily="18" charset="0"/>
+                          </a:rPr>
+                          <m:t>𝑖</m:t>
+                        </m:r>
+                        <m:r>
+                          <a:rPr lang="en-US" altLang="zh-TW" i="1">
+                            <a:latin typeface="Cambria Math" panose="02040503050406030204" pitchFamily="18" charset="0"/>
+                          </a:rPr>
+                          <m:t>,</m:t>
+                        </m:r>
+                        <m:r>
+                          <a:rPr lang="en-US" altLang="zh-TW" i="1">
+                            <a:latin typeface="Cambria Math" panose="02040503050406030204" pitchFamily="18" charset="0"/>
+                          </a:rPr>
+                          <m:t>𝑗</m:t>
+                        </m:r>
+                        <m:r>
+                          <a:rPr lang="en-US" altLang="zh-TW" b="0" i="1" smtClean="0">
+                            <a:latin typeface="Cambria Math" panose="02040503050406030204" pitchFamily="18" charset="0"/>
+                          </a:rPr>
+                          <m:t>−1</m:t>
+                        </m:r>
+                      </m:sub>
+                      <m:sup>
+                        <m:r>
+                          <a:rPr lang="en-US" altLang="zh-TW" i="1">
+                            <a:latin typeface="Cambria Math" panose="02040503050406030204" pitchFamily="18" charset="0"/>
+                          </a:rPr>
+                          <m:t>𝑚</m:t>
+                        </m:r>
+                      </m:sup>
+                    </m:sSubSup>
+                    <m:r>
+                      <a:rPr lang="en-US" altLang="zh-TW" b="0" i="0" smtClean="0">
+                        <a:latin typeface="Cambria Math" panose="02040503050406030204" pitchFamily="18" charset="0"/>
+                      </a:rPr>
+                      <m:t>+</m:t>
+                    </m:r>
+                    <m:sSubSup>
+                      <m:sSubSupPr>
+                        <m:ctrlPr>
+                          <a:rPr lang="en-US" altLang="zh-TW" i="1">
+                            <a:latin typeface="Cambria Math" panose="02040503050406030204" pitchFamily="18" charset="0"/>
+                          </a:rPr>
+                        </m:ctrlPr>
+                      </m:sSubSupPr>
+                      <m:e>
+                        <m:r>
+                          <a:rPr lang="en-US" altLang="zh-TW" i="1">
+                            <a:latin typeface="Cambria Math" panose="02040503050406030204" pitchFamily="18" charset="0"/>
+                          </a:rPr>
+                          <m:t>𝑈</m:t>
+                        </m:r>
+                      </m:e>
+                      <m:sub>
+                        <m:r>
+                          <a:rPr lang="en-US" altLang="zh-TW" i="1">
+                            <a:latin typeface="Cambria Math" panose="02040503050406030204" pitchFamily="18" charset="0"/>
+                          </a:rPr>
+                          <m:t>𝑖</m:t>
+                        </m:r>
+                        <m:r>
+                          <a:rPr lang="en-US" altLang="zh-TW" i="1">
+                            <a:latin typeface="Cambria Math" panose="02040503050406030204" pitchFamily="18" charset="0"/>
+                          </a:rPr>
+                          <m:t>,</m:t>
+                        </m:r>
+                        <m:r>
+                          <a:rPr lang="en-US" altLang="zh-TW" i="1">
+                            <a:latin typeface="Cambria Math" panose="02040503050406030204" pitchFamily="18" charset="0"/>
+                          </a:rPr>
+                          <m:t>𝑗</m:t>
+                        </m:r>
+                        <m:r>
+                          <a:rPr lang="en-US" altLang="zh-TW" b="0" i="1" smtClean="0">
+                            <a:latin typeface="Cambria Math" panose="02040503050406030204" pitchFamily="18" charset="0"/>
+                          </a:rPr>
+                          <m:t>+1</m:t>
+                        </m:r>
+                      </m:sub>
+                      <m:sup>
+                        <m:r>
+                          <a:rPr lang="en-US" altLang="zh-TW" i="1">
+                            <a:latin typeface="Cambria Math" panose="02040503050406030204" pitchFamily="18" charset="0"/>
+                          </a:rPr>
+                          <m:t>𝑚</m:t>
+                        </m:r>
+                      </m:sup>
+                    </m:sSubSup>
+                    <m:r>
+                      <a:rPr lang="en-US" altLang="zh-TW" b="0" i="0" smtClean="0">
+                        <a:latin typeface="Cambria Math" panose="02040503050406030204" pitchFamily="18" charset="0"/>
+                      </a:rPr>
+                      <m:t>−4</m:t>
+                    </m:r>
+                    <m:sSubSup>
+                      <m:sSubSupPr>
+                        <m:ctrlPr>
+                          <a:rPr lang="en-US" altLang="zh-TW" i="1">
+                            <a:latin typeface="Cambria Math" panose="02040503050406030204" pitchFamily="18" charset="0"/>
+                          </a:rPr>
+                        </m:ctrlPr>
+                      </m:sSubSupPr>
+                      <m:e>
+                        <m:r>
+                          <a:rPr lang="en-US" altLang="zh-TW" i="1">
+                            <a:latin typeface="Cambria Math" panose="02040503050406030204" pitchFamily="18" charset="0"/>
+                          </a:rPr>
+                          <m:t>𝑈</m:t>
+                        </m:r>
+                      </m:e>
+                      <m:sub>
+                        <m:r>
+                          <a:rPr lang="en-US" altLang="zh-TW" i="1">
+                            <a:latin typeface="Cambria Math" panose="02040503050406030204" pitchFamily="18" charset="0"/>
+                          </a:rPr>
+                          <m:t>𝑖</m:t>
+                        </m:r>
+                        <m:r>
+                          <a:rPr lang="en-US" altLang="zh-TW" i="1">
+                            <a:latin typeface="Cambria Math" panose="02040503050406030204" pitchFamily="18" charset="0"/>
+                          </a:rPr>
+                          <m:t>,</m:t>
+                        </m:r>
+                        <m:r>
+                          <a:rPr lang="en-US" altLang="zh-TW" i="1">
+                            <a:latin typeface="Cambria Math" panose="02040503050406030204" pitchFamily="18" charset="0"/>
+                          </a:rPr>
+                          <m:t>𝑗</m:t>
+                        </m:r>
+                      </m:sub>
+                      <m:sup>
+                        <m:r>
+                          <a:rPr lang="en-US" altLang="zh-TW" i="1">
+                            <a:latin typeface="Cambria Math" panose="02040503050406030204" pitchFamily="18" charset="0"/>
+                          </a:rPr>
+                          <m:t>𝑚</m:t>
+                        </m:r>
+                      </m:sup>
+                    </m:sSubSup>
+                    <m:r>
+                      <a:rPr lang="en-US" altLang="zh-TW" b="0" i="1" smtClean="0">
+                        <a:latin typeface="Cambria Math" panose="02040503050406030204" pitchFamily="18" charset="0"/>
+                      </a:rPr>
+                      <m:t>+</m:t>
+                    </m:r>
+                    <m:sSub>
+                      <m:sSubPr>
+                        <m:ctrlPr>
+                          <a:rPr lang="en-US" altLang="zh-TW" b="0" i="1" smtClean="0">
+                            <a:latin typeface="Cambria Math" panose="02040503050406030204" pitchFamily="18" charset="0"/>
+                          </a:rPr>
+                        </m:ctrlPr>
+                      </m:sSubPr>
+                      <m:e>
+                        <m:r>
+                          <a:rPr lang="en-US" altLang="zh-TW" b="0" i="1" smtClean="0">
+                            <a:latin typeface="Cambria Math" panose="02040503050406030204" pitchFamily="18" charset="0"/>
+                          </a:rPr>
+                          <m:t>𝑏</m:t>
+                        </m:r>
+                      </m:e>
+                      <m:sub>
+                        <m:r>
+                          <a:rPr lang="en-US" altLang="zh-TW" b="0" i="1" smtClean="0">
+                            <a:latin typeface="Cambria Math" panose="02040503050406030204" pitchFamily="18" charset="0"/>
+                          </a:rPr>
+                          <m:t>𝑖</m:t>
+                        </m:r>
+                        <m:r>
+                          <a:rPr lang="en-US" altLang="zh-TW" b="0" i="1" smtClean="0">
+                            <a:latin typeface="Cambria Math" panose="02040503050406030204" pitchFamily="18" charset="0"/>
+                          </a:rPr>
+                          <m:t>,</m:t>
+                        </m:r>
+                        <m:r>
+                          <a:rPr lang="en-US" altLang="zh-TW" b="0" i="1" smtClean="0">
+                            <a:latin typeface="Cambria Math" panose="02040503050406030204" pitchFamily="18" charset="0"/>
+                          </a:rPr>
+                          <m:t>𝑗</m:t>
+                        </m:r>
+                      </m:sub>
+                    </m:sSub>
+                    <m:r>
+                      <a:rPr lang="en-US" altLang="zh-TW" b="0" i="1" smtClean="0">
+                        <a:latin typeface="Cambria Math" panose="02040503050406030204" pitchFamily="18" charset="0"/>
+                      </a:rPr>
+                      <m:t>)</m:t>
+                    </m:r>
+                  </m:oMath>
+                </a14:m>
+                <a:endParaRPr lang="en-TW" dirty="0"/>
+              </a:p>
+            </p:txBody>
+          </p:sp>
+        </mc:Choice>
+        <mc:Fallback>
+          <p:sp>
+            <p:nvSpPr>
+              <p:cNvPr id="8" name="TextBox 7">
+                <a:extLst>
+                  <a:ext uri="{FF2B5EF4-FFF2-40B4-BE49-F238E27FC236}">
+                    <a16:creationId xmlns:a16="http://schemas.microsoft.com/office/drawing/2014/main" id="{73C402C6-6772-E743-9953-73A8BF8A26B7}"/>
+                  </a:ext>
+                </a:extLst>
+              </p:cNvPr>
+              <p:cNvSpPr txBox="1">
+                <a:spLocks noRot="1" noChangeAspect="1" noMove="1" noResize="1" noEditPoints="1" noAdjustHandles="1" noChangeArrowheads="1" noChangeShapeType="1" noTextEdit="1"/>
+              </p:cNvSpPr>
+              <p:nvPr/>
+            </p:nvSpPr>
+            <p:spPr>
+              <a:xfrm>
+                <a:off x="5164435" y="3752403"/>
+                <a:ext cx="6814558" cy="367408"/>
+              </a:xfrm>
+              <a:prstGeom prst="rect">
+                <a:avLst/>
+              </a:prstGeom>
+              <a:blipFill>
+                <a:blip r:embed="rId3"/>
+                <a:stretch>
+                  <a:fillRect l="-2045" t="-10000" r="-1301" b="-23333"/>
+                </a:stretch>
+              </a:blipFill>
+            </p:spPr>
+            <p:txBody>
+              <a:bodyPr/>
+              <a:lstStyle/>
+              <a:p>
+                <a:r>
+                  <a:rPr lang="en-TW">
+                    <a:noFill/>
+                  </a:rPr>
+                  <a:t> </a:t>
+                </a:r>
+              </a:p>
+            </p:txBody>
+          </p:sp>
+        </mc:Fallback>
+      </mc:AlternateContent>
+      <mc:AlternateContent xmlns:mc="http://schemas.openxmlformats.org/markup-compatibility/2006">
+        <mc:Choice xmlns:a14="http://schemas.microsoft.com/office/drawing/2010/main" Requires="a14">
+          <p:sp>
+            <p:nvSpPr>
+              <p:cNvPr id="11" name="TextBox 10">
+                <a:extLst>
+                  <a:ext uri="{FF2B5EF4-FFF2-40B4-BE49-F238E27FC236}">
+                    <a16:creationId xmlns:a16="http://schemas.microsoft.com/office/drawing/2014/main" id="{5A1C6570-F996-064D-B39D-038A84AE39A9}"/>
+                  </a:ext>
+                </a:extLst>
+              </p:cNvPr>
+              <p:cNvSpPr txBox="1"/>
+              <p:nvPr/>
+            </p:nvSpPr>
+            <p:spPr>
+              <a:xfrm>
+                <a:off x="5164435" y="3203008"/>
+                <a:ext cx="6917535" cy="367408"/>
+              </a:xfrm>
+              <a:prstGeom prst="rect">
+                <a:avLst/>
+              </a:prstGeom>
+              <a:noFill/>
+            </p:spPr>
+            <p:txBody>
+              <a:bodyPr wrap="none" lIns="0" tIns="0" rIns="0" bIns="0" rtlCol="0">
+                <a:spAutoFit/>
+              </a:bodyPr>
+              <a:lstStyle/>
+              <a:p>
+                <a:r>
+                  <a:rPr lang="en-US" altLang="zh-TW" dirty="0"/>
+                  <a:t>Even</a:t>
+                </a:r>
+                <a:r>
+                  <a:rPr lang="zh-TW" altLang="en-US" dirty="0"/>
+                  <a:t> </a:t>
+                </a:r>
+                <a:r>
+                  <a:rPr lang="en-US" altLang="zh-TW" dirty="0"/>
+                  <a:t>Grid</a:t>
+                </a:r>
+                <a:r>
+                  <a:rPr lang="zh-TW" altLang="en-US" dirty="0"/>
+                  <a:t> </a:t>
+                </a:r>
+                <a:r>
+                  <a:rPr lang="en-US" altLang="zh-TW" dirty="0"/>
+                  <a:t>:</a:t>
+                </a:r>
+                <a:r>
+                  <a:rPr lang="zh-TW" altLang="en-US" dirty="0"/>
+                  <a:t> </a:t>
+                </a:r>
+                <a14:m>
+                  <m:oMath xmlns:m="http://schemas.openxmlformats.org/officeDocument/2006/math">
+                    <m:sSubSup>
+                      <m:sSubSupPr>
+                        <m:ctrlPr>
+                          <a:rPr lang="en-TW" i="1" smtClean="0">
+                            <a:latin typeface="Cambria Math" panose="02040503050406030204" pitchFamily="18" charset="0"/>
+                          </a:rPr>
+                        </m:ctrlPr>
+                      </m:sSubSupPr>
+                      <m:e>
+                        <m:r>
+                          <a:rPr lang="en-US" altLang="zh-TW" b="0" i="1" smtClean="0">
+                            <a:latin typeface="Cambria Math" panose="02040503050406030204" pitchFamily="18" charset="0"/>
+                          </a:rPr>
+                          <m:t>𝑈</m:t>
+                        </m:r>
+                      </m:e>
+                      <m:sub>
+                        <m:r>
+                          <a:rPr lang="en-US" altLang="zh-TW" b="0" i="1" smtClean="0">
+                            <a:latin typeface="Cambria Math" panose="02040503050406030204" pitchFamily="18" charset="0"/>
+                          </a:rPr>
+                          <m:t>𝑖</m:t>
+                        </m:r>
+                        <m:r>
+                          <a:rPr lang="en-US" altLang="zh-TW" b="0" i="1" smtClean="0">
+                            <a:latin typeface="Cambria Math" panose="02040503050406030204" pitchFamily="18" charset="0"/>
+                          </a:rPr>
+                          <m:t>,</m:t>
+                        </m:r>
+                        <m:r>
+                          <a:rPr lang="en-US" altLang="zh-TW" b="0" i="1" smtClean="0">
+                            <a:latin typeface="Cambria Math" panose="02040503050406030204" pitchFamily="18" charset="0"/>
+                          </a:rPr>
+                          <m:t>𝑗</m:t>
+                        </m:r>
+                      </m:sub>
+                      <m:sup>
+                        <m:r>
+                          <a:rPr lang="en-US" altLang="zh-TW" b="0" i="1" smtClean="0">
+                            <a:latin typeface="Cambria Math" panose="02040503050406030204" pitchFamily="18" charset="0"/>
+                          </a:rPr>
+                          <m:t>𝑚</m:t>
+                        </m:r>
+                        <m:r>
+                          <a:rPr lang="en-US" altLang="zh-TW" b="0" i="1" smtClean="0">
+                            <a:latin typeface="Cambria Math" panose="02040503050406030204" pitchFamily="18" charset="0"/>
+                          </a:rPr>
+                          <m:t>+1</m:t>
+                        </m:r>
+                      </m:sup>
+                    </m:sSubSup>
+                    <m:r>
+                      <a:rPr lang="en-US" altLang="zh-TW" b="0" i="1" smtClean="0">
+                        <a:latin typeface="Cambria Math" panose="02040503050406030204" pitchFamily="18" charset="0"/>
+                      </a:rPr>
+                      <m:t>=</m:t>
+                    </m:r>
+                    <m:f>
+                      <m:fPr>
+                        <m:ctrlPr>
+                          <a:rPr lang="en-US" altLang="zh-TW" b="0" i="1" smtClean="0">
+                            <a:latin typeface="Cambria Math" panose="02040503050406030204" pitchFamily="18" charset="0"/>
+                          </a:rPr>
+                        </m:ctrlPr>
+                      </m:fPr>
+                      <m:num>
+                        <m:r>
+                          <a:rPr lang="en-US" altLang="zh-TW" b="0" i="1" smtClean="0">
+                            <a:latin typeface="Cambria Math" panose="02040503050406030204" pitchFamily="18" charset="0"/>
+                          </a:rPr>
+                          <m:t>𝑤</m:t>
+                        </m:r>
+                      </m:num>
+                      <m:den>
+                        <m:r>
+                          <a:rPr lang="en-US" altLang="zh-TW" b="0" i="1" smtClean="0">
+                            <a:latin typeface="Cambria Math" panose="02040503050406030204" pitchFamily="18" charset="0"/>
+                          </a:rPr>
+                          <m:t>4</m:t>
+                        </m:r>
+                      </m:den>
+                    </m:f>
+                    <m:r>
+                      <a:rPr lang="zh-TW" altLang="en-US" b="0" i="1" smtClean="0">
+                        <a:latin typeface="Cambria Math" panose="02040503050406030204" pitchFamily="18" charset="0"/>
+                      </a:rPr>
+                      <m:t> ∗</m:t>
+                    </m:r>
+                    <m:r>
+                      <a:rPr lang="en-US" altLang="zh-TW" b="0" i="1" smtClean="0">
+                        <a:latin typeface="Cambria Math" panose="02040503050406030204" pitchFamily="18" charset="0"/>
+                      </a:rPr>
+                      <m:t>(</m:t>
+                    </m:r>
+                    <m:sSubSup>
+                      <m:sSubSupPr>
+                        <m:ctrlPr>
+                          <a:rPr lang="en-US" altLang="zh-TW" b="0" i="1" smtClean="0">
+                            <a:latin typeface="Cambria Math" panose="02040503050406030204" pitchFamily="18" charset="0"/>
+                          </a:rPr>
+                        </m:ctrlPr>
+                      </m:sSubSupPr>
+                      <m:e>
+                        <m:r>
+                          <a:rPr lang="en-US" altLang="zh-TW" b="0" i="1" smtClean="0">
+                            <a:latin typeface="Cambria Math" panose="02040503050406030204" pitchFamily="18" charset="0"/>
+                          </a:rPr>
+                          <m:t>𝑈</m:t>
+                        </m:r>
+                      </m:e>
+                      <m:sub>
+                        <m:r>
+                          <a:rPr lang="en-US" altLang="zh-TW" b="0" i="1" smtClean="0">
+                            <a:latin typeface="Cambria Math" panose="02040503050406030204" pitchFamily="18" charset="0"/>
+                          </a:rPr>
+                          <m:t>𝑖</m:t>
+                        </m:r>
+                        <m:r>
+                          <a:rPr lang="en-US" altLang="zh-TW" b="0" i="1" smtClean="0">
+                            <a:latin typeface="Cambria Math" panose="02040503050406030204" pitchFamily="18" charset="0"/>
+                          </a:rPr>
+                          <m:t>−1,</m:t>
+                        </m:r>
+                        <m:r>
+                          <a:rPr lang="en-US" altLang="zh-TW" b="0" i="1" smtClean="0">
+                            <a:latin typeface="Cambria Math" panose="02040503050406030204" pitchFamily="18" charset="0"/>
+                          </a:rPr>
+                          <m:t>𝑗</m:t>
+                        </m:r>
+                      </m:sub>
+                      <m:sup>
+                        <m:r>
+                          <a:rPr lang="en-US" altLang="zh-TW" b="0" i="1" smtClean="0">
+                            <a:latin typeface="Cambria Math" panose="02040503050406030204" pitchFamily="18" charset="0"/>
+                          </a:rPr>
+                          <m:t>𝑚</m:t>
+                        </m:r>
+                      </m:sup>
+                    </m:sSubSup>
+                    <m:r>
+                      <a:rPr lang="en-US" altLang="zh-TW" b="0" i="1" smtClean="0">
+                        <a:latin typeface="Cambria Math" panose="02040503050406030204" pitchFamily="18" charset="0"/>
+                      </a:rPr>
+                      <m:t>+</m:t>
+                    </m:r>
+                    <m:sSubSup>
+                      <m:sSubSupPr>
+                        <m:ctrlPr>
+                          <a:rPr lang="en-US" altLang="zh-TW" i="1">
+                            <a:latin typeface="Cambria Math" panose="02040503050406030204" pitchFamily="18" charset="0"/>
+                          </a:rPr>
+                        </m:ctrlPr>
+                      </m:sSubSupPr>
+                      <m:e>
+                        <m:r>
+                          <a:rPr lang="en-US" altLang="zh-TW" i="1">
+                            <a:latin typeface="Cambria Math" panose="02040503050406030204" pitchFamily="18" charset="0"/>
+                          </a:rPr>
+                          <m:t>𝑈</m:t>
+                        </m:r>
+                      </m:e>
+                      <m:sub>
+                        <m:r>
+                          <a:rPr lang="en-US" altLang="zh-TW" i="1" smtClean="0">
+                            <a:latin typeface="Cambria Math" panose="02040503050406030204" pitchFamily="18" charset="0"/>
+                          </a:rPr>
+                          <m:t>𝑖</m:t>
+                        </m:r>
+                        <m:r>
+                          <a:rPr lang="en-US" altLang="zh-TW" b="0" i="1" smtClean="0">
+                            <a:latin typeface="Cambria Math" panose="02040503050406030204" pitchFamily="18" charset="0"/>
+                          </a:rPr>
+                          <m:t>+</m:t>
+                        </m:r>
+                        <m:r>
+                          <a:rPr lang="en-US" altLang="zh-TW" i="1">
+                            <a:latin typeface="Cambria Math" panose="02040503050406030204" pitchFamily="18" charset="0"/>
+                          </a:rPr>
+                          <m:t>1,</m:t>
+                        </m:r>
+                        <m:r>
+                          <a:rPr lang="en-US" altLang="zh-TW" i="1">
+                            <a:latin typeface="Cambria Math" panose="02040503050406030204" pitchFamily="18" charset="0"/>
+                          </a:rPr>
+                          <m:t>𝑗</m:t>
+                        </m:r>
+                      </m:sub>
+                      <m:sup>
+                        <m:r>
+                          <a:rPr lang="en-US" altLang="zh-TW" i="1">
+                            <a:latin typeface="Cambria Math" panose="02040503050406030204" pitchFamily="18" charset="0"/>
+                          </a:rPr>
+                          <m:t>𝑚</m:t>
+                        </m:r>
+                      </m:sup>
+                    </m:sSubSup>
+                    <m:r>
+                      <a:rPr lang="en-US" altLang="zh-TW" b="0" i="0" smtClean="0">
+                        <a:latin typeface="Cambria Math" panose="02040503050406030204" pitchFamily="18" charset="0"/>
+                      </a:rPr>
+                      <m:t>+</m:t>
+                    </m:r>
+                    <m:sSubSup>
+                      <m:sSubSupPr>
+                        <m:ctrlPr>
+                          <a:rPr lang="en-US" altLang="zh-TW" i="1">
+                            <a:latin typeface="Cambria Math" panose="02040503050406030204" pitchFamily="18" charset="0"/>
+                          </a:rPr>
+                        </m:ctrlPr>
+                      </m:sSubSupPr>
+                      <m:e>
+                        <m:r>
+                          <a:rPr lang="en-US" altLang="zh-TW" i="1">
+                            <a:latin typeface="Cambria Math" panose="02040503050406030204" pitchFamily="18" charset="0"/>
+                          </a:rPr>
+                          <m:t>𝑈</m:t>
+                        </m:r>
+                      </m:e>
+                      <m:sub>
+                        <m:r>
+                          <a:rPr lang="en-US" altLang="zh-TW" i="1">
+                            <a:latin typeface="Cambria Math" panose="02040503050406030204" pitchFamily="18" charset="0"/>
+                          </a:rPr>
+                          <m:t>𝑖</m:t>
+                        </m:r>
+                        <m:r>
+                          <a:rPr lang="en-US" altLang="zh-TW" i="1">
+                            <a:latin typeface="Cambria Math" panose="02040503050406030204" pitchFamily="18" charset="0"/>
+                          </a:rPr>
+                          <m:t>,</m:t>
+                        </m:r>
+                        <m:r>
+                          <a:rPr lang="en-US" altLang="zh-TW" i="1">
+                            <a:latin typeface="Cambria Math" panose="02040503050406030204" pitchFamily="18" charset="0"/>
+                          </a:rPr>
+                          <m:t>𝑗</m:t>
+                        </m:r>
+                        <m:r>
+                          <a:rPr lang="en-US" altLang="zh-TW" b="0" i="1" smtClean="0">
+                            <a:latin typeface="Cambria Math" panose="02040503050406030204" pitchFamily="18" charset="0"/>
+                          </a:rPr>
+                          <m:t>−1</m:t>
+                        </m:r>
+                      </m:sub>
+                      <m:sup>
+                        <m:r>
+                          <a:rPr lang="en-US" altLang="zh-TW" i="1">
+                            <a:latin typeface="Cambria Math" panose="02040503050406030204" pitchFamily="18" charset="0"/>
+                          </a:rPr>
+                          <m:t>𝑚</m:t>
+                        </m:r>
+                      </m:sup>
+                    </m:sSubSup>
+                    <m:r>
+                      <a:rPr lang="en-US" altLang="zh-TW" b="0" i="0" smtClean="0">
+                        <a:latin typeface="Cambria Math" panose="02040503050406030204" pitchFamily="18" charset="0"/>
+                      </a:rPr>
+                      <m:t>+</m:t>
+                    </m:r>
+                    <m:sSubSup>
+                      <m:sSubSupPr>
+                        <m:ctrlPr>
+                          <a:rPr lang="en-US" altLang="zh-TW" i="1">
+                            <a:latin typeface="Cambria Math" panose="02040503050406030204" pitchFamily="18" charset="0"/>
+                          </a:rPr>
+                        </m:ctrlPr>
+                      </m:sSubSupPr>
+                      <m:e>
+                        <m:r>
+                          <a:rPr lang="en-US" altLang="zh-TW" i="1">
+                            <a:latin typeface="Cambria Math" panose="02040503050406030204" pitchFamily="18" charset="0"/>
+                          </a:rPr>
+                          <m:t>𝑈</m:t>
+                        </m:r>
+                      </m:e>
+                      <m:sub>
+                        <m:r>
+                          <a:rPr lang="en-US" altLang="zh-TW" i="1">
+                            <a:latin typeface="Cambria Math" panose="02040503050406030204" pitchFamily="18" charset="0"/>
+                          </a:rPr>
+                          <m:t>𝑖</m:t>
+                        </m:r>
+                        <m:r>
+                          <a:rPr lang="en-US" altLang="zh-TW" i="1">
+                            <a:latin typeface="Cambria Math" panose="02040503050406030204" pitchFamily="18" charset="0"/>
+                          </a:rPr>
+                          <m:t>,</m:t>
+                        </m:r>
+                        <m:r>
+                          <a:rPr lang="en-US" altLang="zh-TW" i="1">
+                            <a:latin typeface="Cambria Math" panose="02040503050406030204" pitchFamily="18" charset="0"/>
+                          </a:rPr>
+                          <m:t>𝑗</m:t>
+                        </m:r>
+                        <m:r>
+                          <a:rPr lang="en-US" altLang="zh-TW" b="0" i="1" smtClean="0">
+                            <a:latin typeface="Cambria Math" panose="02040503050406030204" pitchFamily="18" charset="0"/>
+                          </a:rPr>
+                          <m:t>+1</m:t>
+                        </m:r>
+                      </m:sub>
+                      <m:sup>
+                        <m:r>
+                          <a:rPr lang="en-US" altLang="zh-TW" i="1">
+                            <a:latin typeface="Cambria Math" panose="02040503050406030204" pitchFamily="18" charset="0"/>
+                          </a:rPr>
+                          <m:t>𝑚</m:t>
+                        </m:r>
+                      </m:sup>
+                    </m:sSubSup>
+                    <m:r>
+                      <a:rPr lang="en-US" altLang="zh-TW" b="0" i="0" smtClean="0">
+                        <a:latin typeface="Cambria Math" panose="02040503050406030204" pitchFamily="18" charset="0"/>
+                      </a:rPr>
+                      <m:t>−4</m:t>
+                    </m:r>
+                    <m:sSubSup>
+                      <m:sSubSupPr>
+                        <m:ctrlPr>
+                          <a:rPr lang="en-US" altLang="zh-TW" i="1">
+                            <a:latin typeface="Cambria Math" panose="02040503050406030204" pitchFamily="18" charset="0"/>
+                          </a:rPr>
+                        </m:ctrlPr>
+                      </m:sSubSupPr>
+                      <m:e>
+                        <m:r>
+                          <a:rPr lang="en-US" altLang="zh-TW" i="1">
+                            <a:latin typeface="Cambria Math" panose="02040503050406030204" pitchFamily="18" charset="0"/>
+                          </a:rPr>
+                          <m:t>𝑈</m:t>
+                        </m:r>
+                      </m:e>
+                      <m:sub>
+                        <m:r>
+                          <a:rPr lang="en-US" altLang="zh-TW" i="1">
+                            <a:latin typeface="Cambria Math" panose="02040503050406030204" pitchFamily="18" charset="0"/>
+                          </a:rPr>
+                          <m:t>𝑖</m:t>
+                        </m:r>
+                        <m:r>
+                          <a:rPr lang="en-US" altLang="zh-TW" i="1">
+                            <a:latin typeface="Cambria Math" panose="02040503050406030204" pitchFamily="18" charset="0"/>
+                          </a:rPr>
+                          <m:t>,</m:t>
+                        </m:r>
+                        <m:r>
+                          <a:rPr lang="en-US" altLang="zh-TW" i="1">
+                            <a:latin typeface="Cambria Math" panose="02040503050406030204" pitchFamily="18" charset="0"/>
+                          </a:rPr>
+                          <m:t>𝑗</m:t>
+                        </m:r>
+                      </m:sub>
+                      <m:sup>
+                        <m:r>
+                          <a:rPr lang="en-US" altLang="zh-TW" i="1">
+                            <a:latin typeface="Cambria Math" panose="02040503050406030204" pitchFamily="18" charset="0"/>
+                          </a:rPr>
+                          <m:t>𝑚</m:t>
+                        </m:r>
+                      </m:sup>
+                    </m:sSubSup>
+                    <m:r>
+                      <a:rPr lang="en-US" altLang="zh-TW" b="0" i="1" smtClean="0">
+                        <a:latin typeface="Cambria Math" panose="02040503050406030204" pitchFamily="18" charset="0"/>
+                      </a:rPr>
+                      <m:t>+</m:t>
+                    </m:r>
+                    <m:sSub>
+                      <m:sSubPr>
+                        <m:ctrlPr>
+                          <a:rPr lang="en-US" altLang="zh-TW" b="0" i="1" smtClean="0">
+                            <a:latin typeface="Cambria Math" panose="02040503050406030204" pitchFamily="18" charset="0"/>
+                          </a:rPr>
+                        </m:ctrlPr>
+                      </m:sSubPr>
+                      <m:e>
+                        <m:r>
+                          <a:rPr lang="en-US" altLang="zh-TW" b="0" i="1" smtClean="0">
+                            <a:latin typeface="Cambria Math" panose="02040503050406030204" pitchFamily="18" charset="0"/>
+                          </a:rPr>
+                          <m:t>𝑏</m:t>
+                        </m:r>
+                      </m:e>
+                      <m:sub>
+                        <m:r>
+                          <a:rPr lang="en-US" altLang="zh-TW" b="0" i="1" smtClean="0">
+                            <a:latin typeface="Cambria Math" panose="02040503050406030204" pitchFamily="18" charset="0"/>
+                          </a:rPr>
+                          <m:t>𝑖</m:t>
+                        </m:r>
+                        <m:r>
+                          <a:rPr lang="en-US" altLang="zh-TW" b="0" i="1" smtClean="0">
+                            <a:latin typeface="Cambria Math" panose="02040503050406030204" pitchFamily="18" charset="0"/>
+                          </a:rPr>
+                          <m:t>,</m:t>
+                        </m:r>
+                        <m:r>
+                          <a:rPr lang="en-US" altLang="zh-TW" b="0" i="1" smtClean="0">
+                            <a:latin typeface="Cambria Math" panose="02040503050406030204" pitchFamily="18" charset="0"/>
+                          </a:rPr>
+                          <m:t>𝑗</m:t>
+                        </m:r>
+                      </m:sub>
+                    </m:sSub>
+                    <m:r>
+                      <a:rPr lang="en-US" altLang="zh-TW" b="0" i="1" smtClean="0">
+                        <a:latin typeface="Cambria Math" panose="02040503050406030204" pitchFamily="18" charset="0"/>
+                      </a:rPr>
+                      <m:t>)</m:t>
+                    </m:r>
+                  </m:oMath>
+                </a14:m>
+                <a:endParaRPr lang="en-TW" dirty="0"/>
+              </a:p>
+            </p:txBody>
+          </p:sp>
+        </mc:Choice>
+        <mc:Fallback>
+          <p:sp>
+            <p:nvSpPr>
+              <p:cNvPr id="11" name="TextBox 10">
+                <a:extLst>
+                  <a:ext uri="{FF2B5EF4-FFF2-40B4-BE49-F238E27FC236}">
+                    <a16:creationId xmlns:a16="http://schemas.microsoft.com/office/drawing/2014/main" id="{5A1C6570-F996-064D-B39D-038A84AE39A9}"/>
+                  </a:ext>
+                </a:extLst>
+              </p:cNvPr>
+              <p:cNvSpPr txBox="1">
+                <a:spLocks noRot="1" noChangeAspect="1" noMove="1" noResize="1" noEditPoints="1" noAdjustHandles="1" noChangeArrowheads="1" noChangeShapeType="1" noTextEdit="1"/>
+              </p:cNvSpPr>
+              <p:nvPr/>
+            </p:nvSpPr>
+            <p:spPr>
+              <a:xfrm>
+                <a:off x="5164435" y="3203008"/>
+                <a:ext cx="6917535" cy="367408"/>
+              </a:xfrm>
+              <a:prstGeom prst="rect">
+                <a:avLst/>
+              </a:prstGeom>
+              <a:blipFill>
+                <a:blip r:embed="rId4"/>
+                <a:stretch>
+                  <a:fillRect l="-2015" t="-10000" r="-549" b="-23333"/>
+                </a:stretch>
+              </a:blipFill>
+            </p:spPr>
+            <p:txBody>
+              <a:bodyPr/>
+              <a:lstStyle/>
+              <a:p>
+                <a:r>
+                  <a:rPr lang="en-TW">
+                    <a:noFill/>
+                  </a:rPr>
+                  <a:t> </a:t>
+                </a:r>
+              </a:p>
+            </p:txBody>
+          </p:sp>
+        </mc:Fallback>
+      </mc:AlternateContent>
+      <p:sp>
+        <p:nvSpPr>
+          <p:cNvPr id="5" name="Title 4">
+            <a:extLst>
+              <a:ext uri="{FF2B5EF4-FFF2-40B4-BE49-F238E27FC236}">
+                <a16:creationId xmlns:a16="http://schemas.microsoft.com/office/drawing/2014/main" id="{3BD6758F-684D-5346-9493-3C96912B4205}"/>
+              </a:ext>
+            </a:extLst>
+          </p:cNvPr>
+          <p:cNvSpPr>
+            <a:spLocks noGrp="1"/>
+          </p:cNvSpPr>
+          <p:nvPr>
+            <p:ph type="title"/>
+          </p:nvPr>
+        </p:nvSpPr>
+        <p:spPr/>
+        <p:txBody>
+          <a:bodyPr/>
+          <a:lstStyle/>
+          <a:p>
+            <a:r>
+              <a:rPr lang="en-US" altLang="zh-TW" dirty="0"/>
+              <a:t>Algorithm</a:t>
+            </a:r>
+            <a:r>
+              <a:rPr lang="zh-TW" altLang="en-US" dirty="0"/>
+              <a:t> </a:t>
+            </a:r>
+            <a:r>
+              <a:rPr lang="en-US" altLang="zh-TW" dirty="0"/>
+              <a:t>Comparison</a:t>
+            </a:r>
+            <a:endParaRPr lang="en-TW" dirty="0"/>
+          </a:p>
+        </p:txBody>
+      </p:sp>
+    </p:spTree>
+    <p:extLst>
+      <p:ext uri="{BB962C8B-B14F-4D97-AF65-F5344CB8AC3E}">
+        <p14:creationId xmlns:p14="http://schemas.microsoft.com/office/powerpoint/2010/main" val="1365990233"/>
+      </p:ext>
+    </p:extLst>
+  </p:cSld>
+  <p:clrMapOvr>
+    <a:masterClrMapping/>
+  </p:clrMapOvr>
+</p:sld>
+</file>
+
+<file path=ppt/slides/slide14.xml><?xml version="1.0" encoding="utf-8"?>
+<p:sld xmlns:a="http://schemas.openxmlformats.org/drawingml/2006/main" xmlns:r="http://schemas.openxmlformats.org/officeDocument/2006/relationships" xmlns:p="http://schemas.openxmlformats.org/presentationml/2006/main">
+  <p:cSld>
+    <p:spTree>
+      <p:nvGrpSpPr>
+        <p:cNvPr id="1" name=""/>
+        <p:cNvGrpSpPr/>
+        <p:nvPr/>
+      </p:nvGrpSpPr>
+      <p:grpSpPr>
+        <a:xfrm>
+          <a:off x="0" y="0"/>
+          <a:ext cx="0" cy="0"/>
+          <a:chOff x="0" y="0"/>
+          <a:chExt cx="0" cy="0"/>
+        </a:xfrm>
+      </p:grpSpPr>
+      <p:sp>
+        <p:nvSpPr>
+          <p:cNvPr id="2" name="Title 1">
+            <a:extLst>
+              <a:ext uri="{FF2B5EF4-FFF2-40B4-BE49-F238E27FC236}">
+                <a16:creationId xmlns:a16="http://schemas.microsoft.com/office/drawing/2014/main" id="{CCE01B32-CFE9-FE40-8849-2B8AD4CD89D3}"/>
+              </a:ext>
+            </a:extLst>
+          </p:cNvPr>
+          <p:cNvSpPr>
+            <a:spLocks noGrp="1"/>
+          </p:cNvSpPr>
+          <p:nvPr>
+            <p:ph type="title"/>
+          </p:nvPr>
+        </p:nvSpPr>
+        <p:spPr/>
+        <p:txBody>
+          <a:bodyPr/>
+          <a:lstStyle/>
+          <a:p>
+            <a:r>
+              <a:rPr lang="en-TW" dirty="0"/>
+              <a:t>Trend of Error Convergence</a:t>
+            </a:r>
+          </a:p>
+        </p:txBody>
+      </p:sp>
+      <p:graphicFrame>
+        <p:nvGraphicFramePr>
+          <p:cNvPr id="4" name="Chart 3">
+            <a:extLst>
+              <a:ext uri="{FF2B5EF4-FFF2-40B4-BE49-F238E27FC236}">
+                <a16:creationId xmlns:a16="http://schemas.microsoft.com/office/drawing/2014/main" id="{B23FC140-28D6-2545-A02C-697B4AC698CF}"/>
+              </a:ext>
+            </a:extLst>
+          </p:cNvPr>
+          <p:cNvGraphicFramePr/>
+          <p:nvPr>
+            <p:extLst>
+              <p:ext uri="{D42A27DB-BD31-4B8C-83A1-F6EECF244321}">
+                <p14:modId xmlns:p14="http://schemas.microsoft.com/office/powerpoint/2010/main" val="3165520030"/>
+              </p:ext>
+            </p:extLst>
+          </p:nvPr>
+        </p:nvGraphicFramePr>
+        <p:xfrm>
+          <a:off x="2032000" y="1439333"/>
+          <a:ext cx="8128000" cy="5418667"/>
+        </p:xfrm>
+        <a:graphic>
+          <a:graphicData uri="http://schemas.openxmlformats.org/drawingml/2006/chart">
+            <c:chart xmlns:c="http://schemas.openxmlformats.org/drawingml/2006/chart" xmlns:r="http://schemas.openxmlformats.org/officeDocument/2006/relationships" r:id="rId2"/>
+          </a:graphicData>
+        </a:graphic>
+      </p:graphicFrame>
+    </p:spTree>
+    <p:extLst>
+      <p:ext uri="{BB962C8B-B14F-4D97-AF65-F5344CB8AC3E}">
+        <p14:creationId xmlns:p14="http://schemas.microsoft.com/office/powerpoint/2010/main" val="365362297"/>
+      </p:ext>
+    </p:extLst>
+  </p:cSld>
+  <p:clrMapOvr>
+    <a:masterClrMapping/>
+  </p:clrMapOvr>
+</p:sld>
+</file>
+
+<file path=ppt/slides/slide15.xml><?xml version="1.0" encoding="utf-8"?>
+<p:sld xmlns:a="http://schemas.openxmlformats.org/drawingml/2006/main" xmlns:r="http://schemas.openxmlformats.org/officeDocument/2006/relationships" xmlns:p="http://schemas.openxmlformats.org/presentationml/2006/main">
+  <p:cSld>
+    <p:spTree>
+      <p:nvGrpSpPr>
+        <p:cNvPr id="1" name=""/>
+        <p:cNvGrpSpPr/>
+        <p:nvPr/>
+      </p:nvGrpSpPr>
+      <p:grpSpPr>
+        <a:xfrm>
+          <a:off x="0" y="0"/>
+          <a:ext cx="0" cy="0"/>
+          <a:chOff x="0" y="0"/>
+          <a:chExt cx="0" cy="0"/>
+        </a:xfrm>
+      </p:grpSpPr>
+      <p:graphicFrame>
+        <p:nvGraphicFramePr>
+          <p:cNvPr id="5" name="Table 2">
+            <a:extLst>
+              <a:ext uri="{FF2B5EF4-FFF2-40B4-BE49-F238E27FC236}">
+                <a16:creationId xmlns:a16="http://schemas.microsoft.com/office/drawing/2014/main" id="{836EB9CB-C1F4-A746-81ED-50810C6800C5}"/>
+              </a:ext>
+            </a:extLst>
+          </p:cNvPr>
+          <p:cNvGraphicFramePr>
+            <a:graphicFrameLocks noGrp="1"/>
+          </p:cNvGraphicFramePr>
+          <p:nvPr>
+            <p:extLst>
+              <p:ext uri="{D42A27DB-BD31-4B8C-83A1-F6EECF244321}">
+                <p14:modId xmlns:p14="http://schemas.microsoft.com/office/powerpoint/2010/main" val="2291175263"/>
+              </p:ext>
+            </p:extLst>
+          </p:nvPr>
+        </p:nvGraphicFramePr>
+        <p:xfrm>
+          <a:off x="1230792" y="1690688"/>
+          <a:ext cx="9730416" cy="1461600"/>
+        </p:xfrm>
+        <a:graphic>
+          <a:graphicData uri="http://schemas.openxmlformats.org/drawingml/2006/table">
+            <a:tbl>
+              <a:tblPr firstRow="1" bandRow="1">
+                <a:tableStyleId>{5C22544A-7EE6-4342-B048-85BDC9FD1C3A}</a:tableStyleId>
+              </a:tblPr>
+              <a:tblGrid>
+                <a:gridCol w="1216302">
+                  <a:extLst>
+                    <a:ext uri="{9D8B030D-6E8A-4147-A177-3AD203B41FA5}">
+                      <a16:colId xmlns:a16="http://schemas.microsoft.com/office/drawing/2014/main" val="10454311"/>
+                    </a:ext>
+                  </a:extLst>
+                </a:gridCol>
+                <a:gridCol w="1216302">
+                  <a:extLst>
+                    <a:ext uri="{9D8B030D-6E8A-4147-A177-3AD203B41FA5}">
+                      <a16:colId xmlns:a16="http://schemas.microsoft.com/office/drawing/2014/main" val="1630364256"/>
+                    </a:ext>
+                  </a:extLst>
+                </a:gridCol>
+                <a:gridCol w="1216302">
+                  <a:extLst>
+                    <a:ext uri="{9D8B030D-6E8A-4147-A177-3AD203B41FA5}">
+                      <a16:colId xmlns:a16="http://schemas.microsoft.com/office/drawing/2014/main" val="4051651895"/>
+                    </a:ext>
+                  </a:extLst>
+                </a:gridCol>
+                <a:gridCol w="1216302">
+                  <a:extLst>
+                    <a:ext uri="{9D8B030D-6E8A-4147-A177-3AD203B41FA5}">
+                      <a16:colId xmlns:a16="http://schemas.microsoft.com/office/drawing/2014/main" val="3155073764"/>
+                    </a:ext>
+                  </a:extLst>
+                </a:gridCol>
+                <a:gridCol w="1216302">
+                  <a:extLst>
+                    <a:ext uri="{9D8B030D-6E8A-4147-A177-3AD203B41FA5}">
+                      <a16:colId xmlns:a16="http://schemas.microsoft.com/office/drawing/2014/main" val="3258694887"/>
+                    </a:ext>
+                  </a:extLst>
+                </a:gridCol>
+                <a:gridCol w="1216302">
+                  <a:extLst>
+                    <a:ext uri="{9D8B030D-6E8A-4147-A177-3AD203B41FA5}">
+                      <a16:colId xmlns:a16="http://schemas.microsoft.com/office/drawing/2014/main" val="2817309546"/>
+                    </a:ext>
+                  </a:extLst>
+                </a:gridCol>
+                <a:gridCol w="1216302">
+                  <a:extLst>
+                    <a:ext uri="{9D8B030D-6E8A-4147-A177-3AD203B41FA5}">
+                      <a16:colId xmlns:a16="http://schemas.microsoft.com/office/drawing/2014/main" val="925743817"/>
+                    </a:ext>
+                  </a:extLst>
+                </a:gridCol>
+                <a:gridCol w="1216302">
+                  <a:extLst>
+                    <a:ext uri="{9D8B030D-6E8A-4147-A177-3AD203B41FA5}">
+                      <a16:colId xmlns:a16="http://schemas.microsoft.com/office/drawing/2014/main" val="2140396958"/>
+                    </a:ext>
+                  </a:extLst>
+                </a:gridCol>
+              </a:tblGrid>
+              <a:tr h="487200">
+                <a:tc>
+                  <a:txBody>
+                    <a:bodyPr/>
+                    <a:lstStyle/>
+                    <a:p>
+                      <a:pPr algn="ctr"/>
+                      <a:endParaRPr lang="en-TW" dirty="0"/>
+                    </a:p>
+                  </a:txBody>
+                  <a:tcPr anchor="ctr"/>
+                </a:tc>
+                <a:tc>
+                  <a:txBody>
+                    <a:bodyPr/>
+                    <a:lstStyle/>
+                    <a:p>
+                      <a:pPr algn="ctr"/>
+                      <a:r>
+                        <a:rPr lang="en-TW" dirty="0"/>
+                        <a:t>N = 16</a:t>
+                      </a:r>
+                    </a:p>
+                  </a:txBody>
+                  <a:tcPr anchor="ctr"/>
+                </a:tc>
+                <a:tc>
+                  <a:txBody>
+                    <a:bodyPr/>
+                    <a:lstStyle/>
+                    <a:p>
+                      <a:pPr algn="ctr"/>
+                      <a:r>
+                        <a:rPr lang="en-TW" dirty="0"/>
+                        <a:t>N = 32</a:t>
+                      </a:r>
+                    </a:p>
+                  </a:txBody>
+                  <a:tcPr anchor="ctr"/>
+                </a:tc>
+                <a:tc>
+                  <a:txBody>
+                    <a:bodyPr/>
+                    <a:lstStyle/>
+                    <a:p>
+                      <a:pPr algn="ctr"/>
+                      <a:r>
+                        <a:rPr lang="en-TW" dirty="0"/>
+                        <a:t>N = 64</a:t>
+                      </a:r>
+                    </a:p>
+                  </a:txBody>
+                  <a:tcPr anchor="ctr"/>
+                </a:tc>
+                <a:tc>
+                  <a:txBody>
+                    <a:bodyPr/>
+                    <a:lstStyle/>
+                    <a:p>
+                      <a:pPr algn="ctr"/>
+                      <a:r>
+                        <a:rPr lang="en-US" dirty="0"/>
+                        <a:t>N</a:t>
+                      </a:r>
+                      <a:r>
+                        <a:rPr lang="en-TW" dirty="0"/>
+                        <a:t> = 128</a:t>
+                      </a:r>
+                    </a:p>
+                  </a:txBody>
+                  <a:tcPr anchor="ctr"/>
+                </a:tc>
+                <a:tc>
+                  <a:txBody>
+                    <a:bodyPr/>
+                    <a:lstStyle/>
+                    <a:p>
+                      <a:pPr algn="ctr"/>
+                      <a:r>
+                        <a:rPr lang="en-TW" dirty="0"/>
+                        <a:t>N = 256</a:t>
+                      </a:r>
+                    </a:p>
+                  </a:txBody>
+                  <a:tcPr anchor="ctr"/>
+                </a:tc>
+                <a:tc>
+                  <a:txBody>
+                    <a:bodyPr/>
+                    <a:lstStyle/>
+                    <a:p>
+                      <a:pPr algn="ctr"/>
+                      <a:r>
+                        <a:rPr lang="en-TW" dirty="0"/>
+                        <a:t>N = 512</a:t>
+                      </a:r>
+                    </a:p>
+                  </a:txBody>
+                  <a:tcPr anchor="ctr"/>
+                </a:tc>
+                <a:tc>
+                  <a:txBody>
+                    <a:bodyPr/>
+                    <a:lstStyle/>
+                    <a:p>
+                      <a:pPr marL="0" marR="0" lvl="0" indent="0" algn="ctr" defTabSz="914400" rtl="0" eaLnBrk="1" fontAlgn="auto" latinLnBrk="0" hangingPunct="1">
+                        <a:lnSpc>
+                          <a:spcPct val="100000"/>
+                        </a:lnSpc>
+                        <a:spcBef>
+                          <a:spcPts val="0"/>
+                        </a:spcBef>
+                        <a:spcAft>
+                          <a:spcPts val="0"/>
+                        </a:spcAft>
+                        <a:buClrTx/>
+                        <a:buSzTx/>
+                        <a:buFontTx/>
+                        <a:buNone/>
+                        <a:tabLst/>
+                        <a:defRPr/>
+                      </a:pPr>
+                      <a:r>
+                        <a:rPr lang="en-TW" dirty="0"/>
+                        <a:t>N = 1024</a:t>
+                      </a:r>
+                    </a:p>
+                  </a:txBody>
+                  <a:tcPr anchor="ctr"/>
+                </a:tc>
+                <a:extLst>
+                  <a:ext uri="{0D108BD9-81ED-4DB2-BD59-A6C34878D82A}">
+                    <a16:rowId xmlns:a16="http://schemas.microsoft.com/office/drawing/2014/main" val="1357623893"/>
+                  </a:ext>
+                </a:extLst>
+              </a:tr>
+              <a:tr h="487200">
+                <a:tc>
+                  <a:txBody>
+                    <a:bodyPr/>
+                    <a:lstStyle/>
+                    <a:p>
+                      <a:pPr algn="ctr"/>
+                      <a:r>
+                        <a:rPr lang="en-TW" dirty="0"/>
+                        <a:t>SOR</a:t>
+                      </a:r>
+                    </a:p>
+                  </a:txBody>
+                  <a:tcPr anchor="ctr"/>
+                </a:tc>
+                <a:tc>
+                  <a:txBody>
+                    <a:bodyPr/>
+                    <a:lstStyle/>
+                    <a:p>
+                      <a:pPr algn="ctr"/>
+                      <a:r>
+                        <a:rPr lang="en-TW" dirty="0"/>
+                        <a:t>1089</a:t>
+                      </a:r>
+                    </a:p>
+                  </a:txBody>
+                  <a:tcPr anchor="ctr"/>
+                </a:tc>
+                <a:tc>
+                  <a:txBody>
+                    <a:bodyPr/>
+                    <a:lstStyle/>
+                    <a:p>
+                      <a:pPr algn="ctr"/>
+                      <a:r>
+                        <a:rPr lang="en-TW" dirty="0"/>
+                        <a:t>1256</a:t>
+                      </a:r>
+                    </a:p>
+                  </a:txBody>
+                  <a:tcPr anchor="ctr"/>
+                </a:tc>
+                <a:tc>
+                  <a:txBody>
+                    <a:bodyPr/>
+                    <a:lstStyle/>
+                    <a:p>
+                      <a:pPr algn="ctr"/>
+                      <a:r>
+                        <a:rPr lang="en-TW" dirty="0"/>
+                        <a:t>1427</a:t>
+                      </a:r>
+                    </a:p>
+                  </a:txBody>
+                  <a:tcPr anchor="ctr"/>
+                </a:tc>
+                <a:tc>
+                  <a:txBody>
+                    <a:bodyPr/>
+                    <a:lstStyle/>
+                    <a:p>
+                      <a:pPr algn="ctr"/>
+                      <a:r>
+                        <a:rPr lang="en-TW" dirty="0"/>
+                        <a:t>1556</a:t>
+                      </a:r>
+                    </a:p>
+                  </a:txBody>
+                  <a:tcPr anchor="ctr"/>
+                </a:tc>
+                <a:tc>
+                  <a:txBody>
+                    <a:bodyPr/>
+                    <a:lstStyle/>
+                    <a:p>
+                      <a:pPr algn="ctr"/>
+                      <a:r>
+                        <a:rPr lang="en-TW" dirty="0"/>
+                        <a:t>1706</a:t>
+                      </a:r>
+                    </a:p>
+                  </a:txBody>
+                  <a:tcPr anchor="ctr"/>
+                </a:tc>
+                <a:tc>
+                  <a:txBody>
+                    <a:bodyPr/>
+                    <a:lstStyle/>
+                    <a:p>
+                      <a:pPr algn="ctr"/>
+                      <a:r>
+                        <a:rPr lang="en-TW" dirty="0"/>
+                        <a:t>1806</a:t>
+                      </a:r>
+                    </a:p>
+                  </a:txBody>
+                  <a:tcPr anchor="ctr"/>
+                </a:tc>
+                <a:tc>
+                  <a:txBody>
+                    <a:bodyPr/>
+                    <a:lstStyle/>
+                    <a:p>
+                      <a:pPr algn="ctr"/>
+                      <a:r>
+                        <a:rPr lang="en-TW" dirty="0"/>
+                        <a:t>2314</a:t>
+                      </a:r>
+                    </a:p>
+                  </a:txBody>
+                  <a:tcPr anchor="ctr"/>
+                </a:tc>
+                <a:extLst>
+                  <a:ext uri="{0D108BD9-81ED-4DB2-BD59-A6C34878D82A}">
+                    <a16:rowId xmlns:a16="http://schemas.microsoft.com/office/drawing/2014/main" val="2380938986"/>
+                  </a:ext>
+                </a:extLst>
+              </a:tr>
+              <a:tr h="487200">
+                <a:tc>
+                  <a:txBody>
+                    <a:bodyPr/>
+                    <a:lstStyle/>
+                    <a:p>
+                      <a:pPr algn="ctr"/>
+                      <a:r>
+                        <a:rPr lang="en-TW" dirty="0"/>
+                        <a:t>CG</a:t>
+                      </a:r>
+                    </a:p>
+                  </a:txBody>
+                  <a:tcPr anchor="ctr"/>
+                </a:tc>
+                <a:tc>
+                  <a:txBody>
+                    <a:bodyPr/>
+                    <a:lstStyle/>
+                    <a:p>
+                      <a:pPr algn="ctr"/>
+                      <a:r>
+                        <a:rPr lang="en-TW" dirty="0"/>
+                        <a:t>35</a:t>
+                      </a:r>
+                    </a:p>
+                  </a:txBody>
+                  <a:tcPr anchor="ctr"/>
+                </a:tc>
+                <a:tc>
+                  <a:txBody>
+                    <a:bodyPr/>
+                    <a:lstStyle/>
+                    <a:p>
+                      <a:pPr algn="ctr"/>
+                      <a:r>
+                        <a:rPr lang="en-TW" dirty="0"/>
+                        <a:t>79</a:t>
+                      </a:r>
+                    </a:p>
+                  </a:txBody>
+                  <a:tcPr anchor="ctr"/>
+                </a:tc>
+                <a:tc>
+                  <a:txBody>
+                    <a:bodyPr/>
+                    <a:lstStyle/>
+                    <a:p>
+                      <a:pPr algn="ctr"/>
+                      <a:r>
+                        <a:rPr lang="en-TW" dirty="0"/>
+                        <a:t>160</a:t>
+                      </a:r>
+                    </a:p>
+                  </a:txBody>
+                  <a:tcPr anchor="ctr"/>
+                </a:tc>
+                <a:tc>
+                  <a:txBody>
+                    <a:bodyPr/>
+                    <a:lstStyle/>
+                    <a:p>
+                      <a:pPr algn="ctr"/>
+                      <a:r>
+                        <a:rPr lang="en-TW" dirty="0"/>
+                        <a:t>319</a:t>
+                      </a:r>
+                    </a:p>
+                  </a:txBody>
+                  <a:tcPr anchor="ctr"/>
+                </a:tc>
+                <a:tc>
+                  <a:txBody>
+                    <a:bodyPr/>
+                    <a:lstStyle/>
+                    <a:p>
+                      <a:pPr algn="ctr"/>
+                      <a:r>
+                        <a:rPr lang="en-TW" dirty="0"/>
+                        <a:t>627</a:t>
+                      </a:r>
+                    </a:p>
+                  </a:txBody>
+                  <a:tcPr anchor="ctr"/>
+                </a:tc>
+                <a:tc>
+                  <a:txBody>
+                    <a:bodyPr/>
+                    <a:lstStyle/>
+                    <a:p>
+                      <a:pPr algn="ctr"/>
+                      <a:r>
+                        <a:rPr lang="en-TW" dirty="0"/>
+                        <a:t>1246</a:t>
+                      </a:r>
+                    </a:p>
+                  </a:txBody>
+                  <a:tcPr anchor="ctr"/>
+                </a:tc>
+                <a:tc>
+                  <a:txBody>
+                    <a:bodyPr/>
+                    <a:lstStyle/>
+                    <a:p>
+                      <a:pPr algn="ctr"/>
+                      <a:r>
+                        <a:rPr lang="en-TW" dirty="0"/>
+                        <a:t>2665</a:t>
+                      </a:r>
+                    </a:p>
+                  </a:txBody>
+                  <a:tcPr anchor="ctr"/>
+                </a:tc>
+                <a:extLst>
+                  <a:ext uri="{0D108BD9-81ED-4DB2-BD59-A6C34878D82A}">
+                    <a16:rowId xmlns:a16="http://schemas.microsoft.com/office/drawing/2014/main" val="767737053"/>
+                  </a:ext>
+                </a:extLst>
+              </a:tr>
+            </a:tbl>
+          </a:graphicData>
+        </a:graphic>
+      </p:graphicFrame>
+      <p:pic>
+        <p:nvPicPr>
+          <p:cNvPr id="6" name="Picture 5">
+            <a:extLst>
+              <a:ext uri="{FF2B5EF4-FFF2-40B4-BE49-F238E27FC236}">
+                <a16:creationId xmlns:a16="http://schemas.microsoft.com/office/drawing/2014/main" id="{074FDBFB-7E35-554E-B345-660571AEB34C}"/>
+              </a:ext>
+            </a:extLst>
+          </p:cNvPr>
+          <p:cNvPicPr>
+            <a:picLocks noChangeAspect="1"/>
+          </p:cNvPicPr>
+          <p:nvPr/>
+        </p:nvPicPr>
+        <p:blipFill>
+          <a:blip r:embed="rId2">
+            <a:extLst>
+              <a:ext uri="{28A0092B-C50C-407E-A947-70E740481C1C}">
+                <a14:useLocalDpi xmlns:a14="http://schemas.microsoft.com/office/drawing/2010/main" val="0"/>
+              </a:ext>
+            </a:extLst>
+          </a:blip>
+          <a:stretch>
+            <a:fillRect/>
+          </a:stretch>
+        </p:blipFill>
+        <p:spPr>
+          <a:xfrm>
+            <a:off x="7629782" y="3208226"/>
+            <a:ext cx="4562218" cy="3649774"/>
+          </a:xfrm>
+          <a:prstGeom prst="rect">
+            <a:avLst/>
+          </a:prstGeom>
+        </p:spPr>
+      </p:pic>
+      <p:sp>
+        <p:nvSpPr>
+          <p:cNvPr id="8" name="TextBox 7">
+            <a:extLst>
+              <a:ext uri="{FF2B5EF4-FFF2-40B4-BE49-F238E27FC236}">
+                <a16:creationId xmlns:a16="http://schemas.microsoft.com/office/drawing/2014/main" id="{EBD9DE84-C4BB-D64C-8A37-9129ECA26646}"/>
+              </a:ext>
+            </a:extLst>
+          </p:cNvPr>
+          <p:cNvSpPr txBox="1"/>
+          <p:nvPr/>
+        </p:nvSpPr>
+        <p:spPr>
+          <a:xfrm>
+            <a:off x="5954287" y="6123543"/>
+            <a:ext cx="2314833" cy="369332"/>
+          </a:xfrm>
+          <a:prstGeom prst="rect">
+            <a:avLst/>
+          </a:prstGeom>
+          <a:noFill/>
+        </p:spPr>
+        <p:txBody>
+          <a:bodyPr wrap="square" rtlCol="0">
+            <a:spAutoFit/>
+          </a:bodyPr>
+          <a:lstStyle/>
+          <a:p>
+            <a:r>
+              <a:rPr lang="en-TW" dirty="0"/>
+              <a:t>Boundary Condition</a:t>
+            </a:r>
+          </a:p>
+        </p:txBody>
+      </p:sp>
+      <p:sp>
+        <p:nvSpPr>
+          <p:cNvPr id="10" name="Title 9">
+            <a:extLst>
+              <a:ext uri="{FF2B5EF4-FFF2-40B4-BE49-F238E27FC236}">
+                <a16:creationId xmlns:a16="http://schemas.microsoft.com/office/drawing/2014/main" id="{61805EEC-E1E8-B54B-B676-7396AD3BB456}"/>
+              </a:ext>
+            </a:extLst>
+          </p:cNvPr>
+          <p:cNvSpPr>
+            <a:spLocks noGrp="1"/>
+          </p:cNvSpPr>
+          <p:nvPr>
+            <p:ph type="title"/>
+          </p:nvPr>
+        </p:nvSpPr>
+        <p:spPr/>
+        <p:txBody>
+          <a:bodyPr/>
+          <a:lstStyle/>
+          <a:p>
+            <a:r>
+              <a:rPr lang="en-TW" dirty="0"/>
+              <a:t>N v.s. iteration ( 8 threads )</a:t>
+            </a:r>
+          </a:p>
+        </p:txBody>
+      </p:sp>
+      <p:graphicFrame>
+        <p:nvGraphicFramePr>
+          <p:cNvPr id="2" name="Chart 1">
+            <a:extLst>
+              <a:ext uri="{FF2B5EF4-FFF2-40B4-BE49-F238E27FC236}">
+                <a16:creationId xmlns:a16="http://schemas.microsoft.com/office/drawing/2014/main" id="{CD11BEA0-7A9E-E648-A90C-45BD7FE3E34C}"/>
+              </a:ext>
+            </a:extLst>
+          </p:cNvPr>
+          <p:cNvGraphicFramePr/>
+          <p:nvPr>
+            <p:extLst>
+              <p:ext uri="{D42A27DB-BD31-4B8C-83A1-F6EECF244321}">
+                <p14:modId xmlns:p14="http://schemas.microsoft.com/office/powerpoint/2010/main" val="3117934407"/>
+              </p:ext>
+            </p:extLst>
+          </p:nvPr>
+        </p:nvGraphicFramePr>
+        <p:xfrm>
+          <a:off x="1230792" y="3360704"/>
+          <a:ext cx="4695849" cy="2947505"/>
+        </p:xfrm>
+        <a:graphic>
+          <a:graphicData uri="http://schemas.openxmlformats.org/drawingml/2006/chart">
+            <c:chart xmlns:c="http://schemas.openxmlformats.org/drawingml/2006/chart" xmlns:r="http://schemas.openxmlformats.org/officeDocument/2006/relationships" r:id="rId3"/>
+          </a:graphicData>
+        </a:graphic>
+      </p:graphicFrame>
+    </p:spTree>
+    <p:extLst>
+      <p:ext uri="{BB962C8B-B14F-4D97-AF65-F5344CB8AC3E}">
+        <p14:creationId xmlns:p14="http://schemas.microsoft.com/office/powerpoint/2010/main" val="2170499417"/>
+      </p:ext>
+    </p:extLst>
+  </p:cSld>
+  <p:clrMapOvr>
+    <a:masterClrMapping/>
+  </p:clrMapOvr>
+</p:sld>
+</file>
+
+<file path=ppt/slides/slide16.xml><?xml version="1.0" encoding="utf-8"?>
+<p:sld xmlns:a="http://schemas.openxmlformats.org/drawingml/2006/main" xmlns:r="http://schemas.openxmlformats.org/officeDocument/2006/relationships" xmlns:p="http://schemas.openxmlformats.org/presentationml/2006/main">
+  <p:cSld>
+    <p:spTree>
+      <p:nvGrpSpPr>
+        <p:cNvPr id="1" name=""/>
+        <p:cNvGrpSpPr/>
+        <p:nvPr/>
+      </p:nvGrpSpPr>
+      <p:grpSpPr>
+        <a:xfrm>
+          <a:off x="0" y="0"/>
+          <a:ext cx="0" cy="0"/>
+          <a:chOff x="0" y="0"/>
+          <a:chExt cx="0" cy="0"/>
+        </a:xfrm>
+      </p:grpSpPr>
       <p:graphicFrame>
         <p:nvGraphicFramePr>
           <p:cNvPr id="2" name="Table 2">
@@ -6601,7 +9451,7 @@
 </p:sld>
 </file>
 
-<file path=ppt/slides/slide14.xml><?xml version="1.0" encoding="utf-8"?>
+<file path=ppt/slides/slide17.xml><?xml version="1.0" encoding="utf-8"?>
 <p:sld xmlns:a="http://schemas.openxmlformats.org/drawingml/2006/main" xmlns:r="http://schemas.openxmlformats.org/officeDocument/2006/relationships" xmlns:p="http://schemas.openxmlformats.org/presentationml/2006/main">
   <p:cSld>
     <p:spTree>
@@ -7784,716 +10634,7 @@
 </p:sld>
 </file>
 
-<file path=ppt/slides/slide15.xml><?xml version="1.0" encoding="utf-8"?>
-<p:sld xmlns:a="http://schemas.openxmlformats.org/drawingml/2006/main" xmlns:r="http://schemas.openxmlformats.org/officeDocument/2006/relationships" xmlns:p="http://schemas.openxmlformats.org/presentationml/2006/main">
-  <p:cSld>
-    <p:spTree>
-      <p:nvGrpSpPr>
-        <p:cNvPr id="1" name=""/>
-        <p:cNvGrpSpPr/>
-        <p:nvPr/>
-      </p:nvGrpSpPr>
-      <p:grpSpPr>
-        <a:xfrm>
-          <a:off x="0" y="0"/>
-          <a:ext cx="0" cy="0"/>
-          <a:chOff x="0" y="0"/>
-          <a:chExt cx="0" cy="0"/>
-        </a:xfrm>
-      </p:grpSpPr>
-      <p:graphicFrame>
-        <p:nvGraphicFramePr>
-          <p:cNvPr id="5" name="Table 2">
-            <a:extLst>
-              <a:ext uri="{FF2B5EF4-FFF2-40B4-BE49-F238E27FC236}">
-                <a16:creationId xmlns:a16="http://schemas.microsoft.com/office/drawing/2014/main" id="{836EB9CB-C1F4-A746-81ED-50810C6800C5}"/>
-              </a:ext>
-            </a:extLst>
-          </p:cNvPr>
-          <p:cNvGraphicFramePr>
-            <a:graphicFrameLocks noGrp="1"/>
-          </p:cNvGraphicFramePr>
-          <p:nvPr>
-            <p:extLst>
-              <p:ext uri="{D42A27DB-BD31-4B8C-83A1-F6EECF244321}">
-                <p14:modId xmlns:p14="http://schemas.microsoft.com/office/powerpoint/2010/main" val="2291175263"/>
-              </p:ext>
-            </p:extLst>
-          </p:nvPr>
-        </p:nvGraphicFramePr>
-        <p:xfrm>
-          <a:off x="1230792" y="1690688"/>
-          <a:ext cx="9730416" cy="1461600"/>
-        </p:xfrm>
-        <a:graphic>
-          <a:graphicData uri="http://schemas.openxmlformats.org/drawingml/2006/table">
-            <a:tbl>
-              <a:tblPr firstRow="1" bandRow="1">
-                <a:tableStyleId>{5C22544A-7EE6-4342-B048-85BDC9FD1C3A}</a:tableStyleId>
-              </a:tblPr>
-              <a:tblGrid>
-                <a:gridCol w="1216302">
-                  <a:extLst>
-                    <a:ext uri="{9D8B030D-6E8A-4147-A177-3AD203B41FA5}">
-                      <a16:colId xmlns:a16="http://schemas.microsoft.com/office/drawing/2014/main" val="10454311"/>
-                    </a:ext>
-                  </a:extLst>
-                </a:gridCol>
-                <a:gridCol w="1216302">
-                  <a:extLst>
-                    <a:ext uri="{9D8B030D-6E8A-4147-A177-3AD203B41FA5}">
-                      <a16:colId xmlns:a16="http://schemas.microsoft.com/office/drawing/2014/main" val="1630364256"/>
-                    </a:ext>
-                  </a:extLst>
-                </a:gridCol>
-                <a:gridCol w="1216302">
-                  <a:extLst>
-                    <a:ext uri="{9D8B030D-6E8A-4147-A177-3AD203B41FA5}">
-                      <a16:colId xmlns:a16="http://schemas.microsoft.com/office/drawing/2014/main" val="4051651895"/>
-                    </a:ext>
-                  </a:extLst>
-                </a:gridCol>
-                <a:gridCol w="1216302">
-                  <a:extLst>
-                    <a:ext uri="{9D8B030D-6E8A-4147-A177-3AD203B41FA5}">
-                      <a16:colId xmlns:a16="http://schemas.microsoft.com/office/drawing/2014/main" val="3155073764"/>
-                    </a:ext>
-                  </a:extLst>
-                </a:gridCol>
-                <a:gridCol w="1216302">
-                  <a:extLst>
-                    <a:ext uri="{9D8B030D-6E8A-4147-A177-3AD203B41FA5}">
-                      <a16:colId xmlns:a16="http://schemas.microsoft.com/office/drawing/2014/main" val="3258694887"/>
-                    </a:ext>
-                  </a:extLst>
-                </a:gridCol>
-                <a:gridCol w="1216302">
-                  <a:extLst>
-                    <a:ext uri="{9D8B030D-6E8A-4147-A177-3AD203B41FA5}">
-                      <a16:colId xmlns:a16="http://schemas.microsoft.com/office/drawing/2014/main" val="2817309546"/>
-                    </a:ext>
-                  </a:extLst>
-                </a:gridCol>
-                <a:gridCol w="1216302">
-                  <a:extLst>
-                    <a:ext uri="{9D8B030D-6E8A-4147-A177-3AD203B41FA5}">
-                      <a16:colId xmlns:a16="http://schemas.microsoft.com/office/drawing/2014/main" val="925743817"/>
-                    </a:ext>
-                  </a:extLst>
-                </a:gridCol>
-                <a:gridCol w="1216302">
-                  <a:extLst>
-                    <a:ext uri="{9D8B030D-6E8A-4147-A177-3AD203B41FA5}">
-                      <a16:colId xmlns:a16="http://schemas.microsoft.com/office/drawing/2014/main" val="2140396958"/>
-                    </a:ext>
-                  </a:extLst>
-                </a:gridCol>
-              </a:tblGrid>
-              <a:tr h="487200">
-                <a:tc>
-                  <a:txBody>
-                    <a:bodyPr/>
-                    <a:lstStyle/>
-                    <a:p>
-                      <a:pPr algn="ctr"/>
-                      <a:endParaRPr lang="en-TW" dirty="0"/>
-                    </a:p>
-                  </a:txBody>
-                  <a:tcPr anchor="ctr"/>
-                </a:tc>
-                <a:tc>
-                  <a:txBody>
-                    <a:bodyPr/>
-                    <a:lstStyle/>
-                    <a:p>
-                      <a:pPr algn="ctr"/>
-                      <a:r>
-                        <a:rPr lang="en-TW" dirty="0"/>
-                        <a:t>N = 16</a:t>
-                      </a:r>
-                    </a:p>
-                  </a:txBody>
-                  <a:tcPr anchor="ctr"/>
-                </a:tc>
-                <a:tc>
-                  <a:txBody>
-                    <a:bodyPr/>
-                    <a:lstStyle/>
-                    <a:p>
-                      <a:pPr algn="ctr"/>
-                      <a:r>
-                        <a:rPr lang="en-TW" dirty="0"/>
-                        <a:t>N = 32</a:t>
-                      </a:r>
-                    </a:p>
-                  </a:txBody>
-                  <a:tcPr anchor="ctr"/>
-                </a:tc>
-                <a:tc>
-                  <a:txBody>
-                    <a:bodyPr/>
-                    <a:lstStyle/>
-                    <a:p>
-                      <a:pPr algn="ctr"/>
-                      <a:r>
-                        <a:rPr lang="en-TW" dirty="0"/>
-                        <a:t>N = 64</a:t>
-                      </a:r>
-                    </a:p>
-                  </a:txBody>
-                  <a:tcPr anchor="ctr"/>
-                </a:tc>
-                <a:tc>
-                  <a:txBody>
-                    <a:bodyPr/>
-                    <a:lstStyle/>
-                    <a:p>
-                      <a:pPr algn="ctr"/>
-                      <a:r>
-                        <a:rPr lang="en-US" dirty="0"/>
-                        <a:t>N</a:t>
-                      </a:r>
-                      <a:r>
-                        <a:rPr lang="en-TW" dirty="0"/>
-                        <a:t> = 128</a:t>
-                      </a:r>
-                    </a:p>
-                  </a:txBody>
-                  <a:tcPr anchor="ctr"/>
-                </a:tc>
-                <a:tc>
-                  <a:txBody>
-                    <a:bodyPr/>
-                    <a:lstStyle/>
-                    <a:p>
-                      <a:pPr algn="ctr"/>
-                      <a:r>
-                        <a:rPr lang="en-TW" dirty="0"/>
-                        <a:t>N = 256</a:t>
-                      </a:r>
-                    </a:p>
-                  </a:txBody>
-                  <a:tcPr anchor="ctr"/>
-                </a:tc>
-                <a:tc>
-                  <a:txBody>
-                    <a:bodyPr/>
-                    <a:lstStyle/>
-                    <a:p>
-                      <a:pPr algn="ctr"/>
-                      <a:r>
-                        <a:rPr lang="en-TW" dirty="0"/>
-                        <a:t>N = 512</a:t>
-                      </a:r>
-                    </a:p>
-                  </a:txBody>
-                  <a:tcPr anchor="ctr"/>
-                </a:tc>
-                <a:tc>
-                  <a:txBody>
-                    <a:bodyPr/>
-                    <a:lstStyle/>
-                    <a:p>
-                      <a:pPr marL="0" marR="0" lvl="0" indent="0" algn="ctr" defTabSz="914400" rtl="0" eaLnBrk="1" fontAlgn="auto" latinLnBrk="0" hangingPunct="1">
-                        <a:lnSpc>
-                          <a:spcPct val="100000"/>
-                        </a:lnSpc>
-                        <a:spcBef>
-                          <a:spcPts val="0"/>
-                        </a:spcBef>
-                        <a:spcAft>
-                          <a:spcPts val="0"/>
-                        </a:spcAft>
-                        <a:buClrTx/>
-                        <a:buSzTx/>
-                        <a:buFontTx/>
-                        <a:buNone/>
-                        <a:tabLst/>
-                        <a:defRPr/>
-                      </a:pPr>
-                      <a:r>
-                        <a:rPr lang="en-TW" dirty="0"/>
-                        <a:t>N = 1024</a:t>
-                      </a:r>
-                    </a:p>
-                  </a:txBody>
-                  <a:tcPr anchor="ctr"/>
-                </a:tc>
-                <a:extLst>
-                  <a:ext uri="{0D108BD9-81ED-4DB2-BD59-A6C34878D82A}">
-                    <a16:rowId xmlns:a16="http://schemas.microsoft.com/office/drawing/2014/main" val="1357623893"/>
-                  </a:ext>
-                </a:extLst>
-              </a:tr>
-              <a:tr h="487200">
-                <a:tc>
-                  <a:txBody>
-                    <a:bodyPr/>
-                    <a:lstStyle/>
-                    <a:p>
-                      <a:pPr algn="ctr"/>
-                      <a:r>
-                        <a:rPr lang="en-TW" dirty="0"/>
-                        <a:t>SOR</a:t>
-                      </a:r>
-                    </a:p>
-                  </a:txBody>
-                  <a:tcPr anchor="ctr"/>
-                </a:tc>
-                <a:tc>
-                  <a:txBody>
-                    <a:bodyPr/>
-                    <a:lstStyle/>
-                    <a:p>
-                      <a:pPr algn="ctr"/>
-                      <a:r>
-                        <a:rPr lang="en-TW" dirty="0"/>
-                        <a:t>1089</a:t>
-                      </a:r>
-                    </a:p>
-                  </a:txBody>
-                  <a:tcPr anchor="ctr"/>
-                </a:tc>
-                <a:tc>
-                  <a:txBody>
-                    <a:bodyPr/>
-                    <a:lstStyle/>
-                    <a:p>
-                      <a:pPr algn="ctr"/>
-                      <a:r>
-                        <a:rPr lang="en-TW" dirty="0"/>
-                        <a:t>1256</a:t>
-                      </a:r>
-                    </a:p>
-                  </a:txBody>
-                  <a:tcPr anchor="ctr"/>
-                </a:tc>
-                <a:tc>
-                  <a:txBody>
-                    <a:bodyPr/>
-                    <a:lstStyle/>
-                    <a:p>
-                      <a:pPr algn="ctr"/>
-                      <a:r>
-                        <a:rPr lang="en-TW" dirty="0"/>
-                        <a:t>1427</a:t>
-                      </a:r>
-                    </a:p>
-                  </a:txBody>
-                  <a:tcPr anchor="ctr"/>
-                </a:tc>
-                <a:tc>
-                  <a:txBody>
-                    <a:bodyPr/>
-                    <a:lstStyle/>
-                    <a:p>
-                      <a:pPr algn="ctr"/>
-                      <a:r>
-                        <a:rPr lang="en-TW" dirty="0"/>
-                        <a:t>1556</a:t>
-                      </a:r>
-                    </a:p>
-                  </a:txBody>
-                  <a:tcPr anchor="ctr"/>
-                </a:tc>
-                <a:tc>
-                  <a:txBody>
-                    <a:bodyPr/>
-                    <a:lstStyle/>
-                    <a:p>
-                      <a:pPr algn="ctr"/>
-                      <a:r>
-                        <a:rPr lang="en-TW" dirty="0"/>
-                        <a:t>1706</a:t>
-                      </a:r>
-                    </a:p>
-                  </a:txBody>
-                  <a:tcPr anchor="ctr"/>
-                </a:tc>
-                <a:tc>
-                  <a:txBody>
-                    <a:bodyPr/>
-                    <a:lstStyle/>
-                    <a:p>
-                      <a:pPr algn="ctr"/>
-                      <a:r>
-                        <a:rPr lang="en-TW" dirty="0"/>
-                        <a:t>1806</a:t>
-                      </a:r>
-                    </a:p>
-                  </a:txBody>
-                  <a:tcPr anchor="ctr"/>
-                </a:tc>
-                <a:tc>
-                  <a:txBody>
-                    <a:bodyPr/>
-                    <a:lstStyle/>
-                    <a:p>
-                      <a:pPr algn="ctr"/>
-                      <a:r>
-                        <a:rPr lang="en-TW" dirty="0"/>
-                        <a:t>2314</a:t>
-                      </a:r>
-                    </a:p>
-                  </a:txBody>
-                  <a:tcPr anchor="ctr"/>
-                </a:tc>
-                <a:extLst>
-                  <a:ext uri="{0D108BD9-81ED-4DB2-BD59-A6C34878D82A}">
-                    <a16:rowId xmlns:a16="http://schemas.microsoft.com/office/drawing/2014/main" val="2380938986"/>
-                  </a:ext>
-                </a:extLst>
-              </a:tr>
-              <a:tr h="487200">
-                <a:tc>
-                  <a:txBody>
-                    <a:bodyPr/>
-                    <a:lstStyle/>
-                    <a:p>
-                      <a:pPr algn="ctr"/>
-                      <a:r>
-                        <a:rPr lang="en-TW" dirty="0"/>
-                        <a:t>CG</a:t>
-                      </a:r>
-                    </a:p>
-                  </a:txBody>
-                  <a:tcPr anchor="ctr"/>
-                </a:tc>
-                <a:tc>
-                  <a:txBody>
-                    <a:bodyPr/>
-                    <a:lstStyle/>
-                    <a:p>
-                      <a:pPr algn="ctr"/>
-                      <a:r>
-                        <a:rPr lang="en-TW" dirty="0"/>
-                        <a:t>35</a:t>
-                      </a:r>
-                    </a:p>
-                  </a:txBody>
-                  <a:tcPr anchor="ctr"/>
-                </a:tc>
-                <a:tc>
-                  <a:txBody>
-                    <a:bodyPr/>
-                    <a:lstStyle/>
-                    <a:p>
-                      <a:pPr algn="ctr"/>
-                      <a:r>
-                        <a:rPr lang="en-TW" dirty="0"/>
-                        <a:t>79</a:t>
-                      </a:r>
-                    </a:p>
-                  </a:txBody>
-                  <a:tcPr anchor="ctr"/>
-                </a:tc>
-                <a:tc>
-                  <a:txBody>
-                    <a:bodyPr/>
-                    <a:lstStyle/>
-                    <a:p>
-                      <a:pPr algn="ctr"/>
-                      <a:r>
-                        <a:rPr lang="en-TW" dirty="0"/>
-                        <a:t>160</a:t>
-                      </a:r>
-                    </a:p>
-                  </a:txBody>
-                  <a:tcPr anchor="ctr"/>
-                </a:tc>
-                <a:tc>
-                  <a:txBody>
-                    <a:bodyPr/>
-                    <a:lstStyle/>
-                    <a:p>
-                      <a:pPr algn="ctr"/>
-                      <a:r>
-                        <a:rPr lang="en-TW" dirty="0"/>
-                        <a:t>319</a:t>
-                      </a:r>
-                    </a:p>
-                  </a:txBody>
-                  <a:tcPr anchor="ctr"/>
-                </a:tc>
-                <a:tc>
-                  <a:txBody>
-                    <a:bodyPr/>
-                    <a:lstStyle/>
-                    <a:p>
-                      <a:pPr algn="ctr"/>
-                      <a:r>
-                        <a:rPr lang="en-TW" dirty="0"/>
-                        <a:t>627</a:t>
-                      </a:r>
-                    </a:p>
-                  </a:txBody>
-                  <a:tcPr anchor="ctr"/>
-                </a:tc>
-                <a:tc>
-                  <a:txBody>
-                    <a:bodyPr/>
-                    <a:lstStyle/>
-                    <a:p>
-                      <a:pPr algn="ctr"/>
-                      <a:r>
-                        <a:rPr lang="en-TW" dirty="0"/>
-                        <a:t>1246</a:t>
-                      </a:r>
-                    </a:p>
-                  </a:txBody>
-                  <a:tcPr anchor="ctr"/>
-                </a:tc>
-                <a:tc>
-                  <a:txBody>
-                    <a:bodyPr/>
-                    <a:lstStyle/>
-                    <a:p>
-                      <a:pPr algn="ctr"/>
-                      <a:r>
-                        <a:rPr lang="en-TW" dirty="0"/>
-                        <a:t>2665</a:t>
-                      </a:r>
-                    </a:p>
-                  </a:txBody>
-                  <a:tcPr anchor="ctr"/>
-                </a:tc>
-                <a:extLst>
-                  <a:ext uri="{0D108BD9-81ED-4DB2-BD59-A6C34878D82A}">
-                    <a16:rowId xmlns:a16="http://schemas.microsoft.com/office/drawing/2014/main" val="767737053"/>
-                  </a:ext>
-                </a:extLst>
-              </a:tr>
-            </a:tbl>
-          </a:graphicData>
-        </a:graphic>
-      </p:graphicFrame>
-      <p:pic>
-        <p:nvPicPr>
-          <p:cNvPr id="6" name="Picture 5">
-            <a:extLst>
-              <a:ext uri="{FF2B5EF4-FFF2-40B4-BE49-F238E27FC236}">
-                <a16:creationId xmlns:a16="http://schemas.microsoft.com/office/drawing/2014/main" id="{074FDBFB-7E35-554E-B345-660571AEB34C}"/>
-              </a:ext>
-            </a:extLst>
-          </p:cNvPr>
-          <p:cNvPicPr>
-            <a:picLocks noChangeAspect="1"/>
-          </p:cNvPicPr>
-          <p:nvPr/>
-        </p:nvPicPr>
-        <p:blipFill>
-          <a:blip r:embed="rId2">
-            <a:extLst>
-              <a:ext uri="{28A0092B-C50C-407E-A947-70E740481C1C}">
-                <a14:useLocalDpi xmlns:a14="http://schemas.microsoft.com/office/drawing/2010/main" val="0"/>
-              </a:ext>
-            </a:extLst>
-          </a:blip>
-          <a:stretch>
-            <a:fillRect/>
-          </a:stretch>
-        </p:blipFill>
-        <p:spPr>
-          <a:xfrm>
-            <a:off x="7629782" y="3208226"/>
-            <a:ext cx="4562218" cy="3649774"/>
-          </a:xfrm>
-          <a:prstGeom prst="rect">
-            <a:avLst/>
-          </a:prstGeom>
-        </p:spPr>
-      </p:pic>
-      <p:sp>
-        <p:nvSpPr>
-          <p:cNvPr id="8" name="TextBox 7">
-            <a:extLst>
-              <a:ext uri="{FF2B5EF4-FFF2-40B4-BE49-F238E27FC236}">
-                <a16:creationId xmlns:a16="http://schemas.microsoft.com/office/drawing/2014/main" id="{EBD9DE84-C4BB-D64C-8A37-9129ECA26646}"/>
-              </a:ext>
-            </a:extLst>
-          </p:cNvPr>
-          <p:cNvSpPr txBox="1"/>
-          <p:nvPr/>
-        </p:nvSpPr>
-        <p:spPr>
-          <a:xfrm>
-            <a:off x="5954287" y="6123543"/>
-            <a:ext cx="2314833" cy="369332"/>
-          </a:xfrm>
-          <a:prstGeom prst="rect">
-            <a:avLst/>
-          </a:prstGeom>
-          <a:noFill/>
-        </p:spPr>
-        <p:txBody>
-          <a:bodyPr wrap="square" rtlCol="0">
-            <a:spAutoFit/>
-          </a:bodyPr>
-          <a:lstStyle/>
-          <a:p>
-            <a:r>
-              <a:rPr lang="en-TW" dirty="0"/>
-              <a:t>Boundary Condition</a:t>
-            </a:r>
-          </a:p>
-        </p:txBody>
-      </p:sp>
-      <p:sp>
-        <p:nvSpPr>
-          <p:cNvPr id="10" name="Title 9">
-            <a:extLst>
-              <a:ext uri="{FF2B5EF4-FFF2-40B4-BE49-F238E27FC236}">
-                <a16:creationId xmlns:a16="http://schemas.microsoft.com/office/drawing/2014/main" id="{61805EEC-E1E8-B54B-B676-7396AD3BB456}"/>
-              </a:ext>
-            </a:extLst>
-          </p:cNvPr>
-          <p:cNvSpPr>
-            <a:spLocks noGrp="1"/>
-          </p:cNvSpPr>
-          <p:nvPr>
-            <p:ph type="title"/>
-          </p:nvPr>
-        </p:nvSpPr>
-        <p:spPr/>
-        <p:txBody>
-          <a:bodyPr/>
-          <a:lstStyle/>
-          <a:p>
-            <a:r>
-              <a:rPr lang="en-TW" dirty="0"/>
-              <a:t>N v.s. iteration ( 8 threads )</a:t>
-            </a:r>
-          </a:p>
-        </p:txBody>
-      </p:sp>
-      <p:graphicFrame>
-        <p:nvGraphicFramePr>
-          <p:cNvPr id="2" name="Chart 1">
-            <a:extLst>
-              <a:ext uri="{FF2B5EF4-FFF2-40B4-BE49-F238E27FC236}">
-                <a16:creationId xmlns:a16="http://schemas.microsoft.com/office/drawing/2014/main" id="{CD11BEA0-7A9E-E648-A90C-45BD7FE3E34C}"/>
-              </a:ext>
-            </a:extLst>
-          </p:cNvPr>
-          <p:cNvGraphicFramePr/>
-          <p:nvPr>
-            <p:extLst>
-              <p:ext uri="{D42A27DB-BD31-4B8C-83A1-F6EECF244321}">
-                <p14:modId xmlns:p14="http://schemas.microsoft.com/office/powerpoint/2010/main" val="3117934407"/>
-              </p:ext>
-            </p:extLst>
-          </p:nvPr>
-        </p:nvGraphicFramePr>
-        <p:xfrm>
-          <a:off x="1230792" y="3360704"/>
-          <a:ext cx="4695849" cy="2947505"/>
-        </p:xfrm>
-        <a:graphic>
-          <a:graphicData uri="http://schemas.openxmlformats.org/drawingml/2006/chart">
-            <c:chart xmlns:c="http://schemas.openxmlformats.org/drawingml/2006/chart" xmlns:r="http://schemas.openxmlformats.org/officeDocument/2006/relationships" r:id="rId3"/>
-          </a:graphicData>
-        </a:graphic>
-      </p:graphicFrame>
-    </p:spTree>
-    <p:extLst>
-      <p:ext uri="{BB962C8B-B14F-4D97-AF65-F5344CB8AC3E}">
-        <p14:creationId xmlns:p14="http://schemas.microsoft.com/office/powerpoint/2010/main" val="2170499417"/>
-      </p:ext>
-    </p:extLst>
-  </p:cSld>
-  <p:clrMapOvr>
-    <a:masterClrMapping/>
-  </p:clrMapOvr>
-</p:sld>
-</file>
-
-<file path=ppt/slides/slide16.xml><?xml version="1.0" encoding="utf-8"?>
-<p:sld xmlns:a="http://schemas.openxmlformats.org/drawingml/2006/main" xmlns:r="http://schemas.openxmlformats.org/officeDocument/2006/relationships" xmlns:p="http://schemas.openxmlformats.org/presentationml/2006/main">
-  <p:cSld>
-    <p:spTree>
-      <p:nvGrpSpPr>
-        <p:cNvPr id="1" name=""/>
-        <p:cNvGrpSpPr/>
-        <p:nvPr/>
-      </p:nvGrpSpPr>
-      <p:grpSpPr>
-        <a:xfrm>
-          <a:off x="0" y="0"/>
-          <a:ext cx="0" cy="0"/>
-          <a:chOff x="0" y="0"/>
-          <a:chExt cx="0" cy="0"/>
-        </a:xfrm>
-      </p:grpSpPr>
-      <p:sp>
-        <p:nvSpPr>
-          <p:cNvPr id="2" name="Title 1">
-            <a:extLst>
-              <a:ext uri="{FF2B5EF4-FFF2-40B4-BE49-F238E27FC236}">
-                <a16:creationId xmlns:a16="http://schemas.microsoft.com/office/drawing/2014/main" id="{CCE01B32-CFE9-FE40-8849-2B8AD4CD89D3}"/>
-              </a:ext>
-            </a:extLst>
-          </p:cNvPr>
-          <p:cNvSpPr>
-            <a:spLocks noGrp="1"/>
-          </p:cNvSpPr>
-          <p:nvPr>
-            <p:ph type="title"/>
-          </p:nvPr>
-        </p:nvSpPr>
-        <p:spPr/>
-        <p:txBody>
-          <a:bodyPr/>
-          <a:lstStyle/>
-          <a:p>
-            <a:r>
-              <a:rPr lang="en-TW" dirty="0"/>
-              <a:t>Trend of Error Convergence</a:t>
-            </a:r>
-          </a:p>
-        </p:txBody>
-      </p:sp>
-      <p:graphicFrame>
-        <p:nvGraphicFramePr>
-          <p:cNvPr id="4" name="Chart 3">
-            <a:extLst>
-              <a:ext uri="{FF2B5EF4-FFF2-40B4-BE49-F238E27FC236}">
-                <a16:creationId xmlns:a16="http://schemas.microsoft.com/office/drawing/2014/main" id="{B23FC140-28D6-2545-A02C-697B4AC698CF}"/>
-              </a:ext>
-            </a:extLst>
-          </p:cNvPr>
-          <p:cNvGraphicFramePr/>
-          <p:nvPr>
-            <p:extLst>
-              <p:ext uri="{D42A27DB-BD31-4B8C-83A1-F6EECF244321}">
-                <p14:modId xmlns:p14="http://schemas.microsoft.com/office/powerpoint/2010/main" val="3165520030"/>
-              </p:ext>
-            </p:extLst>
-          </p:nvPr>
-        </p:nvGraphicFramePr>
-        <p:xfrm>
-          <a:off x="2032000" y="1439333"/>
-          <a:ext cx="8128000" cy="5418667"/>
-        </p:xfrm>
-        <a:graphic>
-          <a:graphicData uri="http://schemas.openxmlformats.org/drawingml/2006/chart">
-            <c:chart xmlns:c="http://schemas.openxmlformats.org/drawingml/2006/chart" xmlns:r="http://schemas.openxmlformats.org/officeDocument/2006/relationships" r:id="rId2"/>
-          </a:graphicData>
-        </a:graphic>
-      </p:graphicFrame>
-    </p:spTree>
-    <p:extLst>
-      <p:ext uri="{BB962C8B-B14F-4D97-AF65-F5344CB8AC3E}">
-        <p14:creationId xmlns:p14="http://schemas.microsoft.com/office/powerpoint/2010/main" val="365362297"/>
-      </p:ext>
-    </p:extLst>
-  </p:cSld>
-  <p:clrMapOvr>
-    <a:masterClrMapping/>
-  </p:clrMapOvr>
-</p:sld>
-</file>
-
-<file path=ppt/slides/slide17.xml><?xml version="1.0" encoding="utf-8"?>
+<file path=ppt/slides/slide18.xml><?xml version="1.0" encoding="utf-8"?>
 <p:sld xmlns:a="http://schemas.openxmlformats.org/drawingml/2006/main" xmlns:r="http://schemas.openxmlformats.org/officeDocument/2006/relationships" xmlns:p="http://schemas.openxmlformats.org/presentationml/2006/main">
   <p:cSld>
     <p:spTree>
@@ -8915,7 +11056,7 @@
 </p:sld>
 </file>
 
-<file path=ppt/slides/slide18.xml><?xml version="1.0" encoding="utf-8"?>
+<file path=ppt/slides/slide19.xml><?xml version="1.0" encoding="utf-8"?>
 <p:sld xmlns:a="http://schemas.openxmlformats.org/drawingml/2006/main" xmlns:r="http://schemas.openxmlformats.org/officeDocument/2006/relationships" xmlns:p="http://schemas.openxmlformats.org/presentationml/2006/main">
   <p:cSld>
     <p:spTree>

--- a/Final Project - Conjugate Gradient method.pptx
+++ b/Final Project - Conjugate Gradient method.pptx
@@ -17,13 +17,15 @@
     <p:sldId id="275" r:id="rId11"/>
     <p:sldId id="278" r:id="rId12"/>
     <p:sldId id="279" r:id="rId13"/>
-    <p:sldId id="280" r:id="rId14"/>
-    <p:sldId id="272" r:id="rId15"/>
-    <p:sldId id="267" r:id="rId16"/>
-    <p:sldId id="268" r:id="rId17"/>
-    <p:sldId id="270" r:id="rId18"/>
-    <p:sldId id="277" r:id="rId19"/>
-    <p:sldId id="276" r:id="rId20"/>
+    <p:sldId id="282" r:id="rId14"/>
+    <p:sldId id="281" r:id="rId15"/>
+    <p:sldId id="280" r:id="rId16"/>
+    <p:sldId id="272" r:id="rId17"/>
+    <p:sldId id="267" r:id="rId18"/>
+    <p:sldId id="268" r:id="rId19"/>
+    <p:sldId id="270" r:id="rId20"/>
+    <p:sldId id="277" r:id="rId21"/>
+    <p:sldId id="276" r:id="rId22"/>
   </p:sldIdLst>
   <p:sldSz cx="12192000" cy="6858000"/>
   <p:notesSz cx="6858000" cy="9144000"/>
@@ -5432,8 +5434,138 @@
           <a:chExt cx="0" cy="0"/>
         </a:xfrm>
       </p:grpSpPr>
-      <mc:AlternateContent xmlns:mc="http://schemas.openxmlformats.org/markup-compatibility/2006">
-        <mc:Choice xmlns:a14="http://schemas.microsoft.com/office/drawing/2010/main" Requires="a14">
+      <p:pic>
+        <p:nvPicPr>
+          <p:cNvPr id="3" name="Picture 2">
+            <a:extLst>
+              <a:ext uri="{FF2B5EF4-FFF2-40B4-BE49-F238E27FC236}">
+                <a16:creationId xmlns:a16="http://schemas.microsoft.com/office/drawing/2014/main" id="{C579F654-33B4-B548-9FD1-4DAA9192A3DC}"/>
+              </a:ext>
+            </a:extLst>
+          </p:cNvPr>
+          <p:cNvPicPr>
+            <a:picLocks noChangeAspect="1"/>
+          </p:cNvPicPr>
+          <p:nvPr/>
+        </p:nvPicPr>
+        <p:blipFill rotWithShape="1">
+          <a:blip r:embed="rId2">
+            <a:extLst>
+              <a:ext uri="{28A0092B-C50C-407E-A947-70E740481C1C}">
+                <a14:useLocalDpi xmlns:a14="http://schemas.microsoft.com/office/drawing/2010/main" val="0"/>
+              </a:ext>
+            </a:extLst>
+          </a:blip>
+          <a:srcRect r="27160"/>
+          <a:stretch/>
+        </p:blipFill>
+        <p:spPr>
+          <a:xfrm>
+            <a:off x="1678010" y="0"/>
+            <a:ext cx="8835980" cy="6858000"/>
+          </a:xfrm>
+          <a:prstGeom prst="rect">
+            <a:avLst/>
+          </a:prstGeom>
+        </p:spPr>
+      </p:pic>
+    </p:spTree>
+    <p:extLst>
+      <p:ext uri="{BB962C8B-B14F-4D97-AF65-F5344CB8AC3E}">
+        <p14:creationId xmlns:p14="http://schemas.microsoft.com/office/powerpoint/2010/main" val="739629176"/>
+      </p:ext>
+    </p:extLst>
+  </p:cSld>
+  <p:clrMapOvr>
+    <a:masterClrMapping/>
+  </p:clrMapOvr>
+</p:sld>
+</file>
+
+<file path=ppt/slides/slide14.xml><?xml version="1.0" encoding="utf-8"?>
+<p:sld xmlns:a="http://schemas.openxmlformats.org/drawingml/2006/main" xmlns:r="http://schemas.openxmlformats.org/officeDocument/2006/relationships" xmlns:p="http://schemas.openxmlformats.org/presentationml/2006/main">
+  <p:cSld>
+    <p:spTree>
+      <p:nvGrpSpPr>
+        <p:cNvPr id="1" name=""/>
+        <p:cNvGrpSpPr/>
+        <p:nvPr/>
+      </p:nvGrpSpPr>
+      <p:grpSpPr>
+        <a:xfrm>
+          <a:off x="0" y="0"/>
+          <a:ext cx="0" cy="0"/>
+          <a:chOff x="0" y="0"/>
+          <a:chExt cx="0" cy="0"/>
+        </a:xfrm>
+      </p:grpSpPr>
+      <p:pic>
+        <p:nvPicPr>
+          <p:cNvPr id="5" name="Picture 4">
+            <a:extLst>
+              <a:ext uri="{FF2B5EF4-FFF2-40B4-BE49-F238E27FC236}">
+                <a16:creationId xmlns:a16="http://schemas.microsoft.com/office/drawing/2014/main" id="{CB84EDA7-EB95-3B4A-838C-61FC5E92AEF9}"/>
+              </a:ext>
+            </a:extLst>
+          </p:cNvPr>
+          <p:cNvPicPr>
+            <a:picLocks noChangeAspect="1"/>
+          </p:cNvPicPr>
+          <p:nvPr/>
+        </p:nvPicPr>
+        <p:blipFill rotWithShape="1">
+          <a:blip r:embed="rId2">
+            <a:extLst>
+              <a:ext uri="{28A0092B-C50C-407E-A947-70E740481C1C}">
+                <a14:useLocalDpi xmlns:a14="http://schemas.microsoft.com/office/drawing/2010/main" val="0"/>
+              </a:ext>
+            </a:extLst>
+          </a:blip>
+          <a:srcRect r="27816"/>
+          <a:stretch/>
+        </p:blipFill>
+        <p:spPr>
+          <a:xfrm>
+            <a:off x="2260600" y="0"/>
+            <a:ext cx="7670800" cy="6858000"/>
+          </a:xfrm>
+          <a:prstGeom prst="rect">
+            <a:avLst/>
+          </a:prstGeom>
+        </p:spPr>
+      </p:pic>
+    </p:spTree>
+    <p:extLst>
+      <p:ext uri="{BB962C8B-B14F-4D97-AF65-F5344CB8AC3E}">
+        <p14:creationId xmlns:p14="http://schemas.microsoft.com/office/powerpoint/2010/main" val="1903056086"/>
+      </p:ext>
+    </p:extLst>
+  </p:cSld>
+  <p:clrMapOvr>
+    <a:masterClrMapping/>
+  </p:clrMapOvr>
+</p:sld>
+</file>
+
+<file path=ppt/slides/slide15.xml><?xml version="1.0" encoding="utf-8"?>
+<p:sld xmlns:a="http://schemas.openxmlformats.org/drawingml/2006/main" xmlns:r="http://schemas.openxmlformats.org/officeDocument/2006/relationships" xmlns:p="http://schemas.openxmlformats.org/presentationml/2006/main">
+  <p:cSld>
+    <p:spTree>
+      <p:nvGrpSpPr>
+        <p:cNvPr id="1" name=""/>
+        <p:cNvGrpSpPr/>
+        <p:nvPr/>
+      </p:nvGrpSpPr>
+      <p:grpSpPr>
+        <a:xfrm>
+          <a:off x="0" y="0"/>
+          <a:ext cx="0" cy="0"/>
+          <a:chOff x="0" y="0"/>
+          <a:chExt cx="0" cy="0"/>
+        </a:xfrm>
+      </p:grpSpPr>
+      <mc:AlternateContent xmlns:mc="http://schemas.openxmlformats.org/markup-compatibility/2006" xmlns:a14="http://schemas.microsoft.com/office/drawing/2010/main">
+        <mc:Choice Requires="a14">
           <p:sp>
             <p:nvSpPr>
               <p:cNvPr id="4" name="文字方塊 7">
@@ -6424,7 +6556,7 @@
             </p:txBody>
           </p:sp>
         </mc:Choice>
-        <mc:Fallback>
+        <mc:Fallback xmlns="">
           <p:sp>
             <p:nvSpPr>
               <p:cNvPr id="4" name="文字方塊 7">
@@ -6469,8 +6601,8 @@
           </p:sp>
         </mc:Fallback>
       </mc:AlternateContent>
-      <mc:AlternateContent xmlns:mc="http://schemas.openxmlformats.org/markup-compatibility/2006">
-        <mc:Choice xmlns:a14="http://schemas.microsoft.com/office/drawing/2010/main" Requires="a14">
+      <mc:AlternateContent xmlns:mc="http://schemas.openxmlformats.org/markup-compatibility/2006" xmlns:a14="http://schemas.microsoft.com/office/drawing/2010/main">
+        <mc:Choice Requires="a14">
           <p:sp>
             <p:nvSpPr>
               <p:cNvPr id="8" name="TextBox 7">
@@ -6942,7 +7074,7 @@
             </p:txBody>
           </p:sp>
         </mc:Choice>
-        <mc:Fallback>
+        <mc:Fallback xmlns="">
           <p:sp>
             <p:nvSpPr>
               <p:cNvPr id="8" name="TextBox 7">
@@ -6987,8 +7119,8 @@
           </p:sp>
         </mc:Fallback>
       </mc:AlternateContent>
-      <mc:AlternateContent xmlns:mc="http://schemas.openxmlformats.org/markup-compatibility/2006">
-        <mc:Choice xmlns:a14="http://schemas.microsoft.com/office/drawing/2010/main" Requires="a14">
+      <mc:AlternateContent xmlns:mc="http://schemas.openxmlformats.org/markup-compatibility/2006" xmlns:a14="http://schemas.microsoft.com/office/drawing/2010/main">
+        <mc:Choice Requires="a14">
           <p:sp>
             <p:nvSpPr>
               <p:cNvPr id="11" name="TextBox 10">
@@ -7460,7 +7592,7 @@
             </p:txBody>
           </p:sp>
         </mc:Choice>
-        <mc:Fallback>
+        <mc:Fallback xmlns="">
           <p:sp>
             <p:nvSpPr>
               <p:cNvPr id="11" name="TextBox 10">
@@ -7555,7 +7687,7 @@
 </p:sld>
 </file>
 
-<file path=ppt/slides/slide14.xml><?xml version="1.0" encoding="utf-8"?>
+<file path=ppt/slides/slide16.xml><?xml version="1.0" encoding="utf-8"?>
 <p:sld xmlns:a="http://schemas.openxmlformats.org/drawingml/2006/main" xmlns:r="http://schemas.openxmlformats.org/officeDocument/2006/relationships" xmlns:p="http://schemas.openxmlformats.org/presentationml/2006/main">
   <p:cSld>
     <p:spTree>
@@ -7641,7 +7773,7 @@
 </p:sld>
 </file>
 
-<file path=ppt/slides/slide15.xml><?xml version="1.0" encoding="utf-8"?>
+<file path=ppt/slides/slide17.xml><?xml version="1.0" encoding="utf-8"?>
 <p:sld xmlns:a="http://schemas.openxmlformats.org/drawingml/2006/main" xmlns:r="http://schemas.openxmlformats.org/officeDocument/2006/relationships" xmlns:p="http://schemas.openxmlformats.org/presentationml/2006/main">
   <p:cSld>
     <p:spTree>
@@ -8264,7 +8396,7 @@
 </p:sld>
 </file>
 
-<file path=ppt/slides/slide16.xml><?xml version="1.0" encoding="utf-8"?>
+<file path=ppt/slides/slide18.xml><?xml version="1.0" encoding="utf-8"?>
 <p:sld xmlns:a="http://schemas.openxmlformats.org/drawingml/2006/main" xmlns:r="http://schemas.openxmlformats.org/officeDocument/2006/relationships" xmlns:p="http://schemas.openxmlformats.org/presentationml/2006/main">
   <p:cSld>
     <p:spTree>
@@ -9451,7 +9583,7 @@
 </p:sld>
 </file>
 
-<file path=ppt/slides/slide17.xml><?xml version="1.0" encoding="utf-8"?>
+<file path=ppt/slides/slide19.xml><?xml version="1.0" encoding="utf-8"?>
 <p:sld xmlns:a="http://schemas.openxmlformats.org/drawingml/2006/main" xmlns:r="http://schemas.openxmlformats.org/officeDocument/2006/relationships" xmlns:p="http://schemas.openxmlformats.org/presentationml/2006/main">
   <p:cSld>
     <p:spTree>
@@ -10634,7 +10766,214 @@
 </p:sld>
 </file>
 
-<file path=ppt/slides/slide18.xml><?xml version="1.0" encoding="utf-8"?>
+<file path=ppt/slides/slide2.xml><?xml version="1.0" encoding="utf-8"?>
+<p:sld xmlns:a="http://schemas.openxmlformats.org/drawingml/2006/main" xmlns:r="http://schemas.openxmlformats.org/officeDocument/2006/relationships" xmlns:p="http://schemas.openxmlformats.org/presentationml/2006/main">
+  <p:cSld>
+    <p:spTree>
+      <p:nvGrpSpPr>
+        <p:cNvPr id="1" name=""/>
+        <p:cNvGrpSpPr/>
+        <p:nvPr/>
+      </p:nvGrpSpPr>
+      <p:grpSpPr>
+        <a:xfrm>
+          <a:off x="0" y="0"/>
+          <a:ext cx="0" cy="0"/>
+          <a:chOff x="0" y="0"/>
+          <a:chExt cx="0" cy="0"/>
+        </a:xfrm>
+      </p:grpSpPr>
+      <p:sp>
+        <p:nvSpPr>
+          <p:cNvPr id="2" name="標題 1"/>
+          <p:cNvSpPr>
+            <a:spLocks noGrp="1"/>
+          </p:cNvSpPr>
+          <p:nvPr>
+            <p:ph type="title"/>
+          </p:nvPr>
+        </p:nvSpPr>
+        <p:spPr/>
+        <p:txBody>
+          <a:bodyPr/>
+          <a:lstStyle/>
+          <a:p>
+            <a:pPr algn="ctr"/>
+            <a:r>
+              <a:rPr lang="en-US" altLang="zh-TW" dirty="0"/>
+              <a:t>Introduction</a:t>
+            </a:r>
+            <a:endParaRPr lang="zh-TW" altLang="en-US" dirty="0"/>
+          </a:p>
+        </p:txBody>
+      </p:sp>
+      <mc:AlternateContent xmlns:mc="http://schemas.openxmlformats.org/markup-compatibility/2006" xmlns:a14="http://schemas.microsoft.com/office/drawing/2010/main">
+        <mc:Choice Requires="a14">
+          <p:sp>
+            <p:nvSpPr>
+              <p:cNvPr id="3" name="內容版面配置區 2"/>
+              <p:cNvSpPr>
+                <a:spLocks noGrp="1"/>
+              </p:cNvSpPr>
+              <p:nvPr>
+                <p:ph idx="1"/>
+              </p:nvPr>
+            </p:nvSpPr>
+            <p:spPr/>
+            <p:txBody>
+              <a:bodyPr/>
+              <a:lstStyle/>
+              <a:p>
+                <a:pPr marL="0" indent="0">
+                  <a:buNone/>
+                </a:pPr>
+                <a:endParaRPr lang="en-US" altLang="zh-TW" dirty="0"/>
+              </a:p>
+              <a:p>
+                <a:r>
+                  <a:rPr lang="en-US" altLang="zh-TW" dirty="0"/>
+                  <a:t>CG is the most popular iterative method for solving large systems of linear equations.</a:t>
+                </a:r>
+              </a:p>
+              <a:p>
+                <a:endParaRPr lang="en-US" altLang="zh-TW" dirty="0"/>
+              </a:p>
+              <a:p>
+                <a:pPr marL="0" indent="0">
+                  <a:buNone/>
+                </a:pPr>
+                <a14:m>
+                  <m:oMathPara xmlns:m="http://schemas.openxmlformats.org/officeDocument/2006/math">
+                    <m:oMathParaPr>
+                      <m:jc m:val="centerGroup"/>
+                    </m:oMathParaPr>
+                    <m:oMath xmlns:m="http://schemas.openxmlformats.org/officeDocument/2006/math">
+                      <m:r>
+                        <a:rPr lang="en-US" altLang="zh-TW" b="0" i="1" smtClean="0">
+                          <a:latin typeface="Cambria Math" panose="02040503050406030204" pitchFamily="18" charset="0"/>
+                        </a:rPr>
+                        <m:t>𝐴𝑥</m:t>
+                      </m:r>
+                      <m:r>
+                        <a:rPr lang="en-US" altLang="zh-TW" b="0" i="1" smtClean="0">
+                          <a:latin typeface="Cambria Math" panose="02040503050406030204" pitchFamily="18" charset="0"/>
+                        </a:rPr>
+                        <m:t>=</m:t>
+                      </m:r>
+                      <m:r>
+                        <a:rPr lang="en-US" altLang="zh-TW" b="0" i="1" smtClean="0">
+                          <a:latin typeface="Cambria Math" panose="02040503050406030204" pitchFamily="18" charset="0"/>
+                        </a:rPr>
+                        <m:t>𝑏</m:t>
+                      </m:r>
+                    </m:oMath>
+                  </m:oMathPara>
+                </a14:m>
+                <a:endParaRPr lang="en-US" altLang="zh-TW" dirty="0"/>
+              </a:p>
+              <a:p>
+                <a:pPr marL="0" indent="0">
+                  <a:buNone/>
+                </a:pPr>
+                <a:r>
+                  <a:rPr lang="en-US" altLang="zh-TW" dirty="0"/>
+                  <a:t>x : unknown vector (what we want to solve)</a:t>
+                </a:r>
+              </a:p>
+              <a:p>
+                <a:pPr marL="0" indent="0">
+                  <a:buNone/>
+                </a:pPr>
+                <a:r>
+                  <a:rPr lang="en-US" altLang="zh-TW" dirty="0"/>
+                  <a:t>b :</a:t>
+                </a:r>
+                <a:r>
+                  <a:rPr lang="zh-TW" altLang="en-US" dirty="0"/>
+                  <a:t> </a:t>
+                </a:r>
+                <a:r>
+                  <a:rPr lang="en-US" altLang="zh-TW" dirty="0"/>
+                  <a:t>known vector </a:t>
+                </a:r>
+              </a:p>
+              <a:p>
+                <a:pPr marL="0" indent="0">
+                  <a:buNone/>
+                </a:pPr>
+                <a:r>
+                  <a:rPr lang="en-US" altLang="zh-TW" dirty="0"/>
+                  <a:t>A</a:t>
+                </a:r>
+                <a:r>
+                  <a:rPr lang="zh-TW" altLang="en-US" dirty="0"/>
+                  <a:t> </a:t>
+                </a:r>
+                <a:r>
+                  <a:rPr lang="en-US" altLang="zh-TW" dirty="0"/>
+                  <a:t>:</a:t>
+                </a:r>
+                <a:r>
+                  <a:rPr lang="zh-TW" altLang="en-US" dirty="0"/>
+                  <a:t> </a:t>
+                </a:r>
+                <a:r>
+                  <a:rPr lang="en-US" altLang="zh-TW" dirty="0"/>
+                  <a:t>square, symmetric, positive-definite matrix .</a:t>
+                </a:r>
+                <a:endParaRPr lang="zh-TW" altLang="en-US" dirty="0"/>
+              </a:p>
+            </p:txBody>
+          </p:sp>
+        </mc:Choice>
+        <mc:Fallback xmlns="">
+          <p:sp>
+            <p:nvSpPr>
+              <p:cNvPr id="3" name="內容版面配置區 2"/>
+              <p:cNvSpPr>
+                <a:spLocks noGrp="1" noRot="1" noChangeAspect="1" noMove="1" noResize="1" noEditPoints="1" noAdjustHandles="1" noChangeArrowheads="1" noChangeShapeType="1" noTextEdit="1"/>
+              </p:cNvSpPr>
+              <p:nvPr>
+                <p:ph idx="1"/>
+              </p:nvPr>
+            </p:nvSpPr>
+            <p:spPr>
+              <a:blipFill>
+                <a:blip r:embed="rId2"/>
+                <a:stretch>
+                  <a:fillRect l="-1217"/>
+                </a:stretch>
+              </a:blipFill>
+            </p:spPr>
+            <p:txBody>
+              <a:bodyPr/>
+              <a:lstStyle/>
+              <a:p>
+                <a:r>
+                  <a:rPr lang="zh-TW" altLang="en-US">
+                    <a:noFill/>
+                  </a:rPr>
+                  <a:t> </a:t>
+                </a:r>
+              </a:p>
+            </p:txBody>
+          </p:sp>
+        </mc:Fallback>
+      </mc:AlternateContent>
+    </p:spTree>
+    <p:extLst>
+      <p:ext uri="{BB962C8B-B14F-4D97-AF65-F5344CB8AC3E}">
+        <p14:creationId xmlns:p14="http://schemas.microsoft.com/office/powerpoint/2010/main" val="1603226367"/>
+      </p:ext>
+    </p:extLst>
+  </p:cSld>
+  <p:clrMapOvr>
+    <a:masterClrMapping/>
+  </p:clrMapOvr>
+</p:sld>
+</file>
+
+<file path=ppt/slides/slide20.xml><?xml version="1.0" encoding="utf-8"?>
 <p:sld xmlns:a="http://schemas.openxmlformats.org/drawingml/2006/main" xmlns:r="http://schemas.openxmlformats.org/officeDocument/2006/relationships" xmlns:p="http://schemas.openxmlformats.org/presentationml/2006/main">
   <p:cSld>
     <p:spTree>
@@ -11056,7 +11395,7 @@
 </p:sld>
 </file>
 
-<file path=ppt/slides/slide19.xml><?xml version="1.0" encoding="utf-8"?>
+<file path=ppt/slides/slide21.xml><?xml version="1.0" encoding="utf-8"?>
 <p:sld xmlns:a="http://schemas.openxmlformats.org/drawingml/2006/main" xmlns:r="http://schemas.openxmlformats.org/officeDocument/2006/relationships" xmlns:p="http://schemas.openxmlformats.org/presentationml/2006/main">
   <p:cSld>
     <p:spTree>
@@ -11264,213 +11603,6 @@
     <p:extLst>
       <p:ext uri="{BB962C8B-B14F-4D97-AF65-F5344CB8AC3E}">
         <p14:creationId xmlns:p14="http://schemas.microsoft.com/office/powerpoint/2010/main" val="1098484309"/>
-      </p:ext>
-    </p:extLst>
-  </p:cSld>
-  <p:clrMapOvr>
-    <a:masterClrMapping/>
-  </p:clrMapOvr>
-</p:sld>
-</file>
-
-<file path=ppt/slides/slide2.xml><?xml version="1.0" encoding="utf-8"?>
-<p:sld xmlns:a="http://schemas.openxmlformats.org/drawingml/2006/main" xmlns:r="http://schemas.openxmlformats.org/officeDocument/2006/relationships" xmlns:p="http://schemas.openxmlformats.org/presentationml/2006/main">
-  <p:cSld>
-    <p:spTree>
-      <p:nvGrpSpPr>
-        <p:cNvPr id="1" name=""/>
-        <p:cNvGrpSpPr/>
-        <p:nvPr/>
-      </p:nvGrpSpPr>
-      <p:grpSpPr>
-        <a:xfrm>
-          <a:off x="0" y="0"/>
-          <a:ext cx="0" cy="0"/>
-          <a:chOff x="0" y="0"/>
-          <a:chExt cx="0" cy="0"/>
-        </a:xfrm>
-      </p:grpSpPr>
-      <p:sp>
-        <p:nvSpPr>
-          <p:cNvPr id="2" name="標題 1"/>
-          <p:cNvSpPr>
-            <a:spLocks noGrp="1"/>
-          </p:cNvSpPr>
-          <p:nvPr>
-            <p:ph type="title"/>
-          </p:nvPr>
-        </p:nvSpPr>
-        <p:spPr/>
-        <p:txBody>
-          <a:bodyPr/>
-          <a:lstStyle/>
-          <a:p>
-            <a:pPr algn="ctr"/>
-            <a:r>
-              <a:rPr lang="en-US" altLang="zh-TW" dirty="0"/>
-              <a:t>Introduction</a:t>
-            </a:r>
-            <a:endParaRPr lang="zh-TW" altLang="en-US" dirty="0"/>
-          </a:p>
-        </p:txBody>
-      </p:sp>
-      <mc:AlternateContent xmlns:mc="http://schemas.openxmlformats.org/markup-compatibility/2006" xmlns:a14="http://schemas.microsoft.com/office/drawing/2010/main">
-        <mc:Choice Requires="a14">
-          <p:sp>
-            <p:nvSpPr>
-              <p:cNvPr id="3" name="內容版面配置區 2"/>
-              <p:cNvSpPr>
-                <a:spLocks noGrp="1"/>
-              </p:cNvSpPr>
-              <p:nvPr>
-                <p:ph idx="1"/>
-              </p:nvPr>
-            </p:nvSpPr>
-            <p:spPr/>
-            <p:txBody>
-              <a:bodyPr/>
-              <a:lstStyle/>
-              <a:p>
-                <a:pPr marL="0" indent="0">
-                  <a:buNone/>
-                </a:pPr>
-                <a:endParaRPr lang="en-US" altLang="zh-TW" dirty="0"/>
-              </a:p>
-              <a:p>
-                <a:r>
-                  <a:rPr lang="en-US" altLang="zh-TW" dirty="0"/>
-                  <a:t>CG is the most popular iterative method for solving large systems of linear equations.</a:t>
-                </a:r>
-              </a:p>
-              <a:p>
-                <a:endParaRPr lang="en-US" altLang="zh-TW" dirty="0"/>
-              </a:p>
-              <a:p>
-                <a:pPr marL="0" indent="0">
-                  <a:buNone/>
-                </a:pPr>
-                <a14:m>
-                  <m:oMathPara xmlns:m="http://schemas.openxmlformats.org/officeDocument/2006/math">
-                    <m:oMathParaPr>
-                      <m:jc m:val="centerGroup"/>
-                    </m:oMathParaPr>
-                    <m:oMath xmlns:m="http://schemas.openxmlformats.org/officeDocument/2006/math">
-                      <m:r>
-                        <a:rPr lang="en-US" altLang="zh-TW" b="0" i="1" smtClean="0">
-                          <a:latin typeface="Cambria Math" panose="02040503050406030204" pitchFamily="18" charset="0"/>
-                        </a:rPr>
-                        <m:t>𝐴𝑥</m:t>
-                      </m:r>
-                      <m:r>
-                        <a:rPr lang="en-US" altLang="zh-TW" b="0" i="1" smtClean="0">
-                          <a:latin typeface="Cambria Math" panose="02040503050406030204" pitchFamily="18" charset="0"/>
-                        </a:rPr>
-                        <m:t>=</m:t>
-                      </m:r>
-                      <m:r>
-                        <a:rPr lang="en-US" altLang="zh-TW" b="0" i="1" smtClean="0">
-                          <a:latin typeface="Cambria Math" panose="02040503050406030204" pitchFamily="18" charset="0"/>
-                        </a:rPr>
-                        <m:t>𝑏</m:t>
-                      </m:r>
-                    </m:oMath>
-                  </m:oMathPara>
-                </a14:m>
-                <a:endParaRPr lang="en-US" altLang="zh-TW" dirty="0"/>
-              </a:p>
-              <a:p>
-                <a:pPr marL="0" indent="0">
-                  <a:buNone/>
-                </a:pPr>
-                <a:r>
-                  <a:rPr lang="en-US" altLang="zh-TW" dirty="0"/>
-                  <a:t>x : unknown vector (what we want to solve)</a:t>
-                </a:r>
-              </a:p>
-              <a:p>
-                <a:pPr marL="0" indent="0">
-                  <a:buNone/>
-                </a:pPr>
-                <a:r>
-                  <a:rPr lang="en-US" altLang="zh-TW" dirty="0"/>
-                  <a:t>b :</a:t>
-                </a:r>
-                <a:r>
-                  <a:rPr lang="zh-TW" altLang="en-US" dirty="0"/>
-                  <a:t> </a:t>
-                </a:r>
-                <a:r>
-                  <a:rPr lang="en-US" altLang="zh-TW" dirty="0"/>
-                  <a:t>known vector </a:t>
-                </a:r>
-              </a:p>
-              <a:p>
-                <a:pPr marL="0" indent="0">
-                  <a:buNone/>
-                </a:pPr>
-                <a:r>
-                  <a:rPr lang="en-US" altLang="zh-TW" dirty="0"/>
-                  <a:t>A</a:t>
-                </a:r>
-                <a:r>
-                  <a:rPr lang="zh-TW" altLang="en-US" dirty="0"/>
-                  <a:t> </a:t>
-                </a:r>
-                <a:r>
-                  <a:rPr lang="en-US" altLang="zh-TW" dirty="0"/>
-                  <a:t>:</a:t>
-                </a:r>
-                <a:r>
-                  <a:rPr lang="zh-TW" altLang="en-US" dirty="0"/>
-                  <a:t> </a:t>
-                </a:r>
-                <a:r>
-                  <a:rPr lang="en-US" altLang="zh-TW" dirty="0"/>
-                  <a:t>square, symmetric, positive-definite matrix .</a:t>
-                </a:r>
-                <a:endParaRPr lang="zh-TW" altLang="en-US" dirty="0"/>
-              </a:p>
-            </p:txBody>
-          </p:sp>
-        </mc:Choice>
-        <mc:Fallback xmlns="">
-          <p:sp>
-            <p:nvSpPr>
-              <p:cNvPr id="3" name="內容版面配置區 2"/>
-              <p:cNvSpPr>
-                <a:spLocks noGrp="1" noRot="1" noChangeAspect="1" noMove="1" noResize="1" noEditPoints="1" noAdjustHandles="1" noChangeArrowheads="1" noChangeShapeType="1" noTextEdit="1"/>
-              </p:cNvSpPr>
-              <p:nvPr>
-                <p:ph idx="1"/>
-              </p:nvPr>
-            </p:nvSpPr>
-            <p:spPr>
-              <a:blipFill>
-                <a:blip r:embed="rId2"/>
-                <a:stretch>
-                  <a:fillRect l="-1217"/>
-                </a:stretch>
-              </a:blipFill>
-            </p:spPr>
-            <p:txBody>
-              <a:bodyPr/>
-              <a:lstStyle/>
-              <a:p>
-                <a:r>
-                  <a:rPr lang="zh-TW" altLang="en-US">
-                    <a:noFill/>
-                  </a:rPr>
-                  <a:t> </a:t>
-                </a:r>
-              </a:p>
-            </p:txBody>
-          </p:sp>
-        </mc:Fallback>
-      </mc:AlternateContent>
-    </p:spTree>
-    <p:extLst>
-      <p:ext uri="{BB962C8B-B14F-4D97-AF65-F5344CB8AC3E}">
-        <p14:creationId xmlns:p14="http://schemas.microsoft.com/office/powerpoint/2010/main" val="1603226367"/>
       </p:ext>
     </p:extLst>
   </p:cSld>

--- a/Final Project - Conjugate Gradient method.pptx
+++ b/Final Project - Conjugate Gradient method.pptx
@@ -4,6 +4,9 @@
   <p:sldMasterIdLst>
     <p:sldMasterId id="2147483648" r:id="rId1"/>
   </p:sldMasterIdLst>
+  <p:notesMasterIdLst>
+    <p:notesMasterId r:id="rId24"/>
+  </p:notesMasterIdLst>
   <p:sldIdLst>
     <p:sldId id="256" r:id="rId2"/>
     <p:sldId id="257" r:id="rId3"/>
@@ -20,12 +23,13 @@
     <p:sldId id="282" r:id="rId14"/>
     <p:sldId id="281" r:id="rId15"/>
     <p:sldId id="280" r:id="rId16"/>
-    <p:sldId id="272" r:id="rId17"/>
-    <p:sldId id="267" r:id="rId18"/>
-    <p:sldId id="268" r:id="rId19"/>
-    <p:sldId id="270" r:id="rId20"/>
-    <p:sldId id="277" r:id="rId21"/>
-    <p:sldId id="276" r:id="rId22"/>
+    <p:sldId id="283" r:id="rId17"/>
+    <p:sldId id="272" r:id="rId18"/>
+    <p:sldId id="267" r:id="rId19"/>
+    <p:sldId id="268" r:id="rId20"/>
+    <p:sldId id="270" r:id="rId21"/>
+    <p:sldId id="277" r:id="rId22"/>
+    <p:sldId id="276" r:id="rId23"/>
   </p:sldIdLst>
   <p:sldSz cx="12192000" cy="6858000"/>
   <p:notesSz cx="6858000" cy="9144000"/>
@@ -2302,6 +2306,440 @@
 </cs:chartStyle>
 </file>
 
+<file path=ppt/notesMasters/notesMaster1.xml><?xml version="1.0" encoding="utf-8"?>
+<p:notesMaster xmlns:a="http://schemas.openxmlformats.org/drawingml/2006/main" xmlns:r="http://schemas.openxmlformats.org/officeDocument/2006/relationships" xmlns:p="http://schemas.openxmlformats.org/presentationml/2006/main">
+  <p:cSld>
+    <p:bg>
+      <p:bgRef idx="1001">
+        <a:schemeClr val="bg1"/>
+      </p:bgRef>
+    </p:bg>
+    <p:spTree>
+      <p:nvGrpSpPr>
+        <p:cNvPr id="1" name=""/>
+        <p:cNvGrpSpPr/>
+        <p:nvPr/>
+      </p:nvGrpSpPr>
+      <p:grpSpPr>
+        <a:xfrm>
+          <a:off x="0" y="0"/>
+          <a:ext cx="0" cy="0"/>
+          <a:chOff x="0" y="0"/>
+          <a:chExt cx="0" cy="0"/>
+        </a:xfrm>
+      </p:grpSpPr>
+      <p:sp>
+        <p:nvSpPr>
+          <p:cNvPr id="2" name="Header Placeholder 1"/>
+          <p:cNvSpPr>
+            <a:spLocks noGrp="1"/>
+          </p:cNvSpPr>
+          <p:nvPr>
+            <p:ph type="hdr" sz="quarter"/>
+          </p:nvPr>
+        </p:nvSpPr>
+        <p:spPr>
+          <a:xfrm>
+            <a:off x="0" y="0"/>
+            <a:ext cx="2971800" cy="458788"/>
+          </a:xfrm>
+          <a:prstGeom prst="rect">
+            <a:avLst/>
+          </a:prstGeom>
+        </p:spPr>
+        <p:txBody>
+          <a:bodyPr vert="horz" lIns="91440" tIns="45720" rIns="91440" bIns="45720" rtlCol="0"/>
+          <a:lstStyle>
+            <a:lvl1pPr algn="l">
+              <a:defRPr sz="1200"/>
+            </a:lvl1pPr>
+          </a:lstStyle>
+          <a:p>
+            <a:endParaRPr lang="en-TW"/>
+          </a:p>
+        </p:txBody>
+      </p:sp>
+      <p:sp>
+        <p:nvSpPr>
+          <p:cNvPr id="3" name="Date Placeholder 2"/>
+          <p:cNvSpPr>
+            <a:spLocks noGrp="1"/>
+          </p:cNvSpPr>
+          <p:nvPr>
+            <p:ph type="dt" idx="1"/>
+          </p:nvPr>
+        </p:nvSpPr>
+        <p:spPr>
+          <a:xfrm>
+            <a:off x="3884613" y="0"/>
+            <a:ext cx="2971800" cy="458788"/>
+          </a:xfrm>
+          <a:prstGeom prst="rect">
+            <a:avLst/>
+          </a:prstGeom>
+        </p:spPr>
+        <p:txBody>
+          <a:bodyPr vert="horz" lIns="91440" tIns="45720" rIns="91440" bIns="45720" rtlCol="0"/>
+          <a:lstStyle>
+            <a:lvl1pPr algn="r">
+              <a:defRPr sz="1200"/>
+            </a:lvl1pPr>
+          </a:lstStyle>
+          <a:p>
+            <a:fld id="{687D9C08-B1B0-4146-969E-D3934BB932B4}" type="datetimeFigureOut">
+              <a:rPr lang="en-TW" smtClean="0"/>
+              <a:t>2021/6/21</a:t>
+            </a:fld>
+            <a:endParaRPr lang="en-TW"/>
+          </a:p>
+        </p:txBody>
+      </p:sp>
+      <p:sp>
+        <p:nvSpPr>
+          <p:cNvPr id="4" name="Slide Image Placeholder 3"/>
+          <p:cNvSpPr>
+            <a:spLocks noGrp="1" noRot="1" noChangeAspect="1"/>
+          </p:cNvSpPr>
+          <p:nvPr>
+            <p:ph type="sldImg" idx="2"/>
+          </p:nvPr>
+        </p:nvSpPr>
+        <p:spPr>
+          <a:xfrm>
+            <a:off x="685800" y="1143000"/>
+            <a:ext cx="5486400" cy="3086100"/>
+          </a:xfrm>
+          <a:prstGeom prst="rect">
+            <a:avLst/>
+          </a:prstGeom>
+          <a:noFill/>
+          <a:ln w="12700">
+            <a:solidFill>
+              <a:prstClr val="black"/>
+            </a:solidFill>
+          </a:ln>
+        </p:spPr>
+        <p:txBody>
+          <a:bodyPr vert="horz" lIns="91440" tIns="45720" rIns="91440" bIns="45720" rtlCol="0" anchor="ctr"/>
+          <a:lstStyle/>
+          <a:p>
+            <a:endParaRPr lang="en-TW"/>
+          </a:p>
+        </p:txBody>
+      </p:sp>
+      <p:sp>
+        <p:nvSpPr>
+          <p:cNvPr id="5" name="Notes Placeholder 4"/>
+          <p:cNvSpPr>
+            <a:spLocks noGrp="1"/>
+          </p:cNvSpPr>
+          <p:nvPr>
+            <p:ph type="body" sz="quarter" idx="3"/>
+          </p:nvPr>
+        </p:nvSpPr>
+        <p:spPr>
+          <a:xfrm>
+            <a:off x="685800" y="4400550"/>
+            <a:ext cx="5486400" cy="3600450"/>
+          </a:xfrm>
+          <a:prstGeom prst="rect">
+            <a:avLst/>
+          </a:prstGeom>
+        </p:spPr>
+        <p:txBody>
+          <a:bodyPr vert="horz" lIns="91440" tIns="45720" rIns="91440" bIns="45720" rtlCol="0"/>
+          <a:lstStyle/>
+          <a:p>
+            <a:pPr lvl="0"/>
+            <a:r>
+              <a:rPr lang="en-US"/>
+              <a:t>Click to edit Master text styles</a:t>
+            </a:r>
+          </a:p>
+          <a:p>
+            <a:pPr lvl="1"/>
+            <a:r>
+              <a:rPr lang="en-US"/>
+              <a:t>Second level</a:t>
+            </a:r>
+          </a:p>
+          <a:p>
+            <a:pPr lvl="2"/>
+            <a:r>
+              <a:rPr lang="en-US"/>
+              <a:t>Third level</a:t>
+            </a:r>
+          </a:p>
+          <a:p>
+            <a:pPr lvl="3"/>
+            <a:r>
+              <a:rPr lang="en-US"/>
+              <a:t>Fourth level</a:t>
+            </a:r>
+          </a:p>
+          <a:p>
+            <a:pPr lvl="4"/>
+            <a:r>
+              <a:rPr lang="en-US"/>
+              <a:t>Fifth level</a:t>
+            </a:r>
+            <a:endParaRPr lang="en-TW"/>
+          </a:p>
+        </p:txBody>
+      </p:sp>
+      <p:sp>
+        <p:nvSpPr>
+          <p:cNvPr id="6" name="Footer Placeholder 5"/>
+          <p:cNvSpPr>
+            <a:spLocks noGrp="1"/>
+          </p:cNvSpPr>
+          <p:nvPr>
+            <p:ph type="ftr" sz="quarter" idx="4"/>
+          </p:nvPr>
+        </p:nvSpPr>
+        <p:spPr>
+          <a:xfrm>
+            <a:off x="0" y="8685213"/>
+            <a:ext cx="2971800" cy="458787"/>
+          </a:xfrm>
+          <a:prstGeom prst="rect">
+            <a:avLst/>
+          </a:prstGeom>
+        </p:spPr>
+        <p:txBody>
+          <a:bodyPr vert="horz" lIns="91440" tIns="45720" rIns="91440" bIns="45720" rtlCol="0" anchor="b"/>
+          <a:lstStyle>
+            <a:lvl1pPr algn="l">
+              <a:defRPr sz="1200"/>
+            </a:lvl1pPr>
+          </a:lstStyle>
+          <a:p>
+            <a:endParaRPr lang="en-TW"/>
+          </a:p>
+        </p:txBody>
+      </p:sp>
+      <p:sp>
+        <p:nvSpPr>
+          <p:cNvPr id="7" name="Slide Number Placeholder 6"/>
+          <p:cNvSpPr>
+            <a:spLocks noGrp="1"/>
+          </p:cNvSpPr>
+          <p:nvPr>
+            <p:ph type="sldNum" sz="quarter" idx="5"/>
+          </p:nvPr>
+        </p:nvSpPr>
+        <p:spPr>
+          <a:xfrm>
+            <a:off x="3884613" y="8685213"/>
+            <a:ext cx="2971800" cy="458787"/>
+          </a:xfrm>
+          <a:prstGeom prst="rect">
+            <a:avLst/>
+          </a:prstGeom>
+        </p:spPr>
+        <p:txBody>
+          <a:bodyPr vert="horz" lIns="91440" tIns="45720" rIns="91440" bIns="45720" rtlCol="0" anchor="b"/>
+          <a:lstStyle>
+            <a:lvl1pPr algn="r">
+              <a:defRPr sz="1200"/>
+            </a:lvl1pPr>
+          </a:lstStyle>
+          <a:p>
+            <a:fld id="{1D08297C-EA1F-DF46-BACF-82653DFCDDFD}" type="slidenum">
+              <a:rPr lang="en-TW" smtClean="0"/>
+              <a:t>‹#›</a:t>
+            </a:fld>
+            <a:endParaRPr lang="en-TW"/>
+          </a:p>
+        </p:txBody>
+      </p:sp>
+    </p:spTree>
+    <p:extLst>
+      <p:ext uri="{BB962C8B-B14F-4D97-AF65-F5344CB8AC3E}">
+        <p14:creationId xmlns:p14="http://schemas.microsoft.com/office/powerpoint/2010/main" val="346970374"/>
+      </p:ext>
+    </p:extLst>
+  </p:cSld>
+  <p:clrMap bg1="lt1" tx1="dk1" bg2="lt2" tx2="dk2" accent1="accent1" accent2="accent2" accent3="accent3" accent4="accent4" accent5="accent5" accent6="accent6" hlink="hlink" folHlink="folHlink"/>
+  <p:notesStyle>
+    <a:lvl1pPr marL="0" algn="l" defTabSz="914400" rtl="0" eaLnBrk="1" latinLnBrk="0" hangingPunct="1">
+      <a:defRPr sz="1200" kern="1200">
+        <a:solidFill>
+          <a:schemeClr val="tx1"/>
+        </a:solidFill>
+        <a:latin typeface="+mn-lt"/>
+        <a:ea typeface="+mn-ea"/>
+        <a:cs typeface="+mn-cs"/>
+      </a:defRPr>
+    </a:lvl1pPr>
+    <a:lvl2pPr marL="457200" algn="l" defTabSz="914400" rtl="0" eaLnBrk="1" latinLnBrk="0" hangingPunct="1">
+      <a:defRPr sz="1200" kern="1200">
+        <a:solidFill>
+          <a:schemeClr val="tx1"/>
+        </a:solidFill>
+        <a:latin typeface="+mn-lt"/>
+        <a:ea typeface="+mn-ea"/>
+        <a:cs typeface="+mn-cs"/>
+      </a:defRPr>
+    </a:lvl2pPr>
+    <a:lvl3pPr marL="914400" algn="l" defTabSz="914400" rtl="0" eaLnBrk="1" latinLnBrk="0" hangingPunct="1">
+      <a:defRPr sz="1200" kern="1200">
+        <a:solidFill>
+          <a:schemeClr val="tx1"/>
+        </a:solidFill>
+        <a:latin typeface="+mn-lt"/>
+        <a:ea typeface="+mn-ea"/>
+        <a:cs typeface="+mn-cs"/>
+      </a:defRPr>
+    </a:lvl3pPr>
+    <a:lvl4pPr marL="1371600" algn="l" defTabSz="914400" rtl="0" eaLnBrk="1" latinLnBrk="0" hangingPunct="1">
+      <a:defRPr sz="1200" kern="1200">
+        <a:solidFill>
+          <a:schemeClr val="tx1"/>
+        </a:solidFill>
+        <a:latin typeface="+mn-lt"/>
+        <a:ea typeface="+mn-ea"/>
+        <a:cs typeface="+mn-cs"/>
+      </a:defRPr>
+    </a:lvl4pPr>
+    <a:lvl5pPr marL="1828800" algn="l" defTabSz="914400" rtl="0" eaLnBrk="1" latinLnBrk="0" hangingPunct="1">
+      <a:defRPr sz="1200" kern="1200">
+        <a:solidFill>
+          <a:schemeClr val="tx1"/>
+        </a:solidFill>
+        <a:latin typeface="+mn-lt"/>
+        <a:ea typeface="+mn-ea"/>
+        <a:cs typeface="+mn-cs"/>
+      </a:defRPr>
+    </a:lvl5pPr>
+    <a:lvl6pPr marL="2286000" algn="l" defTabSz="914400" rtl="0" eaLnBrk="1" latinLnBrk="0" hangingPunct="1">
+      <a:defRPr sz="1200" kern="1200">
+        <a:solidFill>
+          <a:schemeClr val="tx1"/>
+        </a:solidFill>
+        <a:latin typeface="+mn-lt"/>
+        <a:ea typeface="+mn-ea"/>
+        <a:cs typeface="+mn-cs"/>
+      </a:defRPr>
+    </a:lvl6pPr>
+    <a:lvl7pPr marL="2743200" algn="l" defTabSz="914400" rtl="0" eaLnBrk="1" latinLnBrk="0" hangingPunct="1">
+      <a:defRPr sz="1200" kern="1200">
+        <a:solidFill>
+          <a:schemeClr val="tx1"/>
+        </a:solidFill>
+        <a:latin typeface="+mn-lt"/>
+        <a:ea typeface="+mn-ea"/>
+        <a:cs typeface="+mn-cs"/>
+      </a:defRPr>
+    </a:lvl7pPr>
+    <a:lvl8pPr marL="3200400" algn="l" defTabSz="914400" rtl="0" eaLnBrk="1" latinLnBrk="0" hangingPunct="1">
+      <a:defRPr sz="1200" kern="1200">
+        <a:solidFill>
+          <a:schemeClr val="tx1"/>
+        </a:solidFill>
+        <a:latin typeface="+mn-lt"/>
+        <a:ea typeface="+mn-ea"/>
+        <a:cs typeface="+mn-cs"/>
+      </a:defRPr>
+    </a:lvl8pPr>
+    <a:lvl9pPr marL="3657600" algn="l" defTabSz="914400" rtl="0" eaLnBrk="1" latinLnBrk="0" hangingPunct="1">
+      <a:defRPr sz="1200" kern="1200">
+        <a:solidFill>
+          <a:schemeClr val="tx1"/>
+        </a:solidFill>
+        <a:latin typeface="+mn-lt"/>
+        <a:ea typeface="+mn-ea"/>
+        <a:cs typeface="+mn-cs"/>
+      </a:defRPr>
+    </a:lvl9pPr>
+  </p:notesStyle>
+</p:notesMaster>
+</file>
+
+<file path=ppt/notesSlides/notesSlide1.xml><?xml version="1.0" encoding="utf-8"?>
+<p:notes xmlns:a="http://schemas.openxmlformats.org/drawingml/2006/main" xmlns:r="http://schemas.openxmlformats.org/officeDocument/2006/relationships" xmlns:p="http://schemas.openxmlformats.org/presentationml/2006/main">
+  <p:cSld>
+    <p:spTree>
+      <p:nvGrpSpPr>
+        <p:cNvPr id="1" name=""/>
+        <p:cNvGrpSpPr/>
+        <p:nvPr/>
+      </p:nvGrpSpPr>
+      <p:grpSpPr>
+        <a:xfrm>
+          <a:off x="0" y="0"/>
+          <a:ext cx="0" cy="0"/>
+          <a:chOff x="0" y="0"/>
+          <a:chExt cx="0" cy="0"/>
+        </a:xfrm>
+      </p:grpSpPr>
+      <p:sp>
+        <p:nvSpPr>
+          <p:cNvPr id="2" name="Slide Image Placeholder 1"/>
+          <p:cNvSpPr>
+            <a:spLocks noGrp="1" noRot="1" noChangeAspect="1"/>
+          </p:cNvSpPr>
+          <p:nvPr>
+            <p:ph type="sldImg"/>
+          </p:nvPr>
+        </p:nvSpPr>
+        <p:spPr/>
+      </p:sp>
+      <p:sp>
+        <p:nvSpPr>
+          <p:cNvPr id="3" name="Notes Placeholder 2"/>
+          <p:cNvSpPr>
+            <a:spLocks noGrp="1"/>
+          </p:cNvSpPr>
+          <p:nvPr>
+            <p:ph type="body" idx="1"/>
+          </p:nvPr>
+        </p:nvSpPr>
+        <p:spPr/>
+        <p:txBody>
+          <a:bodyPr/>
+          <a:lstStyle/>
+          <a:p>
+            <a:endParaRPr lang="en-TW" dirty="0"/>
+          </a:p>
+        </p:txBody>
+      </p:sp>
+      <p:sp>
+        <p:nvSpPr>
+          <p:cNvPr id="4" name="Slide Number Placeholder 3"/>
+          <p:cNvSpPr>
+            <a:spLocks noGrp="1"/>
+          </p:cNvSpPr>
+          <p:nvPr>
+            <p:ph type="sldNum" sz="quarter" idx="5"/>
+          </p:nvPr>
+        </p:nvSpPr>
+        <p:spPr/>
+        <p:txBody>
+          <a:bodyPr/>
+          <a:lstStyle/>
+          <a:p>
+            <a:fld id="{1D08297C-EA1F-DF46-BACF-82653DFCDDFD}" type="slidenum">
+              <a:rPr lang="en-TW" smtClean="0"/>
+              <a:t>16</a:t>
+            </a:fld>
+            <a:endParaRPr lang="en-TW"/>
+          </a:p>
+        </p:txBody>
+      </p:sp>
+    </p:spTree>
+    <p:extLst>
+      <p:ext uri="{BB962C8B-B14F-4D97-AF65-F5344CB8AC3E}">
+        <p14:creationId xmlns:p14="http://schemas.microsoft.com/office/powerpoint/2010/main" val="1041927058"/>
+      </p:ext>
+    </p:extLst>
+  </p:cSld>
+  <p:clrMapOvr>
+    <a:masterClrMapping/>
+  </p:clrMapOvr>
+</p:notes>
+</file>
+
 <file path=ppt/slideLayouts/slideLayout1.xml><?xml version="1.0" encoding="utf-8"?>
 <p:sldLayout xmlns:a="http://schemas.openxmlformats.org/drawingml/2006/main" xmlns:r="http://schemas.openxmlformats.org/officeDocument/2006/relationships" xmlns:p="http://schemas.openxmlformats.org/presentationml/2006/main" type="title" preserve="1">
   <p:cSld name="標題投影片">
@@ -2431,7 +2869,7 @@
           <a:p>
             <a:fld id="{E52FBAA3-F589-4A89-8837-2ACCD95660B2}" type="datetimeFigureOut">
               <a:rPr lang="zh-TW" altLang="en-US" smtClean="0"/>
-              <a:t>2021/6/19</a:t>
+              <a:t>2021/6/21</a:t>
             </a:fld>
             <a:endParaRPr lang="zh-TW" altLang="en-US"/>
           </a:p>
@@ -2599,7 +3037,7 @@
           <a:p>
             <a:fld id="{E52FBAA3-F589-4A89-8837-2ACCD95660B2}" type="datetimeFigureOut">
               <a:rPr lang="zh-TW" altLang="en-US" smtClean="0"/>
-              <a:t>2021/6/19</a:t>
+              <a:t>2021/6/21</a:t>
             </a:fld>
             <a:endParaRPr lang="zh-TW" altLang="en-US"/>
           </a:p>
@@ -2777,7 +3215,7 @@
           <a:p>
             <a:fld id="{E52FBAA3-F589-4A89-8837-2ACCD95660B2}" type="datetimeFigureOut">
               <a:rPr lang="zh-TW" altLang="en-US" smtClean="0"/>
-              <a:t>2021/6/19</a:t>
+              <a:t>2021/6/21</a:t>
             </a:fld>
             <a:endParaRPr lang="zh-TW" altLang="en-US"/>
           </a:p>
@@ -2945,7 +3383,7 @@
           <a:p>
             <a:fld id="{E52FBAA3-F589-4A89-8837-2ACCD95660B2}" type="datetimeFigureOut">
               <a:rPr lang="zh-TW" altLang="en-US" smtClean="0"/>
-              <a:t>2021/6/19</a:t>
+              <a:t>2021/6/21</a:t>
             </a:fld>
             <a:endParaRPr lang="zh-TW" altLang="en-US"/>
           </a:p>
@@ -3190,7 +3628,7 @@
           <a:p>
             <a:fld id="{E52FBAA3-F589-4A89-8837-2ACCD95660B2}" type="datetimeFigureOut">
               <a:rPr lang="zh-TW" altLang="en-US" smtClean="0"/>
-              <a:t>2021/6/19</a:t>
+              <a:t>2021/6/21</a:t>
             </a:fld>
             <a:endParaRPr lang="zh-TW" altLang="en-US"/>
           </a:p>
@@ -3419,7 +3857,7 @@
           <a:p>
             <a:fld id="{E52FBAA3-F589-4A89-8837-2ACCD95660B2}" type="datetimeFigureOut">
               <a:rPr lang="zh-TW" altLang="en-US" smtClean="0"/>
-              <a:t>2021/6/19</a:t>
+              <a:t>2021/6/21</a:t>
             </a:fld>
             <a:endParaRPr lang="zh-TW" altLang="en-US"/>
           </a:p>
@@ -3783,7 +4221,7 @@
           <a:p>
             <a:fld id="{E52FBAA3-F589-4A89-8837-2ACCD95660B2}" type="datetimeFigureOut">
               <a:rPr lang="zh-TW" altLang="en-US" smtClean="0"/>
-              <a:t>2021/6/19</a:t>
+              <a:t>2021/6/21</a:t>
             </a:fld>
             <a:endParaRPr lang="zh-TW" altLang="en-US"/>
           </a:p>
@@ -3900,7 +4338,7 @@
           <a:p>
             <a:fld id="{E52FBAA3-F589-4A89-8837-2ACCD95660B2}" type="datetimeFigureOut">
               <a:rPr lang="zh-TW" altLang="en-US" smtClean="0"/>
-              <a:t>2021/6/19</a:t>
+              <a:t>2021/6/21</a:t>
             </a:fld>
             <a:endParaRPr lang="zh-TW" altLang="en-US"/>
           </a:p>
@@ -3995,7 +4433,7 @@
           <a:p>
             <a:fld id="{E52FBAA3-F589-4A89-8837-2ACCD95660B2}" type="datetimeFigureOut">
               <a:rPr lang="zh-TW" altLang="en-US" smtClean="0"/>
-              <a:t>2021/6/19</a:t>
+              <a:t>2021/6/21</a:t>
             </a:fld>
             <a:endParaRPr lang="zh-TW" altLang="en-US"/>
           </a:p>
@@ -4270,7 +4708,7 @@
           <a:p>
             <a:fld id="{E52FBAA3-F589-4A89-8837-2ACCD95660B2}" type="datetimeFigureOut">
               <a:rPr lang="zh-TW" altLang="en-US" smtClean="0"/>
-              <a:t>2021/6/19</a:t>
+              <a:t>2021/6/21</a:t>
             </a:fld>
             <a:endParaRPr lang="zh-TW" altLang="en-US"/>
           </a:p>
@@ -4522,7 +4960,7 @@
           <a:p>
             <a:fld id="{E52FBAA3-F589-4A89-8837-2ACCD95660B2}" type="datetimeFigureOut">
               <a:rPr lang="zh-TW" altLang="en-US" smtClean="0"/>
-              <a:t>2021/6/19</a:t>
+              <a:t>2021/6/21</a:t>
             </a:fld>
             <a:endParaRPr lang="zh-TW" altLang="en-US"/>
           </a:p>
@@ -4733,7 +5171,7 @@
           <a:p>
             <a:fld id="{E52FBAA3-F589-4A89-8837-2ACCD95660B2}" type="datetimeFigureOut">
               <a:rPr lang="zh-TW" altLang="en-US" smtClean="0"/>
-              <a:t>2021/6/19</a:t>
+              <a:t>2021/6/21</a:t>
             </a:fld>
             <a:endParaRPr lang="zh-TW" altLang="en-US"/>
           </a:p>
@@ -7704,6 +8142,468 @@
           <a:chExt cx="0" cy="0"/>
         </a:xfrm>
       </p:grpSpPr>
+      <p:pic>
+        <p:nvPicPr>
+          <p:cNvPr id="19" name="Picture 18">
+            <a:extLst>
+              <a:ext uri="{FF2B5EF4-FFF2-40B4-BE49-F238E27FC236}">
+                <a16:creationId xmlns:a16="http://schemas.microsoft.com/office/drawing/2014/main" id="{6E2D2F21-323E-A240-89A8-6EEE390607FE}"/>
+              </a:ext>
+            </a:extLst>
+          </p:cNvPr>
+          <p:cNvPicPr>
+            <a:picLocks noChangeAspect="1"/>
+          </p:cNvPicPr>
+          <p:nvPr/>
+        </p:nvPicPr>
+        <p:blipFill>
+          <a:blip r:embed="rId3">
+            <a:extLst>
+              <a:ext uri="{28A0092B-C50C-407E-A947-70E740481C1C}">
+                <a14:useLocalDpi xmlns:a14="http://schemas.microsoft.com/office/drawing/2010/main" val="0"/>
+              </a:ext>
+            </a:extLst>
+          </a:blip>
+          <a:stretch>
+            <a:fillRect/>
+          </a:stretch>
+        </p:blipFill>
+        <p:spPr>
+          <a:xfrm>
+            <a:off x="5643" y="3047482"/>
+            <a:ext cx="4656825" cy="3725460"/>
+          </a:xfrm>
+          <a:prstGeom prst="rect">
+            <a:avLst/>
+          </a:prstGeom>
+        </p:spPr>
+      </p:pic>
+      <p:pic>
+        <p:nvPicPr>
+          <p:cNvPr id="16" name="Picture 15">
+            <a:extLst>
+              <a:ext uri="{FF2B5EF4-FFF2-40B4-BE49-F238E27FC236}">
+                <a16:creationId xmlns:a16="http://schemas.microsoft.com/office/drawing/2014/main" id="{B104B832-D0B7-0341-896A-4356ECFD216E}"/>
+              </a:ext>
+            </a:extLst>
+          </p:cNvPr>
+          <p:cNvPicPr>
+            <a:picLocks noChangeAspect="1"/>
+          </p:cNvPicPr>
+          <p:nvPr/>
+        </p:nvPicPr>
+        <p:blipFill>
+          <a:blip r:embed="rId4">
+            <a:extLst>
+              <a:ext uri="{28A0092B-C50C-407E-A947-70E740481C1C}">
+                <a14:useLocalDpi xmlns:a14="http://schemas.microsoft.com/office/drawing/2010/main" val="0"/>
+              </a:ext>
+            </a:extLst>
+          </a:blip>
+          <a:stretch>
+            <a:fillRect/>
+          </a:stretch>
+        </p:blipFill>
+        <p:spPr>
+          <a:xfrm>
+            <a:off x="4000028" y="3056340"/>
+            <a:ext cx="4656825" cy="3725460"/>
+          </a:xfrm>
+          <a:prstGeom prst="rect">
+            <a:avLst/>
+          </a:prstGeom>
+        </p:spPr>
+      </p:pic>
+      <p:pic>
+        <p:nvPicPr>
+          <p:cNvPr id="14" name="Picture 13">
+            <a:extLst>
+              <a:ext uri="{FF2B5EF4-FFF2-40B4-BE49-F238E27FC236}">
+                <a16:creationId xmlns:a16="http://schemas.microsoft.com/office/drawing/2014/main" id="{AB70C4F7-6309-8341-8877-5823B16D1CF0}"/>
+              </a:ext>
+            </a:extLst>
+          </p:cNvPr>
+          <p:cNvPicPr>
+            <a:picLocks noChangeAspect="1"/>
+          </p:cNvPicPr>
+          <p:nvPr/>
+        </p:nvPicPr>
+        <p:blipFill>
+          <a:blip r:embed="rId5">
+            <a:extLst>
+              <a:ext uri="{28A0092B-C50C-407E-A947-70E740481C1C}">
+                <a14:useLocalDpi xmlns:a14="http://schemas.microsoft.com/office/drawing/2010/main" val="0"/>
+              </a:ext>
+            </a:extLst>
+          </a:blip>
+          <a:stretch>
+            <a:fillRect/>
+          </a:stretch>
+        </p:blipFill>
+        <p:spPr>
+          <a:xfrm>
+            <a:off x="8007114" y="3056340"/>
+            <a:ext cx="4656825" cy="3725460"/>
+          </a:xfrm>
+          <a:prstGeom prst="rect">
+            <a:avLst/>
+          </a:prstGeom>
+        </p:spPr>
+      </p:pic>
+      <p:pic>
+        <p:nvPicPr>
+          <p:cNvPr id="4" name="Picture 3">
+            <a:extLst>
+              <a:ext uri="{FF2B5EF4-FFF2-40B4-BE49-F238E27FC236}">
+                <a16:creationId xmlns:a16="http://schemas.microsoft.com/office/drawing/2014/main" id="{ED2CE392-E58A-DF45-860D-8DFDBA129CBB}"/>
+              </a:ext>
+            </a:extLst>
+          </p:cNvPr>
+          <p:cNvPicPr>
+            <a:picLocks noChangeAspect="1"/>
+          </p:cNvPicPr>
+          <p:nvPr/>
+        </p:nvPicPr>
+        <p:blipFill>
+          <a:blip r:embed="rId6">
+            <a:extLst>
+              <a:ext uri="{28A0092B-C50C-407E-A947-70E740481C1C}">
+                <a14:useLocalDpi xmlns:a14="http://schemas.microsoft.com/office/drawing/2010/main" val="0"/>
+              </a:ext>
+            </a:extLst>
+          </a:blip>
+          <a:stretch>
+            <a:fillRect/>
+          </a:stretch>
+        </p:blipFill>
+        <p:spPr>
+          <a:xfrm>
+            <a:off x="-7055" y="-317499"/>
+            <a:ext cx="4656823" cy="3725458"/>
+          </a:xfrm>
+          <a:prstGeom prst="rect">
+            <a:avLst/>
+          </a:prstGeom>
+        </p:spPr>
+      </p:pic>
+      <p:sp>
+        <p:nvSpPr>
+          <p:cNvPr id="5" name="TextBox 4">
+            <a:extLst>
+              <a:ext uri="{FF2B5EF4-FFF2-40B4-BE49-F238E27FC236}">
+                <a16:creationId xmlns:a16="http://schemas.microsoft.com/office/drawing/2014/main" id="{B5660E4C-EA6E-D446-9A8C-6D2465DA5285}"/>
+              </a:ext>
+            </a:extLst>
+          </p:cNvPr>
+          <p:cNvSpPr txBox="1"/>
+          <p:nvPr/>
+        </p:nvSpPr>
+        <p:spPr>
+          <a:xfrm>
+            <a:off x="275638" y="3115859"/>
+            <a:ext cx="3441700" cy="369332"/>
+          </a:xfrm>
+          <a:prstGeom prst="rect">
+            <a:avLst/>
+          </a:prstGeom>
+          <a:noFill/>
+        </p:spPr>
+        <p:txBody>
+          <a:bodyPr wrap="square" rtlCol="0">
+            <a:spAutoFit/>
+          </a:bodyPr>
+          <a:lstStyle/>
+          <a:p>
+            <a:pPr algn="ctr"/>
+            <a:r>
+              <a:rPr lang="en-TW" dirty="0"/>
+              <a:t>Const BC and Point Source</a:t>
+            </a:r>
+          </a:p>
+        </p:txBody>
+      </p:sp>
+      <p:pic>
+        <p:nvPicPr>
+          <p:cNvPr id="7" name="Picture 6">
+            <a:extLst>
+              <a:ext uri="{FF2B5EF4-FFF2-40B4-BE49-F238E27FC236}">
+                <a16:creationId xmlns:a16="http://schemas.microsoft.com/office/drawing/2014/main" id="{74F4F42E-6DA5-EB4B-8067-E9A8641998F5}"/>
+              </a:ext>
+            </a:extLst>
+          </p:cNvPr>
+          <p:cNvPicPr>
+            <a:picLocks noChangeAspect="1"/>
+          </p:cNvPicPr>
+          <p:nvPr/>
+        </p:nvPicPr>
+        <p:blipFill>
+          <a:blip r:embed="rId7">
+            <a:extLst>
+              <a:ext uri="{28A0092B-C50C-407E-A947-70E740481C1C}">
+                <a14:useLocalDpi xmlns:a14="http://schemas.microsoft.com/office/drawing/2010/main" val="0"/>
+              </a:ext>
+            </a:extLst>
+          </a:blip>
+          <a:stretch>
+            <a:fillRect/>
+          </a:stretch>
+        </p:blipFill>
+        <p:spPr>
+          <a:xfrm>
+            <a:off x="4000030" y="-317500"/>
+            <a:ext cx="4656824" cy="3725459"/>
+          </a:xfrm>
+          <a:prstGeom prst="rect">
+            <a:avLst/>
+          </a:prstGeom>
+        </p:spPr>
+      </p:pic>
+      <p:sp>
+        <p:nvSpPr>
+          <p:cNvPr id="8" name="TextBox 7">
+            <a:extLst>
+              <a:ext uri="{FF2B5EF4-FFF2-40B4-BE49-F238E27FC236}">
+                <a16:creationId xmlns:a16="http://schemas.microsoft.com/office/drawing/2014/main" id="{5C7B15E6-0B28-A446-94A9-D4AA632F4402}"/>
+              </a:ext>
+            </a:extLst>
+          </p:cNvPr>
+          <p:cNvSpPr txBox="1"/>
+          <p:nvPr/>
+        </p:nvSpPr>
+        <p:spPr>
+          <a:xfrm>
+            <a:off x="4270023" y="3115859"/>
+            <a:ext cx="3441700" cy="369332"/>
+          </a:xfrm>
+          <a:prstGeom prst="rect">
+            <a:avLst/>
+          </a:prstGeom>
+          <a:noFill/>
+        </p:spPr>
+        <p:txBody>
+          <a:bodyPr wrap="square" rtlCol="0">
+            <a:spAutoFit/>
+          </a:bodyPr>
+          <a:lstStyle/>
+          <a:p>
+            <a:pPr algn="ctr"/>
+            <a:r>
+              <a:rPr lang="en-TW" dirty="0"/>
+              <a:t>One Side BC and Point Source</a:t>
+            </a:r>
+          </a:p>
+        </p:txBody>
+      </p:sp>
+      <p:pic>
+        <p:nvPicPr>
+          <p:cNvPr id="10" name="Picture 9">
+            <a:extLst>
+              <a:ext uri="{FF2B5EF4-FFF2-40B4-BE49-F238E27FC236}">
+                <a16:creationId xmlns:a16="http://schemas.microsoft.com/office/drawing/2014/main" id="{4480A6B9-11AD-3A48-B98E-AD21684B4382}"/>
+              </a:ext>
+            </a:extLst>
+          </p:cNvPr>
+          <p:cNvPicPr>
+            <a:picLocks noChangeAspect="1"/>
+          </p:cNvPicPr>
+          <p:nvPr/>
+        </p:nvPicPr>
+        <p:blipFill>
+          <a:blip r:embed="rId8">
+            <a:extLst>
+              <a:ext uri="{28A0092B-C50C-407E-A947-70E740481C1C}">
+                <a14:useLocalDpi xmlns:a14="http://schemas.microsoft.com/office/drawing/2010/main" val="0"/>
+              </a:ext>
+            </a:extLst>
+          </a:blip>
+          <a:stretch>
+            <a:fillRect/>
+          </a:stretch>
+        </p:blipFill>
+        <p:spPr>
+          <a:xfrm>
+            <a:off x="7981715" y="-317500"/>
+            <a:ext cx="4656824" cy="3725459"/>
+          </a:xfrm>
+          <a:prstGeom prst="rect">
+            <a:avLst/>
+          </a:prstGeom>
+        </p:spPr>
+      </p:pic>
+      <p:sp>
+        <p:nvSpPr>
+          <p:cNvPr id="11" name="TextBox 10">
+            <a:extLst>
+              <a:ext uri="{FF2B5EF4-FFF2-40B4-BE49-F238E27FC236}">
+                <a16:creationId xmlns:a16="http://schemas.microsoft.com/office/drawing/2014/main" id="{54209DCD-645D-A44F-B1EB-B69E840234BC}"/>
+              </a:ext>
+            </a:extLst>
+          </p:cNvPr>
+          <p:cNvSpPr txBox="1"/>
+          <p:nvPr/>
+        </p:nvSpPr>
+        <p:spPr>
+          <a:xfrm>
+            <a:off x="8474662" y="3115859"/>
+            <a:ext cx="3441700" cy="369332"/>
+          </a:xfrm>
+          <a:prstGeom prst="rect">
+            <a:avLst/>
+          </a:prstGeom>
+          <a:noFill/>
+        </p:spPr>
+        <p:txBody>
+          <a:bodyPr wrap="square" rtlCol="0">
+            <a:spAutoFit/>
+          </a:bodyPr>
+          <a:lstStyle/>
+          <a:p>
+            <a:pPr algn="ctr"/>
+            <a:r>
+              <a:rPr lang="en-TW" dirty="0"/>
+              <a:t>Sin BC and Point Source</a:t>
+            </a:r>
+          </a:p>
+        </p:txBody>
+      </p:sp>
+      <p:sp>
+        <p:nvSpPr>
+          <p:cNvPr id="12" name="TextBox 11">
+            <a:extLst>
+              <a:ext uri="{FF2B5EF4-FFF2-40B4-BE49-F238E27FC236}">
+                <a16:creationId xmlns:a16="http://schemas.microsoft.com/office/drawing/2014/main" id="{C5638DA8-5C2A-1D45-BCFB-438ACD826974}"/>
+              </a:ext>
+            </a:extLst>
+          </p:cNvPr>
+          <p:cNvSpPr txBox="1"/>
+          <p:nvPr/>
+        </p:nvSpPr>
+        <p:spPr>
+          <a:xfrm>
+            <a:off x="8656854" y="6527799"/>
+            <a:ext cx="3441700" cy="369332"/>
+          </a:xfrm>
+          <a:prstGeom prst="rect">
+            <a:avLst/>
+          </a:prstGeom>
+          <a:noFill/>
+        </p:spPr>
+        <p:txBody>
+          <a:bodyPr wrap="square" rtlCol="0">
+            <a:spAutoFit/>
+          </a:bodyPr>
+          <a:lstStyle/>
+          <a:p>
+            <a:pPr algn="ctr"/>
+            <a:r>
+              <a:rPr lang="en-TW" dirty="0"/>
+              <a:t>Sin BC and 4th q Point Source</a:t>
+            </a:r>
+          </a:p>
+        </p:txBody>
+      </p:sp>
+      <p:sp>
+        <p:nvSpPr>
+          <p:cNvPr id="17" name="TextBox 16">
+            <a:extLst>
+              <a:ext uri="{FF2B5EF4-FFF2-40B4-BE49-F238E27FC236}">
+                <a16:creationId xmlns:a16="http://schemas.microsoft.com/office/drawing/2014/main" id="{C8E22B0F-9926-4E41-AED8-0685C02021B6}"/>
+              </a:ext>
+            </a:extLst>
+          </p:cNvPr>
+          <p:cNvSpPr txBox="1"/>
+          <p:nvPr/>
+        </p:nvSpPr>
+        <p:spPr>
+          <a:xfrm>
+            <a:off x="4394554" y="6527799"/>
+            <a:ext cx="3612560" cy="369332"/>
+          </a:xfrm>
+          <a:prstGeom prst="rect">
+            <a:avLst/>
+          </a:prstGeom>
+          <a:noFill/>
+        </p:spPr>
+        <p:txBody>
+          <a:bodyPr wrap="square" rtlCol="0">
+            <a:spAutoFit/>
+          </a:bodyPr>
+          <a:lstStyle/>
+          <a:p>
+            <a:pPr algn="ctr"/>
+            <a:r>
+              <a:rPr lang="en-TW" dirty="0"/>
+              <a:t>One Side BC and 4 th q Point Source</a:t>
+            </a:r>
+          </a:p>
+        </p:txBody>
+      </p:sp>
+      <p:sp>
+        <p:nvSpPr>
+          <p:cNvPr id="20" name="TextBox 19">
+            <a:extLst>
+              <a:ext uri="{FF2B5EF4-FFF2-40B4-BE49-F238E27FC236}">
+                <a16:creationId xmlns:a16="http://schemas.microsoft.com/office/drawing/2014/main" id="{99C3E930-860D-3740-A4E6-793D2EBBA3EF}"/>
+              </a:ext>
+            </a:extLst>
+          </p:cNvPr>
+          <p:cNvSpPr txBox="1"/>
+          <p:nvPr/>
+        </p:nvSpPr>
+        <p:spPr>
+          <a:xfrm>
+            <a:off x="387469" y="6512077"/>
+            <a:ext cx="3441700" cy="369332"/>
+          </a:xfrm>
+          <a:prstGeom prst="rect">
+            <a:avLst/>
+          </a:prstGeom>
+          <a:noFill/>
+        </p:spPr>
+        <p:txBody>
+          <a:bodyPr wrap="square" rtlCol="0">
+            <a:spAutoFit/>
+          </a:bodyPr>
+          <a:lstStyle/>
+          <a:p>
+            <a:pPr algn="ctr"/>
+            <a:r>
+              <a:rPr lang="en-TW" dirty="0"/>
+              <a:t>Const BC and 4th q Point Source</a:t>
+            </a:r>
+          </a:p>
+        </p:txBody>
+      </p:sp>
+    </p:spTree>
+    <p:extLst>
+      <p:ext uri="{BB962C8B-B14F-4D97-AF65-F5344CB8AC3E}">
+        <p14:creationId xmlns:p14="http://schemas.microsoft.com/office/powerpoint/2010/main" val="1183061792"/>
+      </p:ext>
+    </p:extLst>
+  </p:cSld>
+  <p:clrMapOvr>
+    <a:masterClrMapping/>
+  </p:clrMapOvr>
+</p:sld>
+</file>
+
+<file path=ppt/slides/slide17.xml><?xml version="1.0" encoding="utf-8"?>
+<p:sld xmlns:a="http://schemas.openxmlformats.org/drawingml/2006/main" xmlns:r="http://schemas.openxmlformats.org/officeDocument/2006/relationships" xmlns:p="http://schemas.openxmlformats.org/presentationml/2006/main">
+  <p:cSld>
+    <p:spTree>
+      <p:nvGrpSpPr>
+        <p:cNvPr id="1" name=""/>
+        <p:cNvGrpSpPr/>
+        <p:nvPr/>
+      </p:nvGrpSpPr>
+      <p:grpSpPr>
+        <a:xfrm>
+          <a:off x="0" y="0"/>
+          <a:ext cx="0" cy="0"/>
+          <a:chOff x="0" y="0"/>
+          <a:chExt cx="0" cy="0"/>
+        </a:xfrm>
+      </p:grpSpPr>
       <p:sp>
         <p:nvSpPr>
           <p:cNvPr id="2" name="Title 1">
@@ -7773,7 +8673,7 @@
 </p:sld>
 </file>
 
-<file path=ppt/slides/slide17.xml><?xml version="1.0" encoding="utf-8"?>
+<file path=ppt/slides/slide18.xml><?xml version="1.0" encoding="utf-8"?>
 <p:sld xmlns:a="http://schemas.openxmlformats.org/drawingml/2006/main" xmlns:r="http://schemas.openxmlformats.org/officeDocument/2006/relationships" xmlns:p="http://schemas.openxmlformats.org/presentationml/2006/main">
   <p:cSld>
     <p:spTree>
@@ -8396,7 +9296,7 @@
 </p:sld>
 </file>
 
-<file path=ppt/slides/slide18.xml><?xml version="1.0" encoding="utf-8"?>
+<file path=ppt/slides/slide19.xml><?xml version="1.0" encoding="utf-8"?>
 <p:sld xmlns:a="http://schemas.openxmlformats.org/drawingml/2006/main" xmlns:r="http://schemas.openxmlformats.org/officeDocument/2006/relationships" xmlns:p="http://schemas.openxmlformats.org/presentationml/2006/main">
   <p:cSld>
     <p:spTree>
@@ -9583,7 +10483,214 @@
 </p:sld>
 </file>
 
-<file path=ppt/slides/slide19.xml><?xml version="1.0" encoding="utf-8"?>
+<file path=ppt/slides/slide2.xml><?xml version="1.0" encoding="utf-8"?>
+<p:sld xmlns:a="http://schemas.openxmlformats.org/drawingml/2006/main" xmlns:r="http://schemas.openxmlformats.org/officeDocument/2006/relationships" xmlns:p="http://schemas.openxmlformats.org/presentationml/2006/main">
+  <p:cSld>
+    <p:spTree>
+      <p:nvGrpSpPr>
+        <p:cNvPr id="1" name=""/>
+        <p:cNvGrpSpPr/>
+        <p:nvPr/>
+      </p:nvGrpSpPr>
+      <p:grpSpPr>
+        <a:xfrm>
+          <a:off x="0" y="0"/>
+          <a:ext cx="0" cy="0"/>
+          <a:chOff x="0" y="0"/>
+          <a:chExt cx="0" cy="0"/>
+        </a:xfrm>
+      </p:grpSpPr>
+      <p:sp>
+        <p:nvSpPr>
+          <p:cNvPr id="2" name="標題 1"/>
+          <p:cNvSpPr>
+            <a:spLocks noGrp="1"/>
+          </p:cNvSpPr>
+          <p:nvPr>
+            <p:ph type="title"/>
+          </p:nvPr>
+        </p:nvSpPr>
+        <p:spPr/>
+        <p:txBody>
+          <a:bodyPr/>
+          <a:lstStyle/>
+          <a:p>
+            <a:pPr algn="ctr"/>
+            <a:r>
+              <a:rPr lang="en-US" altLang="zh-TW" dirty="0"/>
+              <a:t>Introduction</a:t>
+            </a:r>
+            <a:endParaRPr lang="zh-TW" altLang="en-US" dirty="0"/>
+          </a:p>
+        </p:txBody>
+      </p:sp>
+      <mc:AlternateContent xmlns:mc="http://schemas.openxmlformats.org/markup-compatibility/2006" xmlns:a14="http://schemas.microsoft.com/office/drawing/2010/main">
+        <mc:Choice Requires="a14">
+          <p:sp>
+            <p:nvSpPr>
+              <p:cNvPr id="3" name="內容版面配置區 2"/>
+              <p:cNvSpPr>
+                <a:spLocks noGrp="1"/>
+              </p:cNvSpPr>
+              <p:nvPr>
+                <p:ph idx="1"/>
+              </p:nvPr>
+            </p:nvSpPr>
+            <p:spPr/>
+            <p:txBody>
+              <a:bodyPr/>
+              <a:lstStyle/>
+              <a:p>
+                <a:pPr marL="0" indent="0">
+                  <a:buNone/>
+                </a:pPr>
+                <a:endParaRPr lang="en-US" altLang="zh-TW" dirty="0"/>
+              </a:p>
+              <a:p>
+                <a:r>
+                  <a:rPr lang="en-US" altLang="zh-TW" dirty="0"/>
+                  <a:t>CG is the most popular iterative method for solving large systems of linear equations.</a:t>
+                </a:r>
+              </a:p>
+              <a:p>
+                <a:endParaRPr lang="en-US" altLang="zh-TW" dirty="0"/>
+              </a:p>
+              <a:p>
+                <a:pPr marL="0" indent="0">
+                  <a:buNone/>
+                </a:pPr>
+                <a14:m>
+                  <m:oMathPara xmlns:m="http://schemas.openxmlformats.org/officeDocument/2006/math">
+                    <m:oMathParaPr>
+                      <m:jc m:val="centerGroup"/>
+                    </m:oMathParaPr>
+                    <m:oMath xmlns:m="http://schemas.openxmlformats.org/officeDocument/2006/math">
+                      <m:r>
+                        <a:rPr lang="en-US" altLang="zh-TW" b="0" i="1" smtClean="0">
+                          <a:latin typeface="Cambria Math" panose="02040503050406030204" pitchFamily="18" charset="0"/>
+                        </a:rPr>
+                        <m:t>𝐴𝑥</m:t>
+                      </m:r>
+                      <m:r>
+                        <a:rPr lang="en-US" altLang="zh-TW" b="0" i="1" smtClean="0">
+                          <a:latin typeface="Cambria Math" panose="02040503050406030204" pitchFamily="18" charset="0"/>
+                        </a:rPr>
+                        <m:t>=</m:t>
+                      </m:r>
+                      <m:r>
+                        <a:rPr lang="en-US" altLang="zh-TW" b="0" i="1" smtClean="0">
+                          <a:latin typeface="Cambria Math" panose="02040503050406030204" pitchFamily="18" charset="0"/>
+                        </a:rPr>
+                        <m:t>𝑏</m:t>
+                      </m:r>
+                    </m:oMath>
+                  </m:oMathPara>
+                </a14:m>
+                <a:endParaRPr lang="en-US" altLang="zh-TW" dirty="0"/>
+              </a:p>
+              <a:p>
+                <a:pPr marL="0" indent="0">
+                  <a:buNone/>
+                </a:pPr>
+                <a:r>
+                  <a:rPr lang="en-US" altLang="zh-TW" dirty="0"/>
+                  <a:t>x : unknown vector (what we want to solve)</a:t>
+                </a:r>
+              </a:p>
+              <a:p>
+                <a:pPr marL="0" indent="0">
+                  <a:buNone/>
+                </a:pPr>
+                <a:r>
+                  <a:rPr lang="en-US" altLang="zh-TW" dirty="0"/>
+                  <a:t>b :</a:t>
+                </a:r>
+                <a:r>
+                  <a:rPr lang="zh-TW" altLang="en-US" dirty="0"/>
+                  <a:t> </a:t>
+                </a:r>
+                <a:r>
+                  <a:rPr lang="en-US" altLang="zh-TW" dirty="0"/>
+                  <a:t>known vector </a:t>
+                </a:r>
+              </a:p>
+              <a:p>
+                <a:pPr marL="0" indent="0">
+                  <a:buNone/>
+                </a:pPr>
+                <a:r>
+                  <a:rPr lang="en-US" altLang="zh-TW" dirty="0"/>
+                  <a:t>A</a:t>
+                </a:r>
+                <a:r>
+                  <a:rPr lang="zh-TW" altLang="en-US" dirty="0"/>
+                  <a:t> </a:t>
+                </a:r>
+                <a:r>
+                  <a:rPr lang="en-US" altLang="zh-TW" dirty="0"/>
+                  <a:t>:</a:t>
+                </a:r>
+                <a:r>
+                  <a:rPr lang="zh-TW" altLang="en-US" dirty="0"/>
+                  <a:t> </a:t>
+                </a:r>
+                <a:r>
+                  <a:rPr lang="en-US" altLang="zh-TW" dirty="0"/>
+                  <a:t>square, symmetric, positive-definite matrix .</a:t>
+                </a:r>
+                <a:endParaRPr lang="zh-TW" altLang="en-US" dirty="0"/>
+              </a:p>
+            </p:txBody>
+          </p:sp>
+        </mc:Choice>
+        <mc:Fallback xmlns="">
+          <p:sp>
+            <p:nvSpPr>
+              <p:cNvPr id="3" name="內容版面配置區 2"/>
+              <p:cNvSpPr>
+                <a:spLocks noGrp="1" noRot="1" noChangeAspect="1" noMove="1" noResize="1" noEditPoints="1" noAdjustHandles="1" noChangeArrowheads="1" noChangeShapeType="1" noTextEdit="1"/>
+              </p:cNvSpPr>
+              <p:nvPr>
+                <p:ph idx="1"/>
+              </p:nvPr>
+            </p:nvSpPr>
+            <p:spPr>
+              <a:blipFill>
+                <a:blip r:embed="rId2"/>
+                <a:stretch>
+                  <a:fillRect l="-1217"/>
+                </a:stretch>
+              </a:blipFill>
+            </p:spPr>
+            <p:txBody>
+              <a:bodyPr/>
+              <a:lstStyle/>
+              <a:p>
+                <a:r>
+                  <a:rPr lang="zh-TW" altLang="en-US">
+                    <a:noFill/>
+                  </a:rPr>
+                  <a:t> </a:t>
+                </a:r>
+              </a:p>
+            </p:txBody>
+          </p:sp>
+        </mc:Fallback>
+      </mc:AlternateContent>
+    </p:spTree>
+    <p:extLst>
+      <p:ext uri="{BB962C8B-B14F-4D97-AF65-F5344CB8AC3E}">
+        <p14:creationId xmlns:p14="http://schemas.microsoft.com/office/powerpoint/2010/main" val="1603226367"/>
+      </p:ext>
+    </p:extLst>
+  </p:cSld>
+  <p:clrMapOvr>
+    <a:masterClrMapping/>
+  </p:clrMapOvr>
+</p:sld>
+</file>
+
+<file path=ppt/slides/slide20.xml><?xml version="1.0" encoding="utf-8"?>
 <p:sld xmlns:a="http://schemas.openxmlformats.org/drawingml/2006/main" xmlns:r="http://schemas.openxmlformats.org/officeDocument/2006/relationships" xmlns:p="http://schemas.openxmlformats.org/presentationml/2006/main">
   <p:cSld>
     <p:spTree>
@@ -10766,214 +11873,7 @@
 </p:sld>
 </file>
 
-<file path=ppt/slides/slide2.xml><?xml version="1.0" encoding="utf-8"?>
-<p:sld xmlns:a="http://schemas.openxmlformats.org/drawingml/2006/main" xmlns:r="http://schemas.openxmlformats.org/officeDocument/2006/relationships" xmlns:p="http://schemas.openxmlformats.org/presentationml/2006/main">
-  <p:cSld>
-    <p:spTree>
-      <p:nvGrpSpPr>
-        <p:cNvPr id="1" name=""/>
-        <p:cNvGrpSpPr/>
-        <p:nvPr/>
-      </p:nvGrpSpPr>
-      <p:grpSpPr>
-        <a:xfrm>
-          <a:off x="0" y="0"/>
-          <a:ext cx="0" cy="0"/>
-          <a:chOff x="0" y="0"/>
-          <a:chExt cx="0" cy="0"/>
-        </a:xfrm>
-      </p:grpSpPr>
-      <p:sp>
-        <p:nvSpPr>
-          <p:cNvPr id="2" name="標題 1"/>
-          <p:cNvSpPr>
-            <a:spLocks noGrp="1"/>
-          </p:cNvSpPr>
-          <p:nvPr>
-            <p:ph type="title"/>
-          </p:nvPr>
-        </p:nvSpPr>
-        <p:spPr/>
-        <p:txBody>
-          <a:bodyPr/>
-          <a:lstStyle/>
-          <a:p>
-            <a:pPr algn="ctr"/>
-            <a:r>
-              <a:rPr lang="en-US" altLang="zh-TW" dirty="0"/>
-              <a:t>Introduction</a:t>
-            </a:r>
-            <a:endParaRPr lang="zh-TW" altLang="en-US" dirty="0"/>
-          </a:p>
-        </p:txBody>
-      </p:sp>
-      <mc:AlternateContent xmlns:mc="http://schemas.openxmlformats.org/markup-compatibility/2006" xmlns:a14="http://schemas.microsoft.com/office/drawing/2010/main">
-        <mc:Choice Requires="a14">
-          <p:sp>
-            <p:nvSpPr>
-              <p:cNvPr id="3" name="內容版面配置區 2"/>
-              <p:cNvSpPr>
-                <a:spLocks noGrp="1"/>
-              </p:cNvSpPr>
-              <p:nvPr>
-                <p:ph idx="1"/>
-              </p:nvPr>
-            </p:nvSpPr>
-            <p:spPr/>
-            <p:txBody>
-              <a:bodyPr/>
-              <a:lstStyle/>
-              <a:p>
-                <a:pPr marL="0" indent="0">
-                  <a:buNone/>
-                </a:pPr>
-                <a:endParaRPr lang="en-US" altLang="zh-TW" dirty="0"/>
-              </a:p>
-              <a:p>
-                <a:r>
-                  <a:rPr lang="en-US" altLang="zh-TW" dirty="0"/>
-                  <a:t>CG is the most popular iterative method for solving large systems of linear equations.</a:t>
-                </a:r>
-              </a:p>
-              <a:p>
-                <a:endParaRPr lang="en-US" altLang="zh-TW" dirty="0"/>
-              </a:p>
-              <a:p>
-                <a:pPr marL="0" indent="0">
-                  <a:buNone/>
-                </a:pPr>
-                <a14:m>
-                  <m:oMathPara xmlns:m="http://schemas.openxmlformats.org/officeDocument/2006/math">
-                    <m:oMathParaPr>
-                      <m:jc m:val="centerGroup"/>
-                    </m:oMathParaPr>
-                    <m:oMath xmlns:m="http://schemas.openxmlformats.org/officeDocument/2006/math">
-                      <m:r>
-                        <a:rPr lang="en-US" altLang="zh-TW" b="0" i="1" smtClean="0">
-                          <a:latin typeface="Cambria Math" panose="02040503050406030204" pitchFamily="18" charset="0"/>
-                        </a:rPr>
-                        <m:t>𝐴𝑥</m:t>
-                      </m:r>
-                      <m:r>
-                        <a:rPr lang="en-US" altLang="zh-TW" b="0" i="1" smtClean="0">
-                          <a:latin typeface="Cambria Math" panose="02040503050406030204" pitchFamily="18" charset="0"/>
-                        </a:rPr>
-                        <m:t>=</m:t>
-                      </m:r>
-                      <m:r>
-                        <a:rPr lang="en-US" altLang="zh-TW" b="0" i="1" smtClean="0">
-                          <a:latin typeface="Cambria Math" panose="02040503050406030204" pitchFamily="18" charset="0"/>
-                        </a:rPr>
-                        <m:t>𝑏</m:t>
-                      </m:r>
-                    </m:oMath>
-                  </m:oMathPara>
-                </a14:m>
-                <a:endParaRPr lang="en-US" altLang="zh-TW" dirty="0"/>
-              </a:p>
-              <a:p>
-                <a:pPr marL="0" indent="0">
-                  <a:buNone/>
-                </a:pPr>
-                <a:r>
-                  <a:rPr lang="en-US" altLang="zh-TW" dirty="0"/>
-                  <a:t>x : unknown vector (what we want to solve)</a:t>
-                </a:r>
-              </a:p>
-              <a:p>
-                <a:pPr marL="0" indent="0">
-                  <a:buNone/>
-                </a:pPr>
-                <a:r>
-                  <a:rPr lang="en-US" altLang="zh-TW" dirty="0"/>
-                  <a:t>b :</a:t>
-                </a:r>
-                <a:r>
-                  <a:rPr lang="zh-TW" altLang="en-US" dirty="0"/>
-                  <a:t> </a:t>
-                </a:r>
-                <a:r>
-                  <a:rPr lang="en-US" altLang="zh-TW" dirty="0"/>
-                  <a:t>known vector </a:t>
-                </a:r>
-              </a:p>
-              <a:p>
-                <a:pPr marL="0" indent="0">
-                  <a:buNone/>
-                </a:pPr>
-                <a:r>
-                  <a:rPr lang="en-US" altLang="zh-TW" dirty="0"/>
-                  <a:t>A</a:t>
-                </a:r>
-                <a:r>
-                  <a:rPr lang="zh-TW" altLang="en-US" dirty="0"/>
-                  <a:t> </a:t>
-                </a:r>
-                <a:r>
-                  <a:rPr lang="en-US" altLang="zh-TW" dirty="0"/>
-                  <a:t>:</a:t>
-                </a:r>
-                <a:r>
-                  <a:rPr lang="zh-TW" altLang="en-US" dirty="0"/>
-                  <a:t> </a:t>
-                </a:r>
-                <a:r>
-                  <a:rPr lang="en-US" altLang="zh-TW" dirty="0"/>
-                  <a:t>square, symmetric, positive-definite matrix .</a:t>
-                </a:r>
-                <a:endParaRPr lang="zh-TW" altLang="en-US" dirty="0"/>
-              </a:p>
-            </p:txBody>
-          </p:sp>
-        </mc:Choice>
-        <mc:Fallback xmlns="">
-          <p:sp>
-            <p:nvSpPr>
-              <p:cNvPr id="3" name="內容版面配置區 2"/>
-              <p:cNvSpPr>
-                <a:spLocks noGrp="1" noRot="1" noChangeAspect="1" noMove="1" noResize="1" noEditPoints="1" noAdjustHandles="1" noChangeArrowheads="1" noChangeShapeType="1" noTextEdit="1"/>
-              </p:cNvSpPr>
-              <p:nvPr>
-                <p:ph idx="1"/>
-              </p:nvPr>
-            </p:nvSpPr>
-            <p:spPr>
-              <a:blipFill>
-                <a:blip r:embed="rId2"/>
-                <a:stretch>
-                  <a:fillRect l="-1217"/>
-                </a:stretch>
-              </a:blipFill>
-            </p:spPr>
-            <p:txBody>
-              <a:bodyPr/>
-              <a:lstStyle/>
-              <a:p>
-                <a:r>
-                  <a:rPr lang="zh-TW" altLang="en-US">
-                    <a:noFill/>
-                  </a:rPr>
-                  <a:t> </a:t>
-                </a:r>
-              </a:p>
-            </p:txBody>
-          </p:sp>
-        </mc:Fallback>
-      </mc:AlternateContent>
-    </p:spTree>
-    <p:extLst>
-      <p:ext uri="{BB962C8B-B14F-4D97-AF65-F5344CB8AC3E}">
-        <p14:creationId xmlns:p14="http://schemas.microsoft.com/office/powerpoint/2010/main" val="1603226367"/>
-      </p:ext>
-    </p:extLst>
-  </p:cSld>
-  <p:clrMapOvr>
-    <a:masterClrMapping/>
-  </p:clrMapOvr>
-</p:sld>
-</file>
-
-<file path=ppt/slides/slide20.xml><?xml version="1.0" encoding="utf-8"?>
+<file path=ppt/slides/slide21.xml><?xml version="1.0" encoding="utf-8"?>
 <p:sld xmlns:a="http://schemas.openxmlformats.org/drawingml/2006/main" xmlns:r="http://schemas.openxmlformats.org/officeDocument/2006/relationships" xmlns:p="http://schemas.openxmlformats.org/presentationml/2006/main">
   <p:cSld>
     <p:spTree>
@@ -11395,7 +12295,7 @@
 </p:sld>
 </file>
 
-<file path=ppt/slides/slide21.xml><?xml version="1.0" encoding="utf-8"?>
+<file path=ppt/slides/slide22.xml><?xml version="1.0" encoding="utf-8"?>
 <p:sld xmlns:a="http://schemas.openxmlformats.org/drawingml/2006/main" xmlns:r="http://schemas.openxmlformats.org/officeDocument/2006/relationships" xmlns:p="http://schemas.openxmlformats.org/presentationml/2006/main">
   <p:cSld>
     <p:spTree>
@@ -17914,4 +18814,299 @@
     </a:ext>
   </a:extLst>
 </a:theme>
+</file>
+
+<file path=ppt/theme/theme2.xml><?xml version="1.0" encoding="utf-8"?>
+<a:theme xmlns:a="http://schemas.openxmlformats.org/drawingml/2006/main" name="Office Theme">
+  <a:themeElements>
+    <a:clrScheme name="Office">
+      <a:dk1>
+        <a:sysClr val="windowText" lastClr="000000"/>
+      </a:dk1>
+      <a:lt1>
+        <a:sysClr val="window" lastClr="FFFFFF"/>
+      </a:lt1>
+      <a:dk2>
+        <a:srgbClr val="44546A"/>
+      </a:dk2>
+      <a:lt2>
+        <a:srgbClr val="E7E6E6"/>
+      </a:lt2>
+      <a:accent1>
+        <a:srgbClr val="4472C4"/>
+      </a:accent1>
+      <a:accent2>
+        <a:srgbClr val="ED7D31"/>
+      </a:accent2>
+      <a:accent3>
+        <a:srgbClr val="A5A5A5"/>
+      </a:accent3>
+      <a:accent4>
+        <a:srgbClr val="FFC000"/>
+      </a:accent4>
+      <a:accent5>
+        <a:srgbClr val="5B9BD5"/>
+      </a:accent5>
+      <a:accent6>
+        <a:srgbClr val="70AD47"/>
+      </a:accent6>
+      <a:hlink>
+        <a:srgbClr val="0563C1"/>
+      </a:hlink>
+      <a:folHlink>
+        <a:srgbClr val="954F72"/>
+      </a:folHlink>
+    </a:clrScheme>
+    <a:fontScheme name="Office">
+      <a:majorFont>
+        <a:latin typeface="Calibri Light" panose="020F0302020204030204"/>
+        <a:ea typeface=""/>
+        <a:cs typeface=""/>
+        <a:font script="Jpan" typeface="游ゴシック Light"/>
+        <a:font script="Hang" typeface="맑은 고딕"/>
+        <a:font script="Hans" typeface="等线 Light"/>
+        <a:font script="Hant" typeface="新細明體"/>
+        <a:font script="Arab" typeface="Times New Roman"/>
+        <a:font script="Hebr" typeface="Times New Roman"/>
+        <a:font script="Thai" typeface="Angsana New"/>
+        <a:font script="Ethi" typeface="Nyala"/>
+        <a:font script="Beng" typeface="Vrinda"/>
+        <a:font script="Gujr" typeface="Shruti"/>
+        <a:font script="Khmr" typeface="MoolBoran"/>
+        <a:font script="Knda" typeface="Tunga"/>
+        <a:font script="Guru" typeface="Raavi"/>
+        <a:font script="Cans" typeface="Euphemia"/>
+        <a:font script="Cher" typeface="Plantagenet Cherokee"/>
+        <a:font script="Yiii" typeface="Microsoft Yi Baiti"/>
+        <a:font script="Tibt" typeface="Microsoft Himalaya"/>
+        <a:font script="Thaa" typeface="MV Boli"/>
+        <a:font script="Deva" typeface="Mangal"/>
+        <a:font script="Telu" typeface="Gautami"/>
+        <a:font script="Taml" typeface="Latha"/>
+        <a:font script="Syrc" typeface="Estrangelo Edessa"/>
+        <a:font script="Orya" typeface="Kalinga"/>
+        <a:font script="Mlym" typeface="Kartika"/>
+        <a:font script="Laoo" typeface="DokChampa"/>
+        <a:font script="Sinh" typeface="Iskoola Pota"/>
+        <a:font script="Mong" typeface="Mongolian Baiti"/>
+        <a:font script="Viet" typeface="Times New Roman"/>
+        <a:font script="Uigh" typeface="Microsoft Uighur"/>
+        <a:font script="Geor" typeface="Sylfaen"/>
+        <a:font script="Armn" typeface="Arial"/>
+        <a:font script="Bugi" typeface="Leelawadee UI"/>
+        <a:font script="Bopo" typeface="Microsoft JhengHei"/>
+        <a:font script="Java" typeface="Javanese Text"/>
+        <a:font script="Lisu" typeface="Segoe UI"/>
+        <a:font script="Mymr" typeface="Myanmar Text"/>
+        <a:font script="Nkoo" typeface="Ebrima"/>
+        <a:font script="Olck" typeface="Nirmala UI"/>
+        <a:font script="Osma" typeface="Ebrima"/>
+        <a:font script="Phag" typeface="Phagspa"/>
+        <a:font script="Syrn" typeface="Estrangelo Edessa"/>
+        <a:font script="Syrj" typeface="Estrangelo Edessa"/>
+        <a:font script="Syre" typeface="Estrangelo Edessa"/>
+        <a:font script="Sora" typeface="Nirmala UI"/>
+        <a:font script="Tale" typeface="Microsoft Tai Le"/>
+        <a:font script="Talu" typeface="Microsoft New Tai Lue"/>
+        <a:font script="Tfng" typeface="Ebrima"/>
+      </a:majorFont>
+      <a:minorFont>
+        <a:latin typeface="Calibri" panose="020F0502020204030204"/>
+        <a:ea typeface=""/>
+        <a:cs typeface=""/>
+        <a:font script="Jpan" typeface="游ゴシック"/>
+        <a:font script="Hang" typeface="맑은 고딕"/>
+        <a:font script="Hans" typeface="等线"/>
+        <a:font script="Hant" typeface="新細明體"/>
+        <a:font script="Arab" typeface="Arial"/>
+        <a:font script="Hebr" typeface="Arial"/>
+        <a:font script="Thai" typeface="Cordia New"/>
+        <a:font script="Ethi" typeface="Nyala"/>
+        <a:font script="Beng" typeface="Vrinda"/>
+        <a:font script="Gujr" typeface="Shruti"/>
+        <a:font script="Khmr" typeface="DaunPenh"/>
+        <a:font script="Knda" typeface="Tunga"/>
+        <a:font script="Guru" typeface="Raavi"/>
+        <a:font script="Cans" typeface="Euphemia"/>
+        <a:font script="Cher" typeface="Plantagenet Cherokee"/>
+        <a:font script="Yiii" typeface="Microsoft Yi Baiti"/>
+        <a:font script="Tibt" typeface="Microsoft Himalaya"/>
+        <a:font script="Thaa" typeface="MV Boli"/>
+        <a:font script="Deva" typeface="Mangal"/>
+        <a:font script="Telu" typeface="Gautami"/>
+        <a:font script="Taml" typeface="Latha"/>
+        <a:font script="Syrc" typeface="Estrangelo Edessa"/>
+        <a:font script="Orya" typeface="Kalinga"/>
+        <a:font script="Mlym" typeface="Kartika"/>
+        <a:font script="Laoo" typeface="DokChampa"/>
+        <a:font script="Sinh" typeface="Iskoola Pota"/>
+        <a:font script="Mong" typeface="Mongolian Baiti"/>
+        <a:font script="Viet" typeface="Arial"/>
+        <a:font script="Uigh" typeface="Microsoft Uighur"/>
+        <a:font script="Geor" typeface="Sylfaen"/>
+        <a:font script="Armn" typeface="Arial"/>
+        <a:font script="Bugi" typeface="Leelawadee UI"/>
+        <a:font script="Bopo" typeface="Microsoft JhengHei"/>
+        <a:font script="Java" typeface="Javanese Text"/>
+        <a:font script="Lisu" typeface="Segoe UI"/>
+        <a:font script="Mymr" typeface="Myanmar Text"/>
+        <a:font script="Nkoo" typeface="Ebrima"/>
+        <a:font script="Olck" typeface="Nirmala UI"/>
+        <a:font script="Osma" typeface="Ebrima"/>
+        <a:font script="Phag" typeface="Phagspa"/>
+        <a:font script="Syrn" typeface="Estrangelo Edessa"/>
+        <a:font script="Syrj" typeface="Estrangelo Edessa"/>
+        <a:font script="Syre" typeface="Estrangelo Edessa"/>
+        <a:font script="Sora" typeface="Nirmala UI"/>
+        <a:font script="Tale" typeface="Microsoft Tai Le"/>
+        <a:font script="Talu" typeface="Microsoft New Tai Lue"/>
+        <a:font script="Tfng" typeface="Ebrima"/>
+      </a:minorFont>
+    </a:fontScheme>
+    <a:fmtScheme name="Office">
+      <a:fillStyleLst>
+        <a:solidFill>
+          <a:schemeClr val="phClr"/>
+        </a:solidFill>
+        <a:gradFill rotWithShape="1">
+          <a:gsLst>
+            <a:gs pos="0">
+              <a:schemeClr val="phClr">
+                <a:lumMod val="110000"/>
+                <a:satMod val="105000"/>
+                <a:tint val="67000"/>
+              </a:schemeClr>
+            </a:gs>
+            <a:gs pos="50000">
+              <a:schemeClr val="phClr">
+                <a:lumMod val="105000"/>
+                <a:satMod val="103000"/>
+                <a:tint val="73000"/>
+              </a:schemeClr>
+            </a:gs>
+            <a:gs pos="100000">
+              <a:schemeClr val="phClr">
+                <a:lumMod val="105000"/>
+                <a:satMod val="109000"/>
+                <a:tint val="81000"/>
+              </a:schemeClr>
+            </a:gs>
+          </a:gsLst>
+          <a:lin ang="5400000" scaled="0"/>
+        </a:gradFill>
+        <a:gradFill rotWithShape="1">
+          <a:gsLst>
+            <a:gs pos="0">
+              <a:schemeClr val="phClr">
+                <a:satMod val="103000"/>
+                <a:lumMod val="102000"/>
+                <a:tint val="94000"/>
+              </a:schemeClr>
+            </a:gs>
+            <a:gs pos="50000">
+              <a:schemeClr val="phClr">
+                <a:satMod val="110000"/>
+                <a:lumMod val="100000"/>
+                <a:shade val="100000"/>
+              </a:schemeClr>
+            </a:gs>
+            <a:gs pos="100000">
+              <a:schemeClr val="phClr">
+                <a:lumMod val="99000"/>
+                <a:satMod val="120000"/>
+                <a:shade val="78000"/>
+              </a:schemeClr>
+            </a:gs>
+          </a:gsLst>
+          <a:lin ang="5400000" scaled="0"/>
+        </a:gradFill>
+      </a:fillStyleLst>
+      <a:lnStyleLst>
+        <a:ln w="6350" cap="flat" cmpd="sng" algn="ctr">
+          <a:solidFill>
+            <a:schemeClr val="phClr"/>
+          </a:solidFill>
+          <a:prstDash val="solid"/>
+          <a:miter lim="800000"/>
+        </a:ln>
+        <a:ln w="12700" cap="flat" cmpd="sng" algn="ctr">
+          <a:solidFill>
+            <a:schemeClr val="phClr"/>
+          </a:solidFill>
+          <a:prstDash val="solid"/>
+          <a:miter lim="800000"/>
+        </a:ln>
+        <a:ln w="19050" cap="flat" cmpd="sng" algn="ctr">
+          <a:solidFill>
+            <a:schemeClr val="phClr"/>
+          </a:solidFill>
+          <a:prstDash val="solid"/>
+          <a:miter lim="800000"/>
+        </a:ln>
+      </a:lnStyleLst>
+      <a:effectStyleLst>
+        <a:effectStyle>
+          <a:effectLst/>
+        </a:effectStyle>
+        <a:effectStyle>
+          <a:effectLst/>
+        </a:effectStyle>
+        <a:effectStyle>
+          <a:effectLst>
+            <a:outerShdw blurRad="57150" dist="19050" dir="5400000" algn="ctr" rotWithShape="0">
+              <a:srgbClr val="000000">
+                <a:alpha val="63000"/>
+              </a:srgbClr>
+            </a:outerShdw>
+          </a:effectLst>
+        </a:effectStyle>
+      </a:effectStyleLst>
+      <a:bgFillStyleLst>
+        <a:solidFill>
+          <a:schemeClr val="phClr"/>
+        </a:solidFill>
+        <a:solidFill>
+          <a:schemeClr val="phClr">
+            <a:tint val="95000"/>
+            <a:satMod val="170000"/>
+          </a:schemeClr>
+        </a:solidFill>
+        <a:gradFill rotWithShape="1">
+          <a:gsLst>
+            <a:gs pos="0">
+              <a:schemeClr val="phClr">
+                <a:tint val="93000"/>
+                <a:satMod val="150000"/>
+                <a:shade val="98000"/>
+                <a:lumMod val="102000"/>
+              </a:schemeClr>
+            </a:gs>
+            <a:gs pos="50000">
+              <a:schemeClr val="phClr">
+                <a:tint val="98000"/>
+                <a:satMod val="130000"/>
+                <a:shade val="90000"/>
+                <a:lumMod val="103000"/>
+              </a:schemeClr>
+            </a:gs>
+            <a:gs pos="100000">
+              <a:schemeClr val="phClr">
+                <a:shade val="63000"/>
+                <a:satMod val="120000"/>
+              </a:schemeClr>
+            </a:gs>
+          </a:gsLst>
+          <a:lin ang="5400000" scaled="0"/>
+        </a:gradFill>
+      </a:bgFillStyleLst>
+    </a:fmtScheme>
+  </a:themeElements>
+  <a:objectDefaults/>
+  <a:extraClrSchemeLst/>
+  <a:extLst>
+    <a:ext uri="{05A4C25C-085E-4340-85A3-A5531E510DB2}">
+      <thm15:themeFamily xmlns:thm15="http://schemas.microsoft.com/office/thememl/2012/main" name="Office Theme" id="{62F939B6-93AF-4DB8-9C6B-D6C7DFDC589F}" vid="{4A3C46E8-61CC-4603-A589-7422A47A8E4A}"/>
+    </a:ext>
+  </a:extLst>
+</a:theme>
 </file>
--- a/Final Project - Conjugate Gradient method.pptx
+++ b/Final Project - Conjugate Gradient method.pptx
@@ -2388,7 +2388,7 @@
           <a:p>
             <a:fld id="{687D9C08-B1B0-4146-969E-D3934BB932B4}" type="datetimeFigureOut">
               <a:rPr lang="en-TW" smtClean="0"/>
-              <a:t>2021/6/21</a:t>
+              <a:t>2021/6/22</a:t>
             </a:fld>
             <a:endParaRPr lang="en-TW"/>
           </a:p>
@@ -2869,7 +2869,7 @@
           <a:p>
             <a:fld id="{E52FBAA3-F589-4A89-8837-2ACCD95660B2}" type="datetimeFigureOut">
               <a:rPr lang="zh-TW" altLang="en-US" smtClean="0"/>
-              <a:t>2021/6/21</a:t>
+              <a:t>2021/6/22</a:t>
             </a:fld>
             <a:endParaRPr lang="zh-TW" altLang="en-US"/>
           </a:p>
@@ -3037,7 +3037,7 @@
           <a:p>
             <a:fld id="{E52FBAA3-F589-4A89-8837-2ACCD95660B2}" type="datetimeFigureOut">
               <a:rPr lang="zh-TW" altLang="en-US" smtClean="0"/>
-              <a:t>2021/6/21</a:t>
+              <a:t>2021/6/22</a:t>
             </a:fld>
             <a:endParaRPr lang="zh-TW" altLang="en-US"/>
           </a:p>
@@ -3215,7 +3215,7 @@
           <a:p>
             <a:fld id="{E52FBAA3-F589-4A89-8837-2ACCD95660B2}" type="datetimeFigureOut">
               <a:rPr lang="zh-TW" altLang="en-US" smtClean="0"/>
-              <a:t>2021/6/21</a:t>
+              <a:t>2021/6/22</a:t>
             </a:fld>
             <a:endParaRPr lang="zh-TW" altLang="en-US"/>
           </a:p>
@@ -3383,7 +3383,7 @@
           <a:p>
             <a:fld id="{E52FBAA3-F589-4A89-8837-2ACCD95660B2}" type="datetimeFigureOut">
               <a:rPr lang="zh-TW" altLang="en-US" smtClean="0"/>
-              <a:t>2021/6/21</a:t>
+              <a:t>2021/6/22</a:t>
             </a:fld>
             <a:endParaRPr lang="zh-TW" altLang="en-US"/>
           </a:p>
@@ -3628,7 +3628,7 @@
           <a:p>
             <a:fld id="{E52FBAA3-F589-4A89-8837-2ACCD95660B2}" type="datetimeFigureOut">
               <a:rPr lang="zh-TW" altLang="en-US" smtClean="0"/>
-              <a:t>2021/6/21</a:t>
+              <a:t>2021/6/22</a:t>
             </a:fld>
             <a:endParaRPr lang="zh-TW" altLang="en-US"/>
           </a:p>
@@ -3857,7 +3857,7 @@
           <a:p>
             <a:fld id="{E52FBAA3-F589-4A89-8837-2ACCD95660B2}" type="datetimeFigureOut">
               <a:rPr lang="zh-TW" altLang="en-US" smtClean="0"/>
-              <a:t>2021/6/21</a:t>
+              <a:t>2021/6/22</a:t>
             </a:fld>
             <a:endParaRPr lang="zh-TW" altLang="en-US"/>
           </a:p>
@@ -4221,7 +4221,7 @@
           <a:p>
             <a:fld id="{E52FBAA3-F589-4A89-8837-2ACCD95660B2}" type="datetimeFigureOut">
               <a:rPr lang="zh-TW" altLang="en-US" smtClean="0"/>
-              <a:t>2021/6/21</a:t>
+              <a:t>2021/6/22</a:t>
             </a:fld>
             <a:endParaRPr lang="zh-TW" altLang="en-US"/>
           </a:p>
@@ -4338,7 +4338,7 @@
           <a:p>
             <a:fld id="{E52FBAA3-F589-4A89-8837-2ACCD95660B2}" type="datetimeFigureOut">
               <a:rPr lang="zh-TW" altLang="en-US" smtClean="0"/>
-              <a:t>2021/6/21</a:t>
+              <a:t>2021/6/22</a:t>
             </a:fld>
             <a:endParaRPr lang="zh-TW" altLang="en-US"/>
           </a:p>
@@ -4433,7 +4433,7 @@
           <a:p>
             <a:fld id="{E52FBAA3-F589-4A89-8837-2ACCD95660B2}" type="datetimeFigureOut">
               <a:rPr lang="zh-TW" altLang="en-US" smtClean="0"/>
-              <a:t>2021/6/21</a:t>
+              <a:t>2021/6/22</a:t>
             </a:fld>
             <a:endParaRPr lang="zh-TW" altLang="en-US"/>
           </a:p>
@@ -4708,7 +4708,7 @@
           <a:p>
             <a:fld id="{E52FBAA3-F589-4A89-8837-2ACCD95660B2}" type="datetimeFigureOut">
               <a:rPr lang="zh-TW" altLang="en-US" smtClean="0"/>
-              <a:t>2021/6/21</a:t>
+              <a:t>2021/6/22</a:t>
             </a:fld>
             <a:endParaRPr lang="zh-TW" altLang="en-US"/>
           </a:p>
@@ -4960,7 +4960,7 @@
           <a:p>
             <a:fld id="{E52FBAA3-F589-4A89-8837-2ACCD95660B2}" type="datetimeFigureOut">
               <a:rPr lang="zh-TW" altLang="en-US" smtClean="0"/>
-              <a:t>2021/6/21</a:t>
+              <a:t>2021/6/22</a:t>
             </a:fld>
             <a:endParaRPr lang="zh-TW" altLang="en-US"/>
           </a:p>
@@ -5171,7 +5171,7 @@
           <a:p>
             <a:fld id="{E52FBAA3-F589-4A89-8837-2ACCD95660B2}" type="datetimeFigureOut">
               <a:rPr lang="zh-TW" altLang="en-US" smtClean="0"/>
-              <a:t>2021/6/21</a:t>
+              <a:t>2021/6/22</a:t>
             </a:fld>
             <a:endParaRPr lang="zh-TW" altLang="en-US"/>
           </a:p>
@@ -5641,6 +5641,30 @@
               <a:rPr lang="zh-TW" altLang="en-US" dirty="0"/>
               <a:t>物理碩二 陳琦畯</a:t>
             </a:r>
+            <a:endParaRPr lang="en-US" altLang="zh-TW" dirty="0"/>
+          </a:p>
+          <a:p>
+            <a:pPr algn="r"/>
+            <a:r>
+              <a:rPr lang="en-US" altLang="zh-TW" dirty="0"/>
+              <a:t>40544019S </a:t>
+            </a:r>
+            <a:r>
+              <a:rPr lang="zh-TW" altLang="en-US" dirty="0"/>
+              <a:t>地科大</a:t>
+            </a:r>
+            <a:r>
+              <a:rPr lang="zh-TW" altLang="en-US"/>
+              <a:t>五 林</a:t>
+            </a:r>
+            <a:r>
+              <a:rPr lang="zh-TW" altLang="en-US" dirty="0"/>
+              <a:t>迺芥</a:t>
+            </a:r>
+            <a:endParaRPr lang="en-US" altLang="zh-TW" dirty="0"/>
+          </a:p>
+          <a:p>
+            <a:pPr algn="r"/>
             <a:endParaRPr lang="en-US" altLang="zh-TW" dirty="0"/>
           </a:p>
         </p:txBody>

--- a/Final Project - Conjugate Gradient method.pptx
+++ b/Final Project - Conjugate Gradient method.pptx
@@ -5,7 +5,7 @@
     <p:sldMasterId id="2147483648" r:id="rId1"/>
   </p:sldMasterIdLst>
   <p:notesMasterIdLst>
-    <p:notesMasterId r:id="rId24"/>
+    <p:notesMasterId r:id="rId25"/>
   </p:notesMasterIdLst>
   <p:sldIdLst>
     <p:sldId id="256" r:id="rId2"/>
@@ -22,14 +22,15 @@
     <p:sldId id="279" r:id="rId13"/>
     <p:sldId id="282" r:id="rId14"/>
     <p:sldId id="281" r:id="rId15"/>
-    <p:sldId id="280" r:id="rId16"/>
-    <p:sldId id="283" r:id="rId17"/>
-    <p:sldId id="272" r:id="rId18"/>
-    <p:sldId id="267" r:id="rId19"/>
-    <p:sldId id="268" r:id="rId20"/>
-    <p:sldId id="270" r:id="rId21"/>
-    <p:sldId id="277" r:id="rId22"/>
-    <p:sldId id="276" r:id="rId23"/>
+    <p:sldId id="284" r:id="rId16"/>
+    <p:sldId id="280" r:id="rId17"/>
+    <p:sldId id="283" r:id="rId18"/>
+    <p:sldId id="272" r:id="rId19"/>
+    <p:sldId id="267" r:id="rId20"/>
+    <p:sldId id="268" r:id="rId21"/>
+    <p:sldId id="270" r:id="rId22"/>
+    <p:sldId id="277" r:id="rId23"/>
+    <p:sldId id="276" r:id="rId24"/>
   </p:sldIdLst>
   <p:sldSz cx="12192000" cy="6858000"/>
   <p:notesSz cx="6858000" cy="9144000"/>
@@ -2721,7 +2722,7 @@
           <a:p>
             <a:fld id="{1D08297C-EA1F-DF46-BACF-82653DFCDDFD}" type="slidenum">
               <a:rPr lang="en-TW" smtClean="0"/>
-              <a:t>16</a:t>
+              <a:t>17</a:t>
             </a:fld>
             <a:endParaRPr lang="en-TW"/>
           </a:p>
@@ -6026,6 +6027,72 @@
           <a:chExt cx="0" cy="0"/>
         </a:xfrm>
       </p:grpSpPr>
+      <p:pic>
+        <p:nvPicPr>
+          <p:cNvPr id="2" name="Picture 1">
+            <a:extLst>
+              <a:ext uri="{FF2B5EF4-FFF2-40B4-BE49-F238E27FC236}">
+                <a16:creationId xmlns:a16="http://schemas.microsoft.com/office/drawing/2014/main" id="{32A2097B-0E7F-0841-BC30-65950D9AC260}"/>
+              </a:ext>
+            </a:extLst>
+          </p:cNvPr>
+          <p:cNvPicPr>
+            <a:picLocks noChangeAspect="1"/>
+          </p:cNvPicPr>
+          <p:nvPr/>
+        </p:nvPicPr>
+        <p:blipFill>
+          <a:blip r:embed="rId2">
+            <a:extLst>
+              <a:ext uri="{28A0092B-C50C-407E-A947-70E740481C1C}">
+                <a14:useLocalDpi xmlns:a14="http://schemas.microsoft.com/office/drawing/2010/main" val="0"/>
+              </a:ext>
+            </a:extLst>
+          </a:blip>
+          <a:stretch>
+            <a:fillRect/>
+          </a:stretch>
+        </p:blipFill>
+        <p:spPr>
+          <a:xfrm>
+            <a:off x="1575394" y="0"/>
+            <a:ext cx="9041212" cy="6858000"/>
+          </a:xfrm>
+          <a:prstGeom prst="rect">
+            <a:avLst/>
+          </a:prstGeom>
+        </p:spPr>
+      </p:pic>
+    </p:spTree>
+    <p:extLst>
+      <p:ext uri="{BB962C8B-B14F-4D97-AF65-F5344CB8AC3E}">
+        <p14:creationId xmlns:p14="http://schemas.microsoft.com/office/powerpoint/2010/main" val="2922935411"/>
+      </p:ext>
+    </p:extLst>
+  </p:cSld>
+  <p:clrMapOvr>
+    <a:masterClrMapping/>
+  </p:clrMapOvr>
+</p:sld>
+</file>
+
+<file path=ppt/slides/slide16.xml><?xml version="1.0" encoding="utf-8"?>
+<p:sld xmlns:a="http://schemas.openxmlformats.org/drawingml/2006/main" xmlns:r="http://schemas.openxmlformats.org/officeDocument/2006/relationships" xmlns:p="http://schemas.openxmlformats.org/presentationml/2006/main">
+  <p:cSld>
+    <p:spTree>
+      <p:nvGrpSpPr>
+        <p:cNvPr id="1" name=""/>
+        <p:cNvGrpSpPr/>
+        <p:nvPr/>
+      </p:nvGrpSpPr>
+      <p:grpSpPr>
+        <a:xfrm>
+          <a:off x="0" y="0"/>
+          <a:ext cx="0" cy="0"/>
+          <a:chOff x="0" y="0"/>
+          <a:chExt cx="0" cy="0"/>
+        </a:xfrm>
+      </p:grpSpPr>
       <mc:AlternateContent xmlns:mc="http://schemas.openxmlformats.org/markup-compatibility/2006" xmlns:a14="http://schemas.microsoft.com/office/drawing/2010/main">
         <mc:Choice Requires="a14">
           <p:sp>
@@ -8149,7 +8216,7 @@
 </p:sld>
 </file>
 
-<file path=ppt/slides/slide16.xml><?xml version="1.0" encoding="utf-8"?>
+<file path=ppt/slides/slide17.xml><?xml version="1.0" encoding="utf-8"?>
 <p:sld xmlns:a="http://schemas.openxmlformats.org/drawingml/2006/main" xmlns:r="http://schemas.openxmlformats.org/officeDocument/2006/relationships" xmlns:p="http://schemas.openxmlformats.org/presentationml/2006/main">
   <p:cSld>
     <p:spTree>
@@ -8611,7 +8678,7 @@
 </p:sld>
 </file>
 
-<file path=ppt/slides/slide17.xml><?xml version="1.0" encoding="utf-8"?>
+<file path=ppt/slides/slide18.xml><?xml version="1.0" encoding="utf-8"?>
 <p:sld xmlns:a="http://schemas.openxmlformats.org/drawingml/2006/main" xmlns:r="http://schemas.openxmlformats.org/officeDocument/2006/relationships" xmlns:p="http://schemas.openxmlformats.org/presentationml/2006/main">
   <p:cSld>
     <p:spTree>
@@ -8697,7 +8764,7 @@
 </p:sld>
 </file>
 
-<file path=ppt/slides/slide18.xml><?xml version="1.0" encoding="utf-8"?>
+<file path=ppt/slides/slide19.xml><?xml version="1.0" encoding="utf-8"?>
 <p:sld xmlns:a="http://schemas.openxmlformats.org/drawingml/2006/main" xmlns:r="http://schemas.openxmlformats.org/officeDocument/2006/relationships" xmlns:p="http://schemas.openxmlformats.org/presentationml/2006/main">
   <p:cSld>
     <p:spTree>
@@ -9320,7 +9387,214 @@
 </p:sld>
 </file>
 
-<file path=ppt/slides/slide19.xml><?xml version="1.0" encoding="utf-8"?>
+<file path=ppt/slides/slide2.xml><?xml version="1.0" encoding="utf-8"?>
+<p:sld xmlns:a="http://schemas.openxmlformats.org/drawingml/2006/main" xmlns:r="http://schemas.openxmlformats.org/officeDocument/2006/relationships" xmlns:p="http://schemas.openxmlformats.org/presentationml/2006/main">
+  <p:cSld>
+    <p:spTree>
+      <p:nvGrpSpPr>
+        <p:cNvPr id="1" name=""/>
+        <p:cNvGrpSpPr/>
+        <p:nvPr/>
+      </p:nvGrpSpPr>
+      <p:grpSpPr>
+        <a:xfrm>
+          <a:off x="0" y="0"/>
+          <a:ext cx="0" cy="0"/>
+          <a:chOff x="0" y="0"/>
+          <a:chExt cx="0" cy="0"/>
+        </a:xfrm>
+      </p:grpSpPr>
+      <p:sp>
+        <p:nvSpPr>
+          <p:cNvPr id="2" name="標題 1"/>
+          <p:cNvSpPr>
+            <a:spLocks noGrp="1"/>
+          </p:cNvSpPr>
+          <p:nvPr>
+            <p:ph type="title"/>
+          </p:nvPr>
+        </p:nvSpPr>
+        <p:spPr/>
+        <p:txBody>
+          <a:bodyPr/>
+          <a:lstStyle/>
+          <a:p>
+            <a:pPr algn="ctr"/>
+            <a:r>
+              <a:rPr lang="en-US" altLang="zh-TW" dirty="0"/>
+              <a:t>Introduction</a:t>
+            </a:r>
+            <a:endParaRPr lang="zh-TW" altLang="en-US" dirty="0"/>
+          </a:p>
+        </p:txBody>
+      </p:sp>
+      <mc:AlternateContent xmlns:mc="http://schemas.openxmlformats.org/markup-compatibility/2006" xmlns:a14="http://schemas.microsoft.com/office/drawing/2010/main">
+        <mc:Choice Requires="a14">
+          <p:sp>
+            <p:nvSpPr>
+              <p:cNvPr id="3" name="內容版面配置區 2"/>
+              <p:cNvSpPr>
+                <a:spLocks noGrp="1"/>
+              </p:cNvSpPr>
+              <p:nvPr>
+                <p:ph idx="1"/>
+              </p:nvPr>
+            </p:nvSpPr>
+            <p:spPr/>
+            <p:txBody>
+              <a:bodyPr/>
+              <a:lstStyle/>
+              <a:p>
+                <a:pPr marL="0" indent="0">
+                  <a:buNone/>
+                </a:pPr>
+                <a:endParaRPr lang="en-US" altLang="zh-TW" dirty="0"/>
+              </a:p>
+              <a:p>
+                <a:r>
+                  <a:rPr lang="en-US" altLang="zh-TW" dirty="0"/>
+                  <a:t>CG is the most popular iterative method for solving large systems of linear equations.</a:t>
+                </a:r>
+              </a:p>
+              <a:p>
+                <a:endParaRPr lang="en-US" altLang="zh-TW" dirty="0"/>
+              </a:p>
+              <a:p>
+                <a:pPr marL="0" indent="0">
+                  <a:buNone/>
+                </a:pPr>
+                <a14:m>
+                  <m:oMathPara xmlns:m="http://schemas.openxmlformats.org/officeDocument/2006/math">
+                    <m:oMathParaPr>
+                      <m:jc m:val="centerGroup"/>
+                    </m:oMathParaPr>
+                    <m:oMath xmlns:m="http://schemas.openxmlformats.org/officeDocument/2006/math">
+                      <m:r>
+                        <a:rPr lang="en-US" altLang="zh-TW" b="0" i="1" smtClean="0">
+                          <a:latin typeface="Cambria Math" panose="02040503050406030204" pitchFamily="18" charset="0"/>
+                        </a:rPr>
+                        <m:t>𝐴𝑥</m:t>
+                      </m:r>
+                      <m:r>
+                        <a:rPr lang="en-US" altLang="zh-TW" b="0" i="1" smtClean="0">
+                          <a:latin typeface="Cambria Math" panose="02040503050406030204" pitchFamily="18" charset="0"/>
+                        </a:rPr>
+                        <m:t>=</m:t>
+                      </m:r>
+                      <m:r>
+                        <a:rPr lang="en-US" altLang="zh-TW" b="0" i="1" smtClean="0">
+                          <a:latin typeface="Cambria Math" panose="02040503050406030204" pitchFamily="18" charset="0"/>
+                        </a:rPr>
+                        <m:t>𝑏</m:t>
+                      </m:r>
+                    </m:oMath>
+                  </m:oMathPara>
+                </a14:m>
+                <a:endParaRPr lang="en-US" altLang="zh-TW" dirty="0"/>
+              </a:p>
+              <a:p>
+                <a:pPr marL="0" indent="0">
+                  <a:buNone/>
+                </a:pPr>
+                <a:r>
+                  <a:rPr lang="en-US" altLang="zh-TW" dirty="0"/>
+                  <a:t>x : unknown vector (what we want to solve)</a:t>
+                </a:r>
+              </a:p>
+              <a:p>
+                <a:pPr marL="0" indent="0">
+                  <a:buNone/>
+                </a:pPr>
+                <a:r>
+                  <a:rPr lang="en-US" altLang="zh-TW" dirty="0"/>
+                  <a:t>b :</a:t>
+                </a:r>
+                <a:r>
+                  <a:rPr lang="zh-TW" altLang="en-US" dirty="0"/>
+                  <a:t> </a:t>
+                </a:r>
+                <a:r>
+                  <a:rPr lang="en-US" altLang="zh-TW" dirty="0"/>
+                  <a:t>known vector </a:t>
+                </a:r>
+              </a:p>
+              <a:p>
+                <a:pPr marL="0" indent="0">
+                  <a:buNone/>
+                </a:pPr>
+                <a:r>
+                  <a:rPr lang="en-US" altLang="zh-TW" dirty="0"/>
+                  <a:t>A</a:t>
+                </a:r>
+                <a:r>
+                  <a:rPr lang="zh-TW" altLang="en-US" dirty="0"/>
+                  <a:t> </a:t>
+                </a:r>
+                <a:r>
+                  <a:rPr lang="en-US" altLang="zh-TW" dirty="0"/>
+                  <a:t>:</a:t>
+                </a:r>
+                <a:r>
+                  <a:rPr lang="zh-TW" altLang="en-US" dirty="0"/>
+                  <a:t> </a:t>
+                </a:r>
+                <a:r>
+                  <a:rPr lang="en-US" altLang="zh-TW" dirty="0"/>
+                  <a:t>square, symmetric, positive-definite matrix .</a:t>
+                </a:r>
+                <a:endParaRPr lang="zh-TW" altLang="en-US" dirty="0"/>
+              </a:p>
+            </p:txBody>
+          </p:sp>
+        </mc:Choice>
+        <mc:Fallback xmlns="">
+          <p:sp>
+            <p:nvSpPr>
+              <p:cNvPr id="3" name="內容版面配置區 2"/>
+              <p:cNvSpPr>
+                <a:spLocks noGrp="1" noRot="1" noChangeAspect="1" noMove="1" noResize="1" noEditPoints="1" noAdjustHandles="1" noChangeArrowheads="1" noChangeShapeType="1" noTextEdit="1"/>
+              </p:cNvSpPr>
+              <p:nvPr>
+                <p:ph idx="1"/>
+              </p:nvPr>
+            </p:nvSpPr>
+            <p:spPr>
+              <a:blipFill>
+                <a:blip r:embed="rId2"/>
+                <a:stretch>
+                  <a:fillRect l="-1217"/>
+                </a:stretch>
+              </a:blipFill>
+            </p:spPr>
+            <p:txBody>
+              <a:bodyPr/>
+              <a:lstStyle/>
+              <a:p>
+                <a:r>
+                  <a:rPr lang="zh-TW" altLang="en-US">
+                    <a:noFill/>
+                  </a:rPr>
+                  <a:t> </a:t>
+                </a:r>
+              </a:p>
+            </p:txBody>
+          </p:sp>
+        </mc:Fallback>
+      </mc:AlternateContent>
+    </p:spTree>
+    <p:extLst>
+      <p:ext uri="{BB962C8B-B14F-4D97-AF65-F5344CB8AC3E}">
+        <p14:creationId xmlns:p14="http://schemas.microsoft.com/office/powerpoint/2010/main" val="1603226367"/>
+      </p:ext>
+    </p:extLst>
+  </p:cSld>
+  <p:clrMapOvr>
+    <a:masterClrMapping/>
+  </p:clrMapOvr>
+</p:sld>
+</file>
+
+<file path=ppt/slides/slide20.xml><?xml version="1.0" encoding="utf-8"?>
 <p:sld xmlns:a="http://schemas.openxmlformats.org/drawingml/2006/main" xmlns:r="http://schemas.openxmlformats.org/officeDocument/2006/relationships" xmlns:p="http://schemas.openxmlformats.org/presentationml/2006/main">
   <p:cSld>
     <p:spTree>
@@ -10507,214 +10781,7 @@
 </p:sld>
 </file>
 
-<file path=ppt/slides/slide2.xml><?xml version="1.0" encoding="utf-8"?>
-<p:sld xmlns:a="http://schemas.openxmlformats.org/drawingml/2006/main" xmlns:r="http://schemas.openxmlformats.org/officeDocument/2006/relationships" xmlns:p="http://schemas.openxmlformats.org/presentationml/2006/main">
-  <p:cSld>
-    <p:spTree>
-      <p:nvGrpSpPr>
-        <p:cNvPr id="1" name=""/>
-        <p:cNvGrpSpPr/>
-        <p:nvPr/>
-      </p:nvGrpSpPr>
-      <p:grpSpPr>
-        <a:xfrm>
-          <a:off x="0" y="0"/>
-          <a:ext cx="0" cy="0"/>
-          <a:chOff x="0" y="0"/>
-          <a:chExt cx="0" cy="0"/>
-        </a:xfrm>
-      </p:grpSpPr>
-      <p:sp>
-        <p:nvSpPr>
-          <p:cNvPr id="2" name="標題 1"/>
-          <p:cNvSpPr>
-            <a:spLocks noGrp="1"/>
-          </p:cNvSpPr>
-          <p:nvPr>
-            <p:ph type="title"/>
-          </p:nvPr>
-        </p:nvSpPr>
-        <p:spPr/>
-        <p:txBody>
-          <a:bodyPr/>
-          <a:lstStyle/>
-          <a:p>
-            <a:pPr algn="ctr"/>
-            <a:r>
-              <a:rPr lang="en-US" altLang="zh-TW" dirty="0"/>
-              <a:t>Introduction</a:t>
-            </a:r>
-            <a:endParaRPr lang="zh-TW" altLang="en-US" dirty="0"/>
-          </a:p>
-        </p:txBody>
-      </p:sp>
-      <mc:AlternateContent xmlns:mc="http://schemas.openxmlformats.org/markup-compatibility/2006" xmlns:a14="http://schemas.microsoft.com/office/drawing/2010/main">
-        <mc:Choice Requires="a14">
-          <p:sp>
-            <p:nvSpPr>
-              <p:cNvPr id="3" name="內容版面配置區 2"/>
-              <p:cNvSpPr>
-                <a:spLocks noGrp="1"/>
-              </p:cNvSpPr>
-              <p:nvPr>
-                <p:ph idx="1"/>
-              </p:nvPr>
-            </p:nvSpPr>
-            <p:spPr/>
-            <p:txBody>
-              <a:bodyPr/>
-              <a:lstStyle/>
-              <a:p>
-                <a:pPr marL="0" indent="0">
-                  <a:buNone/>
-                </a:pPr>
-                <a:endParaRPr lang="en-US" altLang="zh-TW" dirty="0"/>
-              </a:p>
-              <a:p>
-                <a:r>
-                  <a:rPr lang="en-US" altLang="zh-TW" dirty="0"/>
-                  <a:t>CG is the most popular iterative method for solving large systems of linear equations.</a:t>
-                </a:r>
-              </a:p>
-              <a:p>
-                <a:endParaRPr lang="en-US" altLang="zh-TW" dirty="0"/>
-              </a:p>
-              <a:p>
-                <a:pPr marL="0" indent="0">
-                  <a:buNone/>
-                </a:pPr>
-                <a14:m>
-                  <m:oMathPara xmlns:m="http://schemas.openxmlformats.org/officeDocument/2006/math">
-                    <m:oMathParaPr>
-                      <m:jc m:val="centerGroup"/>
-                    </m:oMathParaPr>
-                    <m:oMath xmlns:m="http://schemas.openxmlformats.org/officeDocument/2006/math">
-                      <m:r>
-                        <a:rPr lang="en-US" altLang="zh-TW" b="0" i="1" smtClean="0">
-                          <a:latin typeface="Cambria Math" panose="02040503050406030204" pitchFamily="18" charset="0"/>
-                        </a:rPr>
-                        <m:t>𝐴𝑥</m:t>
-                      </m:r>
-                      <m:r>
-                        <a:rPr lang="en-US" altLang="zh-TW" b="0" i="1" smtClean="0">
-                          <a:latin typeface="Cambria Math" panose="02040503050406030204" pitchFamily="18" charset="0"/>
-                        </a:rPr>
-                        <m:t>=</m:t>
-                      </m:r>
-                      <m:r>
-                        <a:rPr lang="en-US" altLang="zh-TW" b="0" i="1" smtClean="0">
-                          <a:latin typeface="Cambria Math" panose="02040503050406030204" pitchFamily="18" charset="0"/>
-                        </a:rPr>
-                        <m:t>𝑏</m:t>
-                      </m:r>
-                    </m:oMath>
-                  </m:oMathPara>
-                </a14:m>
-                <a:endParaRPr lang="en-US" altLang="zh-TW" dirty="0"/>
-              </a:p>
-              <a:p>
-                <a:pPr marL="0" indent="0">
-                  <a:buNone/>
-                </a:pPr>
-                <a:r>
-                  <a:rPr lang="en-US" altLang="zh-TW" dirty="0"/>
-                  <a:t>x : unknown vector (what we want to solve)</a:t>
-                </a:r>
-              </a:p>
-              <a:p>
-                <a:pPr marL="0" indent="0">
-                  <a:buNone/>
-                </a:pPr>
-                <a:r>
-                  <a:rPr lang="en-US" altLang="zh-TW" dirty="0"/>
-                  <a:t>b :</a:t>
-                </a:r>
-                <a:r>
-                  <a:rPr lang="zh-TW" altLang="en-US" dirty="0"/>
-                  <a:t> </a:t>
-                </a:r>
-                <a:r>
-                  <a:rPr lang="en-US" altLang="zh-TW" dirty="0"/>
-                  <a:t>known vector </a:t>
-                </a:r>
-              </a:p>
-              <a:p>
-                <a:pPr marL="0" indent="0">
-                  <a:buNone/>
-                </a:pPr>
-                <a:r>
-                  <a:rPr lang="en-US" altLang="zh-TW" dirty="0"/>
-                  <a:t>A</a:t>
-                </a:r>
-                <a:r>
-                  <a:rPr lang="zh-TW" altLang="en-US" dirty="0"/>
-                  <a:t> </a:t>
-                </a:r>
-                <a:r>
-                  <a:rPr lang="en-US" altLang="zh-TW" dirty="0"/>
-                  <a:t>:</a:t>
-                </a:r>
-                <a:r>
-                  <a:rPr lang="zh-TW" altLang="en-US" dirty="0"/>
-                  <a:t> </a:t>
-                </a:r>
-                <a:r>
-                  <a:rPr lang="en-US" altLang="zh-TW" dirty="0"/>
-                  <a:t>square, symmetric, positive-definite matrix .</a:t>
-                </a:r>
-                <a:endParaRPr lang="zh-TW" altLang="en-US" dirty="0"/>
-              </a:p>
-            </p:txBody>
-          </p:sp>
-        </mc:Choice>
-        <mc:Fallback xmlns="">
-          <p:sp>
-            <p:nvSpPr>
-              <p:cNvPr id="3" name="內容版面配置區 2"/>
-              <p:cNvSpPr>
-                <a:spLocks noGrp="1" noRot="1" noChangeAspect="1" noMove="1" noResize="1" noEditPoints="1" noAdjustHandles="1" noChangeArrowheads="1" noChangeShapeType="1" noTextEdit="1"/>
-              </p:cNvSpPr>
-              <p:nvPr>
-                <p:ph idx="1"/>
-              </p:nvPr>
-            </p:nvSpPr>
-            <p:spPr>
-              <a:blipFill>
-                <a:blip r:embed="rId2"/>
-                <a:stretch>
-                  <a:fillRect l="-1217"/>
-                </a:stretch>
-              </a:blipFill>
-            </p:spPr>
-            <p:txBody>
-              <a:bodyPr/>
-              <a:lstStyle/>
-              <a:p>
-                <a:r>
-                  <a:rPr lang="zh-TW" altLang="en-US">
-                    <a:noFill/>
-                  </a:rPr>
-                  <a:t> </a:t>
-                </a:r>
-              </a:p>
-            </p:txBody>
-          </p:sp>
-        </mc:Fallback>
-      </mc:AlternateContent>
-    </p:spTree>
-    <p:extLst>
-      <p:ext uri="{BB962C8B-B14F-4D97-AF65-F5344CB8AC3E}">
-        <p14:creationId xmlns:p14="http://schemas.microsoft.com/office/powerpoint/2010/main" val="1603226367"/>
-      </p:ext>
-    </p:extLst>
-  </p:cSld>
-  <p:clrMapOvr>
-    <a:masterClrMapping/>
-  </p:clrMapOvr>
-</p:sld>
-</file>
-
-<file path=ppt/slides/slide20.xml><?xml version="1.0" encoding="utf-8"?>
+<file path=ppt/slides/slide21.xml><?xml version="1.0" encoding="utf-8"?>
 <p:sld xmlns:a="http://schemas.openxmlformats.org/drawingml/2006/main" xmlns:r="http://schemas.openxmlformats.org/officeDocument/2006/relationships" xmlns:p="http://schemas.openxmlformats.org/presentationml/2006/main">
   <p:cSld>
     <p:spTree>
@@ -11897,7 +11964,7 @@
 </p:sld>
 </file>
 
-<file path=ppt/slides/slide21.xml><?xml version="1.0" encoding="utf-8"?>
+<file path=ppt/slides/slide22.xml><?xml version="1.0" encoding="utf-8"?>
 <p:sld xmlns:a="http://schemas.openxmlformats.org/drawingml/2006/main" xmlns:r="http://schemas.openxmlformats.org/officeDocument/2006/relationships" xmlns:p="http://schemas.openxmlformats.org/presentationml/2006/main">
   <p:cSld>
     <p:spTree>
@@ -12319,7 +12386,7 @@
 </p:sld>
 </file>
 
-<file path=ppt/slides/slide22.xml><?xml version="1.0" encoding="utf-8"?>
+<file path=ppt/slides/slide23.xml><?xml version="1.0" encoding="utf-8"?>
 <p:sld xmlns:a="http://schemas.openxmlformats.org/drawingml/2006/main" xmlns:r="http://schemas.openxmlformats.org/officeDocument/2006/relationships" xmlns:p="http://schemas.openxmlformats.org/presentationml/2006/main">
   <p:cSld>
     <p:spTree>

--- a/Final Project - Conjugate Gradient method.pptx
+++ b/Final Project - Conjugate Gradient method.pptx
@@ -17,12 +17,12 @@
     <p:sldId id="262" r:id="rId8"/>
     <p:sldId id="263" r:id="rId9"/>
     <p:sldId id="264" r:id="rId10"/>
-    <p:sldId id="275" r:id="rId11"/>
-    <p:sldId id="278" r:id="rId12"/>
-    <p:sldId id="279" r:id="rId13"/>
-    <p:sldId id="282" r:id="rId14"/>
-    <p:sldId id="281" r:id="rId15"/>
-    <p:sldId id="284" r:id="rId16"/>
+    <p:sldId id="284" r:id="rId11"/>
+    <p:sldId id="275" r:id="rId12"/>
+    <p:sldId id="282" r:id="rId13"/>
+    <p:sldId id="281" r:id="rId14"/>
+    <p:sldId id="278" r:id="rId15"/>
+    <p:sldId id="279" r:id="rId16"/>
     <p:sldId id="280" r:id="rId17"/>
     <p:sldId id="283" r:id="rId18"/>
     <p:sldId id="272" r:id="rId19"/>
@@ -140,7 +140,7 @@
 <file path=ppt/charts/chart1.xml><?xml version="1.0" encoding="utf-8"?>
 <c:chartSpace xmlns:c="http://schemas.openxmlformats.org/drawingml/2006/chart" xmlns:a="http://schemas.openxmlformats.org/drawingml/2006/main" xmlns:r="http://schemas.openxmlformats.org/officeDocument/2006/relationships" xmlns:c16r2="http://schemas.microsoft.com/office/drawing/2015/06/chart">
   <c:date1904 val="0"/>
-  <c:lang val="en-US"/>
+  <c:lang val="zh-TW"/>
   <c:roundedCorners val="0"/>
   <mc:AlternateContent xmlns:mc="http://schemas.openxmlformats.org/markup-compatibility/2006">
     <mc:Choice xmlns:c14="http://schemas.microsoft.com/office/drawing/2007/8/2/chart" Requires="c14">
@@ -202,7 +202,7 @@
               <a:cs typeface="+mn-cs"/>
             </a:defRPr>
           </a:pPr>
-          <a:endParaRPr lang="en-TW"/>
+          <a:endParaRPr lang="zh-TW"/>
         </a:p>
       </c:txPr>
     </c:title>
@@ -590,7 +590,7 @@
                 <a:cs typeface="+mn-cs"/>
               </a:defRPr>
             </a:pPr>
-            <a:endParaRPr lang="en-TW"/>
+            <a:endParaRPr lang="zh-TW"/>
           </a:p>
         </c:txPr>
         <c:crossAx val="1628828559"/>
@@ -650,7 +650,7 @@
                 <a:cs typeface="+mn-cs"/>
               </a:defRPr>
             </a:pPr>
-            <a:endParaRPr lang="en-TW"/>
+            <a:endParaRPr lang="zh-TW"/>
           </a:p>
         </c:txPr>
         <c:crossAx val="1628474687"/>
@@ -692,12 +692,13 @@
               <a:cs typeface="+mn-cs"/>
             </a:defRPr>
           </a:pPr>
-          <a:endParaRPr lang="en-TW"/>
+          <a:endParaRPr lang="zh-TW"/>
         </a:p>
       </c:txPr>
     </c:legend>
     <c:plotVisOnly val="1"/>
     <c:dispBlanksAs val="zero"/>
+    <c:showDLblsOverMax val="0"/>
     <c:extLst>
       <c:ext xmlns:c16r3="http://schemas.microsoft.com/office/drawing/2017/03/chart" uri="{56B9EC1D-385E-4148-901F-78D8002777C0}">
         <c16r3:dataDisplayOptions16>
@@ -705,7 +706,6 @@
         </c16r3:dataDisplayOptions16>
       </c:ext>
     </c:extLst>
-    <c:showDLblsOverMax val="0"/>
   </c:chart>
   <c:spPr>
     <a:noFill/>
@@ -721,7 +721,7 @@
       <a:pPr>
         <a:defRPr/>
       </a:pPr>
-      <a:endParaRPr lang="en-TW"/>
+      <a:endParaRPr lang="zh-TW"/>
     </a:p>
   </c:txPr>
   <c:externalData r:id="rId3">
@@ -733,7 +733,7 @@
 <file path=ppt/charts/chart2.xml><?xml version="1.0" encoding="utf-8"?>
 <c:chartSpace xmlns:c="http://schemas.openxmlformats.org/drawingml/2006/chart" xmlns:a="http://schemas.openxmlformats.org/drawingml/2006/main" xmlns:r="http://schemas.openxmlformats.org/officeDocument/2006/relationships" xmlns:c16r2="http://schemas.microsoft.com/office/drawing/2015/06/chart">
   <c:date1904 val="0"/>
-  <c:lang val="en-US"/>
+  <c:lang val="zh-TW"/>
   <c:roundedCorners val="0"/>
   <mc:AlternateContent xmlns:mc="http://schemas.openxmlformats.org/markup-compatibility/2006">
     <mc:Choice xmlns:c14="http://schemas.microsoft.com/office/drawing/2007/8/2/chart" Requires="c14">
@@ -795,7 +795,7 @@
               <a:cs typeface="+mn-cs"/>
             </a:defRPr>
           </a:pPr>
-          <a:endParaRPr lang="en-TW"/>
+          <a:endParaRPr lang="zh-TW"/>
         </a:p>
       </c:txPr>
     </c:title>
@@ -1069,7 +1069,7 @@
                 <a:cs typeface="+mn-cs"/>
               </a:defRPr>
             </a:pPr>
-            <a:endParaRPr lang="en-TW"/>
+            <a:endParaRPr lang="zh-TW"/>
           </a:p>
         </c:txPr>
         <c:crossAx val="1507968847"/>
@@ -1128,7 +1128,7 @@
                 <a:cs typeface="+mn-cs"/>
               </a:defRPr>
             </a:pPr>
-            <a:endParaRPr lang="en-TW"/>
+            <a:endParaRPr lang="zh-TW"/>
           </a:p>
         </c:txPr>
         <c:crossAx val="1507967199"/>
@@ -1170,12 +1170,13 @@
               <a:cs typeface="+mn-cs"/>
             </a:defRPr>
           </a:pPr>
-          <a:endParaRPr lang="en-TW"/>
+          <a:endParaRPr lang="zh-TW"/>
         </a:p>
       </c:txPr>
     </c:legend>
     <c:plotVisOnly val="1"/>
     <c:dispBlanksAs val="gap"/>
+    <c:showDLblsOverMax val="0"/>
     <c:extLst>
       <c:ext xmlns:c16r3="http://schemas.microsoft.com/office/drawing/2017/03/chart" uri="{56B9EC1D-385E-4148-901F-78D8002777C0}">
         <c16r3:dataDisplayOptions16>
@@ -1183,7 +1184,6 @@
         </c16r3:dataDisplayOptions16>
       </c:ext>
     </c:extLst>
-    <c:showDLblsOverMax val="0"/>
   </c:chart>
   <c:spPr>
     <a:noFill/>
@@ -1199,7 +1199,7 @@
       <a:pPr>
         <a:defRPr/>
       </a:pPr>
-      <a:endParaRPr lang="en-TW"/>
+      <a:endParaRPr lang="zh-TW"/>
     </a:p>
   </c:txPr>
   <c:externalData r:id="rId3">
@@ -2389,7 +2389,7 @@
           <a:p>
             <a:fld id="{687D9C08-B1B0-4146-969E-D3934BB932B4}" type="datetimeFigureOut">
               <a:rPr lang="en-TW" smtClean="0"/>
-              <a:t>2021/6/22</a:t>
+              <a:t>06/22/2021</a:t>
             </a:fld>
             <a:endParaRPr lang="en-TW"/>
           </a:p>
@@ -5680,10 +5680,83 @@
   <p:clrMapOvr>
     <a:masterClrMapping/>
   </p:clrMapOvr>
+  <p:timing>
+    <p:tnLst>
+      <p:par>
+        <p:cTn id="1" dur="indefinite" restart="never" nodeType="tmRoot"/>
+      </p:par>
+    </p:tnLst>
+  </p:timing>
 </p:sld>
 </file>
 
 <file path=ppt/slides/slide10.xml><?xml version="1.0" encoding="utf-8"?>
+<p:sld xmlns:a="http://schemas.openxmlformats.org/drawingml/2006/main" xmlns:r="http://schemas.openxmlformats.org/officeDocument/2006/relationships" xmlns:p="http://schemas.openxmlformats.org/presentationml/2006/main">
+  <p:cSld>
+    <p:spTree>
+      <p:nvGrpSpPr>
+        <p:cNvPr id="1" name=""/>
+        <p:cNvGrpSpPr/>
+        <p:nvPr/>
+      </p:nvGrpSpPr>
+      <p:grpSpPr>
+        <a:xfrm>
+          <a:off x="0" y="0"/>
+          <a:ext cx="0" cy="0"/>
+          <a:chOff x="0" y="0"/>
+          <a:chExt cx="0" cy="0"/>
+        </a:xfrm>
+      </p:grpSpPr>
+      <p:pic>
+        <p:nvPicPr>
+          <p:cNvPr id="2" name="Picture 1">
+            <a:extLst>
+              <a:ext uri="{FF2B5EF4-FFF2-40B4-BE49-F238E27FC236}">
+                <a16:creationId xmlns:a16="http://schemas.microsoft.com/office/drawing/2014/main" id="{32A2097B-0E7F-0841-BC30-65950D9AC260}"/>
+              </a:ext>
+            </a:extLst>
+          </p:cNvPr>
+          <p:cNvPicPr>
+            <a:picLocks noChangeAspect="1"/>
+          </p:cNvPicPr>
+          <p:nvPr/>
+        </p:nvPicPr>
+        <p:blipFill>
+          <a:blip r:embed="rId2">
+            <a:extLst>
+              <a:ext uri="{28A0092B-C50C-407E-A947-70E740481C1C}">
+                <a14:useLocalDpi xmlns:a14="http://schemas.microsoft.com/office/drawing/2010/main" val="0"/>
+              </a:ext>
+            </a:extLst>
+          </a:blip>
+          <a:stretch>
+            <a:fillRect/>
+          </a:stretch>
+        </p:blipFill>
+        <p:spPr>
+          <a:xfrm>
+            <a:off x="1575394" y="0"/>
+            <a:ext cx="9041212" cy="6858000"/>
+          </a:xfrm>
+          <a:prstGeom prst="rect">
+            <a:avLst/>
+          </a:prstGeom>
+        </p:spPr>
+      </p:pic>
+    </p:spTree>
+    <p:extLst>
+      <p:ext uri="{BB962C8B-B14F-4D97-AF65-F5344CB8AC3E}">
+        <p14:creationId xmlns:p14="http://schemas.microsoft.com/office/powerpoint/2010/main" val="2922935411"/>
+      </p:ext>
+    </p:extLst>
+  </p:cSld>
+  <p:clrMapOvr>
+    <a:masterClrMapping/>
+  </p:clrMapOvr>
+</p:sld>
+</file>
+
+<file path=ppt/slides/slide11.xml><?xml version="1.0" encoding="utf-8"?>
 <p:sld xmlns:a="http://schemas.openxmlformats.org/drawingml/2006/main" xmlns:r="http://schemas.openxmlformats.org/officeDocument/2006/relationships" xmlns:p="http://schemas.openxmlformats.org/presentationml/2006/main">
   <p:cSld>
     <p:spTree>
@@ -5715,7 +5788,7 @@
           <p:nvPr/>
         </p:nvPicPr>
         <p:blipFill>
-          <a:blip r:embed="rId2">
+          <a:blip r:embed="rId2" cstate="print">
             <a:extLst>
               <a:ext uri="{28A0092B-C50C-407E-A947-70E740481C1C}">
                 <a14:useLocalDpi xmlns:a14="http://schemas.microsoft.com/office/drawing/2010/main" val="0"/>
@@ -5749,7 +5822,137 @@
 </p:sld>
 </file>
 
-<file path=ppt/slides/slide11.xml><?xml version="1.0" encoding="utf-8"?>
+<file path=ppt/slides/slide12.xml><?xml version="1.0" encoding="utf-8"?>
+<p:sld xmlns:a="http://schemas.openxmlformats.org/drawingml/2006/main" xmlns:r="http://schemas.openxmlformats.org/officeDocument/2006/relationships" xmlns:p="http://schemas.openxmlformats.org/presentationml/2006/main">
+  <p:cSld>
+    <p:spTree>
+      <p:nvGrpSpPr>
+        <p:cNvPr id="1" name=""/>
+        <p:cNvGrpSpPr/>
+        <p:nvPr/>
+      </p:nvGrpSpPr>
+      <p:grpSpPr>
+        <a:xfrm>
+          <a:off x="0" y="0"/>
+          <a:ext cx="0" cy="0"/>
+          <a:chOff x="0" y="0"/>
+          <a:chExt cx="0" cy="0"/>
+        </a:xfrm>
+      </p:grpSpPr>
+      <p:pic>
+        <p:nvPicPr>
+          <p:cNvPr id="3" name="Picture 2">
+            <a:extLst>
+              <a:ext uri="{FF2B5EF4-FFF2-40B4-BE49-F238E27FC236}">
+                <a16:creationId xmlns:a16="http://schemas.microsoft.com/office/drawing/2014/main" id="{C579F654-33B4-B548-9FD1-4DAA9192A3DC}"/>
+              </a:ext>
+            </a:extLst>
+          </p:cNvPr>
+          <p:cNvPicPr>
+            <a:picLocks noChangeAspect="1"/>
+          </p:cNvPicPr>
+          <p:nvPr/>
+        </p:nvPicPr>
+        <p:blipFill rotWithShape="1">
+          <a:blip r:embed="rId2">
+            <a:extLst>
+              <a:ext uri="{28A0092B-C50C-407E-A947-70E740481C1C}">
+                <a14:useLocalDpi xmlns:a14="http://schemas.microsoft.com/office/drawing/2010/main" val="0"/>
+              </a:ext>
+            </a:extLst>
+          </a:blip>
+          <a:srcRect r="27160"/>
+          <a:stretch/>
+        </p:blipFill>
+        <p:spPr>
+          <a:xfrm>
+            <a:off x="1678010" y="0"/>
+            <a:ext cx="8835980" cy="6858000"/>
+          </a:xfrm>
+          <a:prstGeom prst="rect">
+            <a:avLst/>
+          </a:prstGeom>
+        </p:spPr>
+      </p:pic>
+    </p:spTree>
+    <p:extLst>
+      <p:ext uri="{BB962C8B-B14F-4D97-AF65-F5344CB8AC3E}">
+        <p14:creationId xmlns:p14="http://schemas.microsoft.com/office/powerpoint/2010/main" val="739629176"/>
+      </p:ext>
+    </p:extLst>
+  </p:cSld>
+  <p:clrMapOvr>
+    <a:masterClrMapping/>
+  </p:clrMapOvr>
+</p:sld>
+</file>
+
+<file path=ppt/slides/slide13.xml><?xml version="1.0" encoding="utf-8"?>
+<p:sld xmlns:a="http://schemas.openxmlformats.org/drawingml/2006/main" xmlns:r="http://schemas.openxmlformats.org/officeDocument/2006/relationships" xmlns:p="http://schemas.openxmlformats.org/presentationml/2006/main">
+  <p:cSld>
+    <p:spTree>
+      <p:nvGrpSpPr>
+        <p:cNvPr id="1" name=""/>
+        <p:cNvGrpSpPr/>
+        <p:nvPr/>
+      </p:nvGrpSpPr>
+      <p:grpSpPr>
+        <a:xfrm>
+          <a:off x="0" y="0"/>
+          <a:ext cx="0" cy="0"/>
+          <a:chOff x="0" y="0"/>
+          <a:chExt cx="0" cy="0"/>
+        </a:xfrm>
+      </p:grpSpPr>
+      <p:pic>
+        <p:nvPicPr>
+          <p:cNvPr id="5" name="Picture 4">
+            <a:extLst>
+              <a:ext uri="{FF2B5EF4-FFF2-40B4-BE49-F238E27FC236}">
+                <a16:creationId xmlns:a16="http://schemas.microsoft.com/office/drawing/2014/main" id="{CB84EDA7-EB95-3B4A-838C-61FC5E92AEF9}"/>
+              </a:ext>
+            </a:extLst>
+          </p:cNvPr>
+          <p:cNvPicPr>
+            <a:picLocks noChangeAspect="1"/>
+          </p:cNvPicPr>
+          <p:nvPr/>
+        </p:nvPicPr>
+        <p:blipFill rotWithShape="1">
+          <a:blip r:embed="rId2">
+            <a:extLst>
+              <a:ext uri="{28A0092B-C50C-407E-A947-70E740481C1C}">
+                <a14:useLocalDpi xmlns:a14="http://schemas.microsoft.com/office/drawing/2010/main" val="0"/>
+              </a:ext>
+            </a:extLst>
+          </a:blip>
+          <a:srcRect r="27816"/>
+          <a:stretch/>
+        </p:blipFill>
+        <p:spPr>
+          <a:xfrm>
+            <a:off x="2260600" y="0"/>
+            <a:ext cx="7670800" cy="6858000"/>
+          </a:xfrm>
+          <a:prstGeom prst="rect">
+            <a:avLst/>
+          </a:prstGeom>
+        </p:spPr>
+      </p:pic>
+    </p:spTree>
+    <p:extLst>
+      <p:ext uri="{BB962C8B-B14F-4D97-AF65-F5344CB8AC3E}">
+        <p14:creationId xmlns:p14="http://schemas.microsoft.com/office/powerpoint/2010/main" val="1903056086"/>
+      </p:ext>
+    </p:extLst>
+  </p:cSld>
+  <p:clrMapOvr>
+    <a:masterClrMapping/>
+  </p:clrMapOvr>
+</p:sld>
+</file>
+
+<file path=ppt/slides/slide14.xml><?xml version="1.0" encoding="utf-8"?>
 <p:sld xmlns:a="http://schemas.openxmlformats.org/drawingml/2006/main" xmlns:r="http://schemas.openxmlformats.org/officeDocument/2006/relationships" xmlns:p="http://schemas.openxmlformats.org/presentationml/2006/main">
   <p:cSld>
     <p:spTree>
@@ -5815,7 +6018,7 @@
 </p:sld>
 </file>
 
-<file path=ppt/slides/slide12.xml><?xml version="1.0" encoding="utf-8"?>
+<file path=ppt/slides/slide15.xml><?xml version="1.0" encoding="utf-8"?>
 <p:sld xmlns:a="http://schemas.openxmlformats.org/drawingml/2006/main" xmlns:r="http://schemas.openxmlformats.org/officeDocument/2006/relationships" xmlns:p="http://schemas.openxmlformats.org/presentationml/2006/main">
   <p:cSld>
     <p:spTree>
@@ -5871,202 +6074,6 @@
     <p:extLst>
       <p:ext uri="{BB962C8B-B14F-4D97-AF65-F5344CB8AC3E}">
         <p14:creationId xmlns:p14="http://schemas.microsoft.com/office/powerpoint/2010/main" val="267294329"/>
-      </p:ext>
-    </p:extLst>
-  </p:cSld>
-  <p:clrMapOvr>
-    <a:masterClrMapping/>
-  </p:clrMapOvr>
-</p:sld>
-</file>
-
-<file path=ppt/slides/slide13.xml><?xml version="1.0" encoding="utf-8"?>
-<p:sld xmlns:a="http://schemas.openxmlformats.org/drawingml/2006/main" xmlns:r="http://schemas.openxmlformats.org/officeDocument/2006/relationships" xmlns:p="http://schemas.openxmlformats.org/presentationml/2006/main">
-  <p:cSld>
-    <p:spTree>
-      <p:nvGrpSpPr>
-        <p:cNvPr id="1" name=""/>
-        <p:cNvGrpSpPr/>
-        <p:nvPr/>
-      </p:nvGrpSpPr>
-      <p:grpSpPr>
-        <a:xfrm>
-          <a:off x="0" y="0"/>
-          <a:ext cx="0" cy="0"/>
-          <a:chOff x="0" y="0"/>
-          <a:chExt cx="0" cy="0"/>
-        </a:xfrm>
-      </p:grpSpPr>
-      <p:pic>
-        <p:nvPicPr>
-          <p:cNvPr id="3" name="Picture 2">
-            <a:extLst>
-              <a:ext uri="{FF2B5EF4-FFF2-40B4-BE49-F238E27FC236}">
-                <a16:creationId xmlns:a16="http://schemas.microsoft.com/office/drawing/2014/main" id="{C579F654-33B4-B548-9FD1-4DAA9192A3DC}"/>
-              </a:ext>
-            </a:extLst>
-          </p:cNvPr>
-          <p:cNvPicPr>
-            <a:picLocks noChangeAspect="1"/>
-          </p:cNvPicPr>
-          <p:nvPr/>
-        </p:nvPicPr>
-        <p:blipFill rotWithShape="1">
-          <a:blip r:embed="rId2">
-            <a:extLst>
-              <a:ext uri="{28A0092B-C50C-407E-A947-70E740481C1C}">
-                <a14:useLocalDpi xmlns:a14="http://schemas.microsoft.com/office/drawing/2010/main" val="0"/>
-              </a:ext>
-            </a:extLst>
-          </a:blip>
-          <a:srcRect r="27160"/>
-          <a:stretch/>
-        </p:blipFill>
-        <p:spPr>
-          <a:xfrm>
-            <a:off x="1678010" y="0"/>
-            <a:ext cx="8835980" cy="6858000"/>
-          </a:xfrm>
-          <a:prstGeom prst="rect">
-            <a:avLst/>
-          </a:prstGeom>
-        </p:spPr>
-      </p:pic>
-    </p:spTree>
-    <p:extLst>
-      <p:ext uri="{BB962C8B-B14F-4D97-AF65-F5344CB8AC3E}">
-        <p14:creationId xmlns:p14="http://schemas.microsoft.com/office/powerpoint/2010/main" val="739629176"/>
-      </p:ext>
-    </p:extLst>
-  </p:cSld>
-  <p:clrMapOvr>
-    <a:masterClrMapping/>
-  </p:clrMapOvr>
-</p:sld>
-</file>
-
-<file path=ppt/slides/slide14.xml><?xml version="1.0" encoding="utf-8"?>
-<p:sld xmlns:a="http://schemas.openxmlformats.org/drawingml/2006/main" xmlns:r="http://schemas.openxmlformats.org/officeDocument/2006/relationships" xmlns:p="http://schemas.openxmlformats.org/presentationml/2006/main">
-  <p:cSld>
-    <p:spTree>
-      <p:nvGrpSpPr>
-        <p:cNvPr id="1" name=""/>
-        <p:cNvGrpSpPr/>
-        <p:nvPr/>
-      </p:nvGrpSpPr>
-      <p:grpSpPr>
-        <a:xfrm>
-          <a:off x="0" y="0"/>
-          <a:ext cx="0" cy="0"/>
-          <a:chOff x="0" y="0"/>
-          <a:chExt cx="0" cy="0"/>
-        </a:xfrm>
-      </p:grpSpPr>
-      <p:pic>
-        <p:nvPicPr>
-          <p:cNvPr id="5" name="Picture 4">
-            <a:extLst>
-              <a:ext uri="{FF2B5EF4-FFF2-40B4-BE49-F238E27FC236}">
-                <a16:creationId xmlns:a16="http://schemas.microsoft.com/office/drawing/2014/main" id="{CB84EDA7-EB95-3B4A-838C-61FC5E92AEF9}"/>
-              </a:ext>
-            </a:extLst>
-          </p:cNvPr>
-          <p:cNvPicPr>
-            <a:picLocks noChangeAspect="1"/>
-          </p:cNvPicPr>
-          <p:nvPr/>
-        </p:nvPicPr>
-        <p:blipFill rotWithShape="1">
-          <a:blip r:embed="rId2">
-            <a:extLst>
-              <a:ext uri="{28A0092B-C50C-407E-A947-70E740481C1C}">
-                <a14:useLocalDpi xmlns:a14="http://schemas.microsoft.com/office/drawing/2010/main" val="0"/>
-              </a:ext>
-            </a:extLst>
-          </a:blip>
-          <a:srcRect r="27816"/>
-          <a:stretch/>
-        </p:blipFill>
-        <p:spPr>
-          <a:xfrm>
-            <a:off x="2260600" y="0"/>
-            <a:ext cx="7670800" cy="6858000"/>
-          </a:xfrm>
-          <a:prstGeom prst="rect">
-            <a:avLst/>
-          </a:prstGeom>
-        </p:spPr>
-      </p:pic>
-    </p:spTree>
-    <p:extLst>
-      <p:ext uri="{BB962C8B-B14F-4D97-AF65-F5344CB8AC3E}">
-        <p14:creationId xmlns:p14="http://schemas.microsoft.com/office/powerpoint/2010/main" val="1903056086"/>
-      </p:ext>
-    </p:extLst>
-  </p:cSld>
-  <p:clrMapOvr>
-    <a:masterClrMapping/>
-  </p:clrMapOvr>
-</p:sld>
-</file>
-
-<file path=ppt/slides/slide15.xml><?xml version="1.0" encoding="utf-8"?>
-<p:sld xmlns:a="http://schemas.openxmlformats.org/drawingml/2006/main" xmlns:r="http://schemas.openxmlformats.org/officeDocument/2006/relationships" xmlns:p="http://schemas.openxmlformats.org/presentationml/2006/main">
-  <p:cSld>
-    <p:spTree>
-      <p:nvGrpSpPr>
-        <p:cNvPr id="1" name=""/>
-        <p:cNvGrpSpPr/>
-        <p:nvPr/>
-      </p:nvGrpSpPr>
-      <p:grpSpPr>
-        <a:xfrm>
-          <a:off x="0" y="0"/>
-          <a:ext cx="0" cy="0"/>
-          <a:chOff x="0" y="0"/>
-          <a:chExt cx="0" cy="0"/>
-        </a:xfrm>
-      </p:grpSpPr>
-      <p:pic>
-        <p:nvPicPr>
-          <p:cNvPr id="2" name="Picture 1">
-            <a:extLst>
-              <a:ext uri="{FF2B5EF4-FFF2-40B4-BE49-F238E27FC236}">
-                <a16:creationId xmlns:a16="http://schemas.microsoft.com/office/drawing/2014/main" id="{32A2097B-0E7F-0841-BC30-65950D9AC260}"/>
-              </a:ext>
-            </a:extLst>
-          </p:cNvPr>
-          <p:cNvPicPr>
-            <a:picLocks noChangeAspect="1"/>
-          </p:cNvPicPr>
-          <p:nvPr/>
-        </p:nvPicPr>
-        <p:blipFill>
-          <a:blip r:embed="rId2">
-            <a:extLst>
-              <a:ext uri="{28A0092B-C50C-407E-A947-70E740481C1C}">
-                <a14:useLocalDpi xmlns:a14="http://schemas.microsoft.com/office/drawing/2010/main" val="0"/>
-              </a:ext>
-            </a:extLst>
-          </a:blip>
-          <a:stretch>
-            <a:fillRect/>
-          </a:stretch>
-        </p:blipFill>
-        <p:spPr>
-          <a:xfrm>
-            <a:off x="1575394" y="0"/>
-            <a:ext cx="9041212" cy="6858000"/>
-          </a:xfrm>
-          <a:prstGeom prst="rect">
-            <a:avLst/>
-          </a:prstGeom>
-        </p:spPr>
-      </p:pic>
-    </p:spTree>
-    <p:extLst>
-      <p:ext uri="{BB962C8B-B14F-4D97-AF65-F5344CB8AC3E}">
-        <p14:creationId xmlns:p14="http://schemas.microsoft.com/office/powerpoint/2010/main" val="2922935411"/>
       </p:ext>
     </p:extLst>
   </p:cSld>
@@ -9591,6 +9598,13 @@
   <p:clrMapOvr>
     <a:masterClrMapping/>
   </p:clrMapOvr>
+  <p:timing>
+    <p:tnLst>
+      <p:par>
+        <p:cTn id="1" dur="indefinite" restart="never" nodeType="tmRoot"/>
+      </p:par>
+    </p:tnLst>
+  </p:timing>
 </p:sld>
 </file>
 
@@ -12497,7 +12511,7 @@
           <p:nvPr/>
         </p:nvPicPr>
         <p:blipFill>
-          <a:blip r:embed="rId3">
+          <a:blip r:embed="rId3" cstate="print">
             <a:extLst>
               <a:ext uri="{28A0092B-C50C-407E-A947-70E740481C1C}">
                 <a14:useLocalDpi xmlns:a14="http://schemas.microsoft.com/office/drawing/2010/main" val="0"/>
@@ -12533,7 +12547,7 @@
           <p:nvPr/>
         </p:nvPicPr>
         <p:blipFill>
-          <a:blip r:embed="rId4">
+          <a:blip r:embed="rId4" cstate="print">
             <a:extLst>
               <a:ext uri="{28A0092B-C50C-407E-A947-70E740481C1C}">
                 <a14:useLocalDpi xmlns:a14="http://schemas.microsoft.com/office/drawing/2010/main" val="0"/>
@@ -12569,7 +12583,7 @@
           <p:nvPr/>
         </p:nvPicPr>
         <p:blipFill>
-          <a:blip r:embed="rId4">
+          <a:blip r:embed="rId5" cstate="print">
             <a:extLst>
               <a:ext uri="{28A0092B-C50C-407E-A947-70E740481C1C}">
                 <a14:useLocalDpi xmlns:a14="http://schemas.microsoft.com/office/drawing/2010/main" val="0"/>
@@ -13087,6 +13101,13 @@
   <p:clrMapOvr>
     <a:masterClrMapping/>
   </p:clrMapOvr>
+  <p:timing>
+    <p:tnLst>
+      <p:par>
+        <p:cTn id="1" dur="indefinite" restart="never" nodeType="tmRoot"/>
+      </p:par>
+    </p:tnLst>
+  </p:timing>
 </p:sld>
 </file>
 
@@ -14012,6 +14033,13 @@
   <p:clrMapOvr>
     <a:masterClrMapping/>
   </p:clrMapOvr>
+  <p:timing>
+    <p:tnLst>
+      <p:par>
+        <p:cTn id="1" dur="indefinite" restart="never" nodeType="tmRoot"/>
+      </p:par>
+    </p:tnLst>
+  </p:timing>
 </p:sld>
 </file>
 
@@ -14134,6 +14162,13 @@
   <p:clrMapOvr>
     <a:masterClrMapping/>
   </p:clrMapOvr>
+  <p:timing>
+    <p:tnLst>
+      <p:par>
+        <p:cTn id="1" dur="indefinite" restart="never" nodeType="tmRoot"/>
+      </p:par>
+    </p:tnLst>
+  </p:timing>
 </p:sld>
 </file>
 
@@ -14792,7 +14827,15 @@
             <a:pPr algn="ctr"/>
             <a:r>
               <a:rPr lang="en-US" altLang="zh-TW" dirty="0"/>
-              <a:t>Find a set of -orthogonal search directions</a:t>
+              <a:t>Find a set of </a:t>
+            </a:r>
+            <a:r>
+              <a:rPr lang="en-US" altLang="zh-TW" dirty="0" smtClean="0"/>
+              <a:t>A-orthogonal </a:t>
+            </a:r>
+            <a:r>
+              <a:rPr lang="en-US" altLang="zh-TW" dirty="0"/>
+              <a:t>search directions</a:t>
             </a:r>
             <a:endParaRPr lang="zh-TW" altLang="en-US" dirty="0"/>
           </a:p>
